--- a/Figures and settings.pptx
+++ b/Figures and settings.pptx
@@ -5,30 +5,31 @@
     <p:sldMasterId id="2147483648" r:id="rId1"/>
   </p:sldMasterIdLst>
   <p:notesMasterIdLst>
-    <p:notesMasterId r:id="rId23"/>
+    <p:notesMasterId r:id="rId24"/>
   </p:notesMasterIdLst>
   <p:sldIdLst>
-    <p:sldId id="258" r:id="rId2"/>
-    <p:sldId id="259" r:id="rId3"/>
-    <p:sldId id="351" r:id="rId4"/>
-    <p:sldId id="362" r:id="rId5"/>
-    <p:sldId id="364" r:id="rId6"/>
-    <p:sldId id="365" r:id="rId7"/>
-    <p:sldId id="366" r:id="rId8"/>
-    <p:sldId id="352" r:id="rId9"/>
-    <p:sldId id="353" r:id="rId10"/>
-    <p:sldId id="361" r:id="rId11"/>
-    <p:sldId id="354" r:id="rId12"/>
-    <p:sldId id="355" r:id="rId13"/>
-    <p:sldId id="356" r:id="rId14"/>
-    <p:sldId id="357" r:id="rId15"/>
-    <p:sldId id="363" r:id="rId16"/>
-    <p:sldId id="272" r:id="rId17"/>
-    <p:sldId id="278" r:id="rId18"/>
-    <p:sldId id="273" r:id="rId19"/>
-    <p:sldId id="311" r:id="rId20"/>
-    <p:sldId id="305" r:id="rId21"/>
-    <p:sldId id="306" r:id="rId22"/>
+    <p:sldId id="367" r:id="rId2"/>
+    <p:sldId id="258" r:id="rId3"/>
+    <p:sldId id="259" r:id="rId4"/>
+    <p:sldId id="351" r:id="rId5"/>
+    <p:sldId id="362" r:id="rId6"/>
+    <p:sldId id="364" r:id="rId7"/>
+    <p:sldId id="365" r:id="rId8"/>
+    <p:sldId id="366" r:id="rId9"/>
+    <p:sldId id="352" r:id="rId10"/>
+    <p:sldId id="353" r:id="rId11"/>
+    <p:sldId id="361" r:id="rId12"/>
+    <p:sldId id="354" r:id="rId13"/>
+    <p:sldId id="355" r:id="rId14"/>
+    <p:sldId id="356" r:id="rId15"/>
+    <p:sldId id="357" r:id="rId16"/>
+    <p:sldId id="363" r:id="rId17"/>
+    <p:sldId id="272" r:id="rId18"/>
+    <p:sldId id="278" r:id="rId19"/>
+    <p:sldId id="273" r:id="rId20"/>
+    <p:sldId id="311" r:id="rId21"/>
+    <p:sldId id="305" r:id="rId22"/>
+    <p:sldId id="306" r:id="rId23"/>
   </p:sldIdLst>
   <p:sldSz cx="12192000" cy="6858000"/>
   <p:notesSz cx="6858000" cy="9144000"/>
@@ -138,7 +139,7 @@
 <file path=ppt/revisionInfo.xml><?xml version="1.0" encoding="utf-8"?>
 <p1510:revInfo xmlns:a="http://schemas.openxmlformats.org/drawingml/2006/main" xmlns:r="http://schemas.openxmlformats.org/officeDocument/2006/relationships" xmlns:p1510="http://schemas.microsoft.com/office/powerpoint/2015/10/main">
   <p1510:revLst>
-    <p1510:client id="{D788B803-6CAF-456E-9D5B-399D0D7F1309}" v="40" dt="2025-03-23T09:24:23.614"/>
+    <p1510:client id="{D788B803-6CAF-456E-9D5B-399D0D7F1309}" v="58" dt="2025-04-02T15:02:26.278"/>
   </p1510:revLst>
 </p1510:revInfo>
 </file>
@@ -148,7 +149,7 @@
   <pc:docChgLst>
     <pc:chgData name="Joshua Reiss" userId="71f87c30-4769-4a42-a082-a6a82298c8cb" providerId="ADAL" clId="{D788B803-6CAF-456E-9D5B-399D0D7F1309}"/>
     <pc:docChg chg="undo custSel addSld delSld modSld">
-      <pc:chgData name="Joshua Reiss" userId="71f87c30-4769-4a42-a082-a6a82298c8cb" providerId="ADAL" clId="{D788B803-6CAF-456E-9D5B-399D0D7F1309}" dt="2025-03-23T09:26:15.203" v="1445" actId="1076"/>
+      <pc:chgData name="Joshua Reiss" userId="71f87c30-4769-4a42-a082-a6a82298c8cb" providerId="ADAL" clId="{D788B803-6CAF-456E-9D5B-399D0D7F1309}" dt="2025-04-02T15:03:00.425" v="2167" actId="692"/>
       <pc:docMkLst>
         <pc:docMk/>
       </pc:docMkLst>
@@ -970,22 +971,6 @@
             <ac:spMk id="2" creationId="{C9DDDF47-7180-4395-F14B-1DA91C4C5E4A}"/>
           </ac:spMkLst>
         </pc:spChg>
-        <pc:spChg chg="del">
-          <ac:chgData name="Joshua Reiss" userId="71f87c30-4769-4a42-a082-a6a82298c8cb" providerId="ADAL" clId="{D788B803-6CAF-456E-9D5B-399D0D7F1309}" dt="2025-03-22T11:42:18.288" v="1244" actId="478"/>
-          <ac:spMkLst>
-            <pc:docMk/>
-            <pc:sldMk cId="1978429239" sldId="366"/>
-            <ac:spMk id="4" creationId="{25633AAF-C2DE-2991-8EE0-996C11E87CF0}"/>
-          </ac:spMkLst>
-        </pc:spChg>
-        <pc:spChg chg="del">
-          <ac:chgData name="Joshua Reiss" userId="71f87c30-4769-4a42-a082-a6a82298c8cb" providerId="ADAL" clId="{D788B803-6CAF-456E-9D5B-399D0D7F1309}" dt="2025-03-22T11:42:18.288" v="1244" actId="478"/>
-          <ac:spMkLst>
-            <pc:docMk/>
-            <pc:sldMk cId="1978429239" sldId="366"/>
-            <ac:spMk id="5" creationId="{3920AC7B-C68E-0476-8A92-FB725AADC68B}"/>
-          </ac:spMkLst>
-        </pc:spChg>
         <pc:spChg chg="add mod">
           <ac:chgData name="Joshua Reiss" userId="71f87c30-4769-4a42-a082-a6a82298c8cb" providerId="ADAL" clId="{D788B803-6CAF-456E-9D5B-399D0D7F1309}" dt="2025-03-23T09:25:33.375" v="1435" actId="20577"/>
           <ac:spMkLst>
@@ -1010,14 +995,6 @@
             <ac:spMk id="7" creationId="{0BBE9DC3-E87E-E9F7-E40D-F74385BE9DBF}"/>
           </ac:spMkLst>
         </pc:spChg>
-        <pc:spChg chg="del">
-          <ac:chgData name="Joshua Reiss" userId="71f87c30-4769-4a42-a082-a6a82298c8cb" providerId="ADAL" clId="{D788B803-6CAF-456E-9D5B-399D0D7F1309}" dt="2025-03-22T11:42:18.288" v="1244" actId="478"/>
-          <ac:spMkLst>
-            <pc:docMk/>
-            <pc:sldMk cId="1978429239" sldId="366"/>
-            <ac:spMk id="8" creationId="{EDB451A8-5727-3948-956E-36FC3E29DA97}"/>
-          </ac:spMkLst>
-        </pc:spChg>
         <pc:spChg chg="add mod">
           <ac:chgData name="Joshua Reiss" userId="71f87c30-4769-4a42-a082-a6a82298c8cb" providerId="ADAL" clId="{D788B803-6CAF-456E-9D5B-399D0D7F1309}" dt="2025-03-23T09:24:40.770" v="1423" actId="1036"/>
           <ac:spMkLst>
@@ -1034,28 +1011,12 @@
             <ac:spMk id="9" creationId="{6DA9F453-E6A0-1C7B-FD4A-3274CCE0FFD7}"/>
           </ac:spMkLst>
         </pc:spChg>
-        <pc:spChg chg="del">
-          <ac:chgData name="Joshua Reiss" userId="71f87c30-4769-4a42-a082-a6a82298c8cb" providerId="ADAL" clId="{D788B803-6CAF-456E-9D5B-399D0D7F1309}" dt="2025-03-22T11:38:50.867" v="1207" actId="478"/>
-          <ac:spMkLst>
-            <pc:docMk/>
-            <pc:sldMk cId="1978429239" sldId="366"/>
-            <ac:spMk id="10" creationId="{590C140C-E920-94E6-423C-0CD991C33981}"/>
-          </ac:spMkLst>
-        </pc:spChg>
         <pc:spChg chg="add mod">
           <ac:chgData name="Joshua Reiss" userId="71f87c30-4769-4a42-a082-a6a82298c8cb" providerId="ADAL" clId="{D788B803-6CAF-456E-9D5B-399D0D7F1309}" dt="2025-03-23T09:25:53.099" v="1440" actId="1076"/>
           <ac:spMkLst>
             <pc:docMk/>
             <pc:sldMk cId="1978429239" sldId="366"/>
             <ac:spMk id="10" creationId="{8446CB5D-9B15-9448-359C-7471991974C7}"/>
-          </ac:spMkLst>
-        </pc:spChg>
-        <pc:spChg chg="del">
-          <ac:chgData name="Joshua Reiss" userId="71f87c30-4769-4a42-a082-a6a82298c8cb" providerId="ADAL" clId="{D788B803-6CAF-456E-9D5B-399D0D7F1309}" dt="2025-03-22T11:42:24.537" v="1245" actId="478"/>
-          <ac:spMkLst>
-            <pc:docMk/>
-            <pc:sldMk cId="1978429239" sldId="366"/>
-            <ac:spMk id="12" creationId="{1498B055-4939-1DCD-2156-6C307C2013D8}"/>
           </ac:spMkLst>
         </pc:spChg>
         <pc:spChg chg="add mod">
@@ -1074,36 +1035,12 @@
             <ac:spMk id="13" creationId="{9F0703A4-D0A2-7152-36F0-9407FE01ABBE}"/>
           </ac:spMkLst>
         </pc:spChg>
-        <pc:spChg chg="del">
-          <ac:chgData name="Joshua Reiss" userId="71f87c30-4769-4a42-a082-a6a82298c8cb" providerId="ADAL" clId="{D788B803-6CAF-456E-9D5B-399D0D7F1309}" dt="2025-03-22T11:38:50.867" v="1207" actId="478"/>
-          <ac:spMkLst>
-            <pc:docMk/>
-            <pc:sldMk cId="1978429239" sldId="366"/>
-            <ac:spMk id="15" creationId="{B2E1FEC5-E938-E901-67E6-33F717B3387B}"/>
-          </ac:spMkLst>
-        </pc:spChg>
-        <pc:spChg chg="add del mod">
-          <ac:chgData name="Joshua Reiss" userId="71f87c30-4769-4a42-a082-a6a82298c8cb" providerId="ADAL" clId="{D788B803-6CAF-456E-9D5B-399D0D7F1309}" dt="2025-03-23T09:25:46.962" v="1439" actId="478"/>
-          <ac:spMkLst>
-            <pc:docMk/>
-            <pc:sldMk cId="1978429239" sldId="366"/>
-            <ac:spMk id="16" creationId="{3DCA126A-F105-8B44-A79D-DB3DA1354BB1}"/>
-          </ac:spMkLst>
-        </pc:spChg>
         <pc:spChg chg="mod">
           <ac:chgData name="Joshua Reiss" userId="71f87c30-4769-4a42-a082-a6a82298c8cb" providerId="ADAL" clId="{D788B803-6CAF-456E-9D5B-399D0D7F1309}" dt="2025-03-23T09:24:40.770" v="1423" actId="1036"/>
           <ac:spMkLst>
             <pc:docMk/>
             <pc:sldMk cId="1978429239" sldId="366"/>
             <ac:spMk id="17" creationId="{8C0B4FDB-DED5-49BF-253A-C5FC9140832C}"/>
-          </ac:spMkLst>
-        </pc:spChg>
-        <pc:spChg chg="add del mod">
-          <ac:chgData name="Joshua Reiss" userId="71f87c30-4769-4a42-a082-a6a82298c8cb" providerId="ADAL" clId="{D788B803-6CAF-456E-9D5B-399D0D7F1309}" dt="2025-03-23T09:26:10.198" v="1444" actId="478"/>
-          <ac:spMkLst>
-            <pc:docMk/>
-            <pc:sldMk cId="1978429239" sldId="366"/>
-            <ac:spMk id="18" creationId="{D4FC0BC8-C85B-459A-AD30-DCCAD403A990}"/>
           </ac:spMkLst>
         </pc:spChg>
         <pc:spChg chg="mod">
@@ -1138,22 +1075,6 @@
             <ac:spMk id="35" creationId="{0F5EA9BC-2A02-C216-0F4C-1268811AF68C}"/>
           </ac:spMkLst>
         </pc:spChg>
-        <pc:spChg chg="del">
-          <ac:chgData name="Joshua Reiss" userId="71f87c30-4769-4a42-a082-a6a82298c8cb" providerId="ADAL" clId="{D788B803-6CAF-456E-9D5B-399D0D7F1309}" dt="2025-03-22T11:38:32.866" v="1204" actId="478"/>
-          <ac:spMkLst>
-            <pc:docMk/>
-            <pc:sldMk cId="1978429239" sldId="366"/>
-            <ac:spMk id="38" creationId="{25D75B39-1AF0-C1F8-3080-D4D240BDDB56}"/>
-          </ac:spMkLst>
-        </pc:spChg>
-        <pc:spChg chg="del">
-          <ac:chgData name="Joshua Reiss" userId="71f87c30-4769-4a42-a082-a6a82298c8cb" providerId="ADAL" clId="{D788B803-6CAF-456E-9D5B-399D0D7F1309}" dt="2025-03-22T11:38:32.866" v="1204" actId="478"/>
-          <ac:spMkLst>
-            <pc:docMk/>
-            <pc:sldMk cId="1978429239" sldId="366"/>
-            <ac:spMk id="41" creationId="{2AA7F267-7063-247A-AC3E-CB0C0E5CD1E3}"/>
-          </ac:spMkLst>
-        </pc:spChg>
         <pc:spChg chg="mod">
           <ac:chgData name="Joshua Reiss" userId="71f87c30-4769-4a42-a082-a6a82298c8cb" providerId="ADAL" clId="{D788B803-6CAF-456E-9D5B-399D0D7F1309}" dt="2025-03-22T14:29:19.933" v="1312" actId="1076"/>
           <ac:spMkLst>
@@ -1168,22 +1089,6 @@
             <pc:docMk/>
             <pc:sldMk cId="1978429239" sldId="366"/>
             <ac:spMk id="48" creationId="{1113F177-676E-7AA8-1040-4CA9FDAB5D17}"/>
-          </ac:spMkLst>
-        </pc:spChg>
-        <pc:spChg chg="del">
-          <ac:chgData name="Joshua Reiss" userId="71f87c30-4769-4a42-a082-a6a82298c8cb" providerId="ADAL" clId="{D788B803-6CAF-456E-9D5B-399D0D7F1309}" dt="2025-03-22T11:42:18.288" v="1244" actId="478"/>
-          <ac:spMkLst>
-            <pc:docMk/>
-            <pc:sldMk cId="1978429239" sldId="366"/>
-            <ac:spMk id="56" creationId="{36B75BB7-C483-C142-1B04-4D0BC55BC525}"/>
-          </ac:spMkLst>
-        </pc:spChg>
-        <pc:spChg chg="del">
-          <ac:chgData name="Joshua Reiss" userId="71f87c30-4769-4a42-a082-a6a82298c8cb" providerId="ADAL" clId="{D788B803-6CAF-456E-9D5B-399D0D7F1309}" dt="2025-03-22T11:42:24.537" v="1245" actId="478"/>
-          <ac:spMkLst>
-            <pc:docMk/>
-            <pc:sldMk cId="1978429239" sldId="366"/>
-            <ac:spMk id="57" creationId="{FCA832F5-3B15-0AE7-F6A4-71416E3B4FFA}"/>
           </ac:spMkLst>
         </pc:spChg>
         <pc:spChg chg="mod">
@@ -1234,22 +1139,6 @@
             <ac:cxnSpMk id="15" creationId="{82442B66-32C3-0842-0AEA-E61A5A63BD52}"/>
           </ac:cxnSpMkLst>
         </pc:cxnChg>
-        <pc:cxnChg chg="del mod">
-          <ac:chgData name="Joshua Reiss" userId="71f87c30-4769-4a42-a082-a6a82298c8cb" providerId="ADAL" clId="{D788B803-6CAF-456E-9D5B-399D0D7F1309}" dt="2025-03-22T11:38:50.867" v="1207" actId="478"/>
-          <ac:cxnSpMkLst>
-            <pc:docMk/>
-            <pc:sldMk cId="1978429239" sldId="366"/>
-            <ac:cxnSpMk id="16" creationId="{62FCE7C7-2FD1-FB84-5E57-3392A90A602A}"/>
-          </ac:cxnSpMkLst>
-        </pc:cxnChg>
-        <pc:cxnChg chg="del mod">
-          <ac:chgData name="Joshua Reiss" userId="71f87c30-4769-4a42-a082-a6a82298c8cb" providerId="ADAL" clId="{D788B803-6CAF-456E-9D5B-399D0D7F1309}" dt="2025-03-22T11:38:54.181" v="1208" actId="478"/>
-          <ac:cxnSpMkLst>
-            <pc:docMk/>
-            <pc:sldMk cId="1978429239" sldId="366"/>
-            <ac:cxnSpMk id="18" creationId="{64164F6C-9802-7E8B-5F2E-373C062F8F8D}"/>
-          </ac:cxnSpMkLst>
-        </pc:cxnChg>
         <pc:cxnChg chg="mod">
           <ac:chgData name="Joshua Reiss" userId="71f87c30-4769-4a42-a082-a6a82298c8cb" providerId="ADAL" clId="{D788B803-6CAF-456E-9D5B-399D0D7F1309}" dt="2025-03-22T11:39:20.888" v="1221" actId="1038"/>
           <ac:cxnSpMkLst>
@@ -1282,28 +1171,363 @@
             <ac:cxnSpMk id="40" creationId="{A2F25FD9-998D-870B-EF06-214A8F7D0713}"/>
           </ac:cxnSpMkLst>
         </pc:cxnChg>
-        <pc:cxnChg chg="del mod">
-          <ac:chgData name="Joshua Reiss" userId="71f87c30-4769-4a42-a082-a6a82298c8cb" providerId="ADAL" clId="{D788B803-6CAF-456E-9D5B-399D0D7F1309}" dt="2025-03-22T11:38:32.866" v="1204" actId="478"/>
-          <ac:cxnSpMkLst>
-            <pc:docMk/>
-            <pc:sldMk cId="1978429239" sldId="366"/>
-            <ac:cxnSpMk id="42" creationId="{8C1C5977-6337-1FDF-AA62-BB4AD85A347E}"/>
-          </ac:cxnSpMkLst>
-        </pc:cxnChg>
-        <pc:cxnChg chg="del mod">
-          <ac:chgData name="Joshua Reiss" userId="71f87c30-4769-4a42-a082-a6a82298c8cb" providerId="ADAL" clId="{D788B803-6CAF-456E-9D5B-399D0D7F1309}" dt="2025-03-22T11:38:32.866" v="1204" actId="478"/>
-          <ac:cxnSpMkLst>
-            <pc:docMk/>
-            <pc:sldMk cId="1978429239" sldId="366"/>
-            <ac:cxnSpMk id="44" creationId="{4133A706-A6ED-31AD-563C-0E6C06C503D3}"/>
-          </ac:cxnSpMkLst>
-        </pc:cxnChg>
         <pc:cxnChg chg="mod">
           <ac:chgData name="Joshua Reiss" userId="71f87c30-4769-4a42-a082-a6a82298c8cb" providerId="ADAL" clId="{D788B803-6CAF-456E-9D5B-399D0D7F1309}" dt="2025-03-22T14:29:31.801" v="1381" actId="1038"/>
           <ac:cxnSpMkLst>
             <pc:docMk/>
             <pc:sldMk cId="1978429239" sldId="366"/>
             <ac:cxnSpMk id="64" creationId="{A717C41E-E2DE-DA1E-78F3-8F0B57A7016E}"/>
+          </ac:cxnSpMkLst>
+        </pc:cxnChg>
+      </pc:sldChg>
+      <pc:sldChg chg="addSp delSp modSp add mod">
+        <pc:chgData name="Joshua Reiss" userId="71f87c30-4769-4a42-a082-a6a82298c8cb" providerId="ADAL" clId="{D788B803-6CAF-456E-9D5B-399D0D7F1309}" dt="2025-04-02T15:03:00.425" v="2167" actId="692"/>
+        <pc:sldMkLst>
+          <pc:docMk/>
+          <pc:sldMk cId="361188305" sldId="367"/>
+        </pc:sldMkLst>
+        <pc:spChg chg="mod">
+          <ac:chgData name="Joshua Reiss" userId="71f87c30-4769-4a42-a082-a6a82298c8cb" providerId="ADAL" clId="{D788B803-6CAF-456E-9D5B-399D0D7F1309}" dt="2025-04-02T14:52:36.631" v="1968" actId="1037"/>
+          <ac:spMkLst>
+            <pc:docMk/>
+            <pc:sldMk cId="361188305" sldId="367"/>
+            <ac:spMk id="2" creationId="{2BDF3B9B-2CD2-FF66-619B-71A70248F83B}"/>
+          </ac:spMkLst>
+        </pc:spChg>
+        <pc:spChg chg="mod">
+          <ac:chgData name="Joshua Reiss" userId="71f87c30-4769-4a42-a082-a6a82298c8cb" providerId="ADAL" clId="{D788B803-6CAF-456E-9D5B-399D0D7F1309}" dt="2025-04-02T14:52:50.622" v="1970" actId="20577"/>
+          <ac:spMkLst>
+            <pc:docMk/>
+            <pc:sldMk cId="361188305" sldId="367"/>
+            <ac:spMk id="3" creationId="{537C1518-FC9C-A674-2370-630D06D5E019}"/>
+          </ac:spMkLst>
+        </pc:spChg>
+        <pc:spChg chg="mod">
+          <ac:chgData name="Joshua Reiss" userId="71f87c30-4769-4a42-a082-a6a82298c8cb" providerId="ADAL" clId="{D788B803-6CAF-456E-9D5B-399D0D7F1309}" dt="2025-04-02T15:02:00.301" v="2157" actId="1076"/>
+          <ac:spMkLst>
+            <pc:docMk/>
+            <pc:sldMk cId="361188305" sldId="367"/>
+            <ac:spMk id="4" creationId="{D0D676E3-23D6-12B3-1754-0EBED5F45961}"/>
+          </ac:spMkLst>
+        </pc:spChg>
+        <pc:spChg chg="add mod">
+          <ac:chgData name="Joshua Reiss" userId="71f87c30-4769-4a42-a082-a6a82298c8cb" providerId="ADAL" clId="{D788B803-6CAF-456E-9D5B-399D0D7F1309}" dt="2025-04-02T15:02:00.301" v="2157" actId="1076"/>
+          <ac:spMkLst>
+            <pc:docMk/>
+            <pc:sldMk cId="361188305" sldId="367"/>
+            <ac:spMk id="5" creationId="{696CECA3-B8C5-D9F8-BE52-A9385EC84C10}"/>
+          </ac:spMkLst>
+        </pc:spChg>
+        <pc:spChg chg="del mod">
+          <ac:chgData name="Joshua Reiss" userId="71f87c30-4769-4a42-a082-a6a82298c8cb" providerId="ADAL" clId="{D788B803-6CAF-456E-9D5B-399D0D7F1309}" dt="2025-04-02T15:01:38.136" v="2156" actId="478"/>
+          <ac:spMkLst>
+            <pc:docMk/>
+            <pc:sldMk cId="361188305" sldId="367"/>
+            <ac:spMk id="6" creationId="{87F93E69-6096-65B3-D588-ABBB33D8DDA9}"/>
+          </ac:spMkLst>
+        </pc:spChg>
+        <pc:spChg chg="del mod">
+          <ac:chgData name="Joshua Reiss" userId="71f87c30-4769-4a42-a082-a6a82298c8cb" providerId="ADAL" clId="{D788B803-6CAF-456E-9D5B-399D0D7F1309}" dt="2025-04-02T15:01:38.136" v="2156" actId="478"/>
+          <ac:spMkLst>
+            <pc:docMk/>
+            <pc:sldMk cId="361188305" sldId="367"/>
+            <ac:spMk id="7" creationId="{2357D5EA-7B8F-8E7A-970F-8C39EFCAD83B}"/>
+          </ac:spMkLst>
+        </pc:spChg>
+        <pc:spChg chg="del mod">
+          <ac:chgData name="Joshua Reiss" userId="71f87c30-4769-4a42-a082-a6a82298c8cb" providerId="ADAL" clId="{D788B803-6CAF-456E-9D5B-399D0D7F1309}" dt="2025-04-02T15:01:38.136" v="2156" actId="478"/>
+          <ac:spMkLst>
+            <pc:docMk/>
+            <pc:sldMk cId="361188305" sldId="367"/>
+            <ac:spMk id="12" creationId="{CD32628B-42A3-DB15-6B54-B0BFA3204AD7}"/>
+          </ac:spMkLst>
+        </pc:spChg>
+        <pc:spChg chg="mod">
+          <ac:chgData name="Joshua Reiss" userId="71f87c30-4769-4a42-a082-a6a82298c8cb" providerId="ADAL" clId="{D788B803-6CAF-456E-9D5B-399D0D7F1309}" dt="2025-04-02T15:00:23.280" v="2150" actId="1036"/>
+          <ac:spMkLst>
+            <pc:docMk/>
+            <pc:sldMk cId="361188305" sldId="367"/>
+            <ac:spMk id="14" creationId="{57497EBD-5EC8-B396-CBF7-54028041AB63}"/>
+          </ac:spMkLst>
+        </pc:spChg>
+        <pc:spChg chg="del mod">
+          <ac:chgData name="Joshua Reiss" userId="71f87c30-4769-4a42-a082-a6a82298c8cb" providerId="ADAL" clId="{D788B803-6CAF-456E-9D5B-399D0D7F1309}" dt="2025-04-02T15:01:38.136" v="2156" actId="478"/>
+          <ac:spMkLst>
+            <pc:docMk/>
+            <pc:sldMk cId="361188305" sldId="367"/>
+            <ac:spMk id="16" creationId="{3831961C-D695-D27E-9EA0-D046E5AD5BD4}"/>
+          </ac:spMkLst>
+        </pc:spChg>
+        <pc:spChg chg="add mod">
+          <ac:chgData name="Joshua Reiss" userId="71f87c30-4769-4a42-a082-a6a82298c8cb" providerId="ADAL" clId="{D788B803-6CAF-456E-9D5B-399D0D7F1309}" dt="2025-04-02T15:02:00.301" v="2157" actId="1076"/>
+          <ac:spMkLst>
+            <pc:docMk/>
+            <pc:sldMk cId="361188305" sldId="367"/>
+            <ac:spMk id="17" creationId="{1302B20C-E462-54A0-30BD-18A1F2B56E05}"/>
+          </ac:spMkLst>
+        </pc:spChg>
+        <pc:spChg chg="add mod">
+          <ac:chgData name="Joshua Reiss" userId="71f87c30-4769-4a42-a082-a6a82298c8cb" providerId="ADAL" clId="{D788B803-6CAF-456E-9D5B-399D0D7F1309}" dt="2025-04-02T15:02:00.301" v="2157" actId="1076"/>
+          <ac:spMkLst>
+            <pc:docMk/>
+            <pc:sldMk cId="361188305" sldId="367"/>
+            <ac:spMk id="19" creationId="{2F78DF86-838D-F903-9F64-B470FBCB7563}"/>
+          </ac:spMkLst>
+        </pc:spChg>
+        <pc:spChg chg="del mod">
+          <ac:chgData name="Joshua Reiss" userId="71f87c30-4769-4a42-a082-a6a82298c8cb" providerId="ADAL" clId="{D788B803-6CAF-456E-9D5B-399D0D7F1309}" dt="2025-04-02T15:01:38.136" v="2156" actId="478"/>
+          <ac:spMkLst>
+            <pc:docMk/>
+            <pc:sldMk cId="361188305" sldId="367"/>
+            <ac:spMk id="20" creationId="{CB201BFB-1144-B05F-E479-12644E50CA4C}"/>
+          </ac:spMkLst>
+        </pc:spChg>
+        <pc:spChg chg="del mod">
+          <ac:chgData name="Joshua Reiss" userId="71f87c30-4769-4a42-a082-a6a82298c8cb" providerId="ADAL" clId="{D788B803-6CAF-456E-9D5B-399D0D7F1309}" dt="2025-04-02T15:01:38.136" v="2156" actId="478"/>
+          <ac:spMkLst>
+            <pc:docMk/>
+            <pc:sldMk cId="361188305" sldId="367"/>
+            <ac:spMk id="21" creationId="{F056F45D-45CA-DD06-E1D0-6768BB5CA925}"/>
+          </ac:spMkLst>
+        </pc:spChg>
+        <pc:spChg chg="del mod">
+          <ac:chgData name="Joshua Reiss" userId="71f87c30-4769-4a42-a082-a6a82298c8cb" providerId="ADAL" clId="{D788B803-6CAF-456E-9D5B-399D0D7F1309}" dt="2025-04-02T15:01:38.136" v="2156" actId="478"/>
+          <ac:spMkLst>
+            <pc:docMk/>
+            <pc:sldMk cId="361188305" sldId="367"/>
+            <ac:spMk id="22" creationId="{F1FC6F69-8F64-8160-FF9D-201EA79918A8}"/>
+          </ac:spMkLst>
+        </pc:spChg>
+        <pc:spChg chg="add mod">
+          <ac:chgData name="Joshua Reiss" userId="71f87c30-4769-4a42-a082-a6a82298c8cb" providerId="ADAL" clId="{D788B803-6CAF-456E-9D5B-399D0D7F1309}" dt="2025-04-02T15:02:16.221" v="2160" actId="1076"/>
+          <ac:spMkLst>
+            <pc:docMk/>
+            <pc:sldMk cId="361188305" sldId="367"/>
+            <ac:spMk id="24" creationId="{F1BA3A6E-8860-6EFF-F748-38FCEFF84765}"/>
+          </ac:spMkLst>
+        </pc:spChg>
+        <pc:spChg chg="add mod">
+          <ac:chgData name="Joshua Reiss" userId="71f87c30-4769-4a42-a082-a6a82298c8cb" providerId="ADAL" clId="{D788B803-6CAF-456E-9D5B-399D0D7F1309}" dt="2025-04-02T15:02:00.301" v="2157" actId="1076"/>
+          <ac:spMkLst>
+            <pc:docMk/>
+            <pc:sldMk cId="361188305" sldId="367"/>
+            <ac:spMk id="25" creationId="{9967E91F-4608-2900-A2C4-260BA09FD82B}"/>
+          </ac:spMkLst>
+        </pc:spChg>
+        <pc:spChg chg="add mod">
+          <ac:chgData name="Joshua Reiss" userId="71f87c30-4769-4a42-a082-a6a82298c8cb" providerId="ADAL" clId="{D788B803-6CAF-456E-9D5B-399D0D7F1309}" dt="2025-04-02T15:02:00.301" v="2157" actId="1076"/>
+          <ac:spMkLst>
+            <pc:docMk/>
+            <pc:sldMk cId="361188305" sldId="367"/>
+            <ac:spMk id="26" creationId="{4433AE59-D929-F5BA-081B-70215EAC3357}"/>
+          </ac:spMkLst>
+        </pc:spChg>
+        <pc:spChg chg="add mod">
+          <ac:chgData name="Joshua Reiss" userId="71f87c30-4769-4a42-a082-a6a82298c8cb" providerId="ADAL" clId="{D788B803-6CAF-456E-9D5B-399D0D7F1309}" dt="2025-04-02T15:02:00.301" v="2157" actId="1076"/>
+          <ac:spMkLst>
+            <pc:docMk/>
+            <pc:sldMk cId="361188305" sldId="367"/>
+            <ac:spMk id="27" creationId="{1B930658-1835-4F9A-139B-F70C7B0BF41E}"/>
+          </ac:spMkLst>
+        </pc:spChg>
+        <pc:spChg chg="del mod">
+          <ac:chgData name="Joshua Reiss" userId="71f87c30-4769-4a42-a082-a6a82298c8cb" providerId="ADAL" clId="{D788B803-6CAF-456E-9D5B-399D0D7F1309}" dt="2025-04-02T15:01:38.136" v="2156" actId="478"/>
+          <ac:spMkLst>
+            <pc:docMk/>
+            <pc:sldMk cId="361188305" sldId="367"/>
+            <ac:spMk id="29" creationId="{AA810A07-B6EA-1058-7947-3ECA04449490}"/>
+          </ac:spMkLst>
+        </pc:spChg>
+        <pc:spChg chg="add del mod">
+          <ac:chgData name="Joshua Reiss" userId="71f87c30-4769-4a42-a082-a6a82298c8cb" providerId="ADAL" clId="{D788B803-6CAF-456E-9D5B-399D0D7F1309}" dt="2025-04-02T14:51:41.926" v="1916" actId="21"/>
+          <ac:spMkLst>
+            <pc:docMk/>
+            <pc:sldMk cId="361188305" sldId="367"/>
+            <ac:spMk id="40" creationId="{D943C749-2EF5-A269-5F9A-6583B37E17E5}"/>
+          </ac:spMkLst>
+        </pc:spChg>
+        <pc:spChg chg="add mod">
+          <ac:chgData name="Joshua Reiss" userId="71f87c30-4769-4a42-a082-a6a82298c8cb" providerId="ADAL" clId="{D788B803-6CAF-456E-9D5B-399D0D7F1309}" dt="2025-04-02T15:02:00.301" v="2157" actId="1076"/>
+          <ac:spMkLst>
+            <pc:docMk/>
+            <pc:sldMk cId="361188305" sldId="367"/>
+            <ac:spMk id="43" creationId="{F30A3EEF-3D0E-D9B5-9807-66C573F9731E}"/>
+          </ac:spMkLst>
+        </pc:spChg>
+        <pc:spChg chg="add mod">
+          <ac:chgData name="Joshua Reiss" userId="71f87c30-4769-4a42-a082-a6a82298c8cb" providerId="ADAL" clId="{D788B803-6CAF-456E-9D5B-399D0D7F1309}" dt="2025-04-02T15:02:00.301" v="2157" actId="1076"/>
+          <ac:spMkLst>
+            <pc:docMk/>
+            <pc:sldMk cId="361188305" sldId="367"/>
+            <ac:spMk id="47" creationId="{F299329D-C46A-2D46-C7FE-7EAB7E4B01B8}"/>
+          </ac:spMkLst>
+        </pc:spChg>
+        <pc:spChg chg="add del">
+          <ac:chgData name="Joshua Reiss" userId="71f87c30-4769-4a42-a082-a6a82298c8cb" providerId="ADAL" clId="{D788B803-6CAF-456E-9D5B-399D0D7F1309}" dt="2025-04-02T14:48:22.688" v="1895" actId="478"/>
+          <ac:spMkLst>
+            <pc:docMk/>
+            <pc:sldMk cId="361188305" sldId="367"/>
+            <ac:spMk id="48" creationId="{499B072D-6D07-3AF4-9BE5-98B50AC38F76}"/>
+          </ac:spMkLst>
+        </pc:spChg>
+        <pc:spChg chg="add mod">
+          <ac:chgData name="Joshua Reiss" userId="71f87c30-4769-4a42-a082-a6a82298c8cb" providerId="ADAL" clId="{D788B803-6CAF-456E-9D5B-399D0D7F1309}" dt="2025-04-02T15:00:23.280" v="2150" actId="1036"/>
+          <ac:spMkLst>
+            <pc:docMk/>
+            <pc:sldMk cId="361188305" sldId="367"/>
+            <ac:spMk id="52" creationId="{D943C749-2EF5-A269-5F9A-6583B37E17E5}"/>
+          </ac:spMkLst>
+        </pc:spChg>
+        <pc:cxnChg chg="mod">
+          <ac:chgData name="Joshua Reiss" userId="71f87c30-4769-4a42-a082-a6a82298c8cb" providerId="ADAL" clId="{D788B803-6CAF-456E-9D5B-399D0D7F1309}" dt="2025-04-02T14:55:40.409" v="2071" actId="1037"/>
+          <ac:cxnSpMkLst>
+            <pc:docMk/>
+            <pc:sldMk cId="361188305" sldId="367"/>
+            <ac:cxnSpMk id="8" creationId="{8AC7A20B-39A5-5389-F67D-80A1D5A4C9EF}"/>
+          </ac:cxnSpMkLst>
+        </pc:cxnChg>
+        <pc:cxnChg chg="mod">
+          <ac:chgData name="Joshua Reiss" userId="71f87c30-4769-4a42-a082-a6a82298c8cb" providerId="ADAL" clId="{D788B803-6CAF-456E-9D5B-399D0D7F1309}" dt="2025-04-02T15:03:00.425" v="2167" actId="692"/>
+          <ac:cxnSpMkLst>
+            <pc:docMk/>
+            <pc:sldMk cId="361188305" sldId="367"/>
+            <ac:cxnSpMk id="9" creationId="{F931C0E5-D2E8-F9BB-994D-6048E2C23EAC}"/>
+          </ac:cxnSpMkLst>
+        </pc:cxnChg>
+        <pc:cxnChg chg="mod">
+          <ac:chgData name="Joshua Reiss" userId="71f87c30-4769-4a42-a082-a6a82298c8cb" providerId="ADAL" clId="{D788B803-6CAF-456E-9D5B-399D0D7F1309}" dt="2025-04-02T14:57:24.629" v="2121" actId="1076"/>
+          <ac:cxnSpMkLst>
+            <pc:docMk/>
+            <pc:sldMk cId="361188305" sldId="367"/>
+            <ac:cxnSpMk id="10" creationId="{64D1CBA7-3297-EE40-1CE5-78FAD9E776F2}"/>
+          </ac:cxnSpMkLst>
+        </pc:cxnChg>
+        <pc:cxnChg chg="del mod">
+          <ac:chgData name="Joshua Reiss" userId="71f87c30-4769-4a42-a082-a6a82298c8cb" providerId="ADAL" clId="{D788B803-6CAF-456E-9D5B-399D0D7F1309}" dt="2025-04-02T15:02:21.014" v="2161" actId="478"/>
+          <ac:cxnSpMkLst>
+            <pc:docMk/>
+            <pc:sldMk cId="361188305" sldId="367"/>
+            <ac:cxnSpMk id="11" creationId="{D2809EB5-2CFA-ED0C-DA50-6E9DD3D793DB}"/>
+          </ac:cxnSpMkLst>
+        </pc:cxnChg>
+        <pc:cxnChg chg="del mod">
+          <ac:chgData name="Joshua Reiss" userId="71f87c30-4769-4a42-a082-a6a82298c8cb" providerId="ADAL" clId="{D788B803-6CAF-456E-9D5B-399D0D7F1309}" dt="2025-04-02T15:01:38.136" v="2156" actId="478"/>
+          <ac:cxnSpMkLst>
+            <pc:docMk/>
+            <pc:sldMk cId="361188305" sldId="367"/>
+            <ac:cxnSpMk id="13" creationId="{3E628E1C-3B51-16EF-1F9A-C8C6DE316106}"/>
+          </ac:cxnSpMkLst>
+        </pc:cxnChg>
+        <pc:cxnChg chg="mod">
+          <ac:chgData name="Joshua Reiss" userId="71f87c30-4769-4a42-a082-a6a82298c8cb" providerId="ADAL" clId="{D788B803-6CAF-456E-9D5B-399D0D7F1309}" dt="2025-04-02T14:55:51.636" v="2079" actId="1037"/>
+          <ac:cxnSpMkLst>
+            <pc:docMk/>
+            <pc:sldMk cId="361188305" sldId="367"/>
+            <ac:cxnSpMk id="15" creationId="{01A81E16-A3CB-11F2-F1B1-C93C2BACA4DE}"/>
+          </ac:cxnSpMkLst>
+        </pc:cxnChg>
+        <pc:cxnChg chg="add mod">
+          <ac:chgData name="Joshua Reiss" userId="71f87c30-4769-4a42-a082-a6a82298c8cb" providerId="ADAL" clId="{D788B803-6CAF-456E-9D5B-399D0D7F1309}" dt="2025-04-02T14:57:12.599" v="2120" actId="1076"/>
+          <ac:cxnSpMkLst>
+            <pc:docMk/>
+            <pc:sldMk cId="361188305" sldId="367"/>
+            <ac:cxnSpMk id="18" creationId="{8188CBD4-5175-E103-6A23-E77B1843DB88}"/>
+          </ac:cxnSpMkLst>
+        </pc:cxnChg>
+        <pc:cxnChg chg="mod">
+          <ac:chgData name="Joshua Reiss" userId="71f87c30-4769-4a42-a082-a6a82298c8cb" providerId="ADAL" clId="{D788B803-6CAF-456E-9D5B-399D0D7F1309}" dt="2025-04-02T14:28:05.521" v="1608" actId="1036"/>
+          <ac:cxnSpMkLst>
+            <pc:docMk/>
+            <pc:sldMk cId="361188305" sldId="367"/>
+            <ac:cxnSpMk id="23" creationId="{23C37E99-6C2B-52C6-ECE0-6DB507E1AC4C}"/>
+          </ac:cxnSpMkLst>
+        </pc:cxnChg>
+        <pc:cxnChg chg="del mod">
+          <ac:chgData name="Joshua Reiss" userId="71f87c30-4769-4a42-a082-a6a82298c8cb" providerId="ADAL" clId="{D788B803-6CAF-456E-9D5B-399D0D7F1309}" dt="2025-04-02T15:01:38.136" v="2156" actId="478"/>
+          <ac:cxnSpMkLst>
+            <pc:docMk/>
+            <pc:sldMk cId="361188305" sldId="367"/>
+            <ac:cxnSpMk id="28" creationId="{DB9F9A6B-0A87-B78A-736C-AB7A1B398082}"/>
+          </ac:cxnSpMkLst>
+        </pc:cxnChg>
+        <pc:cxnChg chg="mod">
+          <ac:chgData name="Joshua Reiss" userId="71f87c30-4769-4a42-a082-a6a82298c8cb" providerId="ADAL" clId="{D788B803-6CAF-456E-9D5B-399D0D7F1309}" dt="2025-04-02T14:28:05.521" v="1608" actId="1036"/>
+          <ac:cxnSpMkLst>
+            <pc:docMk/>
+            <pc:sldMk cId="361188305" sldId="367"/>
+            <ac:cxnSpMk id="30" creationId="{D4F1248D-199E-F13E-203A-70B16A2AFC1D}"/>
+          </ac:cxnSpMkLst>
+        </pc:cxnChg>
+        <pc:cxnChg chg="add mod">
+          <ac:chgData name="Joshua Reiss" userId="71f87c30-4769-4a42-a082-a6a82298c8cb" providerId="ADAL" clId="{D788B803-6CAF-456E-9D5B-399D0D7F1309}" dt="2025-04-02T14:55:40.409" v="2071" actId="1037"/>
+          <ac:cxnSpMkLst>
+            <pc:docMk/>
+            <pc:sldMk cId="361188305" sldId="367"/>
+            <ac:cxnSpMk id="31" creationId="{F0D86319-757D-C7EB-3DA4-27F961BF2C7E}"/>
+          </ac:cxnSpMkLst>
+        </pc:cxnChg>
+        <pc:cxnChg chg="add mod">
+          <ac:chgData name="Joshua Reiss" userId="71f87c30-4769-4a42-a082-a6a82298c8cb" providerId="ADAL" clId="{D788B803-6CAF-456E-9D5B-399D0D7F1309}" dt="2025-04-02T14:57:24.629" v="2121" actId="1076"/>
+          <ac:cxnSpMkLst>
+            <pc:docMk/>
+            <pc:sldMk cId="361188305" sldId="367"/>
+            <ac:cxnSpMk id="35" creationId="{58B383E1-1670-4B7D-3018-BC2DDE9AC4DC}"/>
+          </ac:cxnSpMkLst>
+        </pc:cxnChg>
+        <pc:cxnChg chg="add mod">
+          <ac:chgData name="Joshua Reiss" userId="71f87c30-4769-4a42-a082-a6a82298c8cb" providerId="ADAL" clId="{D788B803-6CAF-456E-9D5B-399D0D7F1309}" dt="2025-04-02T14:59:57.574" v="2139" actId="1076"/>
+          <ac:cxnSpMkLst>
+            <pc:docMk/>
+            <pc:sldMk cId="361188305" sldId="367"/>
+            <ac:cxnSpMk id="41" creationId="{88742755-497A-3B34-48CF-385E33746C8F}"/>
+          </ac:cxnSpMkLst>
+        </pc:cxnChg>
+        <pc:cxnChg chg="add del mod">
+          <ac:chgData name="Joshua Reiss" userId="71f87c30-4769-4a42-a082-a6a82298c8cb" providerId="ADAL" clId="{D788B803-6CAF-456E-9D5B-399D0D7F1309}" dt="2025-04-02T14:51:41.926" v="1916" actId="21"/>
+          <ac:cxnSpMkLst>
+            <pc:docMk/>
+            <pc:sldMk cId="361188305" sldId="367"/>
+            <ac:cxnSpMk id="44" creationId="{8DC0A924-F747-D85E-3E49-82A1832F2461}"/>
+          </ac:cxnSpMkLst>
+        </pc:cxnChg>
+        <pc:cxnChg chg="add mod">
+          <ac:chgData name="Joshua Reiss" userId="71f87c30-4769-4a42-a082-a6a82298c8cb" providerId="ADAL" clId="{D788B803-6CAF-456E-9D5B-399D0D7F1309}" dt="2025-04-02T15:02:16.221" v="2160" actId="1076"/>
+          <ac:cxnSpMkLst>
+            <pc:docMk/>
+            <pc:sldMk cId="361188305" sldId="367"/>
+            <ac:cxnSpMk id="49" creationId="{F8523D93-187C-B86A-7695-3BAC3E8AB0B5}"/>
+          </ac:cxnSpMkLst>
+        </pc:cxnChg>
+        <pc:cxnChg chg="add mod">
+          <ac:chgData name="Joshua Reiss" userId="71f87c30-4769-4a42-a082-a6a82298c8cb" providerId="ADAL" clId="{D788B803-6CAF-456E-9D5B-399D0D7F1309}" dt="2025-04-02T15:02:16.221" v="2160" actId="1076"/>
+          <ac:cxnSpMkLst>
+            <pc:docMk/>
+            <pc:sldMk cId="361188305" sldId="367"/>
+            <ac:cxnSpMk id="53" creationId="{8DC0A924-F747-D85E-3E49-82A1832F2461}"/>
+          </ac:cxnSpMkLst>
+        </pc:cxnChg>
+        <pc:cxnChg chg="add mod">
+          <ac:chgData name="Joshua Reiss" userId="71f87c30-4769-4a42-a082-a6a82298c8cb" providerId="ADAL" clId="{D788B803-6CAF-456E-9D5B-399D0D7F1309}" dt="2025-04-02T15:00:10.497" v="2141" actId="14100"/>
+          <ac:cxnSpMkLst>
+            <pc:docMk/>
+            <pc:sldMk cId="361188305" sldId="367"/>
+            <ac:cxnSpMk id="56" creationId="{D0DE5017-A1DB-FA3D-FA36-81FD14ABD33B}"/>
+          </ac:cxnSpMkLst>
+        </pc:cxnChg>
+        <pc:cxnChg chg="add mod">
+          <ac:chgData name="Joshua Reiss" userId="71f87c30-4769-4a42-a082-a6a82298c8cb" providerId="ADAL" clId="{D788B803-6CAF-456E-9D5B-399D0D7F1309}" dt="2025-04-02T14:59:57.574" v="2139" actId="1076"/>
+          <ac:cxnSpMkLst>
+            <pc:docMk/>
+            <pc:sldMk cId="361188305" sldId="367"/>
+            <ac:cxnSpMk id="59" creationId="{7E3B8840-31C2-6E09-B448-448D29C88F7C}"/>
+          </ac:cxnSpMkLst>
+        </pc:cxnChg>
+        <pc:cxnChg chg="add mod">
+          <ac:chgData name="Joshua Reiss" userId="71f87c30-4769-4a42-a082-a6a82298c8cb" providerId="ADAL" clId="{D788B803-6CAF-456E-9D5B-399D0D7F1309}" dt="2025-04-02T15:02:34.826" v="2165" actId="14100"/>
+          <ac:cxnSpMkLst>
+            <pc:docMk/>
+            <pc:sldMk cId="361188305" sldId="367"/>
+            <ac:cxnSpMk id="76" creationId="{715D4242-96F4-19FF-4283-E8397F1B75B3}"/>
           </ac:cxnSpMkLst>
         </pc:cxnChg>
       </pc:sldChg>
@@ -5299,7 +5523,7 @@
           <a:p>
             <a:fld id="{D8E06A3B-885D-47A2-BBBF-3C17C577BFA5}" type="datetimeFigureOut">
               <a:rPr lang="en-GB" smtClean="0"/>
-              <a:t>23/03/2025</a:t>
+              <a:t>02/04/2025</a:t>
             </a:fld>
             <a:endParaRPr lang="en-GB"/>
           </a:p>
@@ -5632,7 +5856,7 @@
           <a:p>
             <a:fld id="{D0B1D951-C98B-42A2-8282-D55336F714E5}" type="slidenum">
               <a:rPr lang="en-GB" smtClean="0"/>
-              <a:t>1</a:t>
+              <a:t>2</a:t>
             </a:fld>
             <a:endParaRPr lang="en-GB"/>
           </a:p>
@@ -5800,7 +6024,7 @@
           <a:p>
             <a:fld id="{53F5E260-054C-4638-8D97-401FEF531A6C}" type="datetimeFigureOut">
               <a:rPr lang="en-GB" smtClean="0"/>
-              <a:t>23/03/2025</a:t>
+              <a:t>02/04/2025</a:t>
             </a:fld>
             <a:endParaRPr lang="en-GB"/>
           </a:p>
@@ -6000,7 +6224,7 @@
           <a:p>
             <a:fld id="{53F5E260-054C-4638-8D97-401FEF531A6C}" type="datetimeFigureOut">
               <a:rPr lang="en-GB" smtClean="0"/>
-              <a:t>23/03/2025</a:t>
+              <a:t>02/04/2025</a:t>
             </a:fld>
             <a:endParaRPr lang="en-GB"/>
           </a:p>
@@ -6210,7 +6434,7 @@
           <a:p>
             <a:fld id="{53F5E260-054C-4638-8D97-401FEF531A6C}" type="datetimeFigureOut">
               <a:rPr lang="en-GB" smtClean="0"/>
-              <a:t>23/03/2025</a:t>
+              <a:t>02/04/2025</a:t>
             </a:fld>
             <a:endParaRPr lang="en-GB"/>
           </a:p>
@@ -6410,7 +6634,7 @@
           <a:p>
             <a:fld id="{53F5E260-054C-4638-8D97-401FEF531A6C}" type="datetimeFigureOut">
               <a:rPr lang="en-GB" smtClean="0"/>
-              <a:t>23/03/2025</a:t>
+              <a:t>02/04/2025</a:t>
             </a:fld>
             <a:endParaRPr lang="en-GB"/>
           </a:p>
@@ -6686,7 +6910,7 @@
           <a:p>
             <a:fld id="{53F5E260-054C-4638-8D97-401FEF531A6C}" type="datetimeFigureOut">
               <a:rPr lang="en-GB" smtClean="0"/>
-              <a:t>23/03/2025</a:t>
+              <a:t>02/04/2025</a:t>
             </a:fld>
             <a:endParaRPr lang="en-GB"/>
           </a:p>
@@ -6954,7 +7178,7 @@
           <a:p>
             <a:fld id="{53F5E260-054C-4638-8D97-401FEF531A6C}" type="datetimeFigureOut">
               <a:rPr lang="en-GB" smtClean="0"/>
-              <a:t>23/03/2025</a:t>
+              <a:t>02/04/2025</a:t>
             </a:fld>
             <a:endParaRPr lang="en-GB"/>
           </a:p>
@@ -7369,7 +7593,7 @@
           <a:p>
             <a:fld id="{53F5E260-054C-4638-8D97-401FEF531A6C}" type="datetimeFigureOut">
               <a:rPr lang="en-GB" smtClean="0"/>
-              <a:t>23/03/2025</a:t>
+              <a:t>02/04/2025</a:t>
             </a:fld>
             <a:endParaRPr lang="en-GB"/>
           </a:p>
@@ -7511,7 +7735,7 @@
           <a:p>
             <a:fld id="{53F5E260-054C-4638-8D97-401FEF531A6C}" type="datetimeFigureOut">
               <a:rPr lang="en-GB" smtClean="0"/>
-              <a:t>23/03/2025</a:t>
+              <a:t>02/04/2025</a:t>
             </a:fld>
             <a:endParaRPr lang="en-GB"/>
           </a:p>
@@ -7624,7 +7848,7 @@
           <a:p>
             <a:fld id="{53F5E260-054C-4638-8D97-401FEF531A6C}" type="datetimeFigureOut">
               <a:rPr lang="en-GB" smtClean="0"/>
-              <a:t>23/03/2025</a:t>
+              <a:t>02/04/2025</a:t>
             </a:fld>
             <a:endParaRPr lang="en-GB"/>
           </a:p>
@@ -7937,7 +8161,7 @@
           <a:p>
             <a:fld id="{53F5E260-054C-4638-8D97-401FEF531A6C}" type="datetimeFigureOut">
               <a:rPr lang="en-GB" smtClean="0"/>
-              <a:t>23/03/2025</a:t>
+              <a:t>02/04/2025</a:t>
             </a:fld>
             <a:endParaRPr lang="en-GB"/>
           </a:p>
@@ -8226,7 +8450,7 @@
           <a:p>
             <a:fld id="{53F5E260-054C-4638-8D97-401FEF531A6C}" type="datetimeFigureOut">
               <a:rPr lang="en-GB" smtClean="0"/>
-              <a:t>23/03/2025</a:t>
+              <a:t>02/04/2025</a:t>
             </a:fld>
             <a:endParaRPr lang="en-GB"/>
           </a:p>
@@ -8469,7 +8693,7 @@
           <a:p>
             <a:fld id="{53F5E260-054C-4638-8D97-401FEF531A6C}" type="datetimeFigureOut">
               <a:rPr lang="en-GB" smtClean="0"/>
-              <a:t>23/03/2025</a:t>
+              <a:t>02/04/2025</a:t>
             </a:fld>
             <a:endParaRPr lang="en-GB"/>
           </a:p>
@@ -8874,7 +9098,13 @@
   <p:cSld>
     <p:spTree>
       <p:nvGrpSpPr>
-        <p:cNvPr id="1" name=""/>
+        <p:cNvPr id="1" name="">
+          <a:extLst>
+            <a:ext uri="{FF2B5EF4-FFF2-40B4-BE49-F238E27FC236}">
+              <a16:creationId xmlns:a16="http://schemas.microsoft.com/office/drawing/2014/main" id="{846B0D6E-B1BC-349A-BBFC-0959A3ECA2E0}"/>
+            </a:ext>
+          </a:extLst>
+        </p:cNvPr>
         <p:cNvGrpSpPr/>
         <p:nvPr/>
       </p:nvGrpSpPr>
@@ -8891,7 +9121,7 @@
           <p:cNvPr id="2" name="Title 1">
             <a:extLst>
               <a:ext uri="{FF2B5EF4-FFF2-40B4-BE49-F238E27FC236}">
-                <a16:creationId xmlns:a16="http://schemas.microsoft.com/office/drawing/2014/main" id="{98BBBE84-A437-4567-84B4-F3462197FDBF}"/>
+                <a16:creationId xmlns:a16="http://schemas.microsoft.com/office/drawing/2014/main" id="{2BDF3B9B-2CD2-FF66-619B-71A70248F83B}"/>
               </a:ext>
             </a:extLst>
           </p:cNvPr>
@@ -8904,8 +9134,8 @@
         </p:nvSpPr>
         <p:spPr>
           <a:xfrm>
-            <a:off x="84387" y="82887"/>
-            <a:ext cx="5203232" cy="926198"/>
+            <a:off x="871962" y="0"/>
+            <a:ext cx="9175865" cy="943460"/>
           </a:xfrm>
         </p:spPr>
         <p:txBody>
@@ -8916,15 +9146,10 @@
           <a:p>
             <a:pPr algn="ctr"/>
             <a:r>
-              <a:rPr lang="en-GB" b="1" dirty="0">
-                <a:solidFill>
-                  <a:schemeClr val="accent1">
-                    <a:lumMod val="75000"/>
-                  </a:schemeClr>
-                </a:solidFill>
-              </a:rPr>
-              <a:t>How it works</a:t>
-            </a:r>
+              <a:rPr lang="en-US" dirty="0"/>
+              <a:t>Code</a:t>
+            </a:r>
+            <a:endParaRPr lang="en-GB" dirty="0"/>
           </a:p>
         </p:txBody>
       </p:sp>
@@ -8933,7 +9158,7 @@
           <p:cNvPr id="3" name="Content Placeholder 2">
             <a:extLst>
               <a:ext uri="{FF2B5EF4-FFF2-40B4-BE49-F238E27FC236}">
-                <a16:creationId xmlns:a16="http://schemas.microsoft.com/office/drawing/2014/main" id="{317DF3B0-4A6B-428F-8B0C-EBE3C3DDE6A8}"/>
+                <a16:creationId xmlns:a16="http://schemas.microsoft.com/office/drawing/2014/main" id="{537C1518-FC9C-A674-2370-630D06D5E019}"/>
               </a:ext>
             </a:extLst>
           </p:cNvPr>
@@ -8946,116 +9171,52 @@
         </p:nvSpPr>
         <p:spPr>
           <a:xfrm>
-            <a:off x="265470" y="2898587"/>
-            <a:ext cx="11645636" cy="3820777"/>
+            <a:off x="191286" y="502920"/>
+            <a:ext cx="10515600" cy="5852159"/>
           </a:xfrm>
         </p:spPr>
         <p:txBody>
-          <a:bodyPr>
-            <a:normAutofit/>
-          </a:bodyPr>
+          <a:bodyPr/>
           <a:lstStyle/>
           <a:p>
-            <a:pPr marL="514350" lvl="0" indent="-514350">
-              <a:buFont typeface="+mj-lt"/>
-              <a:buAutoNum type="arabicPeriod"/>
-            </a:pPr>
-            <a:r>
-              <a:rPr lang="en-GB" dirty="0"/>
-              <a:t>Generate short excitation waveform (length </a:t>
-            </a:r>
-            <a:r>
-              <a:rPr lang="en-GB" i="1" dirty="0"/>
-              <a:t>L</a:t>
-            </a:r>
-            <a:r>
-              <a:rPr lang="en-GB" dirty="0"/>
-              <a:t> samples), typically noise</a:t>
+            <a:r>
+              <a:rPr lang="en-US" dirty="0"/>
+              <a:t>STK</a:t>
             </a:r>
           </a:p>
           <a:p>
-            <a:pPr marL="514350" lvl="0" indent="-514350">
-              <a:buFont typeface="+mj-lt"/>
-              <a:buAutoNum type="arabicPeriod"/>
-            </a:pPr>
-            <a:r>
-              <a:rPr lang="en-GB" dirty="0"/>
-              <a:t>Excitation is output &amp; simultaneously fed back into delay line of </a:t>
-            </a:r>
-            <a:r>
-              <a:rPr lang="en-GB" i="1" dirty="0"/>
-              <a:t>L</a:t>
-            </a:r>
-            <a:r>
-              <a:rPr lang="en-GB" dirty="0"/>
-              <a:t> samples</a:t>
-            </a:r>
+            <a:endParaRPr lang="en-US" dirty="0"/>
           </a:p>
           <a:p>
-            <a:pPr lvl="1"/>
-            <a:r>
-              <a:rPr lang="en-GB" dirty="0"/>
-              <a:t>delay line acts to store one period of the signal</a:t>
-            </a:r>
+            <a:endParaRPr lang="en-US" dirty="0"/>
           </a:p>
           <a:p>
-            <a:pPr marL="514350" lvl="0" indent="-514350">
-              <a:buFont typeface="+mj-lt"/>
-              <a:buAutoNum type="arabicPeriod"/>
-            </a:pPr>
-            <a:r>
-              <a:rPr lang="en-GB" dirty="0"/>
-              <a:t>Output of delay line fed through filter </a:t>
-            </a:r>
+            <a:endParaRPr lang="en-US" dirty="0"/>
           </a:p>
           <a:p>
-            <a:pPr marL="971550" lvl="1" indent="-514350">
-              <a:buFont typeface="+mj-lt"/>
-              <a:buAutoNum type="arabicPeriod"/>
-            </a:pPr>
-            <a:r>
-              <a:rPr lang="en-GB" dirty="0"/>
-              <a:t>Filter gain must be less than 1 at all frequencies, to avoid unstable feedback loop</a:t>
-            </a:r>
+            <a:endParaRPr lang="en-US" dirty="0"/>
           </a:p>
           <a:p>
-            <a:pPr marL="971550" lvl="1" indent="-514350">
-              <a:buFont typeface="+mj-lt"/>
-              <a:buAutoNum type="arabicPeriod"/>
-            </a:pPr>
-            <a:r>
-              <a:rPr lang="en-GB" dirty="0"/>
-              <a:t>Filter typically a low order, lowpass filter </a:t>
-            </a:r>
+            <a:endParaRPr lang="en-US" dirty="0"/>
           </a:p>
           <a:p>
-            <a:pPr marL="971550" lvl="1" indent="-514350">
-              <a:buFont typeface="+mj-lt"/>
-              <a:buAutoNum type="arabicPeriod"/>
-            </a:pPr>
-            <a:r>
-              <a:rPr lang="en-GB" dirty="0"/>
-              <a:t>Filter characteristics mainly determine harmonic structure of decaying tone.</a:t>
-            </a:r>
+            <a:endParaRPr lang="en-US" dirty="0"/>
           </a:p>
           <a:p>
-            <a:pPr marL="514350" lvl="0" indent="-514350">
-              <a:buFont typeface="+mj-lt"/>
-              <a:buAutoNum type="arabicPeriod"/>
-            </a:pPr>
-            <a:r>
-              <a:rPr lang="en-GB" dirty="0"/>
-              <a:t>Filtered output simultaneously mixed back into output &amp; into delay line</a:t>
-            </a:r>
+            <a:r>
+              <a:rPr lang="en-US" dirty="0"/>
+              <a:t>FAUST</a:t>
+            </a:r>
+            <a:endParaRPr lang="en-GB" dirty="0"/>
           </a:p>
         </p:txBody>
       </p:sp>
       <p:sp>
         <p:nvSpPr>
-          <p:cNvPr id="6" name="Rectangle 5">
-            <a:extLst>
-              <a:ext uri="{FF2B5EF4-FFF2-40B4-BE49-F238E27FC236}">
-                <a16:creationId xmlns:a16="http://schemas.microsoft.com/office/drawing/2014/main" id="{2F17CE7B-073B-4B4C-B6CB-1F74FE2A3D52}"/>
+          <p:cNvPr id="4" name="Rectangle 3">
+            <a:extLst>
+              <a:ext uri="{FF2B5EF4-FFF2-40B4-BE49-F238E27FC236}">
+                <a16:creationId xmlns:a16="http://schemas.microsoft.com/office/drawing/2014/main" id="{D0D676E3-23D6-12B3-1754-0EBED5F45961}"/>
               </a:ext>
             </a:extLst>
           </p:cNvPr>
@@ -9064,48 +9225,7 @@
         </p:nvSpPr>
         <p:spPr>
           <a:xfrm>
-            <a:off x="207424" y="1138138"/>
-            <a:ext cx="5120640" cy="1077218"/>
-          </a:xfrm>
-          <a:prstGeom prst="rect">
-            <a:avLst/>
-          </a:prstGeom>
-        </p:spPr>
-        <p:txBody>
-          <a:bodyPr wrap="square">
-            <a:spAutoFit/>
-          </a:bodyPr>
-          <a:lstStyle/>
-          <a:p>
-            <a:pPr algn="ctr"/>
-            <a:r>
-              <a:rPr lang="en-GB" sz="3200" b="1" dirty="0">
-                <a:solidFill>
-                  <a:schemeClr val="accent1">
-                    <a:lumMod val="75000"/>
-                  </a:schemeClr>
-                </a:solidFill>
-              </a:rPr>
-              <a:t>loops short waveform through filtered delay line</a:t>
-            </a:r>
-          </a:p>
-        </p:txBody>
-      </p:sp>
-      <p:sp>
-        <p:nvSpPr>
-          <p:cNvPr id="8" name="Rectangle 7">
-            <a:extLst>
-              <a:ext uri="{FF2B5EF4-FFF2-40B4-BE49-F238E27FC236}">
-                <a16:creationId xmlns:a16="http://schemas.microsoft.com/office/drawing/2014/main" id="{94183C86-065D-4B96-87CE-D649F05232EC}"/>
-              </a:ext>
-            </a:extLst>
-          </p:cNvPr>
-          <p:cNvSpPr/>
-          <p:nvPr/>
-        </p:nvSpPr>
-        <p:spPr>
-          <a:xfrm>
-            <a:off x="5713280" y="1588442"/>
+            <a:off x="2957098" y="2723483"/>
             <a:ext cx="1122740" cy="648000"/>
           </a:xfrm>
           <a:prstGeom prst="rect">
@@ -9138,24 +9258,302 @@
             <a:pPr algn="ctr"/>
             <a:r>
               <a:rPr lang="en-GB" dirty="0"/>
-              <a:t>Noise</a:t>
+              <a:t>Noise gain</a:t>
             </a:r>
           </a:p>
+        </p:txBody>
+      </p:sp>
+      <p:cxnSp>
+        <p:nvCxnSpPr>
+          <p:cNvPr id="8" name="Straight Arrow Connector 7">
+            <a:extLst>
+              <a:ext uri="{FF2B5EF4-FFF2-40B4-BE49-F238E27FC236}">
+                <a16:creationId xmlns:a16="http://schemas.microsoft.com/office/drawing/2014/main" id="{8AC7A20B-39A5-5389-F67D-80A1D5A4C9EF}"/>
+              </a:ext>
+            </a:extLst>
+          </p:cNvPr>
+          <p:cNvCxnSpPr>
+            <a:cxnSpLocks/>
+            <a:endCxn id="26" idx="1"/>
+          </p:cNvCxnSpPr>
+          <p:nvPr/>
+        </p:nvCxnSpPr>
+        <p:spPr>
+          <a:xfrm>
+            <a:off x="4010265" y="3047483"/>
+            <a:ext cx="628368" cy="394964"/>
+          </a:xfrm>
+          <a:prstGeom prst="straightConnector1">
+            <a:avLst/>
+          </a:prstGeom>
+          <a:ln w="31750">
+            <a:solidFill>
+              <a:schemeClr val="tx1"/>
+            </a:solidFill>
+            <a:tailEnd type="arrow" w="lg" len="lg"/>
+          </a:ln>
+        </p:spPr>
+        <p:style>
+          <a:lnRef idx="1">
+            <a:schemeClr val="accent1"/>
+          </a:lnRef>
+          <a:fillRef idx="0">
+            <a:schemeClr val="accent1"/>
+          </a:fillRef>
+          <a:effectRef idx="0">
+            <a:schemeClr val="accent1"/>
+          </a:effectRef>
+          <a:fontRef idx="minor">
+            <a:schemeClr val="tx1"/>
+          </a:fontRef>
+        </p:style>
+      </p:cxnSp>
+      <p:cxnSp>
+        <p:nvCxnSpPr>
+          <p:cNvPr id="9" name="Straight Arrow Connector 8">
+            <a:extLst>
+              <a:ext uri="{FF2B5EF4-FFF2-40B4-BE49-F238E27FC236}">
+                <a16:creationId xmlns:a16="http://schemas.microsoft.com/office/drawing/2014/main" id="{F931C0E5-D2E8-F9BB-994D-6048E2C23EAC}"/>
+              </a:ext>
+            </a:extLst>
+          </p:cNvPr>
+          <p:cNvCxnSpPr>
+            <a:cxnSpLocks/>
+          </p:cNvCxnSpPr>
+          <p:nvPr/>
+        </p:nvCxnSpPr>
+        <p:spPr>
+          <a:xfrm flipH="1">
+            <a:off x="6857477" y="2260034"/>
+            <a:ext cx="1059178" cy="0"/>
+          </a:xfrm>
+          <a:prstGeom prst="straightConnector1">
+            <a:avLst/>
+          </a:prstGeom>
+          <a:ln w="31750">
+            <a:solidFill>
+              <a:schemeClr val="tx1"/>
+            </a:solidFill>
+            <a:tailEnd type="none" w="lg" len="lg"/>
+          </a:ln>
+        </p:spPr>
+        <p:style>
+          <a:lnRef idx="1">
+            <a:schemeClr val="accent1"/>
+          </a:lnRef>
+          <a:fillRef idx="0">
+            <a:schemeClr val="accent1"/>
+          </a:fillRef>
+          <a:effectRef idx="0">
+            <a:schemeClr val="accent1"/>
+          </a:effectRef>
+          <a:fontRef idx="minor">
+            <a:schemeClr val="tx1"/>
+          </a:fontRef>
+        </p:style>
+      </p:cxnSp>
+      <p:cxnSp>
+        <p:nvCxnSpPr>
+          <p:cNvPr id="10" name="Straight Arrow Connector 9">
+            <a:extLst>
+              <a:ext uri="{FF2B5EF4-FFF2-40B4-BE49-F238E27FC236}">
+                <a16:creationId xmlns:a16="http://schemas.microsoft.com/office/drawing/2014/main" id="{64D1CBA7-3297-EE40-1CE5-78FAD9E776F2}"/>
+              </a:ext>
+            </a:extLst>
+          </p:cNvPr>
+          <p:cNvCxnSpPr>
+            <a:cxnSpLocks/>
+            <a:stCxn id="19" idx="0"/>
+            <a:endCxn id="26" idx="2"/>
+          </p:cNvCxnSpPr>
+          <p:nvPr/>
+        </p:nvCxnSpPr>
+        <p:spPr>
+          <a:xfrm flipV="1">
+            <a:off x="5180125" y="3766447"/>
+            <a:ext cx="19878" cy="869210"/>
+          </a:xfrm>
+          <a:prstGeom prst="straightConnector1">
+            <a:avLst/>
+          </a:prstGeom>
+          <a:ln w="31750">
+            <a:solidFill>
+              <a:schemeClr val="tx1"/>
+            </a:solidFill>
+            <a:tailEnd type="arrow" w="lg" len="lg"/>
+          </a:ln>
+        </p:spPr>
+        <p:style>
+          <a:lnRef idx="1">
+            <a:schemeClr val="accent1"/>
+          </a:lnRef>
+          <a:fillRef idx="0">
+            <a:schemeClr val="accent1"/>
+          </a:fillRef>
+          <a:effectRef idx="0">
+            <a:schemeClr val="accent1"/>
+          </a:effectRef>
+          <a:fontRef idx="minor">
+            <a:schemeClr val="tx1"/>
+          </a:fontRef>
+        </p:style>
+      </p:cxnSp>
+      <p:sp>
+        <p:nvSpPr>
+          <p:cNvPr id="14" name="Rectangle 13">
+            <a:extLst>
+              <a:ext uri="{FF2B5EF4-FFF2-40B4-BE49-F238E27FC236}">
+                <a16:creationId xmlns:a16="http://schemas.microsoft.com/office/drawing/2014/main" id="{57497EBD-5EC8-B396-CBF7-54028041AB63}"/>
+              </a:ext>
+            </a:extLst>
+          </p:cNvPr>
+          <p:cNvSpPr/>
+          <p:nvPr/>
+        </p:nvSpPr>
+        <p:spPr>
+          <a:xfrm>
+            <a:off x="1332181" y="2723483"/>
+            <a:ext cx="1122740" cy="648000"/>
+          </a:xfrm>
+          <a:prstGeom prst="rect">
+            <a:avLst/>
+          </a:prstGeom>
+          <a:solidFill>
+            <a:srgbClr val="7030A0"/>
+          </a:solidFill>
+        </p:spPr>
+        <p:style>
+          <a:lnRef idx="2">
+            <a:schemeClr val="accent1">
+              <a:shade val="50000"/>
+            </a:schemeClr>
+          </a:lnRef>
+          <a:fillRef idx="1">
+            <a:schemeClr val="accent1"/>
+          </a:fillRef>
+          <a:effectRef idx="0">
+            <a:schemeClr val="accent1"/>
+          </a:effectRef>
+          <a:fontRef idx="minor">
+            <a:schemeClr val="lt1"/>
+          </a:fontRef>
+        </p:style>
+        <p:txBody>
+          <a:bodyPr rtlCol="0" anchor="ctr"/>
+          <a:lstStyle/>
           <a:p>
             <a:pPr algn="ctr"/>
             <a:r>
               <a:rPr lang="en-GB" dirty="0"/>
-              <a:t>burst</a:t>
+              <a:t>Noise source</a:t>
+            </a:r>
+          </a:p>
+        </p:txBody>
+      </p:sp>
+      <p:cxnSp>
+        <p:nvCxnSpPr>
+          <p:cNvPr id="15" name="Straight Arrow Connector 14">
+            <a:extLst>
+              <a:ext uri="{FF2B5EF4-FFF2-40B4-BE49-F238E27FC236}">
+                <a16:creationId xmlns:a16="http://schemas.microsoft.com/office/drawing/2014/main" id="{01A81E16-A3CB-11F2-F1B1-C93C2BACA4DE}"/>
+              </a:ext>
+            </a:extLst>
+          </p:cNvPr>
+          <p:cNvCxnSpPr>
+            <a:cxnSpLocks/>
+            <a:stCxn id="14" idx="3"/>
+            <a:endCxn id="4" idx="1"/>
+          </p:cNvCxnSpPr>
+          <p:nvPr/>
+        </p:nvCxnSpPr>
+        <p:spPr>
+          <a:xfrm>
+            <a:off x="2454921" y="3047483"/>
+            <a:ext cx="502177" cy="0"/>
+          </a:xfrm>
+          <a:prstGeom prst="straightConnector1">
+            <a:avLst/>
+          </a:prstGeom>
+          <a:ln w="31750">
+            <a:solidFill>
+              <a:schemeClr val="tx1"/>
+            </a:solidFill>
+            <a:tailEnd type="arrow" w="lg" len="lg"/>
+          </a:ln>
+        </p:spPr>
+        <p:style>
+          <a:lnRef idx="1">
+            <a:schemeClr val="accent1"/>
+          </a:lnRef>
+          <a:fillRef idx="0">
+            <a:schemeClr val="accent1"/>
+          </a:fillRef>
+          <a:effectRef idx="0">
+            <a:schemeClr val="accent1"/>
+          </a:effectRef>
+          <a:fontRef idx="minor">
+            <a:schemeClr val="tx1"/>
+          </a:fontRef>
+        </p:style>
+      </p:cxnSp>
+      <p:sp>
+        <p:nvSpPr>
+          <p:cNvPr id="5" name="Rectangle 4">
+            <a:extLst>
+              <a:ext uri="{FF2B5EF4-FFF2-40B4-BE49-F238E27FC236}">
+                <a16:creationId xmlns:a16="http://schemas.microsoft.com/office/drawing/2014/main" id="{696CECA3-B8C5-D9F8-BE52-A9385EC84C10}"/>
+              </a:ext>
+            </a:extLst>
+          </p:cNvPr>
+          <p:cNvSpPr/>
+          <p:nvPr/>
+        </p:nvSpPr>
+        <p:spPr>
+          <a:xfrm>
+            <a:off x="2957098" y="4635657"/>
+            <a:ext cx="1122740" cy="648000"/>
+          </a:xfrm>
+          <a:prstGeom prst="rect">
+            <a:avLst/>
+          </a:prstGeom>
+          <a:solidFill>
+            <a:srgbClr val="7030A0"/>
+          </a:solidFill>
+        </p:spPr>
+        <p:style>
+          <a:lnRef idx="2">
+            <a:schemeClr val="accent1">
+              <a:shade val="50000"/>
+            </a:schemeClr>
+          </a:lnRef>
+          <a:fillRef idx="1">
+            <a:schemeClr val="accent1"/>
+          </a:fillRef>
+          <a:effectRef idx="0">
+            <a:schemeClr val="accent1"/>
+          </a:effectRef>
+          <a:fontRef idx="minor">
+            <a:schemeClr val="lt1"/>
+          </a:fontRef>
+        </p:style>
+        <p:txBody>
+          <a:bodyPr rtlCol="0" anchor="ctr"/>
+          <a:lstStyle/>
+          <a:p>
+            <a:pPr algn="ctr"/>
+            <a:r>
+              <a:rPr lang="en-GB" dirty="0"/>
+              <a:t>Vibrato gain</a:t>
             </a:r>
           </a:p>
         </p:txBody>
       </p:sp>
       <p:sp>
         <p:nvSpPr>
-          <p:cNvPr id="9" name="Rectangle 8">
-            <a:extLst>
-              <a:ext uri="{FF2B5EF4-FFF2-40B4-BE49-F238E27FC236}">
-                <a16:creationId xmlns:a16="http://schemas.microsoft.com/office/drawing/2014/main" id="{06DCCA2A-9C0D-440C-8806-B25AB93D76B0}"/>
+          <p:cNvPr id="17" name="Rectangle 16">
+            <a:extLst>
+              <a:ext uri="{FF2B5EF4-FFF2-40B4-BE49-F238E27FC236}">
+                <a16:creationId xmlns:a16="http://schemas.microsoft.com/office/drawing/2014/main" id="{1302B20C-E462-54A0-30BD-18A1F2B56E05}"/>
               </a:ext>
             </a:extLst>
           </p:cNvPr>
@@ -9164,7 +9562,1508 @@
         </p:nvSpPr>
         <p:spPr>
           <a:xfrm>
-            <a:off x="8949800" y="359521"/>
+            <a:off x="1292043" y="4635657"/>
+            <a:ext cx="1122740" cy="648000"/>
+          </a:xfrm>
+          <a:prstGeom prst="rect">
+            <a:avLst/>
+          </a:prstGeom>
+          <a:solidFill>
+            <a:srgbClr val="7030A0"/>
+          </a:solidFill>
+        </p:spPr>
+        <p:style>
+          <a:lnRef idx="2">
+            <a:schemeClr val="accent1">
+              <a:shade val="50000"/>
+            </a:schemeClr>
+          </a:lnRef>
+          <a:fillRef idx="1">
+            <a:schemeClr val="accent1"/>
+          </a:fillRef>
+          <a:effectRef idx="0">
+            <a:schemeClr val="accent1"/>
+          </a:effectRef>
+          <a:fontRef idx="minor">
+            <a:schemeClr val="lt1"/>
+          </a:fontRef>
+        </p:style>
+        <p:txBody>
+          <a:bodyPr rtlCol="0" anchor="ctr"/>
+          <a:lstStyle/>
+          <a:p>
+            <a:pPr algn="ctr"/>
+            <a:r>
+              <a:rPr lang="en-GB" dirty="0"/>
+              <a:t>Vibrato oscillator</a:t>
+            </a:r>
+          </a:p>
+        </p:txBody>
+      </p:sp>
+      <p:cxnSp>
+        <p:nvCxnSpPr>
+          <p:cNvPr id="18" name="Straight Arrow Connector 17">
+            <a:extLst>
+              <a:ext uri="{FF2B5EF4-FFF2-40B4-BE49-F238E27FC236}">
+                <a16:creationId xmlns:a16="http://schemas.microsoft.com/office/drawing/2014/main" id="{8188CBD4-5175-E103-6A23-E77B1843DB88}"/>
+              </a:ext>
+            </a:extLst>
+          </p:cNvPr>
+          <p:cNvCxnSpPr>
+            <a:cxnSpLocks/>
+            <a:stCxn id="17" idx="3"/>
+            <a:endCxn id="5" idx="1"/>
+          </p:cNvCxnSpPr>
+          <p:nvPr/>
+        </p:nvCxnSpPr>
+        <p:spPr>
+          <a:xfrm>
+            <a:off x="2414783" y="4959657"/>
+            <a:ext cx="542315" cy="0"/>
+          </a:xfrm>
+          <a:prstGeom prst="straightConnector1">
+            <a:avLst/>
+          </a:prstGeom>
+          <a:ln w="31750">
+            <a:solidFill>
+              <a:schemeClr val="tx1"/>
+            </a:solidFill>
+            <a:tailEnd type="arrow" w="lg" len="lg"/>
+          </a:ln>
+        </p:spPr>
+        <p:style>
+          <a:lnRef idx="1">
+            <a:schemeClr val="accent1"/>
+          </a:lnRef>
+          <a:fillRef idx="0">
+            <a:schemeClr val="accent1"/>
+          </a:fillRef>
+          <a:effectRef idx="0">
+            <a:schemeClr val="accent1"/>
+          </a:effectRef>
+          <a:fontRef idx="minor">
+            <a:schemeClr val="tx1"/>
+          </a:fontRef>
+        </p:style>
+      </p:cxnSp>
+      <p:sp>
+        <p:nvSpPr>
+          <p:cNvPr id="19" name="Rectangle 18">
+            <a:extLst>
+              <a:ext uri="{FF2B5EF4-FFF2-40B4-BE49-F238E27FC236}">
+                <a16:creationId xmlns:a16="http://schemas.microsoft.com/office/drawing/2014/main" id="{2F78DF86-838D-F903-9F64-B470FBCB7563}"/>
+              </a:ext>
+            </a:extLst>
+          </p:cNvPr>
+          <p:cNvSpPr/>
+          <p:nvPr/>
+        </p:nvSpPr>
+        <p:spPr>
+          <a:xfrm>
+            <a:off x="4618755" y="4635657"/>
+            <a:ext cx="1122740" cy="648000"/>
+          </a:xfrm>
+          <a:prstGeom prst="rect">
+            <a:avLst/>
+          </a:prstGeom>
+          <a:solidFill>
+            <a:srgbClr val="7030A0"/>
+          </a:solidFill>
+        </p:spPr>
+        <p:style>
+          <a:lnRef idx="2">
+            <a:schemeClr val="accent1">
+              <a:shade val="50000"/>
+            </a:schemeClr>
+          </a:lnRef>
+          <a:fillRef idx="1">
+            <a:schemeClr val="accent1"/>
+          </a:fillRef>
+          <a:effectRef idx="0">
+            <a:schemeClr val="accent1"/>
+          </a:effectRef>
+          <a:fontRef idx="minor">
+            <a:schemeClr val="lt1"/>
+          </a:fontRef>
+        </p:style>
+        <p:txBody>
+          <a:bodyPr rtlCol="0" anchor="ctr"/>
+          <a:lstStyle/>
+          <a:p>
+            <a:pPr algn="ctr"/>
+            <a:r>
+              <a:rPr lang="en-GB" dirty="0"/>
+              <a:t>Vibrato envelope</a:t>
+            </a:r>
+          </a:p>
+        </p:txBody>
+      </p:sp>
+      <p:sp>
+        <p:nvSpPr>
+          <p:cNvPr id="24" name="Rectangle 23">
+            <a:extLst>
+              <a:ext uri="{FF2B5EF4-FFF2-40B4-BE49-F238E27FC236}">
+                <a16:creationId xmlns:a16="http://schemas.microsoft.com/office/drawing/2014/main" id="{F1BA3A6E-8860-6EFF-F748-38FCEFF84765}"/>
+              </a:ext>
+            </a:extLst>
+          </p:cNvPr>
+          <p:cNvSpPr/>
+          <p:nvPr/>
+        </p:nvSpPr>
+        <p:spPr>
+          <a:xfrm>
+            <a:off x="6303688" y="3114655"/>
+            <a:ext cx="1122740" cy="648000"/>
+          </a:xfrm>
+          <a:prstGeom prst="rect">
+            <a:avLst/>
+          </a:prstGeom>
+          <a:solidFill>
+            <a:srgbClr val="7030A0"/>
+          </a:solidFill>
+        </p:spPr>
+        <p:style>
+          <a:lnRef idx="2">
+            <a:schemeClr val="accent1">
+              <a:shade val="50000"/>
+            </a:schemeClr>
+          </a:lnRef>
+          <a:fillRef idx="1">
+            <a:schemeClr val="accent1"/>
+          </a:fillRef>
+          <a:effectRef idx="0">
+            <a:schemeClr val="accent1"/>
+          </a:effectRef>
+          <a:fontRef idx="minor">
+            <a:schemeClr val="lt1"/>
+          </a:fontRef>
+        </p:style>
+        <p:txBody>
+          <a:bodyPr rtlCol="0" anchor="ctr"/>
+          <a:lstStyle/>
+          <a:p>
+            <a:pPr algn="ctr"/>
+            <a:r>
+              <a:rPr lang="en-GB" dirty="0"/>
+              <a:t>Reed table</a:t>
+            </a:r>
+          </a:p>
+        </p:txBody>
+      </p:sp>
+      <p:sp>
+        <p:nvSpPr>
+          <p:cNvPr id="25" name="Rectangle 24">
+            <a:extLst>
+              <a:ext uri="{FF2B5EF4-FFF2-40B4-BE49-F238E27FC236}">
+                <a16:creationId xmlns:a16="http://schemas.microsoft.com/office/drawing/2014/main" id="{9967E91F-4608-2900-A2C4-260BA09FD82B}"/>
+              </a:ext>
+            </a:extLst>
+          </p:cNvPr>
+          <p:cNvSpPr/>
+          <p:nvPr/>
+        </p:nvSpPr>
+        <p:spPr>
+          <a:xfrm>
+            <a:off x="9640127" y="1932324"/>
+            <a:ext cx="1353270" cy="648000"/>
+          </a:xfrm>
+          <a:prstGeom prst="rect">
+            <a:avLst/>
+          </a:prstGeom>
+          <a:solidFill>
+            <a:srgbClr val="7030A0"/>
+          </a:solidFill>
+        </p:spPr>
+        <p:style>
+          <a:lnRef idx="2">
+            <a:schemeClr val="accent1">
+              <a:shade val="50000"/>
+            </a:schemeClr>
+          </a:lnRef>
+          <a:fillRef idx="1">
+            <a:schemeClr val="accent1"/>
+          </a:fillRef>
+          <a:effectRef idx="0">
+            <a:schemeClr val="accent1"/>
+          </a:effectRef>
+          <a:fontRef idx="minor">
+            <a:schemeClr val="lt1"/>
+          </a:fontRef>
+        </p:style>
+        <p:txBody>
+          <a:bodyPr rtlCol="0" anchor="ctr"/>
+          <a:lstStyle/>
+          <a:p>
+            <a:pPr algn="ctr"/>
+            <a:r>
+              <a:rPr lang="en-GB" dirty="0"/>
+              <a:t>Nonlinearity node</a:t>
+            </a:r>
+          </a:p>
+        </p:txBody>
+      </p:sp>
+      <p:sp>
+        <p:nvSpPr>
+          <p:cNvPr id="26" name="Rectangle 25">
+            <a:extLst>
+              <a:ext uri="{FF2B5EF4-FFF2-40B4-BE49-F238E27FC236}">
+                <a16:creationId xmlns:a16="http://schemas.microsoft.com/office/drawing/2014/main" id="{4433AE59-D929-F5BA-081B-70215EAC3357}"/>
+              </a:ext>
+            </a:extLst>
+          </p:cNvPr>
+          <p:cNvSpPr/>
+          <p:nvPr/>
+        </p:nvSpPr>
+        <p:spPr>
+          <a:xfrm>
+            <a:off x="4638633" y="3118447"/>
+            <a:ext cx="1122740" cy="648000"/>
+          </a:xfrm>
+          <a:prstGeom prst="rect">
+            <a:avLst/>
+          </a:prstGeom>
+          <a:solidFill>
+            <a:srgbClr val="7030A0"/>
+          </a:solidFill>
+        </p:spPr>
+        <p:style>
+          <a:lnRef idx="2">
+            <a:schemeClr val="accent1">
+              <a:shade val="50000"/>
+            </a:schemeClr>
+          </a:lnRef>
+          <a:fillRef idx="1">
+            <a:schemeClr val="accent1"/>
+          </a:fillRef>
+          <a:effectRef idx="0">
+            <a:schemeClr val="accent1"/>
+          </a:effectRef>
+          <a:fontRef idx="minor">
+            <a:schemeClr val="lt1"/>
+          </a:fontRef>
+        </p:style>
+        <p:txBody>
+          <a:bodyPr rtlCol="0" anchor="ctr"/>
+          <a:lstStyle/>
+          <a:p>
+            <a:pPr algn="ctr"/>
+            <a:r>
+              <a:rPr lang="en-GB" dirty="0"/>
+              <a:t>Breath pressure</a:t>
+            </a:r>
+          </a:p>
+        </p:txBody>
+      </p:sp>
+      <p:sp>
+        <p:nvSpPr>
+          <p:cNvPr id="27" name="Rectangle 26">
+            <a:extLst>
+              <a:ext uri="{FF2B5EF4-FFF2-40B4-BE49-F238E27FC236}">
+                <a16:creationId xmlns:a16="http://schemas.microsoft.com/office/drawing/2014/main" id="{1B930658-1835-4F9A-139B-F70C7B0BF41E}"/>
+              </a:ext>
+            </a:extLst>
+          </p:cNvPr>
+          <p:cNvSpPr/>
+          <p:nvPr/>
+        </p:nvSpPr>
+        <p:spPr>
+          <a:xfrm>
+            <a:off x="2957098" y="3516066"/>
+            <a:ext cx="1122740" cy="648000"/>
+          </a:xfrm>
+          <a:prstGeom prst="rect">
+            <a:avLst/>
+          </a:prstGeom>
+          <a:solidFill>
+            <a:srgbClr val="7030A0"/>
+          </a:solidFill>
+        </p:spPr>
+        <p:style>
+          <a:lnRef idx="2">
+            <a:schemeClr val="accent1">
+              <a:shade val="50000"/>
+            </a:schemeClr>
+          </a:lnRef>
+          <a:fillRef idx="1">
+            <a:schemeClr val="accent1"/>
+          </a:fillRef>
+          <a:effectRef idx="0">
+            <a:schemeClr val="accent1"/>
+          </a:effectRef>
+          <a:fontRef idx="minor">
+            <a:schemeClr val="lt1"/>
+          </a:fontRef>
+        </p:style>
+        <p:txBody>
+          <a:bodyPr rtlCol="0" anchor="ctr"/>
+          <a:lstStyle/>
+          <a:p>
+            <a:pPr algn="ctr"/>
+            <a:r>
+              <a:rPr lang="en-GB" dirty="0"/>
+              <a:t>Breath envelope</a:t>
+            </a:r>
+          </a:p>
+        </p:txBody>
+      </p:sp>
+      <p:cxnSp>
+        <p:nvCxnSpPr>
+          <p:cNvPr id="31" name="Straight Arrow Connector 30">
+            <a:extLst>
+              <a:ext uri="{FF2B5EF4-FFF2-40B4-BE49-F238E27FC236}">
+                <a16:creationId xmlns:a16="http://schemas.microsoft.com/office/drawing/2014/main" id="{F0D86319-757D-C7EB-3DA4-27F961BF2C7E}"/>
+              </a:ext>
+            </a:extLst>
+          </p:cNvPr>
+          <p:cNvCxnSpPr>
+            <a:cxnSpLocks/>
+            <a:stCxn id="27" idx="3"/>
+            <a:endCxn id="26" idx="1"/>
+          </p:cNvCxnSpPr>
+          <p:nvPr/>
+        </p:nvCxnSpPr>
+        <p:spPr>
+          <a:xfrm flipV="1">
+            <a:off x="4079838" y="3442447"/>
+            <a:ext cx="558795" cy="397619"/>
+          </a:xfrm>
+          <a:prstGeom prst="straightConnector1">
+            <a:avLst/>
+          </a:prstGeom>
+          <a:ln w="31750">
+            <a:solidFill>
+              <a:schemeClr val="tx1"/>
+            </a:solidFill>
+            <a:tailEnd type="arrow" w="lg" len="lg"/>
+          </a:ln>
+        </p:spPr>
+        <p:style>
+          <a:lnRef idx="1">
+            <a:schemeClr val="accent1"/>
+          </a:lnRef>
+          <a:fillRef idx="0">
+            <a:schemeClr val="accent1"/>
+          </a:fillRef>
+          <a:effectRef idx="0">
+            <a:schemeClr val="accent1"/>
+          </a:effectRef>
+          <a:fontRef idx="minor">
+            <a:schemeClr val="tx1"/>
+          </a:fontRef>
+        </p:style>
+      </p:cxnSp>
+      <p:cxnSp>
+        <p:nvCxnSpPr>
+          <p:cNvPr id="35" name="Straight Arrow Connector 34">
+            <a:extLst>
+              <a:ext uri="{FF2B5EF4-FFF2-40B4-BE49-F238E27FC236}">
+                <a16:creationId xmlns:a16="http://schemas.microsoft.com/office/drawing/2014/main" id="{58B383E1-1670-4B7D-3018-BC2DDE9AC4DC}"/>
+              </a:ext>
+            </a:extLst>
+          </p:cNvPr>
+          <p:cNvCxnSpPr>
+            <a:cxnSpLocks/>
+            <a:stCxn id="5" idx="3"/>
+            <a:endCxn id="19" idx="1"/>
+          </p:cNvCxnSpPr>
+          <p:nvPr/>
+        </p:nvCxnSpPr>
+        <p:spPr>
+          <a:xfrm>
+            <a:off x="4079838" y="4959657"/>
+            <a:ext cx="538917" cy="0"/>
+          </a:xfrm>
+          <a:prstGeom prst="straightConnector1">
+            <a:avLst/>
+          </a:prstGeom>
+          <a:ln w="31750">
+            <a:solidFill>
+              <a:schemeClr val="tx1"/>
+            </a:solidFill>
+            <a:tailEnd type="arrow" w="lg" len="lg"/>
+          </a:ln>
+        </p:spPr>
+        <p:style>
+          <a:lnRef idx="1">
+            <a:schemeClr val="accent1"/>
+          </a:lnRef>
+          <a:fillRef idx="0">
+            <a:schemeClr val="accent1"/>
+          </a:fillRef>
+          <a:effectRef idx="0">
+            <a:schemeClr val="accent1"/>
+          </a:effectRef>
+          <a:fontRef idx="minor">
+            <a:schemeClr val="tx1"/>
+          </a:fontRef>
+        </p:style>
+      </p:cxnSp>
+      <p:cxnSp>
+        <p:nvCxnSpPr>
+          <p:cNvPr id="41" name="Straight Arrow Connector 40">
+            <a:extLst>
+              <a:ext uri="{FF2B5EF4-FFF2-40B4-BE49-F238E27FC236}">
+                <a16:creationId xmlns:a16="http://schemas.microsoft.com/office/drawing/2014/main" id="{88742755-497A-3B34-48CF-385E33746C8F}"/>
+              </a:ext>
+            </a:extLst>
+          </p:cNvPr>
+          <p:cNvCxnSpPr>
+            <a:cxnSpLocks/>
+          </p:cNvCxnSpPr>
+          <p:nvPr/>
+        </p:nvCxnSpPr>
+        <p:spPr>
+          <a:xfrm>
+            <a:off x="10993397" y="2256324"/>
+            <a:ext cx="669511" cy="0"/>
+          </a:xfrm>
+          <a:prstGeom prst="straightConnector1">
+            <a:avLst/>
+          </a:prstGeom>
+          <a:ln w="31750">
+            <a:solidFill>
+              <a:schemeClr val="tx1"/>
+            </a:solidFill>
+            <a:tailEnd type="arrow" w="lg" len="lg"/>
+          </a:ln>
+        </p:spPr>
+        <p:style>
+          <a:lnRef idx="1">
+            <a:schemeClr val="accent1"/>
+          </a:lnRef>
+          <a:fillRef idx="0">
+            <a:schemeClr val="accent1"/>
+          </a:fillRef>
+          <a:effectRef idx="0">
+            <a:schemeClr val="accent1"/>
+          </a:effectRef>
+          <a:fontRef idx="minor">
+            <a:schemeClr val="tx1"/>
+          </a:fontRef>
+        </p:style>
+      </p:cxnSp>
+      <p:sp>
+        <p:nvSpPr>
+          <p:cNvPr id="43" name="Rectangle 42">
+            <a:extLst>
+              <a:ext uri="{FF2B5EF4-FFF2-40B4-BE49-F238E27FC236}">
+                <a16:creationId xmlns:a16="http://schemas.microsoft.com/office/drawing/2014/main" id="{F30A3EEF-3D0E-D9B5-9807-66C573F9731E}"/>
+              </a:ext>
+            </a:extLst>
+          </p:cNvPr>
+          <p:cNvSpPr/>
+          <p:nvPr/>
+        </p:nvSpPr>
+        <p:spPr>
+          <a:xfrm>
+            <a:off x="7916655" y="1932324"/>
+            <a:ext cx="1122740" cy="648000"/>
+          </a:xfrm>
+          <a:prstGeom prst="rect">
+            <a:avLst/>
+          </a:prstGeom>
+          <a:solidFill>
+            <a:srgbClr val="7030A0"/>
+          </a:solidFill>
+        </p:spPr>
+        <p:style>
+          <a:lnRef idx="2">
+            <a:schemeClr val="accent1">
+              <a:shade val="50000"/>
+            </a:schemeClr>
+          </a:lnRef>
+          <a:fillRef idx="1">
+            <a:schemeClr val="accent1"/>
+          </a:fillRef>
+          <a:effectRef idx="0">
+            <a:schemeClr val="accent1"/>
+          </a:effectRef>
+          <a:fontRef idx="minor">
+            <a:schemeClr val="lt1"/>
+          </a:fontRef>
+        </p:style>
+        <p:txBody>
+          <a:bodyPr rtlCol="0" anchor="ctr"/>
+          <a:lstStyle/>
+          <a:p>
+            <a:pPr algn="ctr"/>
+            <a:r>
+              <a:rPr lang="en-GB" dirty="0"/>
+              <a:t>Filter</a:t>
+            </a:r>
+          </a:p>
+        </p:txBody>
+      </p:sp>
+      <p:sp>
+        <p:nvSpPr>
+          <p:cNvPr id="47" name="Isosceles Triangle 46">
+            <a:extLst>
+              <a:ext uri="{FF2B5EF4-FFF2-40B4-BE49-F238E27FC236}">
+                <a16:creationId xmlns:a16="http://schemas.microsoft.com/office/drawing/2014/main" id="{F299329D-C46A-2D46-C7FE-7EAB7E4B01B8}"/>
+              </a:ext>
+            </a:extLst>
+          </p:cNvPr>
+          <p:cNvSpPr/>
+          <p:nvPr/>
+        </p:nvSpPr>
+        <p:spPr>
+          <a:xfrm>
+            <a:off x="4946125" y="3782817"/>
+            <a:ext cx="468000" cy="468000"/>
+          </a:xfrm>
+          <a:prstGeom prst="triangle">
+            <a:avLst/>
+          </a:prstGeom>
+          <a:solidFill>
+            <a:srgbClr val="7030A0"/>
+          </a:solidFill>
+        </p:spPr>
+        <p:style>
+          <a:lnRef idx="2">
+            <a:schemeClr val="accent1">
+              <a:shade val="50000"/>
+            </a:schemeClr>
+          </a:lnRef>
+          <a:fillRef idx="1">
+            <a:schemeClr val="accent1"/>
+          </a:fillRef>
+          <a:effectRef idx="0">
+            <a:schemeClr val="accent1"/>
+          </a:effectRef>
+          <a:fontRef idx="minor">
+            <a:schemeClr val="lt1"/>
+          </a:fontRef>
+        </p:style>
+        <p:txBody>
+          <a:bodyPr rtlCol="0" anchor="ctr"/>
+          <a:lstStyle/>
+          <a:p>
+            <a:pPr algn="ctr"/>
+            <a:endParaRPr lang="en-GB" dirty="0"/>
+          </a:p>
+        </p:txBody>
+      </p:sp>
+      <p:cxnSp>
+        <p:nvCxnSpPr>
+          <p:cNvPr id="49" name="Straight Arrow Connector 48">
+            <a:extLst>
+              <a:ext uri="{FF2B5EF4-FFF2-40B4-BE49-F238E27FC236}">
+                <a16:creationId xmlns:a16="http://schemas.microsoft.com/office/drawing/2014/main" id="{F8523D93-187C-B86A-7695-3BAC3E8AB0B5}"/>
+              </a:ext>
+            </a:extLst>
+          </p:cNvPr>
+          <p:cNvCxnSpPr>
+            <a:cxnSpLocks/>
+            <a:stCxn id="26" idx="3"/>
+            <a:endCxn id="24" idx="1"/>
+          </p:cNvCxnSpPr>
+          <p:nvPr/>
+        </p:nvCxnSpPr>
+        <p:spPr>
+          <a:xfrm flipV="1">
+            <a:off x="5761373" y="3438655"/>
+            <a:ext cx="542315" cy="3792"/>
+          </a:xfrm>
+          <a:prstGeom prst="straightConnector1">
+            <a:avLst/>
+          </a:prstGeom>
+          <a:ln w="31750">
+            <a:solidFill>
+              <a:schemeClr val="tx1"/>
+            </a:solidFill>
+            <a:tailEnd type="arrow" w="lg" len="lg"/>
+          </a:ln>
+        </p:spPr>
+        <p:style>
+          <a:lnRef idx="1">
+            <a:schemeClr val="accent1"/>
+          </a:lnRef>
+          <a:fillRef idx="0">
+            <a:schemeClr val="accent1"/>
+          </a:fillRef>
+          <a:effectRef idx="0">
+            <a:schemeClr val="accent1"/>
+          </a:effectRef>
+          <a:fontRef idx="minor">
+            <a:schemeClr val="tx1"/>
+          </a:fontRef>
+        </p:style>
+      </p:cxnSp>
+      <p:sp>
+        <p:nvSpPr>
+          <p:cNvPr id="52" name="Rectangle 51">
+            <a:extLst>
+              <a:ext uri="{FF2B5EF4-FFF2-40B4-BE49-F238E27FC236}">
+                <a16:creationId xmlns:a16="http://schemas.microsoft.com/office/drawing/2014/main" id="{D943C749-2EF5-A269-5F9A-6583B37E17E5}"/>
+              </a:ext>
+            </a:extLst>
+          </p:cNvPr>
+          <p:cNvSpPr/>
+          <p:nvPr/>
+        </p:nvSpPr>
+        <p:spPr>
+          <a:xfrm>
+            <a:off x="7916655" y="3105000"/>
+            <a:ext cx="1122740" cy="648000"/>
+          </a:xfrm>
+          <a:prstGeom prst="rect">
+            <a:avLst/>
+          </a:prstGeom>
+          <a:solidFill>
+            <a:srgbClr val="7030A0"/>
+          </a:solidFill>
+        </p:spPr>
+        <p:style>
+          <a:lnRef idx="2">
+            <a:schemeClr val="accent1">
+              <a:shade val="50000"/>
+            </a:schemeClr>
+          </a:lnRef>
+          <a:fillRef idx="1">
+            <a:schemeClr val="accent1"/>
+          </a:fillRef>
+          <a:effectRef idx="0">
+            <a:schemeClr val="accent1"/>
+          </a:effectRef>
+          <a:fontRef idx="minor">
+            <a:schemeClr val="lt1"/>
+          </a:fontRef>
+        </p:style>
+        <p:txBody>
+          <a:bodyPr rtlCol="0" anchor="ctr"/>
+          <a:lstStyle/>
+          <a:p>
+            <a:pPr algn="ctr"/>
+            <a:r>
+              <a:rPr lang="en-GB" dirty="0"/>
+              <a:t>Delay line</a:t>
+            </a:r>
+          </a:p>
+        </p:txBody>
+      </p:sp>
+      <p:cxnSp>
+        <p:nvCxnSpPr>
+          <p:cNvPr id="53" name="Straight Arrow Connector 52">
+            <a:extLst>
+              <a:ext uri="{FF2B5EF4-FFF2-40B4-BE49-F238E27FC236}">
+                <a16:creationId xmlns:a16="http://schemas.microsoft.com/office/drawing/2014/main" id="{8DC0A924-F747-D85E-3E49-82A1832F2461}"/>
+              </a:ext>
+            </a:extLst>
+          </p:cNvPr>
+          <p:cNvCxnSpPr>
+            <a:cxnSpLocks/>
+            <a:stCxn id="24" idx="3"/>
+            <a:endCxn id="52" idx="1"/>
+          </p:cNvCxnSpPr>
+          <p:nvPr/>
+        </p:nvCxnSpPr>
+        <p:spPr>
+          <a:xfrm flipV="1">
+            <a:off x="7426428" y="3429000"/>
+            <a:ext cx="490227" cy="9655"/>
+          </a:xfrm>
+          <a:prstGeom prst="straightConnector1">
+            <a:avLst/>
+          </a:prstGeom>
+          <a:ln w="31750">
+            <a:solidFill>
+              <a:schemeClr val="tx1"/>
+            </a:solidFill>
+            <a:tailEnd type="arrow" w="lg" len="lg"/>
+          </a:ln>
+        </p:spPr>
+        <p:style>
+          <a:lnRef idx="1">
+            <a:schemeClr val="accent1"/>
+          </a:lnRef>
+          <a:fillRef idx="0">
+            <a:schemeClr val="accent1"/>
+          </a:fillRef>
+          <a:effectRef idx="0">
+            <a:schemeClr val="accent1"/>
+          </a:effectRef>
+          <a:fontRef idx="minor">
+            <a:schemeClr val="tx1"/>
+          </a:fontRef>
+        </p:style>
+      </p:cxnSp>
+      <p:cxnSp>
+        <p:nvCxnSpPr>
+          <p:cNvPr id="56" name="Straight Arrow Connector 55">
+            <a:extLst>
+              <a:ext uri="{FF2B5EF4-FFF2-40B4-BE49-F238E27FC236}">
+                <a16:creationId xmlns:a16="http://schemas.microsoft.com/office/drawing/2014/main" id="{D0DE5017-A1DB-FA3D-FA36-81FD14ABD33B}"/>
+              </a:ext>
+            </a:extLst>
+          </p:cNvPr>
+          <p:cNvCxnSpPr>
+            <a:cxnSpLocks/>
+            <a:stCxn id="52" idx="0"/>
+            <a:endCxn id="43" idx="2"/>
+          </p:cNvCxnSpPr>
+          <p:nvPr/>
+        </p:nvCxnSpPr>
+        <p:spPr>
+          <a:xfrm flipV="1">
+            <a:off x="8478025" y="2580324"/>
+            <a:ext cx="0" cy="524676"/>
+          </a:xfrm>
+          <a:prstGeom prst="straightConnector1">
+            <a:avLst/>
+          </a:prstGeom>
+          <a:ln w="31750">
+            <a:solidFill>
+              <a:schemeClr val="tx1"/>
+            </a:solidFill>
+            <a:tailEnd type="arrow" w="lg" len="lg"/>
+          </a:ln>
+        </p:spPr>
+        <p:style>
+          <a:lnRef idx="1">
+            <a:schemeClr val="accent1"/>
+          </a:lnRef>
+          <a:fillRef idx="0">
+            <a:schemeClr val="accent1"/>
+          </a:fillRef>
+          <a:effectRef idx="0">
+            <a:schemeClr val="accent1"/>
+          </a:effectRef>
+          <a:fontRef idx="minor">
+            <a:schemeClr val="tx1"/>
+          </a:fontRef>
+        </p:style>
+      </p:cxnSp>
+      <p:cxnSp>
+        <p:nvCxnSpPr>
+          <p:cNvPr id="59" name="Straight Arrow Connector 58">
+            <a:extLst>
+              <a:ext uri="{FF2B5EF4-FFF2-40B4-BE49-F238E27FC236}">
+                <a16:creationId xmlns:a16="http://schemas.microsoft.com/office/drawing/2014/main" id="{7E3B8840-31C2-6E09-B448-448D29C88F7C}"/>
+              </a:ext>
+            </a:extLst>
+          </p:cNvPr>
+          <p:cNvCxnSpPr>
+            <a:cxnSpLocks/>
+            <a:stCxn id="43" idx="3"/>
+            <a:endCxn id="25" idx="1"/>
+          </p:cNvCxnSpPr>
+          <p:nvPr/>
+        </p:nvCxnSpPr>
+        <p:spPr>
+          <a:xfrm>
+            <a:off x="9039395" y="2256324"/>
+            <a:ext cx="600732" cy="0"/>
+          </a:xfrm>
+          <a:prstGeom prst="straightConnector1">
+            <a:avLst/>
+          </a:prstGeom>
+          <a:ln w="31750">
+            <a:solidFill>
+              <a:schemeClr val="tx1"/>
+            </a:solidFill>
+            <a:tailEnd type="arrow" w="lg" len="lg"/>
+          </a:ln>
+        </p:spPr>
+        <p:style>
+          <a:lnRef idx="1">
+            <a:schemeClr val="accent1"/>
+          </a:lnRef>
+          <a:fillRef idx="0">
+            <a:schemeClr val="accent1"/>
+          </a:fillRef>
+          <a:effectRef idx="0">
+            <a:schemeClr val="accent1"/>
+          </a:effectRef>
+          <a:fontRef idx="minor">
+            <a:schemeClr val="tx1"/>
+          </a:fontRef>
+        </p:style>
+      </p:cxnSp>
+      <p:cxnSp>
+        <p:nvCxnSpPr>
+          <p:cNvPr id="76" name="Straight Arrow Connector 75">
+            <a:extLst>
+              <a:ext uri="{FF2B5EF4-FFF2-40B4-BE49-F238E27FC236}">
+                <a16:creationId xmlns:a16="http://schemas.microsoft.com/office/drawing/2014/main" id="{715D4242-96F4-19FF-4283-E8397F1B75B3}"/>
+              </a:ext>
+            </a:extLst>
+          </p:cNvPr>
+          <p:cNvCxnSpPr>
+            <a:cxnSpLocks/>
+            <a:endCxn id="24" idx="0"/>
+          </p:cNvCxnSpPr>
+          <p:nvPr/>
+        </p:nvCxnSpPr>
+        <p:spPr>
+          <a:xfrm>
+            <a:off x="6849896" y="2256324"/>
+            <a:ext cx="15162" cy="858331"/>
+          </a:xfrm>
+          <a:prstGeom prst="straightConnector1">
+            <a:avLst/>
+          </a:prstGeom>
+          <a:ln w="31750">
+            <a:solidFill>
+              <a:schemeClr val="tx1"/>
+            </a:solidFill>
+            <a:tailEnd type="arrow" w="lg" len="lg"/>
+          </a:ln>
+        </p:spPr>
+        <p:style>
+          <a:lnRef idx="1">
+            <a:schemeClr val="accent1"/>
+          </a:lnRef>
+          <a:fillRef idx="0">
+            <a:schemeClr val="accent1"/>
+          </a:fillRef>
+          <a:effectRef idx="0">
+            <a:schemeClr val="accent1"/>
+          </a:effectRef>
+          <a:fontRef idx="minor">
+            <a:schemeClr val="tx1"/>
+          </a:fontRef>
+        </p:style>
+      </p:cxnSp>
+    </p:spTree>
+    <p:extLst>
+      <p:ext uri="{BB962C8B-B14F-4D97-AF65-F5344CB8AC3E}">
+        <p14:creationId xmlns:p14="http://schemas.microsoft.com/office/powerpoint/2010/main" val="361188305"/>
+      </p:ext>
+    </p:extLst>
+  </p:cSld>
+  <p:clrMapOvr>
+    <a:masterClrMapping/>
+  </p:clrMapOvr>
+</p:sld>
+</file>
+
+<file path=ppt/slides/slide10.xml><?xml version="1.0" encoding="utf-8"?>
+<p:sld xmlns:a="http://schemas.openxmlformats.org/drawingml/2006/main" xmlns:r="http://schemas.openxmlformats.org/officeDocument/2006/relationships" xmlns:p="http://schemas.openxmlformats.org/presentationml/2006/main">
+  <p:cSld>
+    <p:spTree>
+      <p:nvGrpSpPr>
+        <p:cNvPr id="1" name="">
+          <a:extLst>
+            <a:ext uri="{FF2B5EF4-FFF2-40B4-BE49-F238E27FC236}">
+              <a16:creationId xmlns:a16="http://schemas.microsoft.com/office/drawing/2014/main" id="{54815CB2-94BF-8251-B3A2-42D4E41E3B27}"/>
+            </a:ext>
+          </a:extLst>
+        </p:cNvPr>
+        <p:cNvGrpSpPr/>
+        <p:nvPr/>
+      </p:nvGrpSpPr>
+      <p:grpSpPr>
+        <a:xfrm>
+          <a:off x="0" y="0"/>
+          <a:ext cx="0" cy="0"/>
+          <a:chOff x="0" y="0"/>
+          <a:chExt cx="0" cy="0"/>
+        </a:xfrm>
+      </p:grpSpPr>
+      <p:sp>
+        <p:nvSpPr>
+          <p:cNvPr id="2" name="Title 1">
+            <a:extLst>
+              <a:ext uri="{FF2B5EF4-FFF2-40B4-BE49-F238E27FC236}">
+                <a16:creationId xmlns:a16="http://schemas.microsoft.com/office/drawing/2014/main" id="{8FD156A6-449D-2194-01B7-032FBB514E48}"/>
+              </a:ext>
+            </a:extLst>
+          </p:cNvPr>
+          <p:cNvSpPr>
+            <a:spLocks noGrp="1"/>
+          </p:cNvSpPr>
+          <p:nvPr>
+            <p:ph type="title"/>
+          </p:nvPr>
+        </p:nvSpPr>
+        <p:spPr>
+          <a:xfrm>
+            <a:off x="838200" y="365126"/>
+            <a:ext cx="10515600" cy="1059638"/>
+          </a:xfrm>
+        </p:spPr>
+        <p:txBody>
+          <a:bodyPr/>
+          <a:lstStyle/>
+          <a:p>
+            <a:r>
+              <a:rPr lang="en-US" dirty="0"/>
+              <a:t>Nonlinearities</a:t>
+            </a:r>
+            <a:endParaRPr lang="en-GB" dirty="0"/>
+          </a:p>
+        </p:txBody>
+      </p:sp>
+      <p:graphicFrame>
+        <p:nvGraphicFramePr>
+          <p:cNvPr id="10" name="Table 9">
+            <a:extLst>
+              <a:ext uri="{FF2B5EF4-FFF2-40B4-BE49-F238E27FC236}">
+                <a16:creationId xmlns:a16="http://schemas.microsoft.com/office/drawing/2014/main" id="{DAD8AFC3-A7B5-4EFD-9F5E-9E939F2179F8}"/>
+              </a:ext>
+            </a:extLst>
+          </p:cNvPr>
+          <p:cNvGraphicFramePr>
+            <a:graphicFrameLocks noGrp="1"/>
+          </p:cNvGraphicFramePr>
+          <p:nvPr>
+            <p:extLst>
+              <p:ext uri="{D42A27DB-BD31-4B8C-83A1-F6EECF244321}">
+                <p14:modId xmlns:p14="http://schemas.microsoft.com/office/powerpoint/2010/main" val="1792154912"/>
+              </p:ext>
+            </p:extLst>
+          </p:nvPr>
+        </p:nvGraphicFramePr>
+        <p:xfrm>
+          <a:off x="3310294" y="4414589"/>
+          <a:ext cx="5852369" cy="2225040"/>
+        </p:xfrm>
+        <a:graphic>
+          <a:graphicData uri="http://schemas.openxmlformats.org/drawingml/2006/table">
+            <a:tbl>
+              <a:tblPr firstRow="1" firstCol="1" bandRow="1">
+                <a:tableStyleId>{5C22544A-7EE6-4342-B048-85BDC9FD1C3A}</a:tableStyleId>
+              </a:tblPr>
+              <a:tblGrid>
+                <a:gridCol w="1905518">
+                  <a:extLst>
+                    <a:ext uri="{9D8B030D-6E8A-4147-A177-3AD203B41FA5}">
+                      <a16:colId xmlns:a16="http://schemas.microsoft.com/office/drawing/2014/main" val="4050174211"/>
+                    </a:ext>
+                  </a:extLst>
+                </a:gridCol>
+                <a:gridCol w="1315617">
+                  <a:extLst>
+                    <a:ext uri="{9D8B030D-6E8A-4147-A177-3AD203B41FA5}">
+                      <a16:colId xmlns:a16="http://schemas.microsoft.com/office/drawing/2014/main" val="804342274"/>
+                    </a:ext>
+                  </a:extLst>
+                </a:gridCol>
+                <a:gridCol w="1315617">
+                  <a:extLst>
+                    <a:ext uri="{9D8B030D-6E8A-4147-A177-3AD203B41FA5}">
+                      <a16:colId xmlns:a16="http://schemas.microsoft.com/office/drawing/2014/main" val="810714715"/>
+                    </a:ext>
+                  </a:extLst>
+                </a:gridCol>
+                <a:gridCol w="1315617">
+                  <a:extLst>
+                    <a:ext uri="{9D8B030D-6E8A-4147-A177-3AD203B41FA5}">
+                      <a16:colId xmlns:a16="http://schemas.microsoft.com/office/drawing/2014/main" val="482378900"/>
+                    </a:ext>
+                  </a:extLst>
+                </a:gridCol>
+              </a:tblGrid>
+              <a:tr h="370840">
+                <a:tc>
+                  <a:txBody>
+                    <a:bodyPr/>
+                    <a:lstStyle/>
+                    <a:p>
+                      <a:endParaRPr lang="en-GB" dirty="0"/>
+                    </a:p>
+                  </a:txBody>
+                  <a:tcPr/>
+                </a:tc>
+                <a:tc>
+                  <a:txBody>
+                    <a:bodyPr/>
+                    <a:lstStyle/>
+                    <a:p>
+                      <a:r>
+                        <a:rPr lang="en-US" dirty="0"/>
+                        <a:t>Minimum</a:t>
+                      </a:r>
+                      <a:endParaRPr lang="en-GB" dirty="0"/>
+                    </a:p>
+                  </a:txBody>
+                  <a:tcPr/>
+                </a:tc>
+                <a:tc>
+                  <a:txBody>
+                    <a:bodyPr/>
+                    <a:lstStyle/>
+                    <a:p>
+                      <a:r>
+                        <a:rPr lang="en-US" dirty="0"/>
+                        <a:t>Initial value</a:t>
+                      </a:r>
+                      <a:endParaRPr lang="en-GB" dirty="0"/>
+                    </a:p>
+                  </a:txBody>
+                  <a:tcPr/>
+                </a:tc>
+                <a:tc>
+                  <a:txBody>
+                    <a:bodyPr/>
+                    <a:lstStyle/>
+                    <a:p>
+                      <a:r>
+                        <a:rPr lang="en-US" dirty="0"/>
+                        <a:t>Maximum</a:t>
+                      </a:r>
+                      <a:endParaRPr lang="en-GB" dirty="0"/>
+                    </a:p>
+                  </a:txBody>
+                  <a:tcPr/>
+                </a:tc>
+                <a:extLst>
+                  <a:ext uri="{0D108BD9-81ED-4DB2-BD59-A6C34878D82A}">
+                    <a16:rowId xmlns:a16="http://schemas.microsoft.com/office/drawing/2014/main" val="857141677"/>
+                  </a:ext>
+                </a:extLst>
+              </a:tr>
+              <a:tr h="370840">
+                <a:tc>
+                  <a:txBody>
+                    <a:bodyPr/>
+                    <a:lstStyle/>
+                    <a:p>
+                      <a:r>
+                        <a:rPr lang="en-US" dirty="0"/>
+                        <a:t>Exciter type</a:t>
+                      </a:r>
+                      <a:endParaRPr lang="en-GB" dirty="0"/>
+                    </a:p>
+                  </a:txBody>
+                  <a:tcPr/>
+                </a:tc>
+                <a:tc>
+                  <a:txBody>
+                    <a:bodyPr/>
+                    <a:lstStyle/>
+                    <a:p>
+                      <a:r>
+                        <a:rPr lang="en-US" dirty="0"/>
+                        <a:t>0</a:t>
+                      </a:r>
+                      <a:endParaRPr lang="en-GB" dirty="0"/>
+                    </a:p>
+                  </a:txBody>
+                  <a:tcPr/>
+                </a:tc>
+                <a:tc>
+                  <a:txBody>
+                    <a:bodyPr/>
+                    <a:lstStyle/>
+                    <a:p>
+                      <a:r>
+                        <a:rPr lang="en-US" dirty="0"/>
+                        <a:t>0</a:t>
+                      </a:r>
+                      <a:endParaRPr lang="en-GB" dirty="0"/>
+                    </a:p>
+                  </a:txBody>
+                  <a:tcPr/>
+                </a:tc>
+                <a:tc>
+                  <a:txBody>
+                    <a:bodyPr/>
+                    <a:lstStyle/>
+                    <a:p>
+                      <a:r>
+                        <a:rPr lang="en-US" dirty="0"/>
+                        <a:t>1</a:t>
+                      </a:r>
+                      <a:endParaRPr lang="en-GB" dirty="0"/>
+                    </a:p>
+                  </a:txBody>
+                  <a:tcPr/>
+                </a:tc>
+                <a:extLst>
+                  <a:ext uri="{0D108BD9-81ED-4DB2-BD59-A6C34878D82A}">
+                    <a16:rowId xmlns:a16="http://schemas.microsoft.com/office/drawing/2014/main" val="904711003"/>
+                  </a:ext>
+                </a:extLst>
+              </a:tr>
+              <a:tr h="370840">
+                <a:tc>
+                  <a:txBody>
+                    <a:bodyPr/>
+                    <a:lstStyle/>
+                    <a:p>
+                      <a:r>
+                        <a:rPr lang="en-US" dirty="0"/>
+                        <a:t>Delay length (</a:t>
+                      </a:r>
+                      <a:r>
+                        <a:rPr lang="en-US" dirty="0" err="1"/>
+                        <a:t>ms</a:t>
+                      </a:r>
+                      <a:r>
+                        <a:rPr lang="en-US" dirty="0"/>
+                        <a:t>)</a:t>
+                      </a:r>
+                      <a:endParaRPr lang="en-GB" dirty="0"/>
+                    </a:p>
+                  </a:txBody>
+                  <a:tcPr/>
+                </a:tc>
+                <a:tc>
+                  <a:txBody>
+                    <a:bodyPr/>
+                    <a:lstStyle/>
+                    <a:p>
+                      <a:r>
+                        <a:rPr lang="en-US" dirty="0"/>
+                        <a:t>1</a:t>
+                      </a:r>
+                      <a:endParaRPr lang="en-GB" dirty="0"/>
+                    </a:p>
+                  </a:txBody>
+                  <a:tcPr/>
+                </a:tc>
+                <a:tc>
+                  <a:txBody>
+                    <a:bodyPr/>
+                    <a:lstStyle/>
+                    <a:p>
+                      <a:r>
+                        <a:rPr lang="en-US" dirty="0"/>
+                        <a:t>5</a:t>
+                      </a:r>
+                      <a:endParaRPr lang="en-GB" dirty="0"/>
+                    </a:p>
+                  </a:txBody>
+                  <a:tcPr/>
+                </a:tc>
+                <a:tc>
+                  <a:txBody>
+                    <a:bodyPr/>
+                    <a:lstStyle/>
+                    <a:p>
+                      <a:r>
+                        <a:rPr lang="en-US" dirty="0"/>
+                        <a:t>10</a:t>
+                      </a:r>
+                      <a:endParaRPr lang="en-GB" dirty="0"/>
+                    </a:p>
+                  </a:txBody>
+                  <a:tcPr/>
+                </a:tc>
+                <a:extLst>
+                  <a:ext uri="{0D108BD9-81ED-4DB2-BD59-A6C34878D82A}">
+                    <a16:rowId xmlns:a16="http://schemas.microsoft.com/office/drawing/2014/main" val="3732809095"/>
+                  </a:ext>
+                </a:extLst>
+              </a:tr>
+              <a:tr h="370840">
+                <a:tc>
+                  <a:txBody>
+                    <a:bodyPr/>
+                    <a:lstStyle/>
+                    <a:p>
+                      <a:r>
+                        <a:rPr lang="en-US" dirty="0"/>
+                        <a:t>Feedback</a:t>
+                      </a:r>
+                      <a:endParaRPr lang="en-GB" dirty="0"/>
+                    </a:p>
+                  </a:txBody>
+                  <a:tcPr/>
+                </a:tc>
+                <a:tc>
+                  <a:txBody>
+                    <a:bodyPr/>
+                    <a:lstStyle/>
+                    <a:p>
+                      <a:r>
+                        <a:rPr lang="en-US" dirty="0"/>
+                        <a:t>-2</a:t>
+                      </a:r>
+                      <a:endParaRPr lang="en-GB" dirty="0"/>
+                    </a:p>
+                  </a:txBody>
+                  <a:tcPr/>
+                </a:tc>
+                <a:tc>
+                  <a:txBody>
+                    <a:bodyPr/>
+                    <a:lstStyle/>
+                    <a:p>
+                      <a:r>
+                        <a:rPr lang="en-US" dirty="0"/>
+                        <a:t>0.7</a:t>
+                      </a:r>
+                      <a:endParaRPr lang="en-GB" dirty="0"/>
+                    </a:p>
+                  </a:txBody>
+                  <a:tcPr/>
+                </a:tc>
+                <a:tc>
+                  <a:txBody>
+                    <a:bodyPr/>
+                    <a:lstStyle/>
+                    <a:p>
+                      <a:r>
+                        <a:rPr lang="en-US" dirty="0"/>
+                        <a:t>2</a:t>
+                      </a:r>
+                      <a:endParaRPr lang="en-GB" dirty="0"/>
+                    </a:p>
+                  </a:txBody>
+                  <a:tcPr/>
+                </a:tc>
+                <a:extLst>
+                  <a:ext uri="{0D108BD9-81ED-4DB2-BD59-A6C34878D82A}">
+                    <a16:rowId xmlns:a16="http://schemas.microsoft.com/office/drawing/2014/main" val="1932081808"/>
+                  </a:ext>
+                </a:extLst>
+              </a:tr>
+              <a:tr h="370840">
+                <a:tc>
+                  <a:txBody>
+                    <a:bodyPr/>
+                    <a:lstStyle/>
+                    <a:p>
+                      <a:r>
+                        <a:rPr lang="en-US" dirty="0"/>
+                        <a:t>Exciter cutoff (Hz)</a:t>
+                      </a:r>
+                      <a:endParaRPr lang="en-GB" dirty="0"/>
+                    </a:p>
+                  </a:txBody>
+                  <a:tcPr/>
+                </a:tc>
+                <a:tc>
+                  <a:txBody>
+                    <a:bodyPr/>
+                    <a:lstStyle/>
+                    <a:p>
+                      <a:r>
+                        <a:rPr lang="en-US" dirty="0"/>
+                        <a:t>100</a:t>
+                      </a:r>
+                      <a:endParaRPr lang="en-GB" dirty="0"/>
+                    </a:p>
+                  </a:txBody>
+                  <a:tcPr/>
+                </a:tc>
+                <a:tc>
+                  <a:txBody>
+                    <a:bodyPr/>
+                    <a:lstStyle/>
+                    <a:p>
+                      <a:r>
+                        <a:rPr lang="en-US" dirty="0"/>
+                        <a:t>1000</a:t>
+                      </a:r>
+                      <a:endParaRPr lang="en-GB" dirty="0"/>
+                    </a:p>
+                  </a:txBody>
+                  <a:tcPr/>
+                </a:tc>
+                <a:tc>
+                  <a:txBody>
+                    <a:bodyPr/>
+                    <a:lstStyle/>
+                    <a:p>
+                      <a:r>
+                        <a:rPr lang="en-US" dirty="0"/>
+                        <a:t>10000</a:t>
+                      </a:r>
+                      <a:endParaRPr lang="en-GB" dirty="0"/>
+                    </a:p>
+                  </a:txBody>
+                  <a:tcPr/>
+                </a:tc>
+                <a:extLst>
+                  <a:ext uri="{0D108BD9-81ED-4DB2-BD59-A6C34878D82A}">
+                    <a16:rowId xmlns:a16="http://schemas.microsoft.com/office/drawing/2014/main" val="1577052905"/>
+                  </a:ext>
+                </a:extLst>
+              </a:tr>
+              <a:tr h="370840">
+                <a:tc>
+                  <a:txBody>
+                    <a:bodyPr/>
+                    <a:lstStyle/>
+                    <a:p>
+                      <a:r>
+                        <a:rPr lang="en-US" dirty="0"/>
+                        <a:t>Loop cutoff (Hz)</a:t>
+                      </a:r>
+                      <a:endParaRPr lang="en-GB" dirty="0"/>
+                    </a:p>
+                  </a:txBody>
+                  <a:tcPr/>
+                </a:tc>
+                <a:tc>
+                  <a:txBody>
+                    <a:bodyPr/>
+                    <a:lstStyle/>
+                    <a:p>
+                      <a:r>
+                        <a:rPr lang="en-US" dirty="0"/>
+                        <a:t>100</a:t>
+                      </a:r>
+                      <a:endParaRPr lang="en-GB" dirty="0"/>
+                    </a:p>
+                  </a:txBody>
+                  <a:tcPr/>
+                </a:tc>
+                <a:tc>
+                  <a:txBody>
+                    <a:bodyPr/>
+                    <a:lstStyle/>
+                    <a:p>
+                      <a:r>
+                        <a:rPr lang="en-US" dirty="0"/>
+                        <a:t>1000</a:t>
+                      </a:r>
+                      <a:endParaRPr lang="en-GB" dirty="0"/>
+                    </a:p>
+                  </a:txBody>
+                  <a:tcPr/>
+                </a:tc>
+                <a:tc>
+                  <a:txBody>
+                    <a:bodyPr/>
+                    <a:lstStyle/>
+                    <a:p>
+                      <a:r>
+                        <a:rPr lang="en-US" dirty="0"/>
+                        <a:t>10000</a:t>
+                      </a:r>
+                      <a:endParaRPr lang="en-GB" dirty="0"/>
+                    </a:p>
+                  </a:txBody>
+                  <a:tcPr/>
+                </a:tc>
+                <a:extLst>
+                  <a:ext uri="{0D108BD9-81ED-4DB2-BD59-A6C34878D82A}">
+                    <a16:rowId xmlns:a16="http://schemas.microsoft.com/office/drawing/2014/main" val="3635758170"/>
+                  </a:ext>
+                </a:extLst>
+              </a:tr>
+            </a:tbl>
+          </a:graphicData>
+        </a:graphic>
+      </p:graphicFrame>
+      <p:sp>
+        <p:nvSpPr>
+          <p:cNvPr id="11" name="Rectangle 10">
+            <a:extLst>
+              <a:ext uri="{FF2B5EF4-FFF2-40B4-BE49-F238E27FC236}">
+                <a16:creationId xmlns:a16="http://schemas.microsoft.com/office/drawing/2014/main" id="{867A72F9-C6BA-619F-C2AE-3A550EC6AA26}"/>
+              </a:ext>
+            </a:extLst>
+          </p:cNvPr>
+          <p:cNvSpPr/>
+          <p:nvPr/>
+        </p:nvSpPr>
+        <p:spPr>
+          <a:xfrm>
+            <a:off x="3156696" y="3622521"/>
+            <a:ext cx="907535" cy="648000"/>
+          </a:xfrm>
+          <a:prstGeom prst="rect">
+            <a:avLst/>
+          </a:prstGeom>
+          <a:solidFill>
+            <a:srgbClr val="7030A0"/>
+          </a:solidFill>
+        </p:spPr>
+        <p:style>
+          <a:lnRef idx="2">
+            <a:schemeClr val="accent1">
+              <a:shade val="50000"/>
+            </a:schemeClr>
+          </a:lnRef>
+          <a:fillRef idx="1">
+            <a:schemeClr val="accent1"/>
+          </a:fillRef>
+          <a:effectRef idx="0">
+            <a:schemeClr val="accent1"/>
+          </a:effectRef>
+          <a:fontRef idx="minor">
+            <a:schemeClr val="lt1"/>
+          </a:fontRef>
+        </p:style>
+        <p:txBody>
+          <a:bodyPr rtlCol="0" anchor="ctr"/>
+          <a:lstStyle/>
+          <a:p>
+            <a:pPr algn="ctr"/>
+            <a:r>
+              <a:rPr lang="en-GB" dirty="0"/>
+              <a:t>Filter</a:t>
+            </a:r>
+          </a:p>
+        </p:txBody>
+      </p:sp>
+      <p:sp>
+        <p:nvSpPr>
+          <p:cNvPr id="12" name="Rectangle 11">
+            <a:extLst>
+              <a:ext uri="{FF2B5EF4-FFF2-40B4-BE49-F238E27FC236}">
+                <a16:creationId xmlns:a16="http://schemas.microsoft.com/office/drawing/2014/main" id="{452C4412-1D8B-3500-ABB8-39196B351268}"/>
+              </a:ext>
+            </a:extLst>
+          </p:cNvPr>
+          <p:cNvSpPr/>
+          <p:nvPr/>
+        </p:nvSpPr>
+        <p:spPr>
+          <a:xfrm>
+            <a:off x="5973332" y="2393600"/>
+            <a:ext cx="1007975" cy="648000"/>
+          </a:xfrm>
+          <a:prstGeom prst="rect">
+            <a:avLst/>
+          </a:prstGeom>
+          <a:solidFill>
+            <a:srgbClr val="7030A0"/>
+          </a:solidFill>
+        </p:spPr>
+        <p:style>
+          <a:lnRef idx="2">
+            <a:schemeClr val="accent1">
+              <a:shade val="50000"/>
+            </a:schemeClr>
+          </a:lnRef>
+          <a:fillRef idx="1">
+            <a:schemeClr val="accent1"/>
+          </a:fillRef>
+          <a:effectRef idx="0">
+            <a:schemeClr val="accent1"/>
+          </a:effectRef>
+          <a:fontRef idx="minor">
+            <a:schemeClr val="lt1"/>
+          </a:fontRef>
+        </p:style>
+        <p:txBody>
+          <a:bodyPr rtlCol="0" anchor="ctr"/>
+          <a:lstStyle/>
+          <a:p>
+            <a:pPr algn="ctr"/>
+            <a:r>
+              <a:rPr lang="en-US" dirty="0"/>
+              <a:t>F</a:t>
+            </a:r>
+            <a:r>
+              <a:rPr lang="en-GB" dirty="0" err="1"/>
+              <a:t>ilter</a:t>
+            </a:r>
+            <a:endParaRPr lang="en-GB" dirty="0"/>
+          </a:p>
+        </p:txBody>
+      </p:sp>
+      <p:sp>
+        <p:nvSpPr>
+          <p:cNvPr id="13" name="Rectangle 12">
+            <a:extLst>
+              <a:ext uri="{FF2B5EF4-FFF2-40B4-BE49-F238E27FC236}">
+                <a16:creationId xmlns:a16="http://schemas.microsoft.com/office/drawing/2014/main" id="{E441D9AB-270F-D25F-42D0-93F120167EFA}"/>
+              </a:ext>
+            </a:extLst>
+          </p:cNvPr>
+          <p:cNvSpPr/>
+          <p:nvPr/>
+        </p:nvSpPr>
+        <p:spPr>
+          <a:xfrm>
+            <a:off x="4417208" y="2393600"/>
             <a:ext cx="1080000" cy="648000"/>
           </a:xfrm>
           <a:prstGeom prst="rect">
@@ -9197,17 +11096,17 @@
             <a:pPr algn="ctr"/>
             <a:r>
               <a:rPr lang="en-GB" dirty="0"/>
-              <a:t>Delay</a:t>
+              <a:t>Sigmoid</a:t>
             </a:r>
           </a:p>
         </p:txBody>
       </p:sp>
       <p:sp>
         <p:nvSpPr>
-          <p:cNvPr id="10" name="Rectangle 9">
-            <a:extLst>
-              <a:ext uri="{FF2B5EF4-FFF2-40B4-BE49-F238E27FC236}">
-                <a16:creationId xmlns:a16="http://schemas.microsoft.com/office/drawing/2014/main" id="{E96364A4-7F92-4697-A48C-DF85487C1FBF}"/>
+          <p:cNvPr id="14" name="Rectangle 13">
+            <a:extLst>
+              <a:ext uri="{FF2B5EF4-FFF2-40B4-BE49-F238E27FC236}">
+                <a16:creationId xmlns:a16="http://schemas.microsoft.com/office/drawing/2014/main" id="{E0BBC9FA-B5D5-9915-0CD0-923AF7A0DEE2}"/>
               </a:ext>
             </a:extLst>
           </p:cNvPr>
@@ -9216,59 +11115,7 @@
         </p:nvSpPr>
         <p:spPr>
           <a:xfrm>
-            <a:off x="7319028" y="359521"/>
-            <a:ext cx="1080000" cy="648000"/>
-          </a:xfrm>
-          <a:prstGeom prst="rect">
-            <a:avLst/>
-          </a:prstGeom>
-          <a:solidFill>
-            <a:srgbClr val="7030A0"/>
-          </a:solidFill>
-        </p:spPr>
-        <p:style>
-          <a:lnRef idx="2">
-            <a:schemeClr val="accent1">
-              <a:shade val="50000"/>
-            </a:schemeClr>
-          </a:lnRef>
-          <a:fillRef idx="1">
-            <a:schemeClr val="accent1"/>
-          </a:fillRef>
-          <a:effectRef idx="0">
-            <a:schemeClr val="accent1"/>
-          </a:effectRef>
-          <a:fontRef idx="minor">
-            <a:schemeClr val="lt1"/>
-          </a:fontRef>
-        </p:style>
-        <p:txBody>
-          <a:bodyPr rtlCol="0" anchor="ctr"/>
-          <a:lstStyle/>
-          <a:p>
-            <a:pPr algn="ctr"/>
-            <a:r>
-              <a:rPr lang="en-GB" dirty="0"/>
-              <a:t>Lowpass filter</a:t>
-            </a:r>
-          </a:p>
-        </p:txBody>
-      </p:sp>
-      <p:sp>
-        <p:nvSpPr>
-          <p:cNvPr id="11" name="Rectangle 10">
-            <a:extLst>
-              <a:ext uri="{FF2B5EF4-FFF2-40B4-BE49-F238E27FC236}">
-                <a16:creationId xmlns:a16="http://schemas.microsoft.com/office/drawing/2014/main" id="{5639F41A-A26D-47E1-AD06-0AD0B1AF6F0B}"/>
-              </a:ext>
-            </a:extLst>
-          </p:cNvPr>
-          <p:cNvSpPr/>
-          <p:nvPr/>
-        </p:nvSpPr>
-        <p:spPr>
-          <a:xfrm>
-            <a:off x="10246455" y="1588442"/>
+            <a:off x="8398995" y="3622521"/>
             <a:ext cx="1296000" cy="648000"/>
           </a:xfrm>
           <a:prstGeom prst="rect">
@@ -9301,31 +11148,31 @@
             <a:pPr algn="ctr"/>
             <a:r>
               <a:rPr lang="en-GB" dirty="0"/>
-              <a:t>destination</a:t>
+              <a:t>Output</a:t>
             </a:r>
           </a:p>
         </p:txBody>
       </p:sp>
       <p:cxnSp>
         <p:nvCxnSpPr>
-          <p:cNvPr id="13" name="Straight Arrow Connector 12">
-            <a:extLst>
-              <a:ext uri="{FF2B5EF4-FFF2-40B4-BE49-F238E27FC236}">
-                <a16:creationId xmlns:a16="http://schemas.microsoft.com/office/drawing/2014/main" id="{4BBCEF84-7D97-4A6A-A8EA-3DD761F89243}"/>
+          <p:cNvPr id="15" name="Straight Arrow Connector 14">
+            <a:extLst>
+              <a:ext uri="{FF2B5EF4-FFF2-40B4-BE49-F238E27FC236}">
+                <a16:creationId xmlns:a16="http://schemas.microsoft.com/office/drawing/2014/main" id="{3084AF71-EB4B-0165-3084-877A4A14F063}"/>
               </a:ext>
             </a:extLst>
           </p:cNvPr>
           <p:cNvCxnSpPr>
             <a:cxnSpLocks/>
-            <a:stCxn id="8" idx="3"/>
-            <a:endCxn id="17" idx="2"/>
+            <a:stCxn id="11" idx="3"/>
+            <a:endCxn id="19" idx="2"/>
           </p:cNvCxnSpPr>
           <p:nvPr/>
         </p:nvCxnSpPr>
         <p:spPr>
           <a:xfrm>
-            <a:off x="6836020" y="1912442"/>
-            <a:ext cx="744156" cy="0"/>
+            <a:off x="4064231" y="3946521"/>
+            <a:ext cx="614125" cy="0"/>
           </a:xfrm>
           <a:prstGeom prst="straightConnector1">
             <a:avLst/>
@@ -9354,24 +11201,24 @@
       </p:cxnSp>
       <p:cxnSp>
         <p:nvCxnSpPr>
-          <p:cNvPr id="14" name="Straight Arrow Connector 13">
-            <a:extLst>
-              <a:ext uri="{FF2B5EF4-FFF2-40B4-BE49-F238E27FC236}">
-                <a16:creationId xmlns:a16="http://schemas.microsoft.com/office/drawing/2014/main" id="{2DFC9875-8BA7-4B46-BE05-A6E77BCA1A75}"/>
+          <p:cNvPr id="16" name="Straight Arrow Connector 15">
+            <a:extLst>
+              <a:ext uri="{FF2B5EF4-FFF2-40B4-BE49-F238E27FC236}">
+                <a16:creationId xmlns:a16="http://schemas.microsoft.com/office/drawing/2014/main" id="{008765F1-ECC3-D03C-8B5F-75AEEC5768CF}"/>
               </a:ext>
             </a:extLst>
           </p:cNvPr>
           <p:cNvCxnSpPr>
             <a:cxnSpLocks/>
-            <a:stCxn id="9" idx="1"/>
-            <a:endCxn id="10" idx="3"/>
+            <a:stCxn id="12" idx="1"/>
+            <a:endCxn id="13" idx="3"/>
           </p:cNvCxnSpPr>
           <p:nvPr/>
         </p:nvCxnSpPr>
         <p:spPr>
           <a:xfrm flipH="1">
-            <a:off x="8399028" y="683521"/>
-            <a:ext cx="550772" cy="0"/>
+            <a:off x="5497208" y="2717600"/>
+            <a:ext cx="476124" cy="0"/>
           </a:xfrm>
           <a:prstGeom prst="straightConnector1">
             <a:avLst/>
@@ -9400,23 +11247,23 @@
       </p:cxnSp>
       <p:cxnSp>
         <p:nvCxnSpPr>
-          <p:cNvPr id="15" name="Straight Arrow Connector 14">
-            <a:extLst>
-              <a:ext uri="{FF2B5EF4-FFF2-40B4-BE49-F238E27FC236}">
-                <a16:creationId xmlns:a16="http://schemas.microsoft.com/office/drawing/2014/main" id="{080D8BA7-E59B-4F3D-9DCC-BB3E2F361D39}"/>
+          <p:cNvPr id="17" name="Straight Arrow Connector 16">
+            <a:extLst>
+              <a:ext uri="{FF2B5EF4-FFF2-40B4-BE49-F238E27FC236}">
+                <a16:creationId xmlns:a16="http://schemas.microsoft.com/office/drawing/2014/main" id="{F9A232FB-CCDF-D497-157C-6DAD42745349}"/>
               </a:ext>
             </a:extLst>
           </p:cNvPr>
           <p:cNvCxnSpPr>
             <a:cxnSpLocks/>
-            <a:endCxn id="9" idx="2"/>
+            <a:endCxn id="23" idx="2"/>
           </p:cNvCxnSpPr>
           <p:nvPr/>
         </p:nvCxnSpPr>
         <p:spPr>
           <a:xfrm flipV="1">
-            <a:off x="9489800" y="1007521"/>
-            <a:ext cx="0" cy="904921"/>
+            <a:off x="7894113" y="3041600"/>
+            <a:ext cx="0" cy="904919"/>
           </a:xfrm>
           <a:prstGeom prst="straightConnector1">
             <a:avLst/>
@@ -9445,23 +11292,23 @@
       </p:cxnSp>
       <p:cxnSp>
         <p:nvCxnSpPr>
-          <p:cNvPr id="16" name="Straight Arrow Connector 15">
-            <a:extLst>
-              <a:ext uri="{FF2B5EF4-FFF2-40B4-BE49-F238E27FC236}">
-                <a16:creationId xmlns:a16="http://schemas.microsoft.com/office/drawing/2014/main" id="{37280952-DC64-4034-94FC-03CEAB4A057D}"/>
+          <p:cNvPr id="18" name="Straight Arrow Connector 17">
+            <a:extLst>
+              <a:ext uri="{FF2B5EF4-FFF2-40B4-BE49-F238E27FC236}">
+                <a16:creationId xmlns:a16="http://schemas.microsoft.com/office/drawing/2014/main" id="{A7CE2031-44D3-7DFB-E53C-73CF67D3CA6A}"/>
               </a:ext>
             </a:extLst>
           </p:cNvPr>
           <p:cNvCxnSpPr>
             <a:cxnSpLocks/>
-            <a:stCxn id="10" idx="2"/>
-            <a:endCxn id="17" idx="0"/>
+            <a:stCxn id="13" idx="2"/>
+            <a:endCxn id="19" idx="0"/>
           </p:cNvCxnSpPr>
           <p:nvPr/>
         </p:nvCxnSpPr>
         <p:spPr>
           <a:xfrm flipH="1">
-            <a:off x="7850176" y="1007521"/>
+            <a:off x="4948356" y="3041600"/>
             <a:ext cx="8852" cy="634921"/>
           </a:xfrm>
           <a:prstGeom prst="straightConnector1">
@@ -9491,10 +11338,10 @@
       </p:cxnSp>
       <p:sp>
         <p:nvSpPr>
-          <p:cNvPr id="17" name="Oval 16">
-            <a:extLst>
-              <a:ext uri="{FF2B5EF4-FFF2-40B4-BE49-F238E27FC236}">
-                <a16:creationId xmlns:a16="http://schemas.microsoft.com/office/drawing/2014/main" id="{4FAF31DE-AE6F-4497-99BF-7192C12AD9AB}"/>
+          <p:cNvPr id="19" name="Oval 18">
+            <a:extLst>
+              <a:ext uri="{FF2B5EF4-FFF2-40B4-BE49-F238E27FC236}">
+                <a16:creationId xmlns:a16="http://schemas.microsoft.com/office/drawing/2014/main" id="{09F6FDCA-9BB7-35C9-844C-B7DEBAF3A5D1}"/>
               </a:ext>
             </a:extLst>
           </p:cNvPr>
@@ -9503,7 +11350,7 @@
         </p:nvSpPr>
         <p:spPr>
           <a:xfrm>
-            <a:off x="7580176" y="1642442"/>
+            <a:off x="4678356" y="3676521"/>
             <a:ext cx="540000" cy="540000"/>
           </a:xfrm>
           <a:prstGeom prst="ellipse">
@@ -9548,24 +11395,24 @@
       </p:sp>
       <p:cxnSp>
         <p:nvCxnSpPr>
-          <p:cNvPr id="18" name="Straight Arrow Connector 17">
-            <a:extLst>
-              <a:ext uri="{FF2B5EF4-FFF2-40B4-BE49-F238E27FC236}">
-                <a16:creationId xmlns:a16="http://schemas.microsoft.com/office/drawing/2014/main" id="{51C538B4-444B-443A-BB5D-41012DB5D09F}"/>
+          <p:cNvPr id="20" name="Straight Arrow Connector 19">
+            <a:extLst>
+              <a:ext uri="{FF2B5EF4-FFF2-40B4-BE49-F238E27FC236}">
+                <a16:creationId xmlns:a16="http://schemas.microsoft.com/office/drawing/2014/main" id="{4C6CB588-F36D-8353-20FE-6DDF276BB275}"/>
               </a:ext>
             </a:extLst>
           </p:cNvPr>
           <p:cNvCxnSpPr>
             <a:cxnSpLocks/>
-            <a:stCxn id="17" idx="6"/>
-            <a:endCxn id="11" idx="1"/>
+            <a:stCxn id="19" idx="6"/>
+            <a:endCxn id="14" idx="1"/>
           </p:cNvCxnSpPr>
           <p:nvPr/>
         </p:nvCxnSpPr>
         <p:spPr>
           <a:xfrm>
-            <a:off x="8120176" y="1912442"/>
-            <a:ext cx="2126279" cy="0"/>
+            <a:off x="5218356" y="3946521"/>
+            <a:ext cx="3180639" cy="0"/>
           </a:xfrm>
           <a:prstGeom prst="straightConnector1">
             <a:avLst/>
@@ -9592,10 +11439,212 @@
           </a:fontRef>
         </p:style>
       </p:cxnSp>
+      <p:sp>
+        <p:nvSpPr>
+          <p:cNvPr id="21" name="Rectangle 20">
+            <a:extLst>
+              <a:ext uri="{FF2B5EF4-FFF2-40B4-BE49-F238E27FC236}">
+                <a16:creationId xmlns:a16="http://schemas.microsoft.com/office/drawing/2014/main" id="{D8050670-DADE-5128-19DA-FE05DA7104FF}"/>
+              </a:ext>
+            </a:extLst>
+          </p:cNvPr>
+          <p:cNvSpPr/>
+          <p:nvPr/>
+        </p:nvSpPr>
+        <p:spPr>
+          <a:xfrm>
+            <a:off x="1411295" y="3622521"/>
+            <a:ext cx="1122740" cy="648000"/>
+          </a:xfrm>
+          <a:prstGeom prst="rect">
+            <a:avLst/>
+          </a:prstGeom>
+          <a:solidFill>
+            <a:srgbClr val="7030A0"/>
+          </a:solidFill>
+        </p:spPr>
+        <p:style>
+          <a:lnRef idx="2">
+            <a:schemeClr val="accent1">
+              <a:shade val="50000"/>
+            </a:schemeClr>
+          </a:lnRef>
+          <a:fillRef idx="1">
+            <a:schemeClr val="accent1"/>
+          </a:fillRef>
+          <a:effectRef idx="0">
+            <a:schemeClr val="accent1"/>
+          </a:effectRef>
+          <a:fontRef idx="minor">
+            <a:schemeClr val="lt1"/>
+          </a:fontRef>
+        </p:style>
+        <p:txBody>
+          <a:bodyPr rtlCol="0" anchor="ctr"/>
+          <a:lstStyle/>
+          <a:p>
+            <a:pPr algn="ctr"/>
+            <a:r>
+              <a:rPr lang="en-GB" dirty="0"/>
+              <a:t>Noise</a:t>
+            </a:r>
+          </a:p>
+          <a:p>
+            <a:pPr algn="ctr"/>
+            <a:r>
+              <a:rPr lang="en-GB" dirty="0"/>
+              <a:t>burst</a:t>
+            </a:r>
+          </a:p>
+        </p:txBody>
+      </p:sp>
+      <p:cxnSp>
+        <p:nvCxnSpPr>
+          <p:cNvPr id="22" name="Straight Arrow Connector 21">
+            <a:extLst>
+              <a:ext uri="{FF2B5EF4-FFF2-40B4-BE49-F238E27FC236}">
+                <a16:creationId xmlns:a16="http://schemas.microsoft.com/office/drawing/2014/main" id="{C8768CC1-E9AB-81A5-44C0-A9448B735857}"/>
+              </a:ext>
+            </a:extLst>
+          </p:cNvPr>
+          <p:cNvCxnSpPr>
+            <a:cxnSpLocks/>
+            <a:stCxn id="21" idx="3"/>
+            <a:endCxn id="11" idx="1"/>
+          </p:cNvCxnSpPr>
+          <p:nvPr/>
+        </p:nvCxnSpPr>
+        <p:spPr>
+          <a:xfrm>
+            <a:off x="2534035" y="3946521"/>
+            <a:ext cx="622661" cy="0"/>
+          </a:xfrm>
+          <a:prstGeom prst="straightConnector1">
+            <a:avLst/>
+          </a:prstGeom>
+          <a:ln w="31750">
+            <a:solidFill>
+              <a:schemeClr val="tx1"/>
+            </a:solidFill>
+            <a:tailEnd type="arrow" w="lg" len="lg"/>
+          </a:ln>
+        </p:spPr>
+        <p:style>
+          <a:lnRef idx="1">
+            <a:schemeClr val="accent1"/>
+          </a:lnRef>
+          <a:fillRef idx="0">
+            <a:schemeClr val="accent1"/>
+          </a:fillRef>
+          <a:effectRef idx="0">
+            <a:schemeClr val="accent1"/>
+          </a:effectRef>
+          <a:fontRef idx="minor">
+            <a:schemeClr val="tx1"/>
+          </a:fontRef>
+        </p:style>
+      </p:cxnSp>
+      <p:sp>
+        <p:nvSpPr>
+          <p:cNvPr id="23" name="Rectangle 22">
+            <a:extLst>
+              <a:ext uri="{FF2B5EF4-FFF2-40B4-BE49-F238E27FC236}">
+                <a16:creationId xmlns:a16="http://schemas.microsoft.com/office/drawing/2014/main" id="{F8FF8A83-AC60-94C0-94E5-E6874E6960FD}"/>
+              </a:ext>
+            </a:extLst>
+          </p:cNvPr>
+          <p:cNvSpPr/>
+          <p:nvPr/>
+        </p:nvSpPr>
+        <p:spPr>
+          <a:xfrm>
+            <a:off x="7446661" y="2393600"/>
+            <a:ext cx="894904" cy="648000"/>
+          </a:xfrm>
+          <a:prstGeom prst="rect">
+            <a:avLst/>
+          </a:prstGeom>
+          <a:solidFill>
+            <a:srgbClr val="7030A0"/>
+          </a:solidFill>
+        </p:spPr>
+        <p:style>
+          <a:lnRef idx="2">
+            <a:schemeClr val="accent1">
+              <a:shade val="50000"/>
+            </a:schemeClr>
+          </a:lnRef>
+          <a:fillRef idx="1">
+            <a:schemeClr val="accent1"/>
+          </a:fillRef>
+          <a:effectRef idx="0">
+            <a:schemeClr val="accent1"/>
+          </a:effectRef>
+          <a:fontRef idx="minor">
+            <a:schemeClr val="lt1"/>
+          </a:fontRef>
+        </p:style>
+        <p:txBody>
+          <a:bodyPr rtlCol="0" anchor="ctr"/>
+          <a:lstStyle/>
+          <a:p>
+            <a:pPr algn="ctr"/>
+            <a:r>
+              <a:rPr lang="en-GB" dirty="0"/>
+              <a:t>Delay</a:t>
+            </a:r>
+          </a:p>
+        </p:txBody>
+      </p:sp>
+      <p:cxnSp>
+        <p:nvCxnSpPr>
+          <p:cNvPr id="24" name="Straight Arrow Connector 23">
+            <a:extLst>
+              <a:ext uri="{FF2B5EF4-FFF2-40B4-BE49-F238E27FC236}">
+                <a16:creationId xmlns:a16="http://schemas.microsoft.com/office/drawing/2014/main" id="{C5A88552-33E6-0E82-1735-CBF36054105D}"/>
+              </a:ext>
+            </a:extLst>
+          </p:cNvPr>
+          <p:cNvCxnSpPr>
+            <a:cxnSpLocks/>
+            <a:stCxn id="23" idx="1"/>
+          </p:cNvCxnSpPr>
+          <p:nvPr/>
+        </p:nvCxnSpPr>
+        <p:spPr>
+          <a:xfrm flipH="1">
+            <a:off x="6978686" y="2717600"/>
+            <a:ext cx="467975" cy="0"/>
+          </a:xfrm>
+          <a:prstGeom prst="straightConnector1">
+            <a:avLst/>
+          </a:prstGeom>
+          <a:ln w="31750">
+            <a:solidFill>
+              <a:schemeClr val="tx1"/>
+            </a:solidFill>
+            <a:tailEnd type="arrow" w="lg" len="lg"/>
+          </a:ln>
+        </p:spPr>
+        <p:style>
+          <a:lnRef idx="1">
+            <a:schemeClr val="accent1"/>
+          </a:lnRef>
+          <a:fillRef idx="0">
+            <a:schemeClr val="accent1"/>
+          </a:fillRef>
+          <a:effectRef idx="0">
+            <a:schemeClr val="accent1"/>
+          </a:effectRef>
+          <a:fontRef idx="minor">
+            <a:schemeClr val="tx1"/>
+          </a:fontRef>
+        </p:style>
+      </p:cxnSp>
     </p:spTree>
     <p:extLst>
       <p:ext uri="{BB962C8B-B14F-4D97-AF65-F5344CB8AC3E}">
-        <p14:creationId xmlns:p14="http://schemas.microsoft.com/office/powerpoint/2010/main" val="3716683099"/>
+        <p14:creationId xmlns:p14="http://schemas.microsoft.com/office/powerpoint/2010/main" val="4237188214"/>
       </p:ext>
     </p:extLst>
   </p:cSld>
@@ -9605,7 +11654,7 @@
 </p:sld>
 </file>
 
-<file path=ppt/slides/slide10.xml><?xml version="1.0" encoding="utf-8"?>
+<file path=ppt/slides/slide11.xml><?xml version="1.0" encoding="utf-8"?>
 <p:sld xmlns:a="http://schemas.openxmlformats.org/drawingml/2006/main" xmlns:r="http://schemas.openxmlformats.org/officeDocument/2006/relationships" xmlns:p="http://schemas.openxmlformats.org/presentationml/2006/main">
   <p:cSld>
     <p:spTree>
@@ -10688,7 +12737,7 @@
 </p:sld>
 </file>
 
-<file path=ppt/slides/slide11.xml><?xml version="1.0" encoding="utf-8"?>
+<file path=ppt/slides/slide12.xml><?xml version="1.0" encoding="utf-8"?>
 <p:sld xmlns:a="http://schemas.openxmlformats.org/drawingml/2006/main" xmlns:r="http://schemas.openxmlformats.org/officeDocument/2006/relationships" xmlns:p="http://schemas.openxmlformats.org/presentationml/2006/main">
   <p:cSld>
     <p:spTree>
@@ -12077,7 +14126,7 @@
 </p:sld>
 </file>
 
-<file path=ppt/slides/slide12.xml><?xml version="1.0" encoding="utf-8"?>
+<file path=ppt/slides/slide13.xml><?xml version="1.0" encoding="utf-8"?>
 <p:sld xmlns:a="http://schemas.openxmlformats.org/drawingml/2006/main" xmlns:r="http://schemas.openxmlformats.org/officeDocument/2006/relationships" xmlns:p="http://schemas.openxmlformats.org/presentationml/2006/main">
   <p:cSld>
     <p:spTree>
@@ -13307,7 +15356,7 @@
 </p:sld>
 </file>
 
-<file path=ppt/slides/slide13.xml><?xml version="1.0" encoding="utf-8"?>
+<file path=ppt/slides/slide14.xml><?xml version="1.0" encoding="utf-8"?>
 <p:sld xmlns:a="http://schemas.openxmlformats.org/drawingml/2006/main" xmlns:r="http://schemas.openxmlformats.org/officeDocument/2006/relationships" xmlns:p="http://schemas.openxmlformats.org/presentationml/2006/main">
   <p:cSld>
     <p:spTree>
@@ -14688,7 +16737,7 @@
 </p:sld>
 </file>
 
-<file path=ppt/slides/slide14.xml><?xml version="1.0" encoding="utf-8"?>
+<file path=ppt/slides/slide15.xml><?xml version="1.0" encoding="utf-8"?>
 <p:sld xmlns:a="http://schemas.openxmlformats.org/drawingml/2006/main" xmlns:r="http://schemas.openxmlformats.org/officeDocument/2006/relationships" xmlns:p="http://schemas.openxmlformats.org/presentationml/2006/main">
   <p:cSld>
     <p:spTree>
@@ -16582,7 +18631,7 @@
 </p:sld>
 </file>
 
-<file path=ppt/slides/slide15.xml><?xml version="1.0" encoding="utf-8"?>
+<file path=ppt/slides/slide16.xml><?xml version="1.0" encoding="utf-8"?>
 <p:sld xmlns:a="http://schemas.openxmlformats.org/drawingml/2006/main" xmlns:r="http://schemas.openxmlformats.org/officeDocument/2006/relationships" xmlns:p="http://schemas.openxmlformats.org/presentationml/2006/main">
   <p:cSld>
     <p:spTree>
@@ -18054,7 +20103,7 @@
 </p:sld>
 </file>
 
-<file path=ppt/slides/slide16.xml><?xml version="1.0" encoding="utf-8"?>
+<file path=ppt/slides/slide17.xml><?xml version="1.0" encoding="utf-8"?>
 <p:sld xmlns:a="http://schemas.openxmlformats.org/drawingml/2006/main" xmlns:r="http://schemas.openxmlformats.org/officeDocument/2006/relationships" xmlns:p="http://schemas.openxmlformats.org/presentationml/2006/main">
   <p:cSld>
     <p:spTree>
@@ -18209,7 +20258,7 @@
 </p:sld>
 </file>
 
-<file path=ppt/slides/slide17.xml><?xml version="1.0" encoding="utf-8"?>
+<file path=ppt/slides/slide18.xml><?xml version="1.0" encoding="utf-8"?>
 <p:sld xmlns:a="http://schemas.openxmlformats.org/drawingml/2006/main" xmlns:r="http://schemas.openxmlformats.org/officeDocument/2006/relationships" xmlns:p="http://schemas.openxmlformats.org/presentationml/2006/main">
   <p:cSld>
     <p:spTree>
@@ -18838,7 +20887,7 @@
 </p:sld>
 </file>
 
-<file path=ppt/slides/slide18.xml><?xml version="1.0" encoding="utf-8"?>
+<file path=ppt/slides/slide19.xml><?xml version="1.0" encoding="utf-8"?>
 <p:sld xmlns:a="http://schemas.openxmlformats.org/drawingml/2006/main" xmlns:r="http://schemas.openxmlformats.org/officeDocument/2006/relationships" xmlns:p="http://schemas.openxmlformats.org/presentationml/2006/main">
   <p:cSld>
     <p:spTree>
@@ -19574,7 +21623,743 @@
 </p:sld>
 </file>
 
-<file path=ppt/slides/slide19.xml><?xml version="1.0" encoding="utf-8"?>
+<file path=ppt/slides/slide2.xml><?xml version="1.0" encoding="utf-8"?>
+<p:sld xmlns:a="http://schemas.openxmlformats.org/drawingml/2006/main" xmlns:r="http://schemas.openxmlformats.org/officeDocument/2006/relationships" xmlns:p="http://schemas.openxmlformats.org/presentationml/2006/main">
+  <p:cSld>
+    <p:spTree>
+      <p:nvGrpSpPr>
+        <p:cNvPr id="1" name=""/>
+        <p:cNvGrpSpPr/>
+        <p:nvPr/>
+      </p:nvGrpSpPr>
+      <p:grpSpPr>
+        <a:xfrm>
+          <a:off x="0" y="0"/>
+          <a:ext cx="0" cy="0"/>
+          <a:chOff x="0" y="0"/>
+          <a:chExt cx="0" cy="0"/>
+        </a:xfrm>
+      </p:grpSpPr>
+      <p:sp>
+        <p:nvSpPr>
+          <p:cNvPr id="2" name="Title 1">
+            <a:extLst>
+              <a:ext uri="{FF2B5EF4-FFF2-40B4-BE49-F238E27FC236}">
+                <a16:creationId xmlns:a16="http://schemas.microsoft.com/office/drawing/2014/main" id="{98BBBE84-A437-4567-84B4-F3462197FDBF}"/>
+              </a:ext>
+            </a:extLst>
+          </p:cNvPr>
+          <p:cNvSpPr>
+            <a:spLocks noGrp="1"/>
+          </p:cNvSpPr>
+          <p:nvPr>
+            <p:ph type="title"/>
+          </p:nvPr>
+        </p:nvSpPr>
+        <p:spPr>
+          <a:xfrm>
+            <a:off x="84387" y="82887"/>
+            <a:ext cx="5203232" cy="926198"/>
+          </a:xfrm>
+        </p:spPr>
+        <p:txBody>
+          <a:bodyPr>
+            <a:normAutofit/>
+          </a:bodyPr>
+          <a:lstStyle/>
+          <a:p>
+            <a:pPr algn="ctr"/>
+            <a:r>
+              <a:rPr lang="en-GB" b="1" dirty="0">
+                <a:solidFill>
+                  <a:schemeClr val="accent1">
+                    <a:lumMod val="75000"/>
+                  </a:schemeClr>
+                </a:solidFill>
+              </a:rPr>
+              <a:t>How it works</a:t>
+            </a:r>
+          </a:p>
+        </p:txBody>
+      </p:sp>
+      <p:sp>
+        <p:nvSpPr>
+          <p:cNvPr id="3" name="Content Placeholder 2">
+            <a:extLst>
+              <a:ext uri="{FF2B5EF4-FFF2-40B4-BE49-F238E27FC236}">
+                <a16:creationId xmlns:a16="http://schemas.microsoft.com/office/drawing/2014/main" id="{317DF3B0-4A6B-428F-8B0C-EBE3C3DDE6A8}"/>
+              </a:ext>
+            </a:extLst>
+          </p:cNvPr>
+          <p:cNvSpPr>
+            <a:spLocks noGrp="1"/>
+          </p:cNvSpPr>
+          <p:nvPr>
+            <p:ph idx="1"/>
+          </p:nvPr>
+        </p:nvSpPr>
+        <p:spPr>
+          <a:xfrm>
+            <a:off x="265470" y="2898587"/>
+            <a:ext cx="11645636" cy="3820777"/>
+          </a:xfrm>
+        </p:spPr>
+        <p:txBody>
+          <a:bodyPr>
+            <a:normAutofit/>
+          </a:bodyPr>
+          <a:lstStyle/>
+          <a:p>
+            <a:pPr marL="514350" lvl="0" indent="-514350">
+              <a:buFont typeface="+mj-lt"/>
+              <a:buAutoNum type="arabicPeriod"/>
+            </a:pPr>
+            <a:r>
+              <a:rPr lang="en-GB" dirty="0"/>
+              <a:t>Generate short excitation waveform (length </a:t>
+            </a:r>
+            <a:r>
+              <a:rPr lang="en-GB" i="1" dirty="0"/>
+              <a:t>L</a:t>
+            </a:r>
+            <a:r>
+              <a:rPr lang="en-GB" dirty="0"/>
+              <a:t> samples), typically noise</a:t>
+            </a:r>
+          </a:p>
+          <a:p>
+            <a:pPr marL="514350" lvl="0" indent="-514350">
+              <a:buFont typeface="+mj-lt"/>
+              <a:buAutoNum type="arabicPeriod"/>
+            </a:pPr>
+            <a:r>
+              <a:rPr lang="en-GB" dirty="0"/>
+              <a:t>Excitation is output &amp; simultaneously fed back into delay line of </a:t>
+            </a:r>
+            <a:r>
+              <a:rPr lang="en-GB" i="1" dirty="0"/>
+              <a:t>L</a:t>
+            </a:r>
+            <a:r>
+              <a:rPr lang="en-GB" dirty="0"/>
+              <a:t> samples</a:t>
+            </a:r>
+          </a:p>
+          <a:p>
+            <a:pPr lvl="1"/>
+            <a:r>
+              <a:rPr lang="en-GB" dirty="0"/>
+              <a:t>delay line acts to store one period of the signal</a:t>
+            </a:r>
+          </a:p>
+          <a:p>
+            <a:pPr marL="514350" lvl="0" indent="-514350">
+              <a:buFont typeface="+mj-lt"/>
+              <a:buAutoNum type="arabicPeriod"/>
+            </a:pPr>
+            <a:r>
+              <a:rPr lang="en-GB" dirty="0"/>
+              <a:t>Output of delay line fed through filter </a:t>
+            </a:r>
+          </a:p>
+          <a:p>
+            <a:pPr marL="971550" lvl="1" indent="-514350">
+              <a:buFont typeface="+mj-lt"/>
+              <a:buAutoNum type="arabicPeriod"/>
+            </a:pPr>
+            <a:r>
+              <a:rPr lang="en-GB" dirty="0"/>
+              <a:t>Filter gain must be less than 1 at all frequencies, to avoid unstable feedback loop</a:t>
+            </a:r>
+          </a:p>
+          <a:p>
+            <a:pPr marL="971550" lvl="1" indent="-514350">
+              <a:buFont typeface="+mj-lt"/>
+              <a:buAutoNum type="arabicPeriod"/>
+            </a:pPr>
+            <a:r>
+              <a:rPr lang="en-GB" dirty="0"/>
+              <a:t>Filter typically a low order, lowpass filter </a:t>
+            </a:r>
+          </a:p>
+          <a:p>
+            <a:pPr marL="971550" lvl="1" indent="-514350">
+              <a:buFont typeface="+mj-lt"/>
+              <a:buAutoNum type="arabicPeriod"/>
+            </a:pPr>
+            <a:r>
+              <a:rPr lang="en-GB" dirty="0"/>
+              <a:t>Filter characteristics mainly determine harmonic structure of decaying tone.</a:t>
+            </a:r>
+          </a:p>
+          <a:p>
+            <a:pPr marL="514350" lvl="0" indent="-514350">
+              <a:buFont typeface="+mj-lt"/>
+              <a:buAutoNum type="arabicPeriod"/>
+            </a:pPr>
+            <a:r>
+              <a:rPr lang="en-GB" dirty="0"/>
+              <a:t>Filtered output simultaneously mixed back into output &amp; into delay line</a:t>
+            </a:r>
+          </a:p>
+        </p:txBody>
+      </p:sp>
+      <p:sp>
+        <p:nvSpPr>
+          <p:cNvPr id="6" name="Rectangle 5">
+            <a:extLst>
+              <a:ext uri="{FF2B5EF4-FFF2-40B4-BE49-F238E27FC236}">
+                <a16:creationId xmlns:a16="http://schemas.microsoft.com/office/drawing/2014/main" id="{2F17CE7B-073B-4B4C-B6CB-1F74FE2A3D52}"/>
+              </a:ext>
+            </a:extLst>
+          </p:cNvPr>
+          <p:cNvSpPr/>
+          <p:nvPr/>
+        </p:nvSpPr>
+        <p:spPr>
+          <a:xfrm>
+            <a:off x="207424" y="1138138"/>
+            <a:ext cx="5120640" cy="1077218"/>
+          </a:xfrm>
+          <a:prstGeom prst="rect">
+            <a:avLst/>
+          </a:prstGeom>
+        </p:spPr>
+        <p:txBody>
+          <a:bodyPr wrap="square">
+            <a:spAutoFit/>
+          </a:bodyPr>
+          <a:lstStyle/>
+          <a:p>
+            <a:pPr algn="ctr"/>
+            <a:r>
+              <a:rPr lang="en-GB" sz="3200" b="1" dirty="0">
+                <a:solidFill>
+                  <a:schemeClr val="accent1">
+                    <a:lumMod val="75000"/>
+                  </a:schemeClr>
+                </a:solidFill>
+              </a:rPr>
+              <a:t>loops short waveform through filtered delay line</a:t>
+            </a:r>
+          </a:p>
+        </p:txBody>
+      </p:sp>
+      <p:sp>
+        <p:nvSpPr>
+          <p:cNvPr id="8" name="Rectangle 7">
+            <a:extLst>
+              <a:ext uri="{FF2B5EF4-FFF2-40B4-BE49-F238E27FC236}">
+                <a16:creationId xmlns:a16="http://schemas.microsoft.com/office/drawing/2014/main" id="{94183C86-065D-4B96-87CE-D649F05232EC}"/>
+              </a:ext>
+            </a:extLst>
+          </p:cNvPr>
+          <p:cNvSpPr/>
+          <p:nvPr/>
+        </p:nvSpPr>
+        <p:spPr>
+          <a:xfrm>
+            <a:off x="5713280" y="1588442"/>
+            <a:ext cx="1122740" cy="648000"/>
+          </a:xfrm>
+          <a:prstGeom prst="rect">
+            <a:avLst/>
+          </a:prstGeom>
+          <a:solidFill>
+            <a:srgbClr val="7030A0"/>
+          </a:solidFill>
+        </p:spPr>
+        <p:style>
+          <a:lnRef idx="2">
+            <a:schemeClr val="accent1">
+              <a:shade val="50000"/>
+            </a:schemeClr>
+          </a:lnRef>
+          <a:fillRef idx="1">
+            <a:schemeClr val="accent1"/>
+          </a:fillRef>
+          <a:effectRef idx="0">
+            <a:schemeClr val="accent1"/>
+          </a:effectRef>
+          <a:fontRef idx="minor">
+            <a:schemeClr val="lt1"/>
+          </a:fontRef>
+        </p:style>
+        <p:txBody>
+          <a:bodyPr rtlCol="0" anchor="ctr"/>
+          <a:lstStyle/>
+          <a:p>
+            <a:pPr algn="ctr"/>
+            <a:r>
+              <a:rPr lang="en-GB" dirty="0"/>
+              <a:t>Noise</a:t>
+            </a:r>
+          </a:p>
+          <a:p>
+            <a:pPr algn="ctr"/>
+            <a:r>
+              <a:rPr lang="en-GB" dirty="0"/>
+              <a:t>burst</a:t>
+            </a:r>
+          </a:p>
+        </p:txBody>
+      </p:sp>
+      <p:sp>
+        <p:nvSpPr>
+          <p:cNvPr id="9" name="Rectangle 8">
+            <a:extLst>
+              <a:ext uri="{FF2B5EF4-FFF2-40B4-BE49-F238E27FC236}">
+                <a16:creationId xmlns:a16="http://schemas.microsoft.com/office/drawing/2014/main" id="{06DCCA2A-9C0D-440C-8806-B25AB93D76B0}"/>
+              </a:ext>
+            </a:extLst>
+          </p:cNvPr>
+          <p:cNvSpPr/>
+          <p:nvPr/>
+        </p:nvSpPr>
+        <p:spPr>
+          <a:xfrm>
+            <a:off x="8949800" y="359521"/>
+            <a:ext cx="1080000" cy="648000"/>
+          </a:xfrm>
+          <a:prstGeom prst="rect">
+            <a:avLst/>
+          </a:prstGeom>
+          <a:solidFill>
+            <a:srgbClr val="7030A0"/>
+          </a:solidFill>
+        </p:spPr>
+        <p:style>
+          <a:lnRef idx="2">
+            <a:schemeClr val="accent1">
+              <a:shade val="50000"/>
+            </a:schemeClr>
+          </a:lnRef>
+          <a:fillRef idx="1">
+            <a:schemeClr val="accent1"/>
+          </a:fillRef>
+          <a:effectRef idx="0">
+            <a:schemeClr val="accent1"/>
+          </a:effectRef>
+          <a:fontRef idx="minor">
+            <a:schemeClr val="lt1"/>
+          </a:fontRef>
+        </p:style>
+        <p:txBody>
+          <a:bodyPr rtlCol="0" anchor="ctr"/>
+          <a:lstStyle/>
+          <a:p>
+            <a:pPr algn="ctr"/>
+            <a:r>
+              <a:rPr lang="en-GB" dirty="0"/>
+              <a:t>Delay</a:t>
+            </a:r>
+          </a:p>
+        </p:txBody>
+      </p:sp>
+      <p:sp>
+        <p:nvSpPr>
+          <p:cNvPr id="10" name="Rectangle 9">
+            <a:extLst>
+              <a:ext uri="{FF2B5EF4-FFF2-40B4-BE49-F238E27FC236}">
+                <a16:creationId xmlns:a16="http://schemas.microsoft.com/office/drawing/2014/main" id="{E96364A4-7F92-4697-A48C-DF85487C1FBF}"/>
+              </a:ext>
+            </a:extLst>
+          </p:cNvPr>
+          <p:cNvSpPr/>
+          <p:nvPr/>
+        </p:nvSpPr>
+        <p:spPr>
+          <a:xfrm>
+            <a:off x="7319028" y="359521"/>
+            <a:ext cx="1080000" cy="648000"/>
+          </a:xfrm>
+          <a:prstGeom prst="rect">
+            <a:avLst/>
+          </a:prstGeom>
+          <a:solidFill>
+            <a:srgbClr val="7030A0"/>
+          </a:solidFill>
+        </p:spPr>
+        <p:style>
+          <a:lnRef idx="2">
+            <a:schemeClr val="accent1">
+              <a:shade val="50000"/>
+            </a:schemeClr>
+          </a:lnRef>
+          <a:fillRef idx="1">
+            <a:schemeClr val="accent1"/>
+          </a:fillRef>
+          <a:effectRef idx="0">
+            <a:schemeClr val="accent1"/>
+          </a:effectRef>
+          <a:fontRef idx="minor">
+            <a:schemeClr val="lt1"/>
+          </a:fontRef>
+        </p:style>
+        <p:txBody>
+          <a:bodyPr rtlCol="0" anchor="ctr"/>
+          <a:lstStyle/>
+          <a:p>
+            <a:pPr algn="ctr"/>
+            <a:r>
+              <a:rPr lang="en-GB" dirty="0"/>
+              <a:t>Lowpass filter</a:t>
+            </a:r>
+          </a:p>
+        </p:txBody>
+      </p:sp>
+      <p:sp>
+        <p:nvSpPr>
+          <p:cNvPr id="11" name="Rectangle 10">
+            <a:extLst>
+              <a:ext uri="{FF2B5EF4-FFF2-40B4-BE49-F238E27FC236}">
+                <a16:creationId xmlns:a16="http://schemas.microsoft.com/office/drawing/2014/main" id="{5639F41A-A26D-47E1-AD06-0AD0B1AF6F0B}"/>
+              </a:ext>
+            </a:extLst>
+          </p:cNvPr>
+          <p:cNvSpPr/>
+          <p:nvPr/>
+        </p:nvSpPr>
+        <p:spPr>
+          <a:xfrm>
+            <a:off x="10246455" y="1588442"/>
+            <a:ext cx="1296000" cy="648000"/>
+          </a:xfrm>
+          <a:prstGeom prst="rect">
+            <a:avLst/>
+          </a:prstGeom>
+          <a:solidFill>
+            <a:srgbClr val="7030A0"/>
+          </a:solidFill>
+        </p:spPr>
+        <p:style>
+          <a:lnRef idx="2">
+            <a:schemeClr val="accent1">
+              <a:shade val="50000"/>
+            </a:schemeClr>
+          </a:lnRef>
+          <a:fillRef idx="1">
+            <a:schemeClr val="accent1"/>
+          </a:fillRef>
+          <a:effectRef idx="0">
+            <a:schemeClr val="accent1"/>
+          </a:effectRef>
+          <a:fontRef idx="minor">
+            <a:schemeClr val="lt1"/>
+          </a:fontRef>
+        </p:style>
+        <p:txBody>
+          <a:bodyPr rtlCol="0" anchor="ctr"/>
+          <a:lstStyle/>
+          <a:p>
+            <a:pPr algn="ctr"/>
+            <a:r>
+              <a:rPr lang="en-GB" dirty="0"/>
+              <a:t>destination</a:t>
+            </a:r>
+          </a:p>
+        </p:txBody>
+      </p:sp>
+      <p:cxnSp>
+        <p:nvCxnSpPr>
+          <p:cNvPr id="13" name="Straight Arrow Connector 12">
+            <a:extLst>
+              <a:ext uri="{FF2B5EF4-FFF2-40B4-BE49-F238E27FC236}">
+                <a16:creationId xmlns:a16="http://schemas.microsoft.com/office/drawing/2014/main" id="{4BBCEF84-7D97-4A6A-A8EA-3DD761F89243}"/>
+              </a:ext>
+            </a:extLst>
+          </p:cNvPr>
+          <p:cNvCxnSpPr>
+            <a:cxnSpLocks/>
+            <a:stCxn id="8" idx="3"/>
+            <a:endCxn id="17" idx="2"/>
+          </p:cNvCxnSpPr>
+          <p:nvPr/>
+        </p:nvCxnSpPr>
+        <p:spPr>
+          <a:xfrm>
+            <a:off x="6836020" y="1912442"/>
+            <a:ext cx="744156" cy="0"/>
+          </a:xfrm>
+          <a:prstGeom prst="straightConnector1">
+            <a:avLst/>
+          </a:prstGeom>
+          <a:ln w="31750">
+            <a:solidFill>
+              <a:schemeClr val="tx1"/>
+            </a:solidFill>
+            <a:tailEnd type="arrow" w="lg" len="lg"/>
+          </a:ln>
+        </p:spPr>
+        <p:style>
+          <a:lnRef idx="1">
+            <a:schemeClr val="accent1"/>
+          </a:lnRef>
+          <a:fillRef idx="0">
+            <a:schemeClr val="accent1"/>
+          </a:fillRef>
+          <a:effectRef idx="0">
+            <a:schemeClr val="accent1"/>
+          </a:effectRef>
+          <a:fontRef idx="minor">
+            <a:schemeClr val="tx1"/>
+          </a:fontRef>
+        </p:style>
+      </p:cxnSp>
+      <p:cxnSp>
+        <p:nvCxnSpPr>
+          <p:cNvPr id="14" name="Straight Arrow Connector 13">
+            <a:extLst>
+              <a:ext uri="{FF2B5EF4-FFF2-40B4-BE49-F238E27FC236}">
+                <a16:creationId xmlns:a16="http://schemas.microsoft.com/office/drawing/2014/main" id="{2DFC9875-8BA7-4B46-BE05-A6E77BCA1A75}"/>
+              </a:ext>
+            </a:extLst>
+          </p:cNvPr>
+          <p:cNvCxnSpPr>
+            <a:cxnSpLocks/>
+            <a:stCxn id="9" idx="1"/>
+            <a:endCxn id="10" idx="3"/>
+          </p:cNvCxnSpPr>
+          <p:nvPr/>
+        </p:nvCxnSpPr>
+        <p:spPr>
+          <a:xfrm flipH="1">
+            <a:off x="8399028" y="683521"/>
+            <a:ext cx="550772" cy="0"/>
+          </a:xfrm>
+          <a:prstGeom prst="straightConnector1">
+            <a:avLst/>
+          </a:prstGeom>
+          <a:ln w="31750">
+            <a:solidFill>
+              <a:schemeClr val="tx1"/>
+            </a:solidFill>
+            <a:tailEnd type="arrow" w="lg" len="lg"/>
+          </a:ln>
+        </p:spPr>
+        <p:style>
+          <a:lnRef idx="1">
+            <a:schemeClr val="accent1"/>
+          </a:lnRef>
+          <a:fillRef idx="0">
+            <a:schemeClr val="accent1"/>
+          </a:fillRef>
+          <a:effectRef idx="0">
+            <a:schemeClr val="accent1"/>
+          </a:effectRef>
+          <a:fontRef idx="minor">
+            <a:schemeClr val="tx1"/>
+          </a:fontRef>
+        </p:style>
+      </p:cxnSp>
+      <p:cxnSp>
+        <p:nvCxnSpPr>
+          <p:cNvPr id="15" name="Straight Arrow Connector 14">
+            <a:extLst>
+              <a:ext uri="{FF2B5EF4-FFF2-40B4-BE49-F238E27FC236}">
+                <a16:creationId xmlns:a16="http://schemas.microsoft.com/office/drawing/2014/main" id="{080D8BA7-E59B-4F3D-9DCC-BB3E2F361D39}"/>
+              </a:ext>
+            </a:extLst>
+          </p:cNvPr>
+          <p:cNvCxnSpPr>
+            <a:cxnSpLocks/>
+            <a:endCxn id="9" idx="2"/>
+          </p:cNvCxnSpPr>
+          <p:nvPr/>
+        </p:nvCxnSpPr>
+        <p:spPr>
+          <a:xfrm flipV="1">
+            <a:off x="9489800" y="1007521"/>
+            <a:ext cx="0" cy="904921"/>
+          </a:xfrm>
+          <a:prstGeom prst="straightConnector1">
+            <a:avLst/>
+          </a:prstGeom>
+          <a:ln w="31750">
+            <a:solidFill>
+              <a:schemeClr val="tx1"/>
+            </a:solidFill>
+            <a:tailEnd type="arrow" w="lg" len="lg"/>
+          </a:ln>
+        </p:spPr>
+        <p:style>
+          <a:lnRef idx="1">
+            <a:schemeClr val="accent1"/>
+          </a:lnRef>
+          <a:fillRef idx="0">
+            <a:schemeClr val="accent1"/>
+          </a:fillRef>
+          <a:effectRef idx="0">
+            <a:schemeClr val="accent1"/>
+          </a:effectRef>
+          <a:fontRef idx="minor">
+            <a:schemeClr val="tx1"/>
+          </a:fontRef>
+        </p:style>
+      </p:cxnSp>
+      <p:cxnSp>
+        <p:nvCxnSpPr>
+          <p:cNvPr id="16" name="Straight Arrow Connector 15">
+            <a:extLst>
+              <a:ext uri="{FF2B5EF4-FFF2-40B4-BE49-F238E27FC236}">
+                <a16:creationId xmlns:a16="http://schemas.microsoft.com/office/drawing/2014/main" id="{37280952-DC64-4034-94FC-03CEAB4A057D}"/>
+              </a:ext>
+            </a:extLst>
+          </p:cNvPr>
+          <p:cNvCxnSpPr>
+            <a:cxnSpLocks/>
+            <a:stCxn id="10" idx="2"/>
+            <a:endCxn id="17" idx="0"/>
+          </p:cNvCxnSpPr>
+          <p:nvPr/>
+        </p:nvCxnSpPr>
+        <p:spPr>
+          <a:xfrm flipH="1">
+            <a:off x="7850176" y="1007521"/>
+            <a:ext cx="8852" cy="634921"/>
+          </a:xfrm>
+          <a:prstGeom prst="straightConnector1">
+            <a:avLst/>
+          </a:prstGeom>
+          <a:ln w="31750">
+            <a:solidFill>
+              <a:schemeClr val="tx1"/>
+            </a:solidFill>
+            <a:tailEnd type="arrow" w="lg" len="lg"/>
+          </a:ln>
+        </p:spPr>
+        <p:style>
+          <a:lnRef idx="1">
+            <a:schemeClr val="accent1"/>
+          </a:lnRef>
+          <a:fillRef idx="0">
+            <a:schemeClr val="accent1"/>
+          </a:fillRef>
+          <a:effectRef idx="0">
+            <a:schemeClr val="accent1"/>
+          </a:effectRef>
+          <a:fontRef idx="minor">
+            <a:schemeClr val="tx1"/>
+          </a:fontRef>
+        </p:style>
+      </p:cxnSp>
+      <p:sp>
+        <p:nvSpPr>
+          <p:cNvPr id="17" name="Oval 16">
+            <a:extLst>
+              <a:ext uri="{FF2B5EF4-FFF2-40B4-BE49-F238E27FC236}">
+                <a16:creationId xmlns:a16="http://schemas.microsoft.com/office/drawing/2014/main" id="{4FAF31DE-AE6F-4497-99BF-7192C12AD9AB}"/>
+              </a:ext>
+            </a:extLst>
+          </p:cNvPr>
+          <p:cNvSpPr/>
+          <p:nvPr/>
+        </p:nvSpPr>
+        <p:spPr>
+          <a:xfrm>
+            <a:off x="7580176" y="1642442"/>
+            <a:ext cx="540000" cy="540000"/>
+          </a:xfrm>
+          <a:prstGeom prst="ellipse">
+            <a:avLst/>
+          </a:prstGeom>
+          <a:solidFill>
+            <a:srgbClr val="7030A0"/>
+          </a:solidFill>
+          <a:ln w="31750"/>
+        </p:spPr>
+        <p:style>
+          <a:lnRef idx="2">
+            <a:schemeClr val="accent1">
+              <a:shade val="50000"/>
+            </a:schemeClr>
+          </a:lnRef>
+          <a:fillRef idx="1">
+            <a:schemeClr val="accent1"/>
+          </a:fillRef>
+          <a:effectRef idx="0">
+            <a:schemeClr val="accent1"/>
+          </a:effectRef>
+          <a:fontRef idx="minor">
+            <a:schemeClr val="lt1"/>
+          </a:fontRef>
+        </p:style>
+        <p:txBody>
+          <a:bodyPr rtlCol="0" anchor="ctr"/>
+          <a:lstStyle/>
+          <a:p>
+            <a:pPr algn="ctr"/>
+            <a:r>
+              <a:rPr lang="en-GB" sz="3600" dirty="0">
+                <a:solidFill>
+                  <a:schemeClr val="bg1"/>
+                </a:solidFill>
+              </a:rPr>
+              <a:t>+</a:t>
+            </a:r>
+          </a:p>
+        </p:txBody>
+      </p:sp>
+      <p:cxnSp>
+        <p:nvCxnSpPr>
+          <p:cNvPr id="18" name="Straight Arrow Connector 17">
+            <a:extLst>
+              <a:ext uri="{FF2B5EF4-FFF2-40B4-BE49-F238E27FC236}">
+                <a16:creationId xmlns:a16="http://schemas.microsoft.com/office/drawing/2014/main" id="{51C538B4-444B-443A-BB5D-41012DB5D09F}"/>
+              </a:ext>
+            </a:extLst>
+          </p:cNvPr>
+          <p:cNvCxnSpPr>
+            <a:cxnSpLocks/>
+            <a:stCxn id="17" idx="6"/>
+            <a:endCxn id="11" idx="1"/>
+          </p:cNvCxnSpPr>
+          <p:nvPr/>
+        </p:nvCxnSpPr>
+        <p:spPr>
+          <a:xfrm>
+            <a:off x="8120176" y="1912442"/>
+            <a:ext cx="2126279" cy="0"/>
+          </a:xfrm>
+          <a:prstGeom prst="straightConnector1">
+            <a:avLst/>
+          </a:prstGeom>
+          <a:ln w="31750">
+            <a:solidFill>
+              <a:schemeClr val="tx1"/>
+            </a:solidFill>
+            <a:tailEnd type="arrow" w="lg" len="lg"/>
+          </a:ln>
+        </p:spPr>
+        <p:style>
+          <a:lnRef idx="1">
+            <a:schemeClr val="accent1"/>
+          </a:lnRef>
+          <a:fillRef idx="0">
+            <a:schemeClr val="accent1"/>
+          </a:fillRef>
+          <a:effectRef idx="0">
+            <a:schemeClr val="accent1"/>
+          </a:effectRef>
+          <a:fontRef idx="minor">
+            <a:schemeClr val="tx1"/>
+          </a:fontRef>
+        </p:style>
+      </p:cxnSp>
+    </p:spTree>
+    <p:extLst>
+      <p:ext uri="{BB962C8B-B14F-4D97-AF65-F5344CB8AC3E}">
+        <p14:creationId xmlns:p14="http://schemas.microsoft.com/office/powerpoint/2010/main" val="3716683099"/>
+      </p:ext>
+    </p:extLst>
+  </p:cSld>
+  <p:clrMapOvr>
+    <a:masterClrMapping/>
+  </p:clrMapOvr>
+</p:sld>
+</file>
+
+<file path=ppt/slides/slide20.xml><?xml version="1.0" encoding="utf-8"?>
 <p:sld xmlns:a="http://schemas.openxmlformats.org/drawingml/2006/main" xmlns:r="http://schemas.openxmlformats.org/officeDocument/2006/relationships" xmlns:p="http://schemas.openxmlformats.org/presentationml/2006/main">
   <p:cSld>
     <p:spTree>
@@ -21082,1001 +23867,7 @@
 </p:sld>
 </file>
 
-<file path=ppt/slides/slide2.xml><?xml version="1.0" encoding="utf-8"?>
-<p:sld xmlns:a="http://schemas.openxmlformats.org/drawingml/2006/main" xmlns:r="http://schemas.openxmlformats.org/officeDocument/2006/relationships" xmlns:p="http://schemas.openxmlformats.org/presentationml/2006/main">
-  <p:cSld>
-    <p:spTree>
-      <p:nvGrpSpPr>
-        <p:cNvPr id="1" name=""/>
-        <p:cNvGrpSpPr/>
-        <p:nvPr/>
-      </p:nvGrpSpPr>
-      <p:grpSpPr>
-        <a:xfrm>
-          <a:off x="0" y="0"/>
-          <a:ext cx="0" cy="0"/>
-          <a:chOff x="0" y="0"/>
-          <a:chExt cx="0" cy="0"/>
-        </a:xfrm>
-      </p:grpSpPr>
-      <p:sp>
-        <p:nvSpPr>
-          <p:cNvPr id="2" name="Title 1">
-            <a:extLst>
-              <a:ext uri="{FF2B5EF4-FFF2-40B4-BE49-F238E27FC236}">
-                <a16:creationId xmlns:a16="http://schemas.microsoft.com/office/drawing/2014/main" id="{62B421FB-6975-498F-88EE-3B047E430174}"/>
-              </a:ext>
-            </a:extLst>
-          </p:cNvPr>
-          <p:cNvSpPr>
-            <a:spLocks noGrp="1"/>
-          </p:cNvSpPr>
-          <p:nvPr>
-            <p:ph type="title"/>
-          </p:nvPr>
-        </p:nvSpPr>
-        <p:spPr>
-          <a:xfrm>
-            <a:off x="766483" y="185830"/>
-            <a:ext cx="10515600" cy="961651"/>
-          </a:xfrm>
-        </p:spPr>
-        <p:txBody>
-          <a:bodyPr/>
-          <a:lstStyle/>
-          <a:p>
-            <a:r>
-              <a:rPr lang="en-GB" dirty="0"/>
-              <a:t>Simple implementation</a:t>
-            </a:r>
-          </a:p>
-        </p:txBody>
-      </p:sp>
-      <p:sp>
-        <p:nvSpPr>
-          <p:cNvPr id="3" name="Content Placeholder 2">
-            <a:extLst>
-              <a:ext uri="{FF2B5EF4-FFF2-40B4-BE49-F238E27FC236}">
-                <a16:creationId xmlns:a16="http://schemas.microsoft.com/office/drawing/2014/main" id="{6ACB39FB-A08A-4FBE-8D9F-4B9DD8571CA6}"/>
-              </a:ext>
-            </a:extLst>
-          </p:cNvPr>
-          <p:cNvSpPr>
-            <a:spLocks noGrp="1"/>
-          </p:cNvSpPr>
-          <p:nvPr>
-            <p:ph idx="1"/>
-          </p:nvPr>
-        </p:nvSpPr>
-        <p:spPr>
-          <a:xfrm>
-            <a:off x="290407" y="1147481"/>
-            <a:ext cx="5682222" cy="3569659"/>
-          </a:xfrm>
-          <a:ln w="15875">
-            <a:solidFill>
-              <a:srgbClr val="0070C0"/>
-            </a:solidFill>
-          </a:ln>
-        </p:spPr>
-        <p:txBody>
-          <a:bodyPr>
-            <a:normAutofit lnSpcReduction="10000"/>
-          </a:bodyPr>
-          <a:lstStyle/>
-          <a:p>
-            <a:pPr marL="0" indent="0">
-              <a:buNone/>
-            </a:pPr>
-            <a:r>
-              <a:rPr lang="en-GB" dirty="0"/>
-              <a:t>Tuning the string</a:t>
-            </a:r>
-          </a:p>
-          <a:p>
-            <a:r>
-              <a:rPr lang="en-GB" sz="2400" i="1" dirty="0"/>
-              <a:t>L</a:t>
-            </a:r>
-            <a:r>
-              <a:rPr lang="en-GB" sz="2400" dirty="0"/>
-              <a:t> is the number of samples of delay</a:t>
-            </a:r>
-          </a:p>
-          <a:p>
-            <a:r>
-              <a:rPr lang="en-GB" sz="2400" dirty="0"/>
-              <a:t>So delay time </a:t>
-            </a:r>
-            <a:r>
-              <a:rPr lang="en-GB" sz="2400" i="1" dirty="0"/>
-              <a:t>D</a:t>
-            </a:r>
-            <a:r>
-              <a:rPr lang="en-GB" sz="2400" dirty="0"/>
-              <a:t>=</a:t>
-            </a:r>
-            <a:r>
-              <a:rPr lang="en-GB" sz="2400" i="1" dirty="0"/>
-              <a:t>L</a:t>
-            </a:r>
-            <a:r>
-              <a:rPr lang="en-GB" sz="2400" dirty="0"/>
-              <a:t>/</a:t>
-            </a:r>
-            <a:r>
-              <a:rPr lang="en-GB" sz="2400" i="1" dirty="0"/>
-              <a:t>f</a:t>
-            </a:r>
-            <a:r>
-              <a:rPr lang="en-GB" sz="2400" i="1" baseline="-25000" dirty="0"/>
-              <a:t>s</a:t>
-            </a:r>
-          </a:p>
-          <a:p>
-            <a:pPr lvl="1"/>
-            <a:r>
-              <a:rPr lang="en-GB" sz="2000" i="1" dirty="0"/>
-              <a:t>D</a:t>
-            </a:r>
-            <a:r>
-              <a:rPr lang="en-GB" sz="2000" dirty="0"/>
-              <a:t> is the period, i.e. time before it repeats</a:t>
-            </a:r>
-            <a:endParaRPr lang="en-GB" sz="2000" i="1" baseline="-25000" dirty="0"/>
-          </a:p>
-          <a:p>
-            <a:r>
-              <a:rPr lang="en-GB" sz="2400" dirty="0"/>
-              <a:t>Fundamental frequency should be 1/</a:t>
-            </a:r>
-            <a:r>
-              <a:rPr lang="en-GB" sz="2400" i="1" dirty="0"/>
-              <a:t>D</a:t>
-            </a:r>
-          </a:p>
-          <a:p>
-            <a:r>
-              <a:rPr lang="en-GB" sz="2400" dirty="0"/>
-              <a:t>Want </a:t>
-            </a:r>
-            <a:r>
-              <a:rPr lang="en-GB" sz="2400" i="1" dirty="0"/>
-              <a:t>D</a:t>
-            </a:r>
-            <a:r>
-              <a:rPr lang="en-GB" sz="2400" dirty="0"/>
-              <a:t> very small</a:t>
-            </a:r>
-          </a:p>
-          <a:p>
-            <a:pPr lvl="1"/>
-            <a:r>
-              <a:rPr lang="en-GB" sz="2000" dirty="0"/>
-              <a:t>10 </a:t>
-            </a:r>
-            <a:r>
-              <a:rPr lang="en-GB" sz="2000" dirty="0" err="1"/>
-              <a:t>ms</a:t>
-            </a:r>
-            <a:r>
-              <a:rPr lang="en-GB" sz="2000" dirty="0"/>
-              <a:t> </a:t>
-            </a:r>
-            <a:r>
-              <a:rPr lang="en-GB" sz="2000" dirty="0">
-                <a:sym typeface="Wingdings" panose="05000000000000000000" pitchFamily="2" charset="2"/>
-              </a:rPr>
-              <a:t> 100 Hz</a:t>
-            </a:r>
-          </a:p>
-          <a:p>
-            <a:pPr lvl="1"/>
-            <a:r>
-              <a:rPr lang="en-GB" sz="2000" dirty="0"/>
-              <a:t>5 </a:t>
-            </a:r>
-            <a:r>
-              <a:rPr lang="en-GB" sz="2000" dirty="0" err="1"/>
-              <a:t>ms</a:t>
-            </a:r>
-            <a:r>
-              <a:rPr lang="en-GB" sz="2000" dirty="0"/>
-              <a:t> </a:t>
-            </a:r>
-            <a:r>
-              <a:rPr lang="en-GB" sz="2000" dirty="0">
-                <a:sym typeface="Wingdings" panose="05000000000000000000" pitchFamily="2" charset="2"/>
-              </a:rPr>
-              <a:t> 200 Hz</a:t>
-            </a:r>
-          </a:p>
-          <a:p>
-            <a:pPr lvl="1"/>
-            <a:r>
-              <a:rPr lang="en-GB" sz="2000" dirty="0">
-                <a:sym typeface="Wingdings" panose="05000000000000000000" pitchFamily="2" charset="2"/>
-              </a:rPr>
-              <a:t>2 </a:t>
-            </a:r>
-            <a:r>
-              <a:rPr lang="en-GB" sz="2000" dirty="0" err="1">
-                <a:sym typeface="Wingdings" panose="05000000000000000000" pitchFamily="2" charset="2"/>
-              </a:rPr>
-              <a:t>ms</a:t>
-            </a:r>
-            <a:r>
-              <a:rPr lang="en-GB" sz="2000" dirty="0">
-                <a:sym typeface="Wingdings" panose="05000000000000000000" pitchFamily="2" charset="2"/>
-              </a:rPr>
-              <a:t>  500 Hz</a:t>
-            </a:r>
-            <a:endParaRPr lang="en-GB" sz="2000" dirty="0"/>
-          </a:p>
-        </p:txBody>
-      </p:sp>
-      <p:sp>
-        <p:nvSpPr>
-          <p:cNvPr id="12" name="Rectangle 11">
-            <a:extLst>
-              <a:ext uri="{FF2B5EF4-FFF2-40B4-BE49-F238E27FC236}">
-                <a16:creationId xmlns:a16="http://schemas.microsoft.com/office/drawing/2014/main" id="{78E139A7-C469-4838-AF89-801E4BA5A76F}"/>
-              </a:ext>
-            </a:extLst>
-          </p:cNvPr>
-          <p:cNvSpPr/>
-          <p:nvPr/>
-        </p:nvSpPr>
-        <p:spPr>
-          <a:xfrm>
-            <a:off x="1675812" y="4864454"/>
-            <a:ext cx="1296000" cy="648000"/>
-          </a:xfrm>
-          <a:prstGeom prst="rect">
-            <a:avLst/>
-          </a:prstGeom>
-          <a:solidFill>
-            <a:srgbClr val="7030A0"/>
-          </a:solidFill>
-        </p:spPr>
-        <p:style>
-          <a:lnRef idx="2">
-            <a:schemeClr val="accent1">
-              <a:shade val="50000"/>
-            </a:schemeClr>
-          </a:lnRef>
-          <a:fillRef idx="1">
-            <a:schemeClr val="accent1"/>
-          </a:fillRef>
-          <a:effectRef idx="0">
-            <a:schemeClr val="accent1"/>
-          </a:effectRef>
-          <a:fontRef idx="minor">
-            <a:schemeClr val="lt1"/>
-          </a:fontRef>
-        </p:style>
-        <p:txBody>
-          <a:bodyPr rtlCol="0" anchor="ctr"/>
-          <a:lstStyle/>
-          <a:p>
-            <a:pPr algn="ctr"/>
-            <a:r>
-              <a:rPr lang="en-GB" dirty="0"/>
-              <a:t>Noise</a:t>
-            </a:r>
-          </a:p>
-        </p:txBody>
-      </p:sp>
-      <p:sp>
-        <p:nvSpPr>
-          <p:cNvPr id="13" name="Rectangle 12">
-            <a:extLst>
-              <a:ext uri="{FF2B5EF4-FFF2-40B4-BE49-F238E27FC236}">
-                <a16:creationId xmlns:a16="http://schemas.microsoft.com/office/drawing/2014/main" id="{C90F0CAB-AFAF-40A4-9026-905018D5A4EC}"/>
-              </a:ext>
-            </a:extLst>
-          </p:cNvPr>
-          <p:cNvSpPr/>
-          <p:nvPr/>
-        </p:nvSpPr>
-        <p:spPr>
-          <a:xfrm>
-            <a:off x="3476614" y="4864454"/>
-            <a:ext cx="1296000" cy="648000"/>
-          </a:xfrm>
-          <a:prstGeom prst="rect">
-            <a:avLst/>
-          </a:prstGeom>
-          <a:solidFill>
-            <a:srgbClr val="7030A0"/>
-          </a:solidFill>
-        </p:spPr>
-        <p:style>
-          <a:lnRef idx="2">
-            <a:schemeClr val="accent1">
-              <a:shade val="50000"/>
-            </a:schemeClr>
-          </a:lnRef>
-          <a:fillRef idx="1">
-            <a:schemeClr val="accent1"/>
-          </a:fillRef>
-          <a:effectRef idx="0">
-            <a:schemeClr val="accent1"/>
-          </a:effectRef>
-          <a:fontRef idx="minor">
-            <a:schemeClr val="lt1"/>
-          </a:fontRef>
-        </p:style>
-        <p:txBody>
-          <a:bodyPr rtlCol="0" anchor="ctr"/>
-          <a:lstStyle/>
-          <a:p>
-            <a:pPr algn="ctr"/>
-            <a:r>
-              <a:rPr lang="en-GB" dirty="0"/>
-              <a:t>Noise</a:t>
-            </a:r>
-          </a:p>
-          <a:p>
-            <a:pPr algn="ctr"/>
-            <a:r>
-              <a:rPr lang="en-GB" dirty="0"/>
-              <a:t>Gain</a:t>
-            </a:r>
-          </a:p>
-        </p:txBody>
-      </p:sp>
-      <p:sp>
-        <p:nvSpPr>
-          <p:cNvPr id="14" name="Rectangle 13">
-            <a:extLst>
-              <a:ext uri="{FF2B5EF4-FFF2-40B4-BE49-F238E27FC236}">
-                <a16:creationId xmlns:a16="http://schemas.microsoft.com/office/drawing/2014/main" id="{A8579E85-9729-4BCD-982C-FC29AD94388A}"/>
-              </a:ext>
-            </a:extLst>
-          </p:cNvPr>
-          <p:cNvSpPr/>
-          <p:nvPr/>
-        </p:nvSpPr>
-        <p:spPr>
-          <a:xfrm>
-            <a:off x="6940180" y="6024170"/>
-            <a:ext cx="1080000" cy="648000"/>
-          </a:xfrm>
-          <a:prstGeom prst="rect">
-            <a:avLst/>
-          </a:prstGeom>
-          <a:solidFill>
-            <a:srgbClr val="7030A0"/>
-          </a:solidFill>
-        </p:spPr>
-        <p:style>
-          <a:lnRef idx="2">
-            <a:schemeClr val="accent1">
-              <a:shade val="50000"/>
-            </a:schemeClr>
-          </a:lnRef>
-          <a:fillRef idx="1">
-            <a:schemeClr val="accent1"/>
-          </a:fillRef>
-          <a:effectRef idx="0">
-            <a:schemeClr val="accent1"/>
-          </a:effectRef>
-          <a:fontRef idx="minor">
-            <a:schemeClr val="lt1"/>
-          </a:fontRef>
-        </p:style>
-        <p:txBody>
-          <a:bodyPr rtlCol="0" anchor="ctr"/>
-          <a:lstStyle/>
-          <a:p>
-            <a:pPr algn="ctr"/>
-            <a:r>
-              <a:rPr lang="en-GB" dirty="0"/>
-              <a:t>Delay</a:t>
-            </a:r>
-          </a:p>
-        </p:txBody>
-      </p:sp>
-      <p:sp>
-        <p:nvSpPr>
-          <p:cNvPr id="15" name="Rectangle 14">
-            <a:extLst>
-              <a:ext uri="{FF2B5EF4-FFF2-40B4-BE49-F238E27FC236}">
-                <a16:creationId xmlns:a16="http://schemas.microsoft.com/office/drawing/2014/main" id="{80A6AA07-32AC-4A66-B6A8-1D9BB5F9A244}"/>
-              </a:ext>
-            </a:extLst>
-          </p:cNvPr>
-          <p:cNvSpPr/>
-          <p:nvPr/>
-        </p:nvSpPr>
-        <p:spPr>
-          <a:xfrm>
-            <a:off x="5255622" y="6024170"/>
-            <a:ext cx="1080000" cy="648000"/>
-          </a:xfrm>
-          <a:prstGeom prst="rect">
-            <a:avLst/>
-          </a:prstGeom>
-          <a:solidFill>
-            <a:srgbClr val="7030A0"/>
-          </a:solidFill>
-        </p:spPr>
-        <p:style>
-          <a:lnRef idx="2">
-            <a:schemeClr val="accent1">
-              <a:shade val="50000"/>
-            </a:schemeClr>
-          </a:lnRef>
-          <a:fillRef idx="1">
-            <a:schemeClr val="accent1"/>
-          </a:fillRef>
-          <a:effectRef idx="0">
-            <a:schemeClr val="accent1"/>
-          </a:effectRef>
-          <a:fontRef idx="minor">
-            <a:schemeClr val="lt1"/>
-          </a:fontRef>
-        </p:style>
-        <p:txBody>
-          <a:bodyPr rtlCol="0" anchor="ctr"/>
-          <a:lstStyle/>
-          <a:p>
-            <a:pPr algn="ctr"/>
-            <a:r>
-              <a:rPr lang="en-GB" dirty="0"/>
-              <a:t>Feedback</a:t>
-            </a:r>
-          </a:p>
-          <a:p>
-            <a:pPr algn="ctr"/>
-            <a:r>
-              <a:rPr lang="en-GB" dirty="0"/>
-              <a:t>Gain</a:t>
-            </a:r>
-          </a:p>
-        </p:txBody>
-      </p:sp>
-      <p:sp>
-        <p:nvSpPr>
-          <p:cNvPr id="16" name="Rectangle 15">
-            <a:extLst>
-              <a:ext uri="{FF2B5EF4-FFF2-40B4-BE49-F238E27FC236}">
-                <a16:creationId xmlns:a16="http://schemas.microsoft.com/office/drawing/2014/main" id="{E381F841-C57F-4CD3-8675-9313A2D8C05B}"/>
-              </a:ext>
-            </a:extLst>
-          </p:cNvPr>
-          <p:cNvSpPr/>
-          <p:nvPr/>
-        </p:nvSpPr>
-        <p:spPr>
-          <a:xfrm>
-            <a:off x="8230859" y="4864454"/>
-            <a:ext cx="1296000" cy="648000"/>
-          </a:xfrm>
-          <a:prstGeom prst="rect">
-            <a:avLst/>
-          </a:prstGeom>
-          <a:solidFill>
-            <a:srgbClr val="7030A0"/>
-          </a:solidFill>
-        </p:spPr>
-        <p:style>
-          <a:lnRef idx="2">
-            <a:schemeClr val="accent1">
-              <a:shade val="50000"/>
-            </a:schemeClr>
-          </a:lnRef>
-          <a:fillRef idx="1">
-            <a:schemeClr val="accent1"/>
-          </a:fillRef>
-          <a:effectRef idx="0">
-            <a:schemeClr val="accent1"/>
-          </a:effectRef>
-          <a:fontRef idx="minor">
-            <a:schemeClr val="lt1"/>
-          </a:fontRef>
-        </p:style>
-        <p:txBody>
-          <a:bodyPr rtlCol="0" anchor="ctr"/>
-          <a:lstStyle/>
-          <a:p>
-            <a:pPr algn="ctr"/>
-            <a:r>
-              <a:rPr lang="en-GB" dirty="0"/>
-              <a:t>destination</a:t>
-            </a:r>
-          </a:p>
-        </p:txBody>
-      </p:sp>
-      <p:cxnSp>
-        <p:nvCxnSpPr>
-          <p:cNvPr id="17" name="Straight Arrow Connector 16">
-            <a:extLst>
-              <a:ext uri="{FF2B5EF4-FFF2-40B4-BE49-F238E27FC236}">
-                <a16:creationId xmlns:a16="http://schemas.microsoft.com/office/drawing/2014/main" id="{A4BF9F0D-BABE-432C-A432-91D5C9B6DEF0}"/>
-              </a:ext>
-            </a:extLst>
-          </p:cNvPr>
-          <p:cNvCxnSpPr>
-            <a:cxnSpLocks/>
-            <a:stCxn id="12" idx="3"/>
-            <a:endCxn id="13" idx="1"/>
-          </p:cNvCxnSpPr>
-          <p:nvPr/>
-        </p:nvCxnSpPr>
-        <p:spPr>
-          <a:xfrm>
-            <a:off x="2971812" y="5188454"/>
-            <a:ext cx="504802" cy="0"/>
-          </a:xfrm>
-          <a:prstGeom prst="straightConnector1">
-            <a:avLst/>
-          </a:prstGeom>
-          <a:ln w="31750">
-            <a:solidFill>
-              <a:schemeClr val="tx1"/>
-            </a:solidFill>
-            <a:tailEnd type="arrow" w="lg" len="lg"/>
-          </a:ln>
-        </p:spPr>
-        <p:style>
-          <a:lnRef idx="1">
-            <a:schemeClr val="accent1"/>
-          </a:lnRef>
-          <a:fillRef idx="0">
-            <a:schemeClr val="accent1"/>
-          </a:fillRef>
-          <a:effectRef idx="0">
-            <a:schemeClr val="accent1"/>
-          </a:effectRef>
-          <a:fontRef idx="minor">
-            <a:schemeClr val="tx1"/>
-          </a:fontRef>
-        </p:style>
-      </p:cxnSp>
-      <p:cxnSp>
-        <p:nvCxnSpPr>
-          <p:cNvPr id="18" name="Straight Arrow Connector 17">
-            <a:extLst>
-              <a:ext uri="{FF2B5EF4-FFF2-40B4-BE49-F238E27FC236}">
-                <a16:creationId xmlns:a16="http://schemas.microsoft.com/office/drawing/2014/main" id="{89400826-2090-494B-A685-E6E741375322}"/>
-              </a:ext>
-            </a:extLst>
-          </p:cNvPr>
-          <p:cNvCxnSpPr>
-            <a:cxnSpLocks/>
-            <a:stCxn id="13" idx="3"/>
-            <a:endCxn id="22" idx="2"/>
-          </p:cNvCxnSpPr>
-          <p:nvPr/>
-        </p:nvCxnSpPr>
-        <p:spPr>
-          <a:xfrm>
-            <a:off x="4772614" y="5188454"/>
-            <a:ext cx="744156" cy="0"/>
-          </a:xfrm>
-          <a:prstGeom prst="straightConnector1">
-            <a:avLst/>
-          </a:prstGeom>
-          <a:ln w="31750">
-            <a:solidFill>
-              <a:schemeClr val="tx1"/>
-            </a:solidFill>
-            <a:tailEnd type="arrow" w="lg" len="lg"/>
-          </a:ln>
-        </p:spPr>
-        <p:style>
-          <a:lnRef idx="1">
-            <a:schemeClr val="accent1"/>
-          </a:lnRef>
-          <a:fillRef idx="0">
-            <a:schemeClr val="accent1"/>
-          </a:fillRef>
-          <a:effectRef idx="0">
-            <a:schemeClr val="accent1"/>
-          </a:effectRef>
-          <a:fontRef idx="minor">
-            <a:schemeClr val="tx1"/>
-          </a:fontRef>
-        </p:style>
-      </p:cxnSp>
-      <p:cxnSp>
-        <p:nvCxnSpPr>
-          <p:cNvPr id="19" name="Straight Arrow Connector 18">
-            <a:extLst>
-              <a:ext uri="{FF2B5EF4-FFF2-40B4-BE49-F238E27FC236}">
-                <a16:creationId xmlns:a16="http://schemas.microsoft.com/office/drawing/2014/main" id="{2F2C75BB-5EEF-4B50-AFA9-D59D65037D7A}"/>
-              </a:ext>
-            </a:extLst>
-          </p:cNvPr>
-          <p:cNvCxnSpPr>
-            <a:cxnSpLocks/>
-            <a:stCxn id="14" idx="1"/>
-            <a:endCxn id="15" idx="3"/>
-          </p:cNvCxnSpPr>
-          <p:nvPr/>
-        </p:nvCxnSpPr>
-        <p:spPr>
-          <a:xfrm flipH="1">
-            <a:off x="6335622" y="6348170"/>
-            <a:ext cx="604558" cy="0"/>
-          </a:xfrm>
-          <a:prstGeom prst="straightConnector1">
-            <a:avLst/>
-          </a:prstGeom>
-          <a:ln w="31750">
-            <a:solidFill>
-              <a:schemeClr val="tx1"/>
-            </a:solidFill>
-            <a:tailEnd type="arrow" w="lg" len="lg"/>
-          </a:ln>
-        </p:spPr>
-        <p:style>
-          <a:lnRef idx="1">
-            <a:schemeClr val="accent1"/>
-          </a:lnRef>
-          <a:fillRef idx="0">
-            <a:schemeClr val="accent1"/>
-          </a:fillRef>
-          <a:effectRef idx="0">
-            <a:schemeClr val="accent1"/>
-          </a:effectRef>
-          <a:fontRef idx="minor">
-            <a:schemeClr val="tx1"/>
-          </a:fontRef>
-        </p:style>
-      </p:cxnSp>
-      <p:cxnSp>
-        <p:nvCxnSpPr>
-          <p:cNvPr id="20" name="Straight Arrow Connector 19">
-            <a:extLst>
-              <a:ext uri="{FF2B5EF4-FFF2-40B4-BE49-F238E27FC236}">
-                <a16:creationId xmlns:a16="http://schemas.microsoft.com/office/drawing/2014/main" id="{CE4CFA84-23D6-4C02-B0C3-843A2D1A639A}"/>
-              </a:ext>
-            </a:extLst>
-          </p:cNvPr>
-          <p:cNvCxnSpPr>
-            <a:cxnSpLocks/>
-            <a:endCxn id="14" idx="0"/>
-          </p:cNvCxnSpPr>
-          <p:nvPr/>
-        </p:nvCxnSpPr>
-        <p:spPr>
-          <a:xfrm>
-            <a:off x="7480180" y="5188454"/>
-            <a:ext cx="0" cy="835716"/>
-          </a:xfrm>
-          <a:prstGeom prst="straightConnector1">
-            <a:avLst/>
-          </a:prstGeom>
-          <a:ln w="31750">
-            <a:solidFill>
-              <a:schemeClr val="tx1"/>
-            </a:solidFill>
-            <a:tailEnd type="arrow" w="lg" len="lg"/>
-          </a:ln>
-        </p:spPr>
-        <p:style>
-          <a:lnRef idx="1">
-            <a:schemeClr val="accent1"/>
-          </a:lnRef>
-          <a:fillRef idx="0">
-            <a:schemeClr val="accent1"/>
-          </a:fillRef>
-          <a:effectRef idx="0">
-            <a:schemeClr val="accent1"/>
-          </a:effectRef>
-          <a:fontRef idx="minor">
-            <a:schemeClr val="tx1"/>
-          </a:fontRef>
-        </p:style>
-      </p:cxnSp>
-      <p:cxnSp>
-        <p:nvCxnSpPr>
-          <p:cNvPr id="21" name="Straight Arrow Connector 20">
-            <a:extLst>
-              <a:ext uri="{FF2B5EF4-FFF2-40B4-BE49-F238E27FC236}">
-                <a16:creationId xmlns:a16="http://schemas.microsoft.com/office/drawing/2014/main" id="{8E128EE5-0F38-4CF2-A1F0-4D04D690BF0F}"/>
-              </a:ext>
-            </a:extLst>
-          </p:cNvPr>
-          <p:cNvCxnSpPr>
-            <a:cxnSpLocks/>
-            <a:stCxn id="15" idx="0"/>
-            <a:endCxn id="22" idx="4"/>
-          </p:cNvCxnSpPr>
-          <p:nvPr/>
-        </p:nvCxnSpPr>
-        <p:spPr>
-          <a:xfrm flipH="1" flipV="1">
-            <a:off x="5786770" y="5458454"/>
-            <a:ext cx="8852" cy="565716"/>
-          </a:xfrm>
-          <a:prstGeom prst="straightConnector1">
-            <a:avLst/>
-          </a:prstGeom>
-          <a:ln w="31750">
-            <a:solidFill>
-              <a:schemeClr val="tx1"/>
-            </a:solidFill>
-            <a:tailEnd type="arrow" w="lg" len="lg"/>
-          </a:ln>
-        </p:spPr>
-        <p:style>
-          <a:lnRef idx="1">
-            <a:schemeClr val="accent1"/>
-          </a:lnRef>
-          <a:fillRef idx="0">
-            <a:schemeClr val="accent1"/>
-          </a:fillRef>
-          <a:effectRef idx="0">
-            <a:schemeClr val="accent1"/>
-          </a:effectRef>
-          <a:fontRef idx="minor">
-            <a:schemeClr val="tx1"/>
-          </a:fontRef>
-        </p:style>
-      </p:cxnSp>
-      <p:sp>
-        <p:nvSpPr>
-          <p:cNvPr id="22" name="Oval 21">
-            <a:extLst>
-              <a:ext uri="{FF2B5EF4-FFF2-40B4-BE49-F238E27FC236}">
-                <a16:creationId xmlns:a16="http://schemas.microsoft.com/office/drawing/2014/main" id="{953B126C-0415-450A-881E-31BC2DC18952}"/>
-              </a:ext>
-            </a:extLst>
-          </p:cNvPr>
-          <p:cNvSpPr/>
-          <p:nvPr/>
-        </p:nvSpPr>
-        <p:spPr>
-          <a:xfrm>
-            <a:off x="5516770" y="4918454"/>
-            <a:ext cx="540000" cy="540000"/>
-          </a:xfrm>
-          <a:prstGeom prst="ellipse">
-            <a:avLst/>
-          </a:prstGeom>
-          <a:solidFill>
-            <a:srgbClr val="7030A0"/>
-          </a:solidFill>
-          <a:ln w="31750"/>
-        </p:spPr>
-        <p:style>
-          <a:lnRef idx="2">
-            <a:schemeClr val="accent1">
-              <a:shade val="50000"/>
-            </a:schemeClr>
-          </a:lnRef>
-          <a:fillRef idx="1">
-            <a:schemeClr val="accent1"/>
-          </a:fillRef>
-          <a:effectRef idx="0">
-            <a:schemeClr val="accent1"/>
-          </a:effectRef>
-          <a:fontRef idx="minor">
-            <a:schemeClr val="lt1"/>
-          </a:fontRef>
-        </p:style>
-        <p:txBody>
-          <a:bodyPr rtlCol="0" anchor="ctr"/>
-          <a:lstStyle/>
-          <a:p>
-            <a:pPr algn="ctr"/>
-            <a:r>
-              <a:rPr lang="en-GB" sz="3600" dirty="0">
-                <a:solidFill>
-                  <a:schemeClr val="bg1"/>
-                </a:solidFill>
-              </a:rPr>
-              <a:t>+</a:t>
-            </a:r>
-          </a:p>
-        </p:txBody>
-      </p:sp>
-      <p:cxnSp>
-        <p:nvCxnSpPr>
-          <p:cNvPr id="23" name="Straight Arrow Connector 22">
-            <a:extLst>
-              <a:ext uri="{FF2B5EF4-FFF2-40B4-BE49-F238E27FC236}">
-                <a16:creationId xmlns:a16="http://schemas.microsoft.com/office/drawing/2014/main" id="{B746F112-D4FA-4865-8162-E3577F490B74}"/>
-              </a:ext>
-            </a:extLst>
-          </p:cNvPr>
-          <p:cNvCxnSpPr>
-            <a:cxnSpLocks/>
-            <a:stCxn id="22" idx="6"/>
-            <a:endCxn id="16" idx="1"/>
-          </p:cNvCxnSpPr>
-          <p:nvPr/>
-        </p:nvCxnSpPr>
-        <p:spPr>
-          <a:xfrm>
-            <a:off x="6056770" y="5188454"/>
-            <a:ext cx="2174089" cy="0"/>
-          </a:xfrm>
-          <a:prstGeom prst="straightConnector1">
-            <a:avLst/>
-          </a:prstGeom>
-          <a:ln w="31750">
-            <a:solidFill>
-              <a:schemeClr val="tx1"/>
-            </a:solidFill>
-            <a:tailEnd type="arrow" w="lg" len="lg"/>
-          </a:ln>
-        </p:spPr>
-        <p:style>
-          <a:lnRef idx="1">
-            <a:schemeClr val="accent1"/>
-          </a:lnRef>
-          <a:fillRef idx="0">
-            <a:schemeClr val="accent1"/>
-          </a:fillRef>
-          <a:effectRef idx="0">
-            <a:schemeClr val="accent1"/>
-          </a:effectRef>
-          <a:fontRef idx="minor">
-            <a:schemeClr val="tx1"/>
-          </a:fontRef>
-        </p:style>
-      </p:cxnSp>
-      <p:sp>
-        <p:nvSpPr>
-          <p:cNvPr id="27" name="TextBox 26">
-            <a:extLst>
-              <a:ext uri="{FF2B5EF4-FFF2-40B4-BE49-F238E27FC236}">
-                <a16:creationId xmlns:a16="http://schemas.microsoft.com/office/drawing/2014/main" id="{3D888A75-DDCC-49A7-81DE-0C9B8099AB33}"/>
-              </a:ext>
-            </a:extLst>
-          </p:cNvPr>
-          <p:cNvSpPr txBox="1"/>
-          <p:nvPr/>
-        </p:nvSpPr>
-        <p:spPr>
-          <a:xfrm>
-            <a:off x="6096000" y="1670513"/>
-            <a:ext cx="5790636" cy="1401409"/>
-          </a:xfrm>
-          <a:prstGeom prst="rect">
-            <a:avLst/>
-          </a:prstGeom>
-          <a:noFill/>
-          <a:ln w="15875">
-            <a:solidFill>
-              <a:srgbClr val="0070C0"/>
-            </a:solidFill>
-          </a:ln>
-        </p:spPr>
-        <p:txBody>
-          <a:bodyPr wrap="square">
-            <a:spAutoFit/>
-          </a:bodyPr>
-          <a:lstStyle/>
-          <a:p>
-            <a:pPr marL="0" marR="0" lvl="0" indent="0" algn="l" defTabSz="914400" rtl="0" eaLnBrk="1" fontAlgn="auto" latinLnBrk="0" hangingPunct="1">
-              <a:lnSpc>
-                <a:spcPct val="90000"/>
-              </a:lnSpc>
-              <a:spcBef>
-                <a:spcPts val="1000"/>
-              </a:spcBef>
-              <a:spcAft>
-                <a:spcPts val="0"/>
-              </a:spcAft>
-              <a:buClrTx/>
-              <a:buSzTx/>
-              <a:buFont typeface="Arial" panose="020B0604020202020204" pitchFamily="34" charset="0"/>
-              <a:buNone/>
-              <a:tabLst/>
-              <a:defRPr/>
-            </a:pPr>
-            <a:r>
-              <a:rPr kumimoji="0" lang="en-GB" sz="2800" b="0" u="none" strike="noStrike" kern="1200" cap="none" spc="0" normalizeH="0" baseline="0" noProof="0" dirty="0">
-                <a:ln>
-                  <a:noFill/>
-                </a:ln>
-                <a:solidFill>
-                  <a:prstClr val="black"/>
-                </a:solidFill>
-                <a:effectLst/>
-                <a:uLnTx/>
-                <a:uFillTx/>
-                <a:latin typeface="Calibri" panose="020F0502020204030204"/>
-                <a:ea typeface="+mn-ea"/>
-                <a:cs typeface="+mn-cs"/>
-              </a:rPr>
-              <a:t>Variations</a:t>
-            </a:r>
-          </a:p>
-          <a:p>
-            <a:pPr marL="228600" marR="0" lvl="0" indent="-228600" algn="l" defTabSz="914400" rtl="0" eaLnBrk="1" fontAlgn="auto" latinLnBrk="0" hangingPunct="1">
-              <a:lnSpc>
-                <a:spcPct val="90000"/>
-              </a:lnSpc>
-              <a:spcBef>
-                <a:spcPts val="1000"/>
-              </a:spcBef>
-              <a:spcAft>
-                <a:spcPts val="0"/>
-              </a:spcAft>
-              <a:buClrTx/>
-              <a:buSzTx/>
-              <a:buFont typeface="Arial" panose="020B0604020202020204" pitchFamily="34" charset="0"/>
-              <a:buChar char="•"/>
-              <a:tabLst/>
-              <a:defRPr/>
-            </a:pPr>
-            <a:r>
-              <a:rPr kumimoji="0" lang="en-GB" sz="2400" b="0" u="none" strike="noStrike" kern="1200" cap="none" spc="0" normalizeH="0" baseline="0" noProof="0" dirty="0">
-                <a:ln>
-                  <a:noFill/>
-                </a:ln>
-                <a:solidFill>
-                  <a:prstClr val="black"/>
-                </a:solidFill>
-                <a:effectLst/>
-                <a:uLnTx/>
-                <a:uFillTx/>
-                <a:latin typeface="Calibri" panose="020F0502020204030204"/>
-                <a:ea typeface="+mn-ea"/>
-                <a:cs typeface="+mn-cs"/>
-              </a:rPr>
-              <a:t>Can replace filter with just feedback gain</a:t>
-            </a:r>
-          </a:p>
-          <a:p>
-            <a:pPr marL="228600" marR="0" lvl="0" indent="-228600" algn="l" defTabSz="914400" rtl="0" eaLnBrk="1" fontAlgn="auto" latinLnBrk="0" hangingPunct="1">
-              <a:lnSpc>
-                <a:spcPct val="90000"/>
-              </a:lnSpc>
-              <a:spcBef>
-                <a:spcPts val="1000"/>
-              </a:spcBef>
-              <a:spcAft>
-                <a:spcPts val="0"/>
-              </a:spcAft>
-              <a:buClrTx/>
-              <a:buSzTx/>
-              <a:buFont typeface="Arial" panose="020B0604020202020204" pitchFamily="34" charset="0"/>
-              <a:buChar char="•"/>
-              <a:tabLst/>
-              <a:defRPr/>
-            </a:pPr>
-            <a:r>
-              <a:rPr kumimoji="0" lang="en-GB" sz="2400" b="0" u="none" strike="noStrike" kern="1200" cap="none" spc="0" normalizeH="0" baseline="0" noProof="0" dirty="0">
-                <a:ln>
-                  <a:noFill/>
-                </a:ln>
-                <a:solidFill>
-                  <a:prstClr val="black"/>
-                </a:solidFill>
-                <a:effectLst/>
-                <a:uLnTx/>
-                <a:uFillTx/>
-                <a:latin typeface="Calibri" panose="020F0502020204030204"/>
-                <a:ea typeface="+mn-ea"/>
-                <a:cs typeface="+mn-cs"/>
-              </a:rPr>
-              <a:t>Can have excitation decay over short time</a:t>
-            </a:r>
-          </a:p>
-        </p:txBody>
-      </p:sp>
-    </p:spTree>
-    <p:extLst>
-      <p:ext uri="{BB962C8B-B14F-4D97-AF65-F5344CB8AC3E}">
-        <p14:creationId xmlns:p14="http://schemas.microsoft.com/office/powerpoint/2010/main" val="722391171"/>
-      </p:ext>
-    </p:extLst>
-  </p:cSld>
-  <p:clrMapOvr>
-    <a:masterClrMapping/>
-  </p:clrMapOvr>
-</p:sld>
-</file>
-
-<file path=ppt/slides/slide20.xml><?xml version="1.0" encoding="utf-8"?>
+<file path=ppt/slides/slide21.xml><?xml version="1.0" encoding="utf-8"?>
 <p:sld xmlns:a="http://schemas.openxmlformats.org/drawingml/2006/main" xmlns:r="http://schemas.openxmlformats.org/officeDocument/2006/relationships" xmlns:p="http://schemas.openxmlformats.org/presentationml/2006/main">
   <p:cSld>
     <p:spTree>
@@ -23082,7 +24873,7 @@
 </p:sld>
 </file>
 
-<file path=ppt/slides/slide21.xml><?xml version="1.0" encoding="utf-8"?>
+<file path=ppt/slides/slide22.xml><?xml version="1.0" encoding="utf-8"?>
 <p:sld xmlns:a="http://schemas.openxmlformats.org/drawingml/2006/main" xmlns:r="http://schemas.openxmlformats.org/officeDocument/2006/relationships" xmlns:p="http://schemas.openxmlformats.org/presentationml/2006/main">
   <p:cSld>
     <p:spTree>
@@ -31839,6 +33630,1000 @@
           <p:cNvPr id="2" name="Title 1">
             <a:extLst>
               <a:ext uri="{FF2B5EF4-FFF2-40B4-BE49-F238E27FC236}">
+                <a16:creationId xmlns:a16="http://schemas.microsoft.com/office/drawing/2014/main" id="{62B421FB-6975-498F-88EE-3B047E430174}"/>
+              </a:ext>
+            </a:extLst>
+          </p:cNvPr>
+          <p:cNvSpPr>
+            <a:spLocks noGrp="1"/>
+          </p:cNvSpPr>
+          <p:nvPr>
+            <p:ph type="title"/>
+          </p:nvPr>
+        </p:nvSpPr>
+        <p:spPr>
+          <a:xfrm>
+            <a:off x="766483" y="185830"/>
+            <a:ext cx="10515600" cy="961651"/>
+          </a:xfrm>
+        </p:spPr>
+        <p:txBody>
+          <a:bodyPr/>
+          <a:lstStyle/>
+          <a:p>
+            <a:r>
+              <a:rPr lang="en-GB" dirty="0"/>
+              <a:t>Simple implementation</a:t>
+            </a:r>
+          </a:p>
+        </p:txBody>
+      </p:sp>
+      <p:sp>
+        <p:nvSpPr>
+          <p:cNvPr id="3" name="Content Placeholder 2">
+            <a:extLst>
+              <a:ext uri="{FF2B5EF4-FFF2-40B4-BE49-F238E27FC236}">
+                <a16:creationId xmlns:a16="http://schemas.microsoft.com/office/drawing/2014/main" id="{6ACB39FB-A08A-4FBE-8D9F-4B9DD8571CA6}"/>
+              </a:ext>
+            </a:extLst>
+          </p:cNvPr>
+          <p:cNvSpPr>
+            <a:spLocks noGrp="1"/>
+          </p:cNvSpPr>
+          <p:nvPr>
+            <p:ph idx="1"/>
+          </p:nvPr>
+        </p:nvSpPr>
+        <p:spPr>
+          <a:xfrm>
+            <a:off x="290407" y="1147481"/>
+            <a:ext cx="5682222" cy="3569659"/>
+          </a:xfrm>
+          <a:ln w="15875">
+            <a:solidFill>
+              <a:srgbClr val="0070C0"/>
+            </a:solidFill>
+          </a:ln>
+        </p:spPr>
+        <p:txBody>
+          <a:bodyPr>
+            <a:normAutofit lnSpcReduction="10000"/>
+          </a:bodyPr>
+          <a:lstStyle/>
+          <a:p>
+            <a:pPr marL="0" indent="0">
+              <a:buNone/>
+            </a:pPr>
+            <a:r>
+              <a:rPr lang="en-GB" dirty="0"/>
+              <a:t>Tuning the string</a:t>
+            </a:r>
+          </a:p>
+          <a:p>
+            <a:r>
+              <a:rPr lang="en-GB" sz="2400" i="1" dirty="0"/>
+              <a:t>L</a:t>
+            </a:r>
+            <a:r>
+              <a:rPr lang="en-GB" sz="2400" dirty="0"/>
+              <a:t> is the number of samples of delay</a:t>
+            </a:r>
+          </a:p>
+          <a:p>
+            <a:r>
+              <a:rPr lang="en-GB" sz="2400" dirty="0"/>
+              <a:t>So delay time </a:t>
+            </a:r>
+            <a:r>
+              <a:rPr lang="en-GB" sz="2400" i="1" dirty="0"/>
+              <a:t>D</a:t>
+            </a:r>
+            <a:r>
+              <a:rPr lang="en-GB" sz="2400" dirty="0"/>
+              <a:t>=</a:t>
+            </a:r>
+            <a:r>
+              <a:rPr lang="en-GB" sz="2400" i="1" dirty="0"/>
+              <a:t>L</a:t>
+            </a:r>
+            <a:r>
+              <a:rPr lang="en-GB" sz="2400" dirty="0"/>
+              <a:t>/</a:t>
+            </a:r>
+            <a:r>
+              <a:rPr lang="en-GB" sz="2400" i="1" dirty="0"/>
+              <a:t>f</a:t>
+            </a:r>
+            <a:r>
+              <a:rPr lang="en-GB" sz="2400" i="1" baseline="-25000" dirty="0"/>
+              <a:t>s</a:t>
+            </a:r>
+          </a:p>
+          <a:p>
+            <a:pPr lvl="1"/>
+            <a:r>
+              <a:rPr lang="en-GB" sz="2000" i="1" dirty="0"/>
+              <a:t>D</a:t>
+            </a:r>
+            <a:r>
+              <a:rPr lang="en-GB" sz="2000" dirty="0"/>
+              <a:t> is the period, i.e. time before it repeats</a:t>
+            </a:r>
+            <a:endParaRPr lang="en-GB" sz="2000" i="1" baseline="-25000" dirty="0"/>
+          </a:p>
+          <a:p>
+            <a:r>
+              <a:rPr lang="en-GB" sz="2400" dirty="0"/>
+              <a:t>Fundamental frequency should be 1/</a:t>
+            </a:r>
+            <a:r>
+              <a:rPr lang="en-GB" sz="2400" i="1" dirty="0"/>
+              <a:t>D</a:t>
+            </a:r>
+          </a:p>
+          <a:p>
+            <a:r>
+              <a:rPr lang="en-GB" sz="2400" dirty="0"/>
+              <a:t>Want </a:t>
+            </a:r>
+            <a:r>
+              <a:rPr lang="en-GB" sz="2400" i="1" dirty="0"/>
+              <a:t>D</a:t>
+            </a:r>
+            <a:r>
+              <a:rPr lang="en-GB" sz="2400" dirty="0"/>
+              <a:t> very small</a:t>
+            </a:r>
+          </a:p>
+          <a:p>
+            <a:pPr lvl="1"/>
+            <a:r>
+              <a:rPr lang="en-GB" sz="2000" dirty="0"/>
+              <a:t>10 </a:t>
+            </a:r>
+            <a:r>
+              <a:rPr lang="en-GB" sz="2000" dirty="0" err="1"/>
+              <a:t>ms</a:t>
+            </a:r>
+            <a:r>
+              <a:rPr lang="en-GB" sz="2000" dirty="0"/>
+              <a:t> </a:t>
+            </a:r>
+            <a:r>
+              <a:rPr lang="en-GB" sz="2000" dirty="0">
+                <a:sym typeface="Wingdings" panose="05000000000000000000" pitchFamily="2" charset="2"/>
+              </a:rPr>
+              <a:t> 100 Hz</a:t>
+            </a:r>
+          </a:p>
+          <a:p>
+            <a:pPr lvl="1"/>
+            <a:r>
+              <a:rPr lang="en-GB" sz="2000" dirty="0"/>
+              <a:t>5 </a:t>
+            </a:r>
+            <a:r>
+              <a:rPr lang="en-GB" sz="2000" dirty="0" err="1"/>
+              <a:t>ms</a:t>
+            </a:r>
+            <a:r>
+              <a:rPr lang="en-GB" sz="2000" dirty="0"/>
+              <a:t> </a:t>
+            </a:r>
+            <a:r>
+              <a:rPr lang="en-GB" sz="2000" dirty="0">
+                <a:sym typeface="Wingdings" panose="05000000000000000000" pitchFamily="2" charset="2"/>
+              </a:rPr>
+              <a:t> 200 Hz</a:t>
+            </a:r>
+          </a:p>
+          <a:p>
+            <a:pPr lvl="1"/>
+            <a:r>
+              <a:rPr lang="en-GB" sz="2000" dirty="0">
+                <a:sym typeface="Wingdings" panose="05000000000000000000" pitchFamily="2" charset="2"/>
+              </a:rPr>
+              <a:t>2 </a:t>
+            </a:r>
+            <a:r>
+              <a:rPr lang="en-GB" sz="2000" dirty="0" err="1">
+                <a:sym typeface="Wingdings" panose="05000000000000000000" pitchFamily="2" charset="2"/>
+              </a:rPr>
+              <a:t>ms</a:t>
+            </a:r>
+            <a:r>
+              <a:rPr lang="en-GB" sz="2000" dirty="0">
+                <a:sym typeface="Wingdings" panose="05000000000000000000" pitchFamily="2" charset="2"/>
+              </a:rPr>
+              <a:t>  500 Hz</a:t>
+            </a:r>
+            <a:endParaRPr lang="en-GB" sz="2000" dirty="0"/>
+          </a:p>
+        </p:txBody>
+      </p:sp>
+      <p:sp>
+        <p:nvSpPr>
+          <p:cNvPr id="12" name="Rectangle 11">
+            <a:extLst>
+              <a:ext uri="{FF2B5EF4-FFF2-40B4-BE49-F238E27FC236}">
+                <a16:creationId xmlns:a16="http://schemas.microsoft.com/office/drawing/2014/main" id="{78E139A7-C469-4838-AF89-801E4BA5A76F}"/>
+              </a:ext>
+            </a:extLst>
+          </p:cNvPr>
+          <p:cNvSpPr/>
+          <p:nvPr/>
+        </p:nvSpPr>
+        <p:spPr>
+          <a:xfrm>
+            <a:off x="1675812" y="4864454"/>
+            <a:ext cx="1296000" cy="648000"/>
+          </a:xfrm>
+          <a:prstGeom prst="rect">
+            <a:avLst/>
+          </a:prstGeom>
+          <a:solidFill>
+            <a:srgbClr val="7030A0"/>
+          </a:solidFill>
+        </p:spPr>
+        <p:style>
+          <a:lnRef idx="2">
+            <a:schemeClr val="accent1">
+              <a:shade val="50000"/>
+            </a:schemeClr>
+          </a:lnRef>
+          <a:fillRef idx="1">
+            <a:schemeClr val="accent1"/>
+          </a:fillRef>
+          <a:effectRef idx="0">
+            <a:schemeClr val="accent1"/>
+          </a:effectRef>
+          <a:fontRef idx="minor">
+            <a:schemeClr val="lt1"/>
+          </a:fontRef>
+        </p:style>
+        <p:txBody>
+          <a:bodyPr rtlCol="0" anchor="ctr"/>
+          <a:lstStyle/>
+          <a:p>
+            <a:pPr algn="ctr"/>
+            <a:r>
+              <a:rPr lang="en-GB" dirty="0"/>
+              <a:t>Noise</a:t>
+            </a:r>
+          </a:p>
+        </p:txBody>
+      </p:sp>
+      <p:sp>
+        <p:nvSpPr>
+          <p:cNvPr id="13" name="Rectangle 12">
+            <a:extLst>
+              <a:ext uri="{FF2B5EF4-FFF2-40B4-BE49-F238E27FC236}">
+                <a16:creationId xmlns:a16="http://schemas.microsoft.com/office/drawing/2014/main" id="{C90F0CAB-AFAF-40A4-9026-905018D5A4EC}"/>
+              </a:ext>
+            </a:extLst>
+          </p:cNvPr>
+          <p:cNvSpPr/>
+          <p:nvPr/>
+        </p:nvSpPr>
+        <p:spPr>
+          <a:xfrm>
+            <a:off x="3476614" y="4864454"/>
+            <a:ext cx="1296000" cy="648000"/>
+          </a:xfrm>
+          <a:prstGeom prst="rect">
+            <a:avLst/>
+          </a:prstGeom>
+          <a:solidFill>
+            <a:srgbClr val="7030A0"/>
+          </a:solidFill>
+        </p:spPr>
+        <p:style>
+          <a:lnRef idx="2">
+            <a:schemeClr val="accent1">
+              <a:shade val="50000"/>
+            </a:schemeClr>
+          </a:lnRef>
+          <a:fillRef idx="1">
+            <a:schemeClr val="accent1"/>
+          </a:fillRef>
+          <a:effectRef idx="0">
+            <a:schemeClr val="accent1"/>
+          </a:effectRef>
+          <a:fontRef idx="minor">
+            <a:schemeClr val="lt1"/>
+          </a:fontRef>
+        </p:style>
+        <p:txBody>
+          <a:bodyPr rtlCol="0" anchor="ctr"/>
+          <a:lstStyle/>
+          <a:p>
+            <a:pPr algn="ctr"/>
+            <a:r>
+              <a:rPr lang="en-GB" dirty="0"/>
+              <a:t>Noise</a:t>
+            </a:r>
+          </a:p>
+          <a:p>
+            <a:pPr algn="ctr"/>
+            <a:r>
+              <a:rPr lang="en-GB" dirty="0"/>
+              <a:t>Gain</a:t>
+            </a:r>
+          </a:p>
+        </p:txBody>
+      </p:sp>
+      <p:sp>
+        <p:nvSpPr>
+          <p:cNvPr id="14" name="Rectangle 13">
+            <a:extLst>
+              <a:ext uri="{FF2B5EF4-FFF2-40B4-BE49-F238E27FC236}">
+                <a16:creationId xmlns:a16="http://schemas.microsoft.com/office/drawing/2014/main" id="{A8579E85-9729-4BCD-982C-FC29AD94388A}"/>
+              </a:ext>
+            </a:extLst>
+          </p:cNvPr>
+          <p:cNvSpPr/>
+          <p:nvPr/>
+        </p:nvSpPr>
+        <p:spPr>
+          <a:xfrm>
+            <a:off x="6940180" y="6024170"/>
+            <a:ext cx="1080000" cy="648000"/>
+          </a:xfrm>
+          <a:prstGeom prst="rect">
+            <a:avLst/>
+          </a:prstGeom>
+          <a:solidFill>
+            <a:srgbClr val="7030A0"/>
+          </a:solidFill>
+        </p:spPr>
+        <p:style>
+          <a:lnRef idx="2">
+            <a:schemeClr val="accent1">
+              <a:shade val="50000"/>
+            </a:schemeClr>
+          </a:lnRef>
+          <a:fillRef idx="1">
+            <a:schemeClr val="accent1"/>
+          </a:fillRef>
+          <a:effectRef idx="0">
+            <a:schemeClr val="accent1"/>
+          </a:effectRef>
+          <a:fontRef idx="minor">
+            <a:schemeClr val="lt1"/>
+          </a:fontRef>
+        </p:style>
+        <p:txBody>
+          <a:bodyPr rtlCol="0" anchor="ctr"/>
+          <a:lstStyle/>
+          <a:p>
+            <a:pPr algn="ctr"/>
+            <a:r>
+              <a:rPr lang="en-GB" dirty="0"/>
+              <a:t>Delay</a:t>
+            </a:r>
+          </a:p>
+        </p:txBody>
+      </p:sp>
+      <p:sp>
+        <p:nvSpPr>
+          <p:cNvPr id="15" name="Rectangle 14">
+            <a:extLst>
+              <a:ext uri="{FF2B5EF4-FFF2-40B4-BE49-F238E27FC236}">
+                <a16:creationId xmlns:a16="http://schemas.microsoft.com/office/drawing/2014/main" id="{80A6AA07-32AC-4A66-B6A8-1D9BB5F9A244}"/>
+              </a:ext>
+            </a:extLst>
+          </p:cNvPr>
+          <p:cNvSpPr/>
+          <p:nvPr/>
+        </p:nvSpPr>
+        <p:spPr>
+          <a:xfrm>
+            <a:off x="5255622" y="6024170"/>
+            <a:ext cx="1080000" cy="648000"/>
+          </a:xfrm>
+          <a:prstGeom prst="rect">
+            <a:avLst/>
+          </a:prstGeom>
+          <a:solidFill>
+            <a:srgbClr val="7030A0"/>
+          </a:solidFill>
+        </p:spPr>
+        <p:style>
+          <a:lnRef idx="2">
+            <a:schemeClr val="accent1">
+              <a:shade val="50000"/>
+            </a:schemeClr>
+          </a:lnRef>
+          <a:fillRef idx="1">
+            <a:schemeClr val="accent1"/>
+          </a:fillRef>
+          <a:effectRef idx="0">
+            <a:schemeClr val="accent1"/>
+          </a:effectRef>
+          <a:fontRef idx="minor">
+            <a:schemeClr val="lt1"/>
+          </a:fontRef>
+        </p:style>
+        <p:txBody>
+          <a:bodyPr rtlCol="0" anchor="ctr"/>
+          <a:lstStyle/>
+          <a:p>
+            <a:pPr algn="ctr"/>
+            <a:r>
+              <a:rPr lang="en-GB" dirty="0"/>
+              <a:t>Feedback</a:t>
+            </a:r>
+          </a:p>
+          <a:p>
+            <a:pPr algn="ctr"/>
+            <a:r>
+              <a:rPr lang="en-GB" dirty="0"/>
+              <a:t>Gain</a:t>
+            </a:r>
+          </a:p>
+        </p:txBody>
+      </p:sp>
+      <p:sp>
+        <p:nvSpPr>
+          <p:cNvPr id="16" name="Rectangle 15">
+            <a:extLst>
+              <a:ext uri="{FF2B5EF4-FFF2-40B4-BE49-F238E27FC236}">
+                <a16:creationId xmlns:a16="http://schemas.microsoft.com/office/drawing/2014/main" id="{E381F841-C57F-4CD3-8675-9313A2D8C05B}"/>
+              </a:ext>
+            </a:extLst>
+          </p:cNvPr>
+          <p:cNvSpPr/>
+          <p:nvPr/>
+        </p:nvSpPr>
+        <p:spPr>
+          <a:xfrm>
+            <a:off x="8230859" y="4864454"/>
+            <a:ext cx="1296000" cy="648000"/>
+          </a:xfrm>
+          <a:prstGeom prst="rect">
+            <a:avLst/>
+          </a:prstGeom>
+          <a:solidFill>
+            <a:srgbClr val="7030A0"/>
+          </a:solidFill>
+        </p:spPr>
+        <p:style>
+          <a:lnRef idx="2">
+            <a:schemeClr val="accent1">
+              <a:shade val="50000"/>
+            </a:schemeClr>
+          </a:lnRef>
+          <a:fillRef idx="1">
+            <a:schemeClr val="accent1"/>
+          </a:fillRef>
+          <a:effectRef idx="0">
+            <a:schemeClr val="accent1"/>
+          </a:effectRef>
+          <a:fontRef idx="minor">
+            <a:schemeClr val="lt1"/>
+          </a:fontRef>
+        </p:style>
+        <p:txBody>
+          <a:bodyPr rtlCol="0" anchor="ctr"/>
+          <a:lstStyle/>
+          <a:p>
+            <a:pPr algn="ctr"/>
+            <a:r>
+              <a:rPr lang="en-GB" dirty="0"/>
+              <a:t>destination</a:t>
+            </a:r>
+          </a:p>
+        </p:txBody>
+      </p:sp>
+      <p:cxnSp>
+        <p:nvCxnSpPr>
+          <p:cNvPr id="17" name="Straight Arrow Connector 16">
+            <a:extLst>
+              <a:ext uri="{FF2B5EF4-FFF2-40B4-BE49-F238E27FC236}">
+                <a16:creationId xmlns:a16="http://schemas.microsoft.com/office/drawing/2014/main" id="{A4BF9F0D-BABE-432C-A432-91D5C9B6DEF0}"/>
+              </a:ext>
+            </a:extLst>
+          </p:cNvPr>
+          <p:cNvCxnSpPr>
+            <a:cxnSpLocks/>
+            <a:stCxn id="12" idx="3"/>
+            <a:endCxn id="13" idx="1"/>
+          </p:cNvCxnSpPr>
+          <p:nvPr/>
+        </p:nvCxnSpPr>
+        <p:spPr>
+          <a:xfrm>
+            <a:off x="2971812" y="5188454"/>
+            <a:ext cx="504802" cy="0"/>
+          </a:xfrm>
+          <a:prstGeom prst="straightConnector1">
+            <a:avLst/>
+          </a:prstGeom>
+          <a:ln w="31750">
+            <a:solidFill>
+              <a:schemeClr val="tx1"/>
+            </a:solidFill>
+            <a:tailEnd type="arrow" w="lg" len="lg"/>
+          </a:ln>
+        </p:spPr>
+        <p:style>
+          <a:lnRef idx="1">
+            <a:schemeClr val="accent1"/>
+          </a:lnRef>
+          <a:fillRef idx="0">
+            <a:schemeClr val="accent1"/>
+          </a:fillRef>
+          <a:effectRef idx="0">
+            <a:schemeClr val="accent1"/>
+          </a:effectRef>
+          <a:fontRef idx="minor">
+            <a:schemeClr val="tx1"/>
+          </a:fontRef>
+        </p:style>
+      </p:cxnSp>
+      <p:cxnSp>
+        <p:nvCxnSpPr>
+          <p:cNvPr id="18" name="Straight Arrow Connector 17">
+            <a:extLst>
+              <a:ext uri="{FF2B5EF4-FFF2-40B4-BE49-F238E27FC236}">
+                <a16:creationId xmlns:a16="http://schemas.microsoft.com/office/drawing/2014/main" id="{89400826-2090-494B-A685-E6E741375322}"/>
+              </a:ext>
+            </a:extLst>
+          </p:cNvPr>
+          <p:cNvCxnSpPr>
+            <a:cxnSpLocks/>
+            <a:stCxn id="13" idx="3"/>
+            <a:endCxn id="22" idx="2"/>
+          </p:cNvCxnSpPr>
+          <p:nvPr/>
+        </p:nvCxnSpPr>
+        <p:spPr>
+          <a:xfrm>
+            <a:off x="4772614" y="5188454"/>
+            <a:ext cx="744156" cy="0"/>
+          </a:xfrm>
+          <a:prstGeom prst="straightConnector1">
+            <a:avLst/>
+          </a:prstGeom>
+          <a:ln w="31750">
+            <a:solidFill>
+              <a:schemeClr val="tx1"/>
+            </a:solidFill>
+            <a:tailEnd type="arrow" w="lg" len="lg"/>
+          </a:ln>
+        </p:spPr>
+        <p:style>
+          <a:lnRef idx="1">
+            <a:schemeClr val="accent1"/>
+          </a:lnRef>
+          <a:fillRef idx="0">
+            <a:schemeClr val="accent1"/>
+          </a:fillRef>
+          <a:effectRef idx="0">
+            <a:schemeClr val="accent1"/>
+          </a:effectRef>
+          <a:fontRef idx="minor">
+            <a:schemeClr val="tx1"/>
+          </a:fontRef>
+        </p:style>
+      </p:cxnSp>
+      <p:cxnSp>
+        <p:nvCxnSpPr>
+          <p:cNvPr id="19" name="Straight Arrow Connector 18">
+            <a:extLst>
+              <a:ext uri="{FF2B5EF4-FFF2-40B4-BE49-F238E27FC236}">
+                <a16:creationId xmlns:a16="http://schemas.microsoft.com/office/drawing/2014/main" id="{2F2C75BB-5EEF-4B50-AFA9-D59D65037D7A}"/>
+              </a:ext>
+            </a:extLst>
+          </p:cNvPr>
+          <p:cNvCxnSpPr>
+            <a:cxnSpLocks/>
+            <a:stCxn id="14" idx="1"/>
+            <a:endCxn id="15" idx="3"/>
+          </p:cNvCxnSpPr>
+          <p:nvPr/>
+        </p:nvCxnSpPr>
+        <p:spPr>
+          <a:xfrm flipH="1">
+            <a:off x="6335622" y="6348170"/>
+            <a:ext cx="604558" cy="0"/>
+          </a:xfrm>
+          <a:prstGeom prst="straightConnector1">
+            <a:avLst/>
+          </a:prstGeom>
+          <a:ln w="31750">
+            <a:solidFill>
+              <a:schemeClr val="tx1"/>
+            </a:solidFill>
+            <a:tailEnd type="arrow" w="lg" len="lg"/>
+          </a:ln>
+        </p:spPr>
+        <p:style>
+          <a:lnRef idx="1">
+            <a:schemeClr val="accent1"/>
+          </a:lnRef>
+          <a:fillRef idx="0">
+            <a:schemeClr val="accent1"/>
+          </a:fillRef>
+          <a:effectRef idx="0">
+            <a:schemeClr val="accent1"/>
+          </a:effectRef>
+          <a:fontRef idx="minor">
+            <a:schemeClr val="tx1"/>
+          </a:fontRef>
+        </p:style>
+      </p:cxnSp>
+      <p:cxnSp>
+        <p:nvCxnSpPr>
+          <p:cNvPr id="20" name="Straight Arrow Connector 19">
+            <a:extLst>
+              <a:ext uri="{FF2B5EF4-FFF2-40B4-BE49-F238E27FC236}">
+                <a16:creationId xmlns:a16="http://schemas.microsoft.com/office/drawing/2014/main" id="{CE4CFA84-23D6-4C02-B0C3-843A2D1A639A}"/>
+              </a:ext>
+            </a:extLst>
+          </p:cNvPr>
+          <p:cNvCxnSpPr>
+            <a:cxnSpLocks/>
+            <a:endCxn id="14" idx="0"/>
+          </p:cNvCxnSpPr>
+          <p:nvPr/>
+        </p:nvCxnSpPr>
+        <p:spPr>
+          <a:xfrm>
+            <a:off x="7480180" y="5188454"/>
+            <a:ext cx="0" cy="835716"/>
+          </a:xfrm>
+          <a:prstGeom prst="straightConnector1">
+            <a:avLst/>
+          </a:prstGeom>
+          <a:ln w="31750">
+            <a:solidFill>
+              <a:schemeClr val="tx1"/>
+            </a:solidFill>
+            <a:tailEnd type="arrow" w="lg" len="lg"/>
+          </a:ln>
+        </p:spPr>
+        <p:style>
+          <a:lnRef idx="1">
+            <a:schemeClr val="accent1"/>
+          </a:lnRef>
+          <a:fillRef idx="0">
+            <a:schemeClr val="accent1"/>
+          </a:fillRef>
+          <a:effectRef idx="0">
+            <a:schemeClr val="accent1"/>
+          </a:effectRef>
+          <a:fontRef idx="minor">
+            <a:schemeClr val="tx1"/>
+          </a:fontRef>
+        </p:style>
+      </p:cxnSp>
+      <p:cxnSp>
+        <p:nvCxnSpPr>
+          <p:cNvPr id="21" name="Straight Arrow Connector 20">
+            <a:extLst>
+              <a:ext uri="{FF2B5EF4-FFF2-40B4-BE49-F238E27FC236}">
+                <a16:creationId xmlns:a16="http://schemas.microsoft.com/office/drawing/2014/main" id="{8E128EE5-0F38-4CF2-A1F0-4D04D690BF0F}"/>
+              </a:ext>
+            </a:extLst>
+          </p:cNvPr>
+          <p:cNvCxnSpPr>
+            <a:cxnSpLocks/>
+            <a:stCxn id="15" idx="0"/>
+            <a:endCxn id="22" idx="4"/>
+          </p:cNvCxnSpPr>
+          <p:nvPr/>
+        </p:nvCxnSpPr>
+        <p:spPr>
+          <a:xfrm flipH="1" flipV="1">
+            <a:off x="5786770" y="5458454"/>
+            <a:ext cx="8852" cy="565716"/>
+          </a:xfrm>
+          <a:prstGeom prst="straightConnector1">
+            <a:avLst/>
+          </a:prstGeom>
+          <a:ln w="31750">
+            <a:solidFill>
+              <a:schemeClr val="tx1"/>
+            </a:solidFill>
+            <a:tailEnd type="arrow" w="lg" len="lg"/>
+          </a:ln>
+        </p:spPr>
+        <p:style>
+          <a:lnRef idx="1">
+            <a:schemeClr val="accent1"/>
+          </a:lnRef>
+          <a:fillRef idx="0">
+            <a:schemeClr val="accent1"/>
+          </a:fillRef>
+          <a:effectRef idx="0">
+            <a:schemeClr val="accent1"/>
+          </a:effectRef>
+          <a:fontRef idx="minor">
+            <a:schemeClr val="tx1"/>
+          </a:fontRef>
+        </p:style>
+      </p:cxnSp>
+      <p:sp>
+        <p:nvSpPr>
+          <p:cNvPr id="22" name="Oval 21">
+            <a:extLst>
+              <a:ext uri="{FF2B5EF4-FFF2-40B4-BE49-F238E27FC236}">
+                <a16:creationId xmlns:a16="http://schemas.microsoft.com/office/drawing/2014/main" id="{953B126C-0415-450A-881E-31BC2DC18952}"/>
+              </a:ext>
+            </a:extLst>
+          </p:cNvPr>
+          <p:cNvSpPr/>
+          <p:nvPr/>
+        </p:nvSpPr>
+        <p:spPr>
+          <a:xfrm>
+            <a:off x="5516770" y="4918454"/>
+            <a:ext cx="540000" cy="540000"/>
+          </a:xfrm>
+          <a:prstGeom prst="ellipse">
+            <a:avLst/>
+          </a:prstGeom>
+          <a:solidFill>
+            <a:srgbClr val="7030A0"/>
+          </a:solidFill>
+          <a:ln w="31750"/>
+        </p:spPr>
+        <p:style>
+          <a:lnRef idx="2">
+            <a:schemeClr val="accent1">
+              <a:shade val="50000"/>
+            </a:schemeClr>
+          </a:lnRef>
+          <a:fillRef idx="1">
+            <a:schemeClr val="accent1"/>
+          </a:fillRef>
+          <a:effectRef idx="0">
+            <a:schemeClr val="accent1"/>
+          </a:effectRef>
+          <a:fontRef idx="minor">
+            <a:schemeClr val="lt1"/>
+          </a:fontRef>
+        </p:style>
+        <p:txBody>
+          <a:bodyPr rtlCol="0" anchor="ctr"/>
+          <a:lstStyle/>
+          <a:p>
+            <a:pPr algn="ctr"/>
+            <a:r>
+              <a:rPr lang="en-GB" sz="3600" dirty="0">
+                <a:solidFill>
+                  <a:schemeClr val="bg1"/>
+                </a:solidFill>
+              </a:rPr>
+              <a:t>+</a:t>
+            </a:r>
+          </a:p>
+        </p:txBody>
+      </p:sp>
+      <p:cxnSp>
+        <p:nvCxnSpPr>
+          <p:cNvPr id="23" name="Straight Arrow Connector 22">
+            <a:extLst>
+              <a:ext uri="{FF2B5EF4-FFF2-40B4-BE49-F238E27FC236}">
+                <a16:creationId xmlns:a16="http://schemas.microsoft.com/office/drawing/2014/main" id="{B746F112-D4FA-4865-8162-E3577F490B74}"/>
+              </a:ext>
+            </a:extLst>
+          </p:cNvPr>
+          <p:cNvCxnSpPr>
+            <a:cxnSpLocks/>
+            <a:stCxn id="22" idx="6"/>
+            <a:endCxn id="16" idx="1"/>
+          </p:cNvCxnSpPr>
+          <p:nvPr/>
+        </p:nvCxnSpPr>
+        <p:spPr>
+          <a:xfrm>
+            <a:off x="6056770" y="5188454"/>
+            <a:ext cx="2174089" cy="0"/>
+          </a:xfrm>
+          <a:prstGeom prst="straightConnector1">
+            <a:avLst/>
+          </a:prstGeom>
+          <a:ln w="31750">
+            <a:solidFill>
+              <a:schemeClr val="tx1"/>
+            </a:solidFill>
+            <a:tailEnd type="arrow" w="lg" len="lg"/>
+          </a:ln>
+        </p:spPr>
+        <p:style>
+          <a:lnRef idx="1">
+            <a:schemeClr val="accent1"/>
+          </a:lnRef>
+          <a:fillRef idx="0">
+            <a:schemeClr val="accent1"/>
+          </a:fillRef>
+          <a:effectRef idx="0">
+            <a:schemeClr val="accent1"/>
+          </a:effectRef>
+          <a:fontRef idx="minor">
+            <a:schemeClr val="tx1"/>
+          </a:fontRef>
+        </p:style>
+      </p:cxnSp>
+      <p:sp>
+        <p:nvSpPr>
+          <p:cNvPr id="27" name="TextBox 26">
+            <a:extLst>
+              <a:ext uri="{FF2B5EF4-FFF2-40B4-BE49-F238E27FC236}">
+                <a16:creationId xmlns:a16="http://schemas.microsoft.com/office/drawing/2014/main" id="{3D888A75-DDCC-49A7-81DE-0C9B8099AB33}"/>
+              </a:ext>
+            </a:extLst>
+          </p:cNvPr>
+          <p:cNvSpPr txBox="1"/>
+          <p:nvPr/>
+        </p:nvSpPr>
+        <p:spPr>
+          <a:xfrm>
+            <a:off x="6096000" y="1670513"/>
+            <a:ext cx="5790636" cy="1401409"/>
+          </a:xfrm>
+          <a:prstGeom prst="rect">
+            <a:avLst/>
+          </a:prstGeom>
+          <a:noFill/>
+          <a:ln w="15875">
+            <a:solidFill>
+              <a:srgbClr val="0070C0"/>
+            </a:solidFill>
+          </a:ln>
+        </p:spPr>
+        <p:txBody>
+          <a:bodyPr wrap="square">
+            <a:spAutoFit/>
+          </a:bodyPr>
+          <a:lstStyle/>
+          <a:p>
+            <a:pPr marL="0" marR="0" lvl="0" indent="0" algn="l" defTabSz="914400" rtl="0" eaLnBrk="1" fontAlgn="auto" latinLnBrk="0" hangingPunct="1">
+              <a:lnSpc>
+                <a:spcPct val="90000"/>
+              </a:lnSpc>
+              <a:spcBef>
+                <a:spcPts val="1000"/>
+              </a:spcBef>
+              <a:spcAft>
+                <a:spcPts val="0"/>
+              </a:spcAft>
+              <a:buClrTx/>
+              <a:buSzTx/>
+              <a:buFont typeface="Arial" panose="020B0604020202020204" pitchFamily="34" charset="0"/>
+              <a:buNone/>
+              <a:tabLst/>
+              <a:defRPr/>
+            </a:pPr>
+            <a:r>
+              <a:rPr kumimoji="0" lang="en-GB" sz="2800" b="0" u="none" strike="noStrike" kern="1200" cap="none" spc="0" normalizeH="0" baseline="0" noProof="0" dirty="0">
+                <a:ln>
+                  <a:noFill/>
+                </a:ln>
+                <a:solidFill>
+                  <a:prstClr val="black"/>
+                </a:solidFill>
+                <a:effectLst/>
+                <a:uLnTx/>
+                <a:uFillTx/>
+                <a:latin typeface="Calibri" panose="020F0502020204030204"/>
+                <a:ea typeface="+mn-ea"/>
+                <a:cs typeface="+mn-cs"/>
+              </a:rPr>
+              <a:t>Variations</a:t>
+            </a:r>
+          </a:p>
+          <a:p>
+            <a:pPr marL="228600" marR="0" lvl="0" indent="-228600" algn="l" defTabSz="914400" rtl="0" eaLnBrk="1" fontAlgn="auto" latinLnBrk="0" hangingPunct="1">
+              <a:lnSpc>
+                <a:spcPct val="90000"/>
+              </a:lnSpc>
+              <a:spcBef>
+                <a:spcPts val="1000"/>
+              </a:spcBef>
+              <a:spcAft>
+                <a:spcPts val="0"/>
+              </a:spcAft>
+              <a:buClrTx/>
+              <a:buSzTx/>
+              <a:buFont typeface="Arial" panose="020B0604020202020204" pitchFamily="34" charset="0"/>
+              <a:buChar char="•"/>
+              <a:tabLst/>
+              <a:defRPr/>
+            </a:pPr>
+            <a:r>
+              <a:rPr kumimoji="0" lang="en-GB" sz="2400" b="0" u="none" strike="noStrike" kern="1200" cap="none" spc="0" normalizeH="0" baseline="0" noProof="0" dirty="0">
+                <a:ln>
+                  <a:noFill/>
+                </a:ln>
+                <a:solidFill>
+                  <a:prstClr val="black"/>
+                </a:solidFill>
+                <a:effectLst/>
+                <a:uLnTx/>
+                <a:uFillTx/>
+                <a:latin typeface="Calibri" panose="020F0502020204030204"/>
+                <a:ea typeface="+mn-ea"/>
+                <a:cs typeface="+mn-cs"/>
+              </a:rPr>
+              <a:t>Can replace filter with just feedback gain</a:t>
+            </a:r>
+          </a:p>
+          <a:p>
+            <a:pPr marL="228600" marR="0" lvl="0" indent="-228600" algn="l" defTabSz="914400" rtl="0" eaLnBrk="1" fontAlgn="auto" latinLnBrk="0" hangingPunct="1">
+              <a:lnSpc>
+                <a:spcPct val="90000"/>
+              </a:lnSpc>
+              <a:spcBef>
+                <a:spcPts val="1000"/>
+              </a:spcBef>
+              <a:spcAft>
+                <a:spcPts val="0"/>
+              </a:spcAft>
+              <a:buClrTx/>
+              <a:buSzTx/>
+              <a:buFont typeface="Arial" panose="020B0604020202020204" pitchFamily="34" charset="0"/>
+              <a:buChar char="•"/>
+              <a:tabLst/>
+              <a:defRPr/>
+            </a:pPr>
+            <a:r>
+              <a:rPr kumimoji="0" lang="en-GB" sz="2400" b="0" u="none" strike="noStrike" kern="1200" cap="none" spc="0" normalizeH="0" baseline="0" noProof="0" dirty="0">
+                <a:ln>
+                  <a:noFill/>
+                </a:ln>
+                <a:solidFill>
+                  <a:prstClr val="black"/>
+                </a:solidFill>
+                <a:effectLst/>
+                <a:uLnTx/>
+                <a:uFillTx/>
+                <a:latin typeface="Calibri" panose="020F0502020204030204"/>
+                <a:ea typeface="+mn-ea"/>
+                <a:cs typeface="+mn-cs"/>
+              </a:rPr>
+              <a:t>Can have excitation decay over short time</a:t>
+            </a:r>
+          </a:p>
+        </p:txBody>
+      </p:sp>
+    </p:spTree>
+    <p:extLst>
+      <p:ext uri="{BB962C8B-B14F-4D97-AF65-F5344CB8AC3E}">
+        <p14:creationId xmlns:p14="http://schemas.microsoft.com/office/powerpoint/2010/main" val="722391171"/>
+      </p:ext>
+    </p:extLst>
+  </p:cSld>
+  <p:clrMapOvr>
+    <a:masterClrMapping/>
+  </p:clrMapOvr>
+</p:sld>
+</file>
+
+<file path=ppt/slides/slide4.xml><?xml version="1.0" encoding="utf-8"?>
+<p:sld xmlns:a="http://schemas.openxmlformats.org/drawingml/2006/main" xmlns:r="http://schemas.openxmlformats.org/officeDocument/2006/relationships" xmlns:p="http://schemas.openxmlformats.org/presentationml/2006/main">
+  <p:cSld>
+    <p:spTree>
+      <p:nvGrpSpPr>
+        <p:cNvPr id="1" name=""/>
+        <p:cNvGrpSpPr/>
+        <p:nvPr/>
+      </p:nvGrpSpPr>
+      <p:grpSpPr>
+        <a:xfrm>
+          <a:off x="0" y="0"/>
+          <a:ext cx="0" cy="0"/>
+          <a:chOff x="0" y="0"/>
+          <a:chExt cx="0" cy="0"/>
+        </a:xfrm>
+      </p:grpSpPr>
+      <p:sp>
+        <p:nvSpPr>
+          <p:cNvPr id="2" name="Title 1">
+            <a:extLst>
+              <a:ext uri="{FF2B5EF4-FFF2-40B4-BE49-F238E27FC236}">
                 <a16:creationId xmlns:a16="http://schemas.microsoft.com/office/drawing/2014/main" id="{C546BC96-57FE-3380-CD45-53EEF63BDD75}"/>
               </a:ext>
             </a:extLst>
@@ -32696,7 +35481,7 @@
 </p:sld>
 </file>
 
-<file path=ppt/slides/slide4.xml><?xml version="1.0" encoding="utf-8"?>
+<file path=ppt/slides/slide5.xml><?xml version="1.0" encoding="utf-8"?>
 <p:sld xmlns:a="http://schemas.openxmlformats.org/drawingml/2006/main" xmlns:r="http://schemas.openxmlformats.org/officeDocument/2006/relationships" xmlns:p="http://schemas.openxmlformats.org/presentationml/2006/main">
   <p:cSld>
     <p:spTree>
@@ -33722,7 +36507,7 @@
 </p:sld>
 </file>
 
-<file path=ppt/slides/slide5.xml><?xml version="1.0" encoding="utf-8"?>
+<file path=ppt/slides/slide6.xml><?xml version="1.0" encoding="utf-8"?>
 <p:sld xmlns:a="http://schemas.openxmlformats.org/drawingml/2006/main" xmlns:r="http://schemas.openxmlformats.org/officeDocument/2006/relationships" xmlns:p="http://schemas.openxmlformats.org/presentationml/2006/main">
   <p:cSld>
     <p:spTree>
@@ -34703,7 +37488,7 @@
 </p:sld>
 </file>
 
-<file path=ppt/slides/slide6.xml><?xml version="1.0" encoding="utf-8"?>
+<file path=ppt/slides/slide7.xml><?xml version="1.0" encoding="utf-8"?>
 <p:sld xmlns:a="http://schemas.openxmlformats.org/drawingml/2006/main" xmlns:r="http://schemas.openxmlformats.org/officeDocument/2006/relationships" xmlns:p="http://schemas.openxmlformats.org/presentationml/2006/main">
   <p:cSld>
     <p:spTree>
@@ -36929,7 +39714,7 @@
 </p:sld>
 </file>
 
-<file path=ppt/slides/slide7.xml><?xml version="1.0" encoding="utf-8"?>
+<file path=ppt/slides/slide8.xml><?xml version="1.0" encoding="utf-8"?>
 <p:sld xmlns:a="http://schemas.openxmlformats.org/drawingml/2006/main" xmlns:r="http://schemas.openxmlformats.org/officeDocument/2006/relationships" xmlns:p="http://schemas.openxmlformats.org/presentationml/2006/main">
   <p:cSld>
     <p:spTree>
@@ -38721,7 +41506,7 @@
 </p:sld>
 </file>
 
-<file path=ppt/slides/slide8.xml><?xml version="1.0" encoding="utf-8"?>
+<file path=ppt/slides/slide9.xml><?xml version="1.0" encoding="utf-8"?>
 <p:sld xmlns:a="http://schemas.openxmlformats.org/drawingml/2006/main" xmlns:r="http://schemas.openxmlformats.org/officeDocument/2006/relationships" xmlns:p="http://schemas.openxmlformats.org/presentationml/2006/main">
   <p:cSld>
     <p:spTree>
@@ -39930,1223 +42715,6 @@
     <p:extLst>
       <p:ext uri="{BB962C8B-B14F-4D97-AF65-F5344CB8AC3E}">
         <p14:creationId xmlns:p14="http://schemas.microsoft.com/office/powerpoint/2010/main" val="4287236545"/>
-      </p:ext>
-    </p:extLst>
-  </p:cSld>
-  <p:clrMapOvr>
-    <a:masterClrMapping/>
-  </p:clrMapOvr>
-</p:sld>
-</file>
-
-<file path=ppt/slides/slide9.xml><?xml version="1.0" encoding="utf-8"?>
-<p:sld xmlns:a="http://schemas.openxmlformats.org/drawingml/2006/main" xmlns:r="http://schemas.openxmlformats.org/officeDocument/2006/relationships" xmlns:p="http://schemas.openxmlformats.org/presentationml/2006/main">
-  <p:cSld>
-    <p:spTree>
-      <p:nvGrpSpPr>
-        <p:cNvPr id="1" name="">
-          <a:extLst>
-            <a:ext uri="{FF2B5EF4-FFF2-40B4-BE49-F238E27FC236}">
-              <a16:creationId xmlns:a16="http://schemas.microsoft.com/office/drawing/2014/main" id="{54815CB2-94BF-8251-B3A2-42D4E41E3B27}"/>
-            </a:ext>
-          </a:extLst>
-        </p:cNvPr>
-        <p:cNvGrpSpPr/>
-        <p:nvPr/>
-      </p:nvGrpSpPr>
-      <p:grpSpPr>
-        <a:xfrm>
-          <a:off x="0" y="0"/>
-          <a:ext cx="0" cy="0"/>
-          <a:chOff x="0" y="0"/>
-          <a:chExt cx="0" cy="0"/>
-        </a:xfrm>
-      </p:grpSpPr>
-      <p:sp>
-        <p:nvSpPr>
-          <p:cNvPr id="2" name="Title 1">
-            <a:extLst>
-              <a:ext uri="{FF2B5EF4-FFF2-40B4-BE49-F238E27FC236}">
-                <a16:creationId xmlns:a16="http://schemas.microsoft.com/office/drawing/2014/main" id="{8FD156A6-449D-2194-01B7-032FBB514E48}"/>
-              </a:ext>
-            </a:extLst>
-          </p:cNvPr>
-          <p:cNvSpPr>
-            <a:spLocks noGrp="1"/>
-          </p:cNvSpPr>
-          <p:nvPr>
-            <p:ph type="title"/>
-          </p:nvPr>
-        </p:nvSpPr>
-        <p:spPr>
-          <a:xfrm>
-            <a:off x="838200" y="365126"/>
-            <a:ext cx="10515600" cy="1059638"/>
-          </a:xfrm>
-        </p:spPr>
-        <p:txBody>
-          <a:bodyPr/>
-          <a:lstStyle/>
-          <a:p>
-            <a:r>
-              <a:rPr lang="en-US" dirty="0"/>
-              <a:t>Nonlinearities</a:t>
-            </a:r>
-            <a:endParaRPr lang="en-GB" dirty="0"/>
-          </a:p>
-        </p:txBody>
-      </p:sp>
-      <p:graphicFrame>
-        <p:nvGraphicFramePr>
-          <p:cNvPr id="10" name="Table 9">
-            <a:extLst>
-              <a:ext uri="{FF2B5EF4-FFF2-40B4-BE49-F238E27FC236}">
-                <a16:creationId xmlns:a16="http://schemas.microsoft.com/office/drawing/2014/main" id="{DAD8AFC3-A7B5-4EFD-9F5E-9E939F2179F8}"/>
-              </a:ext>
-            </a:extLst>
-          </p:cNvPr>
-          <p:cNvGraphicFramePr>
-            <a:graphicFrameLocks noGrp="1"/>
-          </p:cNvGraphicFramePr>
-          <p:nvPr>
-            <p:extLst>
-              <p:ext uri="{D42A27DB-BD31-4B8C-83A1-F6EECF244321}">
-                <p14:modId xmlns:p14="http://schemas.microsoft.com/office/powerpoint/2010/main" val="1792154912"/>
-              </p:ext>
-            </p:extLst>
-          </p:nvPr>
-        </p:nvGraphicFramePr>
-        <p:xfrm>
-          <a:off x="3310294" y="4414589"/>
-          <a:ext cx="5852369" cy="2225040"/>
-        </p:xfrm>
-        <a:graphic>
-          <a:graphicData uri="http://schemas.openxmlformats.org/drawingml/2006/table">
-            <a:tbl>
-              <a:tblPr firstRow="1" firstCol="1" bandRow="1">
-                <a:tableStyleId>{5C22544A-7EE6-4342-B048-85BDC9FD1C3A}</a:tableStyleId>
-              </a:tblPr>
-              <a:tblGrid>
-                <a:gridCol w="1905518">
-                  <a:extLst>
-                    <a:ext uri="{9D8B030D-6E8A-4147-A177-3AD203B41FA5}">
-                      <a16:colId xmlns:a16="http://schemas.microsoft.com/office/drawing/2014/main" val="4050174211"/>
-                    </a:ext>
-                  </a:extLst>
-                </a:gridCol>
-                <a:gridCol w="1315617">
-                  <a:extLst>
-                    <a:ext uri="{9D8B030D-6E8A-4147-A177-3AD203B41FA5}">
-                      <a16:colId xmlns:a16="http://schemas.microsoft.com/office/drawing/2014/main" val="804342274"/>
-                    </a:ext>
-                  </a:extLst>
-                </a:gridCol>
-                <a:gridCol w="1315617">
-                  <a:extLst>
-                    <a:ext uri="{9D8B030D-6E8A-4147-A177-3AD203B41FA5}">
-                      <a16:colId xmlns:a16="http://schemas.microsoft.com/office/drawing/2014/main" val="810714715"/>
-                    </a:ext>
-                  </a:extLst>
-                </a:gridCol>
-                <a:gridCol w="1315617">
-                  <a:extLst>
-                    <a:ext uri="{9D8B030D-6E8A-4147-A177-3AD203B41FA5}">
-                      <a16:colId xmlns:a16="http://schemas.microsoft.com/office/drawing/2014/main" val="482378900"/>
-                    </a:ext>
-                  </a:extLst>
-                </a:gridCol>
-              </a:tblGrid>
-              <a:tr h="370840">
-                <a:tc>
-                  <a:txBody>
-                    <a:bodyPr/>
-                    <a:lstStyle/>
-                    <a:p>
-                      <a:endParaRPr lang="en-GB" dirty="0"/>
-                    </a:p>
-                  </a:txBody>
-                  <a:tcPr/>
-                </a:tc>
-                <a:tc>
-                  <a:txBody>
-                    <a:bodyPr/>
-                    <a:lstStyle/>
-                    <a:p>
-                      <a:r>
-                        <a:rPr lang="en-US" dirty="0"/>
-                        <a:t>Minimum</a:t>
-                      </a:r>
-                      <a:endParaRPr lang="en-GB" dirty="0"/>
-                    </a:p>
-                  </a:txBody>
-                  <a:tcPr/>
-                </a:tc>
-                <a:tc>
-                  <a:txBody>
-                    <a:bodyPr/>
-                    <a:lstStyle/>
-                    <a:p>
-                      <a:r>
-                        <a:rPr lang="en-US" dirty="0"/>
-                        <a:t>Initial value</a:t>
-                      </a:r>
-                      <a:endParaRPr lang="en-GB" dirty="0"/>
-                    </a:p>
-                  </a:txBody>
-                  <a:tcPr/>
-                </a:tc>
-                <a:tc>
-                  <a:txBody>
-                    <a:bodyPr/>
-                    <a:lstStyle/>
-                    <a:p>
-                      <a:r>
-                        <a:rPr lang="en-US" dirty="0"/>
-                        <a:t>Maximum</a:t>
-                      </a:r>
-                      <a:endParaRPr lang="en-GB" dirty="0"/>
-                    </a:p>
-                  </a:txBody>
-                  <a:tcPr/>
-                </a:tc>
-                <a:extLst>
-                  <a:ext uri="{0D108BD9-81ED-4DB2-BD59-A6C34878D82A}">
-                    <a16:rowId xmlns:a16="http://schemas.microsoft.com/office/drawing/2014/main" val="857141677"/>
-                  </a:ext>
-                </a:extLst>
-              </a:tr>
-              <a:tr h="370840">
-                <a:tc>
-                  <a:txBody>
-                    <a:bodyPr/>
-                    <a:lstStyle/>
-                    <a:p>
-                      <a:r>
-                        <a:rPr lang="en-US" dirty="0"/>
-                        <a:t>Exciter type</a:t>
-                      </a:r>
-                      <a:endParaRPr lang="en-GB" dirty="0"/>
-                    </a:p>
-                  </a:txBody>
-                  <a:tcPr/>
-                </a:tc>
-                <a:tc>
-                  <a:txBody>
-                    <a:bodyPr/>
-                    <a:lstStyle/>
-                    <a:p>
-                      <a:r>
-                        <a:rPr lang="en-US" dirty="0"/>
-                        <a:t>0</a:t>
-                      </a:r>
-                      <a:endParaRPr lang="en-GB" dirty="0"/>
-                    </a:p>
-                  </a:txBody>
-                  <a:tcPr/>
-                </a:tc>
-                <a:tc>
-                  <a:txBody>
-                    <a:bodyPr/>
-                    <a:lstStyle/>
-                    <a:p>
-                      <a:r>
-                        <a:rPr lang="en-US" dirty="0"/>
-                        <a:t>0</a:t>
-                      </a:r>
-                      <a:endParaRPr lang="en-GB" dirty="0"/>
-                    </a:p>
-                  </a:txBody>
-                  <a:tcPr/>
-                </a:tc>
-                <a:tc>
-                  <a:txBody>
-                    <a:bodyPr/>
-                    <a:lstStyle/>
-                    <a:p>
-                      <a:r>
-                        <a:rPr lang="en-US" dirty="0"/>
-                        <a:t>1</a:t>
-                      </a:r>
-                      <a:endParaRPr lang="en-GB" dirty="0"/>
-                    </a:p>
-                  </a:txBody>
-                  <a:tcPr/>
-                </a:tc>
-                <a:extLst>
-                  <a:ext uri="{0D108BD9-81ED-4DB2-BD59-A6C34878D82A}">
-                    <a16:rowId xmlns:a16="http://schemas.microsoft.com/office/drawing/2014/main" val="904711003"/>
-                  </a:ext>
-                </a:extLst>
-              </a:tr>
-              <a:tr h="370840">
-                <a:tc>
-                  <a:txBody>
-                    <a:bodyPr/>
-                    <a:lstStyle/>
-                    <a:p>
-                      <a:r>
-                        <a:rPr lang="en-US" dirty="0"/>
-                        <a:t>Delay length (</a:t>
-                      </a:r>
-                      <a:r>
-                        <a:rPr lang="en-US" dirty="0" err="1"/>
-                        <a:t>ms</a:t>
-                      </a:r>
-                      <a:r>
-                        <a:rPr lang="en-US" dirty="0"/>
-                        <a:t>)</a:t>
-                      </a:r>
-                      <a:endParaRPr lang="en-GB" dirty="0"/>
-                    </a:p>
-                  </a:txBody>
-                  <a:tcPr/>
-                </a:tc>
-                <a:tc>
-                  <a:txBody>
-                    <a:bodyPr/>
-                    <a:lstStyle/>
-                    <a:p>
-                      <a:r>
-                        <a:rPr lang="en-US" dirty="0"/>
-                        <a:t>1</a:t>
-                      </a:r>
-                      <a:endParaRPr lang="en-GB" dirty="0"/>
-                    </a:p>
-                  </a:txBody>
-                  <a:tcPr/>
-                </a:tc>
-                <a:tc>
-                  <a:txBody>
-                    <a:bodyPr/>
-                    <a:lstStyle/>
-                    <a:p>
-                      <a:r>
-                        <a:rPr lang="en-US" dirty="0"/>
-                        <a:t>5</a:t>
-                      </a:r>
-                      <a:endParaRPr lang="en-GB" dirty="0"/>
-                    </a:p>
-                  </a:txBody>
-                  <a:tcPr/>
-                </a:tc>
-                <a:tc>
-                  <a:txBody>
-                    <a:bodyPr/>
-                    <a:lstStyle/>
-                    <a:p>
-                      <a:r>
-                        <a:rPr lang="en-US" dirty="0"/>
-                        <a:t>10</a:t>
-                      </a:r>
-                      <a:endParaRPr lang="en-GB" dirty="0"/>
-                    </a:p>
-                  </a:txBody>
-                  <a:tcPr/>
-                </a:tc>
-                <a:extLst>
-                  <a:ext uri="{0D108BD9-81ED-4DB2-BD59-A6C34878D82A}">
-                    <a16:rowId xmlns:a16="http://schemas.microsoft.com/office/drawing/2014/main" val="3732809095"/>
-                  </a:ext>
-                </a:extLst>
-              </a:tr>
-              <a:tr h="370840">
-                <a:tc>
-                  <a:txBody>
-                    <a:bodyPr/>
-                    <a:lstStyle/>
-                    <a:p>
-                      <a:r>
-                        <a:rPr lang="en-US" dirty="0"/>
-                        <a:t>Feedback</a:t>
-                      </a:r>
-                      <a:endParaRPr lang="en-GB" dirty="0"/>
-                    </a:p>
-                  </a:txBody>
-                  <a:tcPr/>
-                </a:tc>
-                <a:tc>
-                  <a:txBody>
-                    <a:bodyPr/>
-                    <a:lstStyle/>
-                    <a:p>
-                      <a:r>
-                        <a:rPr lang="en-US" dirty="0"/>
-                        <a:t>-2</a:t>
-                      </a:r>
-                      <a:endParaRPr lang="en-GB" dirty="0"/>
-                    </a:p>
-                  </a:txBody>
-                  <a:tcPr/>
-                </a:tc>
-                <a:tc>
-                  <a:txBody>
-                    <a:bodyPr/>
-                    <a:lstStyle/>
-                    <a:p>
-                      <a:r>
-                        <a:rPr lang="en-US" dirty="0"/>
-                        <a:t>0.7</a:t>
-                      </a:r>
-                      <a:endParaRPr lang="en-GB" dirty="0"/>
-                    </a:p>
-                  </a:txBody>
-                  <a:tcPr/>
-                </a:tc>
-                <a:tc>
-                  <a:txBody>
-                    <a:bodyPr/>
-                    <a:lstStyle/>
-                    <a:p>
-                      <a:r>
-                        <a:rPr lang="en-US" dirty="0"/>
-                        <a:t>2</a:t>
-                      </a:r>
-                      <a:endParaRPr lang="en-GB" dirty="0"/>
-                    </a:p>
-                  </a:txBody>
-                  <a:tcPr/>
-                </a:tc>
-                <a:extLst>
-                  <a:ext uri="{0D108BD9-81ED-4DB2-BD59-A6C34878D82A}">
-                    <a16:rowId xmlns:a16="http://schemas.microsoft.com/office/drawing/2014/main" val="1932081808"/>
-                  </a:ext>
-                </a:extLst>
-              </a:tr>
-              <a:tr h="370840">
-                <a:tc>
-                  <a:txBody>
-                    <a:bodyPr/>
-                    <a:lstStyle/>
-                    <a:p>
-                      <a:r>
-                        <a:rPr lang="en-US" dirty="0"/>
-                        <a:t>Exciter cutoff (Hz)</a:t>
-                      </a:r>
-                      <a:endParaRPr lang="en-GB" dirty="0"/>
-                    </a:p>
-                  </a:txBody>
-                  <a:tcPr/>
-                </a:tc>
-                <a:tc>
-                  <a:txBody>
-                    <a:bodyPr/>
-                    <a:lstStyle/>
-                    <a:p>
-                      <a:r>
-                        <a:rPr lang="en-US" dirty="0"/>
-                        <a:t>100</a:t>
-                      </a:r>
-                      <a:endParaRPr lang="en-GB" dirty="0"/>
-                    </a:p>
-                  </a:txBody>
-                  <a:tcPr/>
-                </a:tc>
-                <a:tc>
-                  <a:txBody>
-                    <a:bodyPr/>
-                    <a:lstStyle/>
-                    <a:p>
-                      <a:r>
-                        <a:rPr lang="en-US" dirty="0"/>
-                        <a:t>1000</a:t>
-                      </a:r>
-                      <a:endParaRPr lang="en-GB" dirty="0"/>
-                    </a:p>
-                  </a:txBody>
-                  <a:tcPr/>
-                </a:tc>
-                <a:tc>
-                  <a:txBody>
-                    <a:bodyPr/>
-                    <a:lstStyle/>
-                    <a:p>
-                      <a:r>
-                        <a:rPr lang="en-US" dirty="0"/>
-                        <a:t>10000</a:t>
-                      </a:r>
-                      <a:endParaRPr lang="en-GB" dirty="0"/>
-                    </a:p>
-                  </a:txBody>
-                  <a:tcPr/>
-                </a:tc>
-                <a:extLst>
-                  <a:ext uri="{0D108BD9-81ED-4DB2-BD59-A6C34878D82A}">
-                    <a16:rowId xmlns:a16="http://schemas.microsoft.com/office/drawing/2014/main" val="1577052905"/>
-                  </a:ext>
-                </a:extLst>
-              </a:tr>
-              <a:tr h="370840">
-                <a:tc>
-                  <a:txBody>
-                    <a:bodyPr/>
-                    <a:lstStyle/>
-                    <a:p>
-                      <a:r>
-                        <a:rPr lang="en-US" dirty="0"/>
-                        <a:t>Loop cutoff (Hz)</a:t>
-                      </a:r>
-                      <a:endParaRPr lang="en-GB" dirty="0"/>
-                    </a:p>
-                  </a:txBody>
-                  <a:tcPr/>
-                </a:tc>
-                <a:tc>
-                  <a:txBody>
-                    <a:bodyPr/>
-                    <a:lstStyle/>
-                    <a:p>
-                      <a:r>
-                        <a:rPr lang="en-US" dirty="0"/>
-                        <a:t>100</a:t>
-                      </a:r>
-                      <a:endParaRPr lang="en-GB" dirty="0"/>
-                    </a:p>
-                  </a:txBody>
-                  <a:tcPr/>
-                </a:tc>
-                <a:tc>
-                  <a:txBody>
-                    <a:bodyPr/>
-                    <a:lstStyle/>
-                    <a:p>
-                      <a:r>
-                        <a:rPr lang="en-US" dirty="0"/>
-                        <a:t>1000</a:t>
-                      </a:r>
-                      <a:endParaRPr lang="en-GB" dirty="0"/>
-                    </a:p>
-                  </a:txBody>
-                  <a:tcPr/>
-                </a:tc>
-                <a:tc>
-                  <a:txBody>
-                    <a:bodyPr/>
-                    <a:lstStyle/>
-                    <a:p>
-                      <a:r>
-                        <a:rPr lang="en-US" dirty="0"/>
-                        <a:t>10000</a:t>
-                      </a:r>
-                      <a:endParaRPr lang="en-GB" dirty="0"/>
-                    </a:p>
-                  </a:txBody>
-                  <a:tcPr/>
-                </a:tc>
-                <a:extLst>
-                  <a:ext uri="{0D108BD9-81ED-4DB2-BD59-A6C34878D82A}">
-                    <a16:rowId xmlns:a16="http://schemas.microsoft.com/office/drawing/2014/main" val="3635758170"/>
-                  </a:ext>
-                </a:extLst>
-              </a:tr>
-            </a:tbl>
-          </a:graphicData>
-        </a:graphic>
-      </p:graphicFrame>
-      <p:sp>
-        <p:nvSpPr>
-          <p:cNvPr id="11" name="Rectangle 10">
-            <a:extLst>
-              <a:ext uri="{FF2B5EF4-FFF2-40B4-BE49-F238E27FC236}">
-                <a16:creationId xmlns:a16="http://schemas.microsoft.com/office/drawing/2014/main" id="{867A72F9-C6BA-619F-C2AE-3A550EC6AA26}"/>
-              </a:ext>
-            </a:extLst>
-          </p:cNvPr>
-          <p:cNvSpPr/>
-          <p:nvPr/>
-        </p:nvSpPr>
-        <p:spPr>
-          <a:xfrm>
-            <a:off x="3156696" y="3622521"/>
-            <a:ext cx="907535" cy="648000"/>
-          </a:xfrm>
-          <a:prstGeom prst="rect">
-            <a:avLst/>
-          </a:prstGeom>
-          <a:solidFill>
-            <a:srgbClr val="7030A0"/>
-          </a:solidFill>
-        </p:spPr>
-        <p:style>
-          <a:lnRef idx="2">
-            <a:schemeClr val="accent1">
-              <a:shade val="50000"/>
-            </a:schemeClr>
-          </a:lnRef>
-          <a:fillRef idx="1">
-            <a:schemeClr val="accent1"/>
-          </a:fillRef>
-          <a:effectRef idx="0">
-            <a:schemeClr val="accent1"/>
-          </a:effectRef>
-          <a:fontRef idx="minor">
-            <a:schemeClr val="lt1"/>
-          </a:fontRef>
-        </p:style>
-        <p:txBody>
-          <a:bodyPr rtlCol="0" anchor="ctr"/>
-          <a:lstStyle/>
-          <a:p>
-            <a:pPr algn="ctr"/>
-            <a:r>
-              <a:rPr lang="en-GB" dirty="0"/>
-              <a:t>Filter</a:t>
-            </a:r>
-          </a:p>
-        </p:txBody>
-      </p:sp>
-      <p:sp>
-        <p:nvSpPr>
-          <p:cNvPr id="12" name="Rectangle 11">
-            <a:extLst>
-              <a:ext uri="{FF2B5EF4-FFF2-40B4-BE49-F238E27FC236}">
-                <a16:creationId xmlns:a16="http://schemas.microsoft.com/office/drawing/2014/main" id="{452C4412-1D8B-3500-ABB8-39196B351268}"/>
-              </a:ext>
-            </a:extLst>
-          </p:cNvPr>
-          <p:cNvSpPr/>
-          <p:nvPr/>
-        </p:nvSpPr>
-        <p:spPr>
-          <a:xfrm>
-            <a:off x="5973332" y="2393600"/>
-            <a:ext cx="1007975" cy="648000"/>
-          </a:xfrm>
-          <a:prstGeom prst="rect">
-            <a:avLst/>
-          </a:prstGeom>
-          <a:solidFill>
-            <a:srgbClr val="7030A0"/>
-          </a:solidFill>
-        </p:spPr>
-        <p:style>
-          <a:lnRef idx="2">
-            <a:schemeClr val="accent1">
-              <a:shade val="50000"/>
-            </a:schemeClr>
-          </a:lnRef>
-          <a:fillRef idx="1">
-            <a:schemeClr val="accent1"/>
-          </a:fillRef>
-          <a:effectRef idx="0">
-            <a:schemeClr val="accent1"/>
-          </a:effectRef>
-          <a:fontRef idx="minor">
-            <a:schemeClr val="lt1"/>
-          </a:fontRef>
-        </p:style>
-        <p:txBody>
-          <a:bodyPr rtlCol="0" anchor="ctr"/>
-          <a:lstStyle/>
-          <a:p>
-            <a:pPr algn="ctr"/>
-            <a:r>
-              <a:rPr lang="en-US" dirty="0"/>
-              <a:t>F</a:t>
-            </a:r>
-            <a:r>
-              <a:rPr lang="en-GB" dirty="0" err="1"/>
-              <a:t>ilter</a:t>
-            </a:r>
-            <a:endParaRPr lang="en-GB" dirty="0"/>
-          </a:p>
-        </p:txBody>
-      </p:sp>
-      <p:sp>
-        <p:nvSpPr>
-          <p:cNvPr id="13" name="Rectangle 12">
-            <a:extLst>
-              <a:ext uri="{FF2B5EF4-FFF2-40B4-BE49-F238E27FC236}">
-                <a16:creationId xmlns:a16="http://schemas.microsoft.com/office/drawing/2014/main" id="{E441D9AB-270F-D25F-42D0-93F120167EFA}"/>
-              </a:ext>
-            </a:extLst>
-          </p:cNvPr>
-          <p:cNvSpPr/>
-          <p:nvPr/>
-        </p:nvSpPr>
-        <p:spPr>
-          <a:xfrm>
-            <a:off x="4417208" y="2393600"/>
-            <a:ext cx="1080000" cy="648000"/>
-          </a:xfrm>
-          <a:prstGeom prst="rect">
-            <a:avLst/>
-          </a:prstGeom>
-          <a:solidFill>
-            <a:srgbClr val="7030A0"/>
-          </a:solidFill>
-        </p:spPr>
-        <p:style>
-          <a:lnRef idx="2">
-            <a:schemeClr val="accent1">
-              <a:shade val="50000"/>
-            </a:schemeClr>
-          </a:lnRef>
-          <a:fillRef idx="1">
-            <a:schemeClr val="accent1"/>
-          </a:fillRef>
-          <a:effectRef idx="0">
-            <a:schemeClr val="accent1"/>
-          </a:effectRef>
-          <a:fontRef idx="minor">
-            <a:schemeClr val="lt1"/>
-          </a:fontRef>
-        </p:style>
-        <p:txBody>
-          <a:bodyPr rtlCol="0" anchor="ctr"/>
-          <a:lstStyle/>
-          <a:p>
-            <a:pPr algn="ctr"/>
-            <a:r>
-              <a:rPr lang="en-GB" dirty="0"/>
-              <a:t>Sigmoid</a:t>
-            </a:r>
-          </a:p>
-        </p:txBody>
-      </p:sp>
-      <p:sp>
-        <p:nvSpPr>
-          <p:cNvPr id="14" name="Rectangle 13">
-            <a:extLst>
-              <a:ext uri="{FF2B5EF4-FFF2-40B4-BE49-F238E27FC236}">
-                <a16:creationId xmlns:a16="http://schemas.microsoft.com/office/drawing/2014/main" id="{E0BBC9FA-B5D5-9915-0CD0-923AF7A0DEE2}"/>
-              </a:ext>
-            </a:extLst>
-          </p:cNvPr>
-          <p:cNvSpPr/>
-          <p:nvPr/>
-        </p:nvSpPr>
-        <p:spPr>
-          <a:xfrm>
-            <a:off x="8398995" y="3622521"/>
-            <a:ext cx="1296000" cy="648000"/>
-          </a:xfrm>
-          <a:prstGeom prst="rect">
-            <a:avLst/>
-          </a:prstGeom>
-          <a:solidFill>
-            <a:srgbClr val="7030A0"/>
-          </a:solidFill>
-        </p:spPr>
-        <p:style>
-          <a:lnRef idx="2">
-            <a:schemeClr val="accent1">
-              <a:shade val="50000"/>
-            </a:schemeClr>
-          </a:lnRef>
-          <a:fillRef idx="1">
-            <a:schemeClr val="accent1"/>
-          </a:fillRef>
-          <a:effectRef idx="0">
-            <a:schemeClr val="accent1"/>
-          </a:effectRef>
-          <a:fontRef idx="minor">
-            <a:schemeClr val="lt1"/>
-          </a:fontRef>
-        </p:style>
-        <p:txBody>
-          <a:bodyPr rtlCol="0" anchor="ctr"/>
-          <a:lstStyle/>
-          <a:p>
-            <a:pPr algn="ctr"/>
-            <a:r>
-              <a:rPr lang="en-GB" dirty="0"/>
-              <a:t>Output</a:t>
-            </a:r>
-          </a:p>
-        </p:txBody>
-      </p:sp>
-      <p:cxnSp>
-        <p:nvCxnSpPr>
-          <p:cNvPr id="15" name="Straight Arrow Connector 14">
-            <a:extLst>
-              <a:ext uri="{FF2B5EF4-FFF2-40B4-BE49-F238E27FC236}">
-                <a16:creationId xmlns:a16="http://schemas.microsoft.com/office/drawing/2014/main" id="{3084AF71-EB4B-0165-3084-877A4A14F063}"/>
-              </a:ext>
-            </a:extLst>
-          </p:cNvPr>
-          <p:cNvCxnSpPr>
-            <a:cxnSpLocks/>
-            <a:stCxn id="11" idx="3"/>
-            <a:endCxn id="19" idx="2"/>
-          </p:cNvCxnSpPr>
-          <p:nvPr/>
-        </p:nvCxnSpPr>
-        <p:spPr>
-          <a:xfrm>
-            <a:off x="4064231" y="3946521"/>
-            <a:ext cx="614125" cy="0"/>
-          </a:xfrm>
-          <a:prstGeom prst="straightConnector1">
-            <a:avLst/>
-          </a:prstGeom>
-          <a:ln w="31750">
-            <a:solidFill>
-              <a:schemeClr val="tx1"/>
-            </a:solidFill>
-            <a:tailEnd type="arrow" w="lg" len="lg"/>
-          </a:ln>
-        </p:spPr>
-        <p:style>
-          <a:lnRef idx="1">
-            <a:schemeClr val="accent1"/>
-          </a:lnRef>
-          <a:fillRef idx="0">
-            <a:schemeClr val="accent1"/>
-          </a:fillRef>
-          <a:effectRef idx="0">
-            <a:schemeClr val="accent1"/>
-          </a:effectRef>
-          <a:fontRef idx="minor">
-            <a:schemeClr val="tx1"/>
-          </a:fontRef>
-        </p:style>
-      </p:cxnSp>
-      <p:cxnSp>
-        <p:nvCxnSpPr>
-          <p:cNvPr id="16" name="Straight Arrow Connector 15">
-            <a:extLst>
-              <a:ext uri="{FF2B5EF4-FFF2-40B4-BE49-F238E27FC236}">
-                <a16:creationId xmlns:a16="http://schemas.microsoft.com/office/drawing/2014/main" id="{008765F1-ECC3-D03C-8B5F-75AEEC5768CF}"/>
-              </a:ext>
-            </a:extLst>
-          </p:cNvPr>
-          <p:cNvCxnSpPr>
-            <a:cxnSpLocks/>
-            <a:stCxn id="12" idx="1"/>
-            <a:endCxn id="13" idx="3"/>
-          </p:cNvCxnSpPr>
-          <p:nvPr/>
-        </p:nvCxnSpPr>
-        <p:spPr>
-          <a:xfrm flipH="1">
-            <a:off x="5497208" y="2717600"/>
-            <a:ext cx="476124" cy="0"/>
-          </a:xfrm>
-          <a:prstGeom prst="straightConnector1">
-            <a:avLst/>
-          </a:prstGeom>
-          <a:ln w="31750">
-            <a:solidFill>
-              <a:schemeClr val="tx1"/>
-            </a:solidFill>
-            <a:tailEnd type="arrow" w="lg" len="lg"/>
-          </a:ln>
-        </p:spPr>
-        <p:style>
-          <a:lnRef idx="1">
-            <a:schemeClr val="accent1"/>
-          </a:lnRef>
-          <a:fillRef idx="0">
-            <a:schemeClr val="accent1"/>
-          </a:fillRef>
-          <a:effectRef idx="0">
-            <a:schemeClr val="accent1"/>
-          </a:effectRef>
-          <a:fontRef idx="minor">
-            <a:schemeClr val="tx1"/>
-          </a:fontRef>
-        </p:style>
-      </p:cxnSp>
-      <p:cxnSp>
-        <p:nvCxnSpPr>
-          <p:cNvPr id="17" name="Straight Arrow Connector 16">
-            <a:extLst>
-              <a:ext uri="{FF2B5EF4-FFF2-40B4-BE49-F238E27FC236}">
-                <a16:creationId xmlns:a16="http://schemas.microsoft.com/office/drawing/2014/main" id="{F9A232FB-CCDF-D497-157C-6DAD42745349}"/>
-              </a:ext>
-            </a:extLst>
-          </p:cNvPr>
-          <p:cNvCxnSpPr>
-            <a:cxnSpLocks/>
-            <a:endCxn id="23" idx="2"/>
-          </p:cNvCxnSpPr>
-          <p:nvPr/>
-        </p:nvCxnSpPr>
-        <p:spPr>
-          <a:xfrm flipV="1">
-            <a:off x="7894113" y="3041600"/>
-            <a:ext cx="0" cy="904919"/>
-          </a:xfrm>
-          <a:prstGeom prst="straightConnector1">
-            <a:avLst/>
-          </a:prstGeom>
-          <a:ln w="31750">
-            <a:solidFill>
-              <a:schemeClr val="tx1"/>
-            </a:solidFill>
-            <a:tailEnd type="arrow" w="lg" len="lg"/>
-          </a:ln>
-        </p:spPr>
-        <p:style>
-          <a:lnRef idx="1">
-            <a:schemeClr val="accent1"/>
-          </a:lnRef>
-          <a:fillRef idx="0">
-            <a:schemeClr val="accent1"/>
-          </a:fillRef>
-          <a:effectRef idx="0">
-            <a:schemeClr val="accent1"/>
-          </a:effectRef>
-          <a:fontRef idx="minor">
-            <a:schemeClr val="tx1"/>
-          </a:fontRef>
-        </p:style>
-      </p:cxnSp>
-      <p:cxnSp>
-        <p:nvCxnSpPr>
-          <p:cNvPr id="18" name="Straight Arrow Connector 17">
-            <a:extLst>
-              <a:ext uri="{FF2B5EF4-FFF2-40B4-BE49-F238E27FC236}">
-                <a16:creationId xmlns:a16="http://schemas.microsoft.com/office/drawing/2014/main" id="{A7CE2031-44D3-7DFB-E53C-73CF67D3CA6A}"/>
-              </a:ext>
-            </a:extLst>
-          </p:cNvPr>
-          <p:cNvCxnSpPr>
-            <a:cxnSpLocks/>
-            <a:stCxn id="13" idx="2"/>
-            <a:endCxn id="19" idx="0"/>
-          </p:cNvCxnSpPr>
-          <p:nvPr/>
-        </p:nvCxnSpPr>
-        <p:spPr>
-          <a:xfrm flipH="1">
-            <a:off x="4948356" y="3041600"/>
-            <a:ext cx="8852" cy="634921"/>
-          </a:xfrm>
-          <a:prstGeom prst="straightConnector1">
-            <a:avLst/>
-          </a:prstGeom>
-          <a:ln w="31750">
-            <a:solidFill>
-              <a:schemeClr val="tx1"/>
-            </a:solidFill>
-            <a:tailEnd type="arrow" w="lg" len="lg"/>
-          </a:ln>
-        </p:spPr>
-        <p:style>
-          <a:lnRef idx="1">
-            <a:schemeClr val="accent1"/>
-          </a:lnRef>
-          <a:fillRef idx="0">
-            <a:schemeClr val="accent1"/>
-          </a:fillRef>
-          <a:effectRef idx="0">
-            <a:schemeClr val="accent1"/>
-          </a:effectRef>
-          <a:fontRef idx="minor">
-            <a:schemeClr val="tx1"/>
-          </a:fontRef>
-        </p:style>
-      </p:cxnSp>
-      <p:sp>
-        <p:nvSpPr>
-          <p:cNvPr id="19" name="Oval 18">
-            <a:extLst>
-              <a:ext uri="{FF2B5EF4-FFF2-40B4-BE49-F238E27FC236}">
-                <a16:creationId xmlns:a16="http://schemas.microsoft.com/office/drawing/2014/main" id="{09F6FDCA-9BB7-35C9-844C-B7DEBAF3A5D1}"/>
-              </a:ext>
-            </a:extLst>
-          </p:cNvPr>
-          <p:cNvSpPr/>
-          <p:nvPr/>
-        </p:nvSpPr>
-        <p:spPr>
-          <a:xfrm>
-            <a:off x="4678356" y="3676521"/>
-            <a:ext cx="540000" cy="540000"/>
-          </a:xfrm>
-          <a:prstGeom prst="ellipse">
-            <a:avLst/>
-          </a:prstGeom>
-          <a:solidFill>
-            <a:srgbClr val="7030A0"/>
-          </a:solidFill>
-          <a:ln w="31750"/>
-        </p:spPr>
-        <p:style>
-          <a:lnRef idx="2">
-            <a:schemeClr val="accent1">
-              <a:shade val="50000"/>
-            </a:schemeClr>
-          </a:lnRef>
-          <a:fillRef idx="1">
-            <a:schemeClr val="accent1"/>
-          </a:fillRef>
-          <a:effectRef idx="0">
-            <a:schemeClr val="accent1"/>
-          </a:effectRef>
-          <a:fontRef idx="minor">
-            <a:schemeClr val="lt1"/>
-          </a:fontRef>
-        </p:style>
-        <p:txBody>
-          <a:bodyPr rtlCol="0" anchor="ctr"/>
-          <a:lstStyle/>
-          <a:p>
-            <a:pPr algn="ctr"/>
-            <a:r>
-              <a:rPr lang="en-GB" sz="3600" dirty="0">
-                <a:solidFill>
-                  <a:schemeClr val="bg1"/>
-                </a:solidFill>
-              </a:rPr>
-              <a:t>+</a:t>
-            </a:r>
-          </a:p>
-        </p:txBody>
-      </p:sp>
-      <p:cxnSp>
-        <p:nvCxnSpPr>
-          <p:cNvPr id="20" name="Straight Arrow Connector 19">
-            <a:extLst>
-              <a:ext uri="{FF2B5EF4-FFF2-40B4-BE49-F238E27FC236}">
-                <a16:creationId xmlns:a16="http://schemas.microsoft.com/office/drawing/2014/main" id="{4C6CB588-F36D-8353-20FE-6DDF276BB275}"/>
-              </a:ext>
-            </a:extLst>
-          </p:cNvPr>
-          <p:cNvCxnSpPr>
-            <a:cxnSpLocks/>
-            <a:stCxn id="19" idx="6"/>
-            <a:endCxn id="14" idx="1"/>
-          </p:cNvCxnSpPr>
-          <p:nvPr/>
-        </p:nvCxnSpPr>
-        <p:spPr>
-          <a:xfrm>
-            <a:off x="5218356" y="3946521"/>
-            <a:ext cx="3180639" cy="0"/>
-          </a:xfrm>
-          <a:prstGeom prst="straightConnector1">
-            <a:avLst/>
-          </a:prstGeom>
-          <a:ln w="31750">
-            <a:solidFill>
-              <a:schemeClr val="tx1"/>
-            </a:solidFill>
-            <a:tailEnd type="arrow" w="lg" len="lg"/>
-          </a:ln>
-        </p:spPr>
-        <p:style>
-          <a:lnRef idx="1">
-            <a:schemeClr val="accent1"/>
-          </a:lnRef>
-          <a:fillRef idx="0">
-            <a:schemeClr val="accent1"/>
-          </a:fillRef>
-          <a:effectRef idx="0">
-            <a:schemeClr val="accent1"/>
-          </a:effectRef>
-          <a:fontRef idx="minor">
-            <a:schemeClr val="tx1"/>
-          </a:fontRef>
-        </p:style>
-      </p:cxnSp>
-      <p:sp>
-        <p:nvSpPr>
-          <p:cNvPr id="21" name="Rectangle 20">
-            <a:extLst>
-              <a:ext uri="{FF2B5EF4-FFF2-40B4-BE49-F238E27FC236}">
-                <a16:creationId xmlns:a16="http://schemas.microsoft.com/office/drawing/2014/main" id="{D8050670-DADE-5128-19DA-FE05DA7104FF}"/>
-              </a:ext>
-            </a:extLst>
-          </p:cNvPr>
-          <p:cNvSpPr/>
-          <p:nvPr/>
-        </p:nvSpPr>
-        <p:spPr>
-          <a:xfrm>
-            <a:off x="1411295" y="3622521"/>
-            <a:ext cx="1122740" cy="648000"/>
-          </a:xfrm>
-          <a:prstGeom prst="rect">
-            <a:avLst/>
-          </a:prstGeom>
-          <a:solidFill>
-            <a:srgbClr val="7030A0"/>
-          </a:solidFill>
-        </p:spPr>
-        <p:style>
-          <a:lnRef idx="2">
-            <a:schemeClr val="accent1">
-              <a:shade val="50000"/>
-            </a:schemeClr>
-          </a:lnRef>
-          <a:fillRef idx="1">
-            <a:schemeClr val="accent1"/>
-          </a:fillRef>
-          <a:effectRef idx="0">
-            <a:schemeClr val="accent1"/>
-          </a:effectRef>
-          <a:fontRef idx="minor">
-            <a:schemeClr val="lt1"/>
-          </a:fontRef>
-        </p:style>
-        <p:txBody>
-          <a:bodyPr rtlCol="0" anchor="ctr"/>
-          <a:lstStyle/>
-          <a:p>
-            <a:pPr algn="ctr"/>
-            <a:r>
-              <a:rPr lang="en-GB" dirty="0"/>
-              <a:t>Noise</a:t>
-            </a:r>
-          </a:p>
-          <a:p>
-            <a:pPr algn="ctr"/>
-            <a:r>
-              <a:rPr lang="en-GB" dirty="0"/>
-              <a:t>burst</a:t>
-            </a:r>
-          </a:p>
-        </p:txBody>
-      </p:sp>
-      <p:cxnSp>
-        <p:nvCxnSpPr>
-          <p:cNvPr id="22" name="Straight Arrow Connector 21">
-            <a:extLst>
-              <a:ext uri="{FF2B5EF4-FFF2-40B4-BE49-F238E27FC236}">
-                <a16:creationId xmlns:a16="http://schemas.microsoft.com/office/drawing/2014/main" id="{C8768CC1-E9AB-81A5-44C0-A9448B735857}"/>
-              </a:ext>
-            </a:extLst>
-          </p:cNvPr>
-          <p:cNvCxnSpPr>
-            <a:cxnSpLocks/>
-            <a:stCxn id="21" idx="3"/>
-            <a:endCxn id="11" idx="1"/>
-          </p:cNvCxnSpPr>
-          <p:nvPr/>
-        </p:nvCxnSpPr>
-        <p:spPr>
-          <a:xfrm>
-            <a:off x="2534035" y="3946521"/>
-            <a:ext cx="622661" cy="0"/>
-          </a:xfrm>
-          <a:prstGeom prst="straightConnector1">
-            <a:avLst/>
-          </a:prstGeom>
-          <a:ln w="31750">
-            <a:solidFill>
-              <a:schemeClr val="tx1"/>
-            </a:solidFill>
-            <a:tailEnd type="arrow" w="lg" len="lg"/>
-          </a:ln>
-        </p:spPr>
-        <p:style>
-          <a:lnRef idx="1">
-            <a:schemeClr val="accent1"/>
-          </a:lnRef>
-          <a:fillRef idx="0">
-            <a:schemeClr val="accent1"/>
-          </a:fillRef>
-          <a:effectRef idx="0">
-            <a:schemeClr val="accent1"/>
-          </a:effectRef>
-          <a:fontRef idx="minor">
-            <a:schemeClr val="tx1"/>
-          </a:fontRef>
-        </p:style>
-      </p:cxnSp>
-      <p:sp>
-        <p:nvSpPr>
-          <p:cNvPr id="23" name="Rectangle 22">
-            <a:extLst>
-              <a:ext uri="{FF2B5EF4-FFF2-40B4-BE49-F238E27FC236}">
-                <a16:creationId xmlns:a16="http://schemas.microsoft.com/office/drawing/2014/main" id="{F8FF8A83-AC60-94C0-94E5-E6874E6960FD}"/>
-              </a:ext>
-            </a:extLst>
-          </p:cNvPr>
-          <p:cNvSpPr/>
-          <p:nvPr/>
-        </p:nvSpPr>
-        <p:spPr>
-          <a:xfrm>
-            <a:off x="7446661" y="2393600"/>
-            <a:ext cx="894904" cy="648000"/>
-          </a:xfrm>
-          <a:prstGeom prst="rect">
-            <a:avLst/>
-          </a:prstGeom>
-          <a:solidFill>
-            <a:srgbClr val="7030A0"/>
-          </a:solidFill>
-        </p:spPr>
-        <p:style>
-          <a:lnRef idx="2">
-            <a:schemeClr val="accent1">
-              <a:shade val="50000"/>
-            </a:schemeClr>
-          </a:lnRef>
-          <a:fillRef idx="1">
-            <a:schemeClr val="accent1"/>
-          </a:fillRef>
-          <a:effectRef idx="0">
-            <a:schemeClr val="accent1"/>
-          </a:effectRef>
-          <a:fontRef idx="minor">
-            <a:schemeClr val="lt1"/>
-          </a:fontRef>
-        </p:style>
-        <p:txBody>
-          <a:bodyPr rtlCol="0" anchor="ctr"/>
-          <a:lstStyle/>
-          <a:p>
-            <a:pPr algn="ctr"/>
-            <a:r>
-              <a:rPr lang="en-GB" dirty="0"/>
-              <a:t>Delay</a:t>
-            </a:r>
-          </a:p>
-        </p:txBody>
-      </p:sp>
-      <p:cxnSp>
-        <p:nvCxnSpPr>
-          <p:cNvPr id="24" name="Straight Arrow Connector 23">
-            <a:extLst>
-              <a:ext uri="{FF2B5EF4-FFF2-40B4-BE49-F238E27FC236}">
-                <a16:creationId xmlns:a16="http://schemas.microsoft.com/office/drawing/2014/main" id="{C5A88552-33E6-0E82-1735-CBF36054105D}"/>
-              </a:ext>
-            </a:extLst>
-          </p:cNvPr>
-          <p:cNvCxnSpPr>
-            <a:cxnSpLocks/>
-            <a:stCxn id="23" idx="1"/>
-          </p:cNvCxnSpPr>
-          <p:nvPr/>
-        </p:nvCxnSpPr>
-        <p:spPr>
-          <a:xfrm flipH="1">
-            <a:off x="6978686" y="2717600"/>
-            <a:ext cx="467975" cy="0"/>
-          </a:xfrm>
-          <a:prstGeom prst="straightConnector1">
-            <a:avLst/>
-          </a:prstGeom>
-          <a:ln w="31750">
-            <a:solidFill>
-              <a:schemeClr val="tx1"/>
-            </a:solidFill>
-            <a:tailEnd type="arrow" w="lg" len="lg"/>
-          </a:ln>
-        </p:spPr>
-        <p:style>
-          <a:lnRef idx="1">
-            <a:schemeClr val="accent1"/>
-          </a:lnRef>
-          <a:fillRef idx="0">
-            <a:schemeClr val="accent1"/>
-          </a:fillRef>
-          <a:effectRef idx="0">
-            <a:schemeClr val="accent1"/>
-          </a:effectRef>
-          <a:fontRef idx="minor">
-            <a:schemeClr val="tx1"/>
-          </a:fontRef>
-        </p:style>
-      </p:cxnSp>
-    </p:spTree>
-    <p:extLst>
-      <p:ext uri="{BB962C8B-B14F-4D97-AF65-F5344CB8AC3E}">
-        <p14:creationId xmlns:p14="http://schemas.microsoft.com/office/powerpoint/2010/main" val="4237188214"/>
       </p:ext>
     </p:extLst>
   </p:cSld>

--- a/Figures and settings.pptx
+++ b/Figures and settings.pptx
@@ -139,13 +139,109 @@
 <file path=ppt/revisionInfo.xml><?xml version="1.0" encoding="utf-8"?>
 <p1510:revInfo xmlns:a="http://schemas.openxmlformats.org/drawingml/2006/main" xmlns:r="http://schemas.openxmlformats.org/officeDocument/2006/relationships" xmlns:p1510="http://schemas.microsoft.com/office/powerpoint/2015/10/main">
   <p1510:revLst>
-    <p1510:client id="{D788B803-6CAF-456E-9D5B-399D0D7F1309}" v="58" dt="2025-04-02T15:02:26.278"/>
+    <p1510:client id="{2DD4C6F9-B693-482E-B1B8-D61335F4EE17}" v="1" dt="2025-07-23T10:21:46.483"/>
   </p1510:revLst>
 </p1510:revInfo>
 </file>
 
 <file path=ppt/changesInfos/changesInfo1.xml><?xml version="1.0" encoding="utf-8"?>
 <pc:chgInfo xmlns:a="http://schemas.openxmlformats.org/drawingml/2006/main" xmlns:r="http://schemas.openxmlformats.org/officeDocument/2006/relationships" xmlns:ac="http://schemas.microsoft.com/office/drawing/2013/main/command" xmlns:pc="http://schemas.microsoft.com/office/powerpoint/2013/main/command">
+  <pc:docChgLst>
+    <pc:chgData name="Joshua Reiss" userId="71f87c30-4769-4a42-a082-a6a82298c8cb" providerId="ADAL" clId="{2DD4C6F9-B693-482E-B1B8-D61335F4EE17}"/>
+    <pc:docChg chg="modSld">
+      <pc:chgData name="Joshua Reiss" userId="71f87c30-4769-4a42-a082-a6a82298c8cb" providerId="ADAL" clId="{2DD4C6F9-B693-482E-B1B8-D61335F4EE17}" dt="2025-07-23T10:21:46.483" v="0" actId="164"/>
+      <pc:docMkLst>
+        <pc:docMk/>
+      </pc:docMkLst>
+      <pc:sldChg chg="addSp modSp">
+        <pc:chgData name="Joshua Reiss" userId="71f87c30-4769-4a42-a082-a6a82298c8cb" providerId="ADAL" clId="{2DD4C6F9-B693-482E-B1B8-D61335F4EE17}" dt="2025-07-23T10:21:46.483" v="0" actId="164"/>
+        <pc:sldMkLst>
+          <pc:docMk/>
+          <pc:sldMk cId="4287236545" sldId="352"/>
+        </pc:sldMkLst>
+        <pc:spChg chg="mod">
+          <ac:chgData name="Joshua Reiss" userId="71f87c30-4769-4a42-a082-a6a82298c8cb" providerId="ADAL" clId="{2DD4C6F9-B693-482E-B1B8-D61335F4EE17}" dt="2025-07-23T10:21:46.483" v="0" actId="164"/>
+          <ac:spMkLst>
+            <pc:docMk/>
+            <pc:sldMk cId="4287236545" sldId="352"/>
+            <ac:spMk id="8" creationId="{1A76E437-7554-4B56-C4E2-BB3C0E4AEA31}"/>
+          </ac:spMkLst>
+        </pc:spChg>
+        <pc:spChg chg="mod">
+          <ac:chgData name="Joshua Reiss" userId="71f87c30-4769-4a42-a082-a6a82298c8cb" providerId="ADAL" clId="{2DD4C6F9-B693-482E-B1B8-D61335F4EE17}" dt="2025-07-23T10:21:46.483" v="0" actId="164"/>
+          <ac:spMkLst>
+            <pc:docMk/>
+            <pc:sldMk cId="4287236545" sldId="352"/>
+            <ac:spMk id="9" creationId="{7D6EC9BA-C03E-26D1-FAD2-EAF6500A119B}"/>
+          </ac:spMkLst>
+        </pc:spChg>
+        <pc:spChg chg="mod">
+          <ac:chgData name="Joshua Reiss" userId="71f87c30-4769-4a42-a082-a6a82298c8cb" providerId="ADAL" clId="{2DD4C6F9-B693-482E-B1B8-D61335F4EE17}" dt="2025-07-23T10:21:46.483" v="0" actId="164"/>
+          <ac:spMkLst>
+            <pc:docMk/>
+            <pc:sldMk cId="4287236545" sldId="352"/>
+            <ac:spMk id="10" creationId="{B5081D72-5F55-AF7E-6F70-312422E679C4}"/>
+          </ac:spMkLst>
+        </pc:spChg>
+        <pc:spChg chg="mod">
+          <ac:chgData name="Joshua Reiss" userId="71f87c30-4769-4a42-a082-a6a82298c8cb" providerId="ADAL" clId="{2DD4C6F9-B693-482E-B1B8-D61335F4EE17}" dt="2025-07-23T10:21:46.483" v="0" actId="164"/>
+          <ac:spMkLst>
+            <pc:docMk/>
+            <pc:sldMk cId="4287236545" sldId="352"/>
+            <ac:spMk id="11" creationId="{02F4F030-6317-C08E-2981-31F49999B6D7}"/>
+          </ac:spMkLst>
+        </pc:spChg>
+        <pc:spChg chg="mod">
+          <ac:chgData name="Joshua Reiss" userId="71f87c30-4769-4a42-a082-a6a82298c8cb" providerId="ADAL" clId="{2DD4C6F9-B693-482E-B1B8-D61335F4EE17}" dt="2025-07-23T10:21:46.483" v="0" actId="164"/>
+          <ac:spMkLst>
+            <pc:docMk/>
+            <pc:sldMk cId="4287236545" sldId="352"/>
+            <ac:spMk id="16" creationId="{FEA53039-A3DB-31C0-15B9-B21868D43CCD}"/>
+          </ac:spMkLst>
+        </pc:spChg>
+        <pc:spChg chg="mod">
+          <ac:chgData name="Joshua Reiss" userId="71f87c30-4769-4a42-a082-a6a82298c8cb" providerId="ADAL" clId="{2DD4C6F9-B693-482E-B1B8-D61335F4EE17}" dt="2025-07-23T10:21:46.483" v="0" actId="164"/>
+          <ac:spMkLst>
+            <pc:docMk/>
+            <pc:sldMk cId="4287236545" sldId="352"/>
+            <ac:spMk id="19" creationId="{875DE4CB-A6E6-1D25-07A1-06577C926098}"/>
+          </ac:spMkLst>
+        </pc:spChg>
+        <pc:spChg chg="mod">
+          <ac:chgData name="Joshua Reiss" userId="71f87c30-4769-4a42-a082-a6a82298c8cb" providerId="ADAL" clId="{2DD4C6F9-B693-482E-B1B8-D61335F4EE17}" dt="2025-07-23T10:21:46.483" v="0" actId="164"/>
+          <ac:spMkLst>
+            <pc:docMk/>
+            <pc:sldMk cId="4287236545" sldId="352"/>
+            <ac:spMk id="22" creationId="{F0258842-9D83-3B98-6325-83CFFD82DFFC}"/>
+          </ac:spMkLst>
+        </pc:spChg>
+        <pc:grpChg chg="add mod">
+          <ac:chgData name="Joshua Reiss" userId="71f87c30-4769-4a42-a082-a6a82298c8cb" providerId="ADAL" clId="{2DD4C6F9-B693-482E-B1B8-D61335F4EE17}" dt="2025-07-23T10:21:46.483" v="0" actId="164"/>
+          <ac:grpSpMkLst>
+            <pc:docMk/>
+            <pc:sldMk cId="4287236545" sldId="352"/>
+            <ac:grpSpMk id="3" creationId="{8D9C7F2E-0DEE-BB09-7413-0E917DC97552}"/>
+          </ac:grpSpMkLst>
+        </pc:grpChg>
+        <pc:cxnChg chg="mod">
+          <ac:chgData name="Joshua Reiss" userId="71f87c30-4769-4a42-a082-a6a82298c8cb" providerId="ADAL" clId="{2DD4C6F9-B693-482E-B1B8-D61335F4EE17}" dt="2025-07-23T10:21:46.483" v="0" actId="164"/>
+          <ac:cxnSpMkLst>
+            <pc:docMk/>
+            <pc:sldMk cId="4287236545" sldId="352"/>
+            <ac:cxnSpMk id="15" creationId="{53D14D3D-1A10-DEA6-230D-5D42A8C50CD6}"/>
+          </ac:cxnSpMkLst>
+        </pc:cxnChg>
+        <pc:cxnChg chg="mod">
+          <ac:chgData name="Joshua Reiss" userId="71f87c30-4769-4a42-a082-a6a82298c8cb" providerId="ADAL" clId="{2DD4C6F9-B693-482E-B1B8-D61335F4EE17}" dt="2025-07-23T10:21:46.483" v="0" actId="164"/>
+          <ac:cxnSpMkLst>
+            <pc:docMk/>
+            <pc:sldMk cId="4287236545" sldId="352"/>
+            <ac:cxnSpMk id="23" creationId="{106AF0D4-0CD4-4EBB-E52E-C99FEA52B677}"/>
+          </ac:cxnSpMkLst>
+        </pc:cxnChg>
+      </pc:sldChg>
+    </pc:docChg>
+  </pc:docChgLst>
   <pc:docChgLst>
     <pc:chgData name="Joshua Reiss" userId="71f87c30-4769-4a42-a082-a6a82298c8cb" providerId="ADAL" clId="{D788B803-6CAF-456E-9D5B-399D0D7F1309}"/>
     <pc:docChg chg="undo custSel addSld delSld modSld">
@@ -159,14 +255,6 @@
           <pc:docMk/>
           <pc:sldMk cId="1710399065" sldId="272"/>
         </pc:sldMkLst>
-        <pc:graphicFrameChg chg="mod">
-          <ac:chgData name="Joshua Reiss" userId="71f87c30-4769-4a42-a082-a6a82298c8cb" providerId="ADAL" clId="{D788B803-6CAF-456E-9D5B-399D0D7F1309}" dt="2025-03-13T14:44:17.415" v="200" actId="5736"/>
-          <ac:graphicFrameMkLst>
-            <pc:docMk/>
-            <pc:sldMk cId="1710399065" sldId="272"/>
-            <ac:graphicFrameMk id="5" creationId="{B5ABB3D7-57F0-4766-B49F-6DA1802B5D1B}"/>
-          </ac:graphicFrameMkLst>
-        </pc:graphicFrameChg>
       </pc:sldChg>
       <pc:sldChg chg="add">
         <pc:chgData name="Joshua Reiss" userId="71f87c30-4769-4a42-a082-a6a82298c8cb" providerId="ADAL" clId="{D788B803-6CAF-456E-9D5B-399D0D7F1309}" dt="2025-03-13T13:04:18.144" v="199"/>
@@ -209,86 +297,6 @@
           <pc:docMk/>
           <pc:sldMk cId="1068395398" sldId="351"/>
         </pc:sldMkLst>
-        <pc:spChg chg="mod">
-          <ac:chgData name="Joshua Reiss" userId="71f87c30-4769-4a42-a082-a6a82298c8cb" providerId="ADAL" clId="{D788B803-6CAF-456E-9D5B-399D0D7F1309}" dt="2025-03-13T20:53:53.421" v="209" actId="1036"/>
-          <ac:spMkLst>
-            <pc:docMk/>
-            <pc:sldMk cId="1068395398" sldId="351"/>
-            <ac:spMk id="8" creationId="{61E249BF-AFF2-0D4A-65D5-7E7749D9131B}"/>
-          </ac:spMkLst>
-        </pc:spChg>
-        <pc:spChg chg="mod">
-          <ac:chgData name="Joshua Reiss" userId="71f87c30-4769-4a42-a082-a6a82298c8cb" providerId="ADAL" clId="{D788B803-6CAF-456E-9D5B-399D0D7F1309}" dt="2025-03-13T20:51:35.182" v="207" actId="1036"/>
-          <ac:spMkLst>
-            <pc:docMk/>
-            <pc:sldMk cId="1068395398" sldId="351"/>
-            <ac:spMk id="9" creationId="{35CF4F59-CBB9-A917-8E9C-1FA1FD4BCA78}"/>
-          </ac:spMkLst>
-        </pc:spChg>
-        <pc:spChg chg="mod">
-          <ac:chgData name="Joshua Reiss" userId="71f87c30-4769-4a42-a082-a6a82298c8cb" providerId="ADAL" clId="{D788B803-6CAF-456E-9D5B-399D0D7F1309}" dt="2025-03-13T20:51:35.182" v="207" actId="1036"/>
-          <ac:spMkLst>
-            <pc:docMk/>
-            <pc:sldMk cId="1068395398" sldId="351"/>
-            <ac:spMk id="10" creationId="{D6065EF3-BEF7-204F-513A-2B1A6279F3BA}"/>
-          </ac:spMkLst>
-        </pc:spChg>
-        <pc:spChg chg="mod">
-          <ac:chgData name="Joshua Reiss" userId="71f87c30-4769-4a42-a082-a6a82298c8cb" providerId="ADAL" clId="{D788B803-6CAF-456E-9D5B-399D0D7F1309}" dt="2025-03-13T20:53:53.421" v="209" actId="1036"/>
-          <ac:spMkLst>
-            <pc:docMk/>
-            <pc:sldMk cId="1068395398" sldId="351"/>
-            <ac:spMk id="11" creationId="{C6AAE93F-1C83-2CB5-0C2E-899629992753}"/>
-          </ac:spMkLst>
-        </pc:spChg>
-        <pc:spChg chg="mod">
-          <ac:chgData name="Joshua Reiss" userId="71f87c30-4769-4a42-a082-a6a82298c8cb" providerId="ADAL" clId="{D788B803-6CAF-456E-9D5B-399D0D7F1309}" dt="2025-03-13T20:53:53.421" v="209" actId="1036"/>
-          <ac:spMkLst>
-            <pc:docMk/>
-            <pc:sldMk cId="1068395398" sldId="351"/>
-            <ac:spMk id="16" creationId="{9E5054A7-E71D-74FC-A5D7-4CA6C933C5A1}"/>
-          </ac:spMkLst>
-        </pc:spChg>
-        <pc:cxnChg chg="mod">
-          <ac:chgData name="Joshua Reiss" userId="71f87c30-4769-4a42-a082-a6a82298c8cb" providerId="ADAL" clId="{D788B803-6CAF-456E-9D5B-399D0D7F1309}" dt="2025-03-13T20:53:53.421" v="209" actId="1036"/>
-          <ac:cxnSpMkLst>
-            <pc:docMk/>
-            <pc:sldMk cId="1068395398" sldId="351"/>
-            <ac:cxnSpMk id="12" creationId="{63EA0B9F-E0EB-8818-D37F-1D5EC1ABE292}"/>
-          </ac:cxnSpMkLst>
-        </pc:cxnChg>
-        <pc:cxnChg chg="mod">
-          <ac:chgData name="Joshua Reiss" userId="71f87c30-4769-4a42-a082-a6a82298c8cb" providerId="ADAL" clId="{D788B803-6CAF-456E-9D5B-399D0D7F1309}" dt="2025-03-13T20:51:35.182" v="207" actId="1036"/>
-          <ac:cxnSpMkLst>
-            <pc:docMk/>
-            <pc:sldMk cId="1068395398" sldId="351"/>
-            <ac:cxnSpMk id="13" creationId="{851087B3-1DFB-F8AA-F6A8-382B27D913C8}"/>
-          </ac:cxnSpMkLst>
-        </pc:cxnChg>
-        <pc:cxnChg chg="mod">
-          <ac:chgData name="Joshua Reiss" userId="71f87c30-4769-4a42-a082-a6a82298c8cb" providerId="ADAL" clId="{D788B803-6CAF-456E-9D5B-399D0D7F1309}" dt="2025-03-13T20:51:35.182" v="207" actId="1036"/>
-          <ac:cxnSpMkLst>
-            <pc:docMk/>
-            <pc:sldMk cId="1068395398" sldId="351"/>
-            <ac:cxnSpMk id="14" creationId="{731EA1CD-F767-9863-5C36-B72AE30571B2}"/>
-          </ac:cxnSpMkLst>
-        </pc:cxnChg>
-        <pc:cxnChg chg="mod">
-          <ac:chgData name="Joshua Reiss" userId="71f87c30-4769-4a42-a082-a6a82298c8cb" providerId="ADAL" clId="{D788B803-6CAF-456E-9D5B-399D0D7F1309}" dt="2025-03-13T20:53:53.421" v="209" actId="1036"/>
-          <ac:cxnSpMkLst>
-            <pc:docMk/>
-            <pc:sldMk cId="1068395398" sldId="351"/>
-            <ac:cxnSpMk id="15" creationId="{27DDFB27-C24A-D139-68FE-CC4B4360B9AA}"/>
-          </ac:cxnSpMkLst>
-        </pc:cxnChg>
-        <pc:cxnChg chg="mod">
-          <ac:chgData name="Joshua Reiss" userId="71f87c30-4769-4a42-a082-a6a82298c8cb" providerId="ADAL" clId="{D788B803-6CAF-456E-9D5B-399D0D7F1309}" dt="2025-03-13T20:53:53.421" v="209" actId="1036"/>
-          <ac:cxnSpMkLst>
-            <pc:docMk/>
-            <pc:sldMk cId="1068395398" sldId="351"/>
-            <ac:cxnSpMk id="17" creationId="{4D57AE5B-136B-F08D-491B-E3545A1EF89F}"/>
-          </ac:cxnSpMkLst>
-        </pc:cxnChg>
       </pc:sldChg>
       <pc:sldChg chg="addSp delSp modSp new mod">
         <pc:chgData name="Joshua Reiss" userId="71f87c30-4769-4a42-a082-a6a82298c8cb" providerId="ADAL" clId="{D788B803-6CAF-456E-9D5B-399D0D7F1309}" dt="2025-03-12T13:16:47.584" v="198" actId="207"/>
@@ -296,150 +304,6 @@
           <pc:docMk/>
           <pc:sldMk cId="3176130722" sldId="362"/>
         </pc:sldMkLst>
-        <pc:spChg chg="mod">
-          <ac:chgData name="Joshua Reiss" userId="71f87c30-4769-4a42-a082-a6a82298c8cb" providerId="ADAL" clId="{D788B803-6CAF-456E-9D5B-399D0D7F1309}" dt="2025-03-12T13:13:23.633" v="52" actId="20577"/>
-          <ac:spMkLst>
-            <pc:docMk/>
-            <pc:sldMk cId="3176130722" sldId="362"/>
-            <ac:spMk id="2" creationId="{5120F262-7A2E-CB27-890C-B4B2B2483E21}"/>
-          </ac:spMkLst>
-        </pc:spChg>
-        <pc:spChg chg="add mod">
-          <ac:chgData name="Joshua Reiss" userId="71f87c30-4769-4a42-a082-a6a82298c8cb" providerId="ADAL" clId="{D788B803-6CAF-456E-9D5B-399D0D7F1309}" dt="2025-03-12T13:08:24.907" v="15" actId="20577"/>
-          <ac:spMkLst>
-            <pc:docMk/>
-            <pc:sldMk cId="3176130722" sldId="362"/>
-            <ac:spMk id="4" creationId="{3F846BC9-EFB3-98C5-1EC0-AE9D268CBFC5}"/>
-          </ac:spMkLst>
-        </pc:spChg>
-        <pc:spChg chg="add mod">
-          <ac:chgData name="Joshua Reiss" userId="71f87c30-4769-4a42-a082-a6a82298c8cb" providerId="ADAL" clId="{D788B803-6CAF-456E-9D5B-399D0D7F1309}" dt="2025-03-12T13:08:18.574" v="5"/>
-          <ac:spMkLst>
-            <pc:docMk/>
-            <pc:sldMk cId="3176130722" sldId="362"/>
-            <ac:spMk id="6" creationId="{D8A29253-740B-C0CC-7814-A95752B53C97}"/>
-          </ac:spMkLst>
-        </pc:spChg>
-        <pc:spChg chg="add mod">
-          <ac:chgData name="Joshua Reiss" userId="71f87c30-4769-4a42-a082-a6a82298c8cb" providerId="ADAL" clId="{D788B803-6CAF-456E-9D5B-399D0D7F1309}" dt="2025-03-12T13:14:15.253" v="125" actId="1037"/>
-          <ac:spMkLst>
-            <pc:docMk/>
-            <pc:sldMk cId="3176130722" sldId="362"/>
-            <ac:spMk id="7" creationId="{433D80D1-16F4-FC89-CCA7-62588BC5C68F}"/>
-          </ac:spMkLst>
-        </pc:spChg>
-        <pc:spChg chg="add mod">
-          <ac:chgData name="Joshua Reiss" userId="71f87c30-4769-4a42-a082-a6a82298c8cb" providerId="ADAL" clId="{D788B803-6CAF-456E-9D5B-399D0D7F1309}" dt="2025-03-12T13:08:18.574" v="5"/>
-          <ac:spMkLst>
-            <pc:docMk/>
-            <pc:sldMk cId="3176130722" sldId="362"/>
-            <ac:spMk id="12" creationId="{52F90E31-3D83-AAB9-76EC-A3A3A0DC8D66}"/>
-          </ac:spMkLst>
-        </pc:spChg>
-        <pc:spChg chg="add mod">
-          <ac:chgData name="Joshua Reiss" userId="71f87c30-4769-4a42-a082-a6a82298c8cb" providerId="ADAL" clId="{D788B803-6CAF-456E-9D5B-399D0D7F1309}" dt="2025-03-12T13:08:28.973" v="16" actId="20577"/>
-          <ac:spMkLst>
-            <pc:docMk/>
-            <pc:sldMk cId="3176130722" sldId="362"/>
-            <ac:spMk id="14" creationId="{0C7ADD34-2607-0525-4CE5-8D48E3FF3A6E}"/>
-          </ac:spMkLst>
-        </pc:spChg>
-        <pc:spChg chg="add mod">
-          <ac:chgData name="Joshua Reiss" userId="71f87c30-4769-4a42-a082-a6a82298c8cb" providerId="ADAL" clId="{D788B803-6CAF-456E-9D5B-399D0D7F1309}" dt="2025-03-12T13:14:00.006" v="90" actId="1038"/>
-          <ac:spMkLst>
-            <pc:docMk/>
-            <pc:sldMk cId="3176130722" sldId="362"/>
-            <ac:spMk id="16" creationId="{7A014B07-D770-F62D-52B0-0A233060167C}"/>
-          </ac:spMkLst>
-        </pc:spChg>
-        <pc:spChg chg="add mod">
-          <ac:chgData name="Joshua Reiss" userId="71f87c30-4769-4a42-a082-a6a82298c8cb" providerId="ADAL" clId="{D788B803-6CAF-456E-9D5B-399D0D7F1309}" dt="2025-03-12T13:16:05.406" v="176" actId="1035"/>
-          <ac:spMkLst>
-            <pc:docMk/>
-            <pc:sldMk cId="3176130722" sldId="362"/>
-            <ac:spMk id="20" creationId="{C81B9FC7-1020-C2CA-6424-B66FD5C36364}"/>
-          </ac:spMkLst>
-        </pc:spChg>
-        <pc:spChg chg="add mod">
-          <ac:chgData name="Joshua Reiss" userId="71f87c30-4769-4a42-a082-a6a82298c8cb" providerId="ADAL" clId="{D788B803-6CAF-456E-9D5B-399D0D7F1309}" dt="2025-03-12T13:16:47.584" v="198" actId="207"/>
-          <ac:spMkLst>
-            <pc:docMk/>
-            <pc:sldMk cId="3176130722" sldId="362"/>
-            <ac:spMk id="21" creationId="{02AEF672-FD85-2390-0514-6C60008062CC}"/>
-          </ac:spMkLst>
-        </pc:spChg>
-        <pc:spChg chg="add mod">
-          <ac:chgData name="Joshua Reiss" userId="71f87c30-4769-4a42-a082-a6a82298c8cb" providerId="ADAL" clId="{D788B803-6CAF-456E-9D5B-399D0D7F1309}" dt="2025-03-12T13:16:13.639" v="196" actId="1037"/>
-          <ac:spMkLst>
-            <pc:docMk/>
-            <pc:sldMk cId="3176130722" sldId="362"/>
-            <ac:spMk id="22" creationId="{4D5F2028-8EAF-7477-3891-F280EE312EED}"/>
-          </ac:spMkLst>
-        </pc:spChg>
-        <pc:spChg chg="add mod">
-          <ac:chgData name="Joshua Reiss" userId="71f87c30-4769-4a42-a082-a6a82298c8cb" providerId="ADAL" clId="{D788B803-6CAF-456E-9D5B-399D0D7F1309}" dt="2025-03-12T13:16:05.406" v="176" actId="1035"/>
-          <ac:spMkLst>
-            <pc:docMk/>
-            <pc:sldMk cId="3176130722" sldId="362"/>
-            <ac:spMk id="29" creationId="{8EC90D21-11C0-502E-32CF-9C0032B39F3B}"/>
-          </ac:spMkLst>
-        </pc:spChg>
-        <pc:cxnChg chg="add mod">
-          <ac:chgData name="Joshua Reiss" userId="71f87c30-4769-4a42-a082-a6a82298c8cb" providerId="ADAL" clId="{D788B803-6CAF-456E-9D5B-399D0D7F1309}" dt="2025-03-12T13:08:18.574" v="5"/>
-          <ac:cxnSpMkLst>
-            <pc:docMk/>
-            <pc:sldMk cId="3176130722" sldId="362"/>
-            <ac:cxnSpMk id="8" creationId="{2F6EE011-B9CC-0173-0233-D54C431D3434}"/>
-          </ac:cxnSpMkLst>
-        </pc:cxnChg>
-        <pc:cxnChg chg="add mod">
-          <ac:chgData name="Joshua Reiss" userId="71f87c30-4769-4a42-a082-a6a82298c8cb" providerId="ADAL" clId="{D788B803-6CAF-456E-9D5B-399D0D7F1309}" dt="2025-03-12T13:14:06.142" v="91" actId="14100"/>
-          <ac:cxnSpMkLst>
-            <pc:docMk/>
-            <pc:sldMk cId="3176130722" sldId="362"/>
-            <ac:cxnSpMk id="9" creationId="{FFC36A61-7079-C397-7022-FA7FDD56CA6E}"/>
-          </ac:cxnSpMkLst>
-        </pc:cxnChg>
-        <pc:cxnChg chg="mod">
-          <ac:chgData name="Joshua Reiss" userId="71f87c30-4769-4a42-a082-a6a82298c8cb" providerId="ADAL" clId="{D788B803-6CAF-456E-9D5B-399D0D7F1309}" dt="2025-03-12T13:14:00.006" v="90" actId="1038"/>
-          <ac:cxnSpMkLst>
-            <pc:docMk/>
-            <pc:sldMk cId="3176130722" sldId="362"/>
-            <ac:cxnSpMk id="10" creationId="{BD85C650-5466-D425-6E33-6824E7A3F418}"/>
-          </ac:cxnSpMkLst>
-        </pc:cxnChg>
-        <pc:cxnChg chg="mod">
-          <ac:chgData name="Joshua Reiss" userId="71f87c30-4769-4a42-a082-a6a82298c8cb" providerId="ADAL" clId="{D788B803-6CAF-456E-9D5B-399D0D7F1309}" dt="2025-03-12T13:14:15.253" v="125" actId="1037"/>
-          <ac:cxnSpMkLst>
-            <pc:docMk/>
-            <pc:sldMk cId="3176130722" sldId="362"/>
-            <ac:cxnSpMk id="13" creationId="{6456C4B5-9423-DB9C-C80B-1725F63772E3}"/>
-          </ac:cxnSpMkLst>
-        </pc:cxnChg>
-        <pc:cxnChg chg="add mod">
-          <ac:chgData name="Joshua Reiss" userId="71f87c30-4769-4a42-a082-a6a82298c8cb" providerId="ADAL" clId="{D788B803-6CAF-456E-9D5B-399D0D7F1309}" dt="2025-03-12T13:16:05.406" v="176" actId="1035"/>
-          <ac:cxnSpMkLst>
-            <pc:docMk/>
-            <pc:sldMk cId="3176130722" sldId="362"/>
-            <ac:cxnSpMk id="23" creationId="{87F928E8-0406-2D64-F73D-048E00F53311}"/>
-          </ac:cxnSpMkLst>
-        </pc:cxnChg>
-        <pc:cxnChg chg="add mod">
-          <ac:chgData name="Joshua Reiss" userId="71f87c30-4769-4a42-a082-a6a82298c8cb" providerId="ADAL" clId="{D788B803-6CAF-456E-9D5B-399D0D7F1309}" dt="2025-03-12T13:16:13.639" v="196" actId="1037"/>
-          <ac:cxnSpMkLst>
-            <pc:docMk/>
-            <pc:sldMk cId="3176130722" sldId="362"/>
-            <ac:cxnSpMk id="28" creationId="{67DEB344-C7A0-3703-5133-C3B9ADA17950}"/>
-          </ac:cxnSpMkLst>
-        </pc:cxnChg>
-        <pc:cxnChg chg="mod">
-          <ac:chgData name="Joshua Reiss" userId="71f87c30-4769-4a42-a082-a6a82298c8cb" providerId="ADAL" clId="{D788B803-6CAF-456E-9D5B-399D0D7F1309}" dt="2025-03-12T13:16:05.406" v="176" actId="1035"/>
-          <ac:cxnSpMkLst>
-            <pc:docMk/>
-            <pc:sldMk cId="3176130722" sldId="362"/>
-            <ac:cxnSpMk id="30" creationId="{F5D85A68-1897-CC45-3E7F-9B830179919A}"/>
-          </ac:cxnSpMkLst>
-        </pc:cxnChg>
       </pc:sldChg>
       <pc:sldChg chg="add">
         <pc:chgData name="Joshua Reiss" userId="71f87c30-4769-4a42-a082-a6a82298c8cb" providerId="ADAL" clId="{D788B803-6CAF-456E-9D5B-399D0D7F1309}" dt="2025-03-13T13:04:18.144" v="199"/>
@@ -461,166 +325,6 @@
           <pc:docMk/>
           <pc:sldMk cId="2016982695" sldId="364"/>
         </pc:sldMkLst>
-        <pc:spChg chg="mod">
-          <ac:chgData name="Joshua Reiss" userId="71f87c30-4769-4a42-a082-a6a82298c8cb" providerId="ADAL" clId="{D788B803-6CAF-456E-9D5B-399D0D7F1309}" dt="2025-03-14T21:27:24.245" v="309" actId="20577"/>
-          <ac:spMkLst>
-            <pc:docMk/>
-            <pc:sldMk cId="2016982695" sldId="364"/>
-            <ac:spMk id="2" creationId="{D034348F-6DF2-8642-9212-2E9231430DEA}"/>
-          </ac:spMkLst>
-        </pc:spChg>
-        <pc:spChg chg="mod">
-          <ac:chgData name="Joshua Reiss" userId="71f87c30-4769-4a42-a082-a6a82298c8cb" providerId="ADAL" clId="{D788B803-6CAF-456E-9D5B-399D0D7F1309}" dt="2025-03-14T21:32:13.138" v="384" actId="1035"/>
-          <ac:spMkLst>
-            <pc:docMk/>
-            <pc:sldMk cId="2016982695" sldId="364"/>
-            <ac:spMk id="20" creationId="{759F11DD-39E4-60BD-4FB5-DE7C6C940D2C}"/>
-          </ac:spMkLst>
-        </pc:spChg>
-        <pc:spChg chg="mod">
-          <ac:chgData name="Joshua Reiss" userId="71f87c30-4769-4a42-a082-a6a82298c8cb" providerId="ADAL" clId="{D788B803-6CAF-456E-9D5B-399D0D7F1309}" dt="2025-03-14T21:32:13.138" v="384" actId="1035"/>
-          <ac:spMkLst>
-            <pc:docMk/>
-            <pc:sldMk cId="2016982695" sldId="364"/>
-            <ac:spMk id="22" creationId="{D87457CF-BDFE-C0AE-10F5-9E1F799A88D1}"/>
-          </ac:spMkLst>
-        </pc:spChg>
-        <pc:spChg chg="mod">
-          <ac:chgData name="Joshua Reiss" userId="71f87c30-4769-4a42-a082-a6a82298c8cb" providerId="ADAL" clId="{D788B803-6CAF-456E-9D5B-399D0D7F1309}" dt="2025-03-14T21:32:13.138" v="384" actId="1035"/>
-          <ac:spMkLst>
-            <pc:docMk/>
-            <pc:sldMk cId="2016982695" sldId="364"/>
-            <ac:spMk id="29" creationId="{47A97ACA-38A1-C7E2-62E2-493A36064BF4}"/>
-          </ac:spMkLst>
-        </pc:spChg>
-        <pc:spChg chg="add mod">
-          <ac:chgData name="Joshua Reiss" userId="71f87c30-4769-4a42-a082-a6a82298c8cb" providerId="ADAL" clId="{D788B803-6CAF-456E-9D5B-399D0D7F1309}" dt="2025-03-14T21:34:41.822" v="428" actId="408"/>
-          <ac:spMkLst>
-            <pc:docMk/>
-            <pc:sldMk cId="2016982695" sldId="364"/>
-            <ac:spMk id="38" creationId="{7EE70907-8B22-9CF7-D30A-0C8A1C30FA83}"/>
-          </ac:spMkLst>
-        </pc:spChg>
-        <pc:spChg chg="add mod">
-          <ac:chgData name="Joshua Reiss" userId="71f87c30-4769-4a42-a082-a6a82298c8cb" providerId="ADAL" clId="{D788B803-6CAF-456E-9D5B-399D0D7F1309}" dt="2025-03-14T21:34:20.358" v="423" actId="1038"/>
-          <ac:spMkLst>
-            <pc:docMk/>
-            <pc:sldMk cId="2016982695" sldId="364"/>
-            <ac:spMk id="39" creationId="{C4945762-6788-55DC-250F-50F1B0600BC4}"/>
-          </ac:spMkLst>
-        </pc:spChg>
-        <pc:spChg chg="add mod">
-          <ac:chgData name="Joshua Reiss" userId="71f87c30-4769-4a42-a082-a6a82298c8cb" providerId="ADAL" clId="{D788B803-6CAF-456E-9D5B-399D0D7F1309}" dt="2025-03-14T21:34:41.822" v="428" actId="408"/>
-          <ac:spMkLst>
-            <pc:docMk/>
-            <pc:sldMk cId="2016982695" sldId="364"/>
-            <ac:spMk id="41" creationId="{1A855AA1-B6DB-0ED5-DDFC-8F6EE6ECB45A}"/>
-          </ac:spMkLst>
-        </pc:spChg>
-        <pc:spChg chg="add mod">
-          <ac:chgData name="Joshua Reiss" userId="71f87c30-4769-4a42-a082-a6a82298c8cb" providerId="ADAL" clId="{D788B803-6CAF-456E-9D5B-399D0D7F1309}" dt="2025-03-14T21:37:44.031" v="505" actId="20577"/>
-          <ac:spMkLst>
-            <pc:docMk/>
-            <pc:sldMk cId="2016982695" sldId="364"/>
-            <ac:spMk id="43" creationId="{5CCA9C37-9322-BB6C-C9EC-5A47EC7278BF}"/>
-          </ac:spMkLst>
-        </pc:spChg>
-        <pc:spChg chg="add mod">
-          <ac:chgData name="Joshua Reiss" userId="71f87c30-4769-4a42-a082-a6a82298c8cb" providerId="ADAL" clId="{D788B803-6CAF-456E-9D5B-399D0D7F1309}" dt="2025-03-14T21:36:55.421" v="498" actId="12789"/>
-          <ac:spMkLst>
-            <pc:docMk/>
-            <pc:sldMk cId="2016982695" sldId="364"/>
-            <ac:spMk id="48" creationId="{26AE5D14-08E4-200E-DF59-5A911D4D84D2}"/>
-          </ac:spMkLst>
-        </pc:spChg>
-        <pc:spChg chg="add mod">
-          <ac:chgData name="Joshua Reiss" userId="71f87c30-4769-4a42-a082-a6a82298c8cb" providerId="ADAL" clId="{D788B803-6CAF-456E-9D5B-399D0D7F1309}" dt="2025-03-14T21:36:55.421" v="498" actId="12789"/>
-          <ac:spMkLst>
-            <pc:docMk/>
-            <pc:sldMk cId="2016982695" sldId="364"/>
-            <ac:spMk id="50" creationId="{35FD9770-5011-EA7C-8CB7-0BA5129AD0B9}"/>
-          </ac:spMkLst>
-        </pc:spChg>
-        <pc:spChg chg="add mod">
-          <ac:chgData name="Joshua Reiss" userId="71f87c30-4769-4a42-a082-a6a82298c8cb" providerId="ADAL" clId="{D788B803-6CAF-456E-9D5B-399D0D7F1309}" dt="2025-03-14T21:36:55.421" v="498" actId="12789"/>
-          <ac:spMkLst>
-            <pc:docMk/>
-            <pc:sldMk cId="2016982695" sldId="364"/>
-            <ac:spMk id="51" creationId="{6CA22C11-ABC0-FDF6-02BC-CEEFFEE52954}"/>
-          </ac:spMkLst>
-        </pc:spChg>
-        <pc:spChg chg="add mod">
-          <ac:chgData name="Joshua Reiss" userId="71f87c30-4769-4a42-a082-a6a82298c8cb" providerId="ADAL" clId="{D788B803-6CAF-456E-9D5B-399D0D7F1309}" dt="2025-03-14T21:36:55.421" v="498" actId="12789"/>
-          <ac:spMkLst>
-            <pc:docMk/>
-            <pc:sldMk cId="2016982695" sldId="364"/>
-            <ac:spMk id="52" creationId="{ADC2981D-DC70-A1A3-ACDB-F45BA7429663}"/>
-          </ac:spMkLst>
-        </pc:spChg>
-        <pc:cxnChg chg="mod">
-          <ac:chgData name="Joshua Reiss" userId="71f87c30-4769-4a42-a082-a6a82298c8cb" providerId="ADAL" clId="{D788B803-6CAF-456E-9D5B-399D0D7F1309}" dt="2025-03-14T21:32:13.138" v="384" actId="1035"/>
-          <ac:cxnSpMkLst>
-            <pc:docMk/>
-            <pc:sldMk cId="2016982695" sldId="364"/>
-            <ac:cxnSpMk id="9" creationId="{5B1B22BD-EE07-26A9-1626-C5D31AEC4263}"/>
-          </ac:cxnSpMkLst>
-        </pc:cxnChg>
-        <pc:cxnChg chg="mod">
-          <ac:chgData name="Joshua Reiss" userId="71f87c30-4769-4a42-a082-a6a82298c8cb" providerId="ADAL" clId="{D788B803-6CAF-456E-9D5B-399D0D7F1309}" dt="2025-03-14T21:32:13.138" v="384" actId="1035"/>
-          <ac:cxnSpMkLst>
-            <pc:docMk/>
-            <pc:sldMk cId="2016982695" sldId="364"/>
-            <ac:cxnSpMk id="10" creationId="{CFE5B069-B491-C80D-E38C-74B1903E04AF}"/>
-          </ac:cxnSpMkLst>
-        </pc:cxnChg>
-        <pc:cxnChg chg="mod">
-          <ac:chgData name="Joshua Reiss" userId="71f87c30-4769-4a42-a082-a6a82298c8cb" providerId="ADAL" clId="{D788B803-6CAF-456E-9D5B-399D0D7F1309}" dt="2025-03-14T21:32:13.138" v="384" actId="1035"/>
-          <ac:cxnSpMkLst>
-            <pc:docMk/>
-            <pc:sldMk cId="2016982695" sldId="364"/>
-            <ac:cxnSpMk id="11" creationId="{3DD926BA-C2E2-75B7-15D9-5385F259C092}"/>
-          </ac:cxnSpMkLst>
-        </pc:cxnChg>
-        <pc:cxnChg chg="mod">
-          <ac:chgData name="Joshua Reiss" userId="71f87c30-4769-4a42-a082-a6a82298c8cb" providerId="ADAL" clId="{D788B803-6CAF-456E-9D5B-399D0D7F1309}" dt="2025-03-14T21:32:13.138" v="384" actId="1035"/>
-          <ac:cxnSpMkLst>
-            <pc:docMk/>
-            <pc:sldMk cId="2016982695" sldId="364"/>
-            <ac:cxnSpMk id="23" creationId="{1A82362D-96E9-BF86-589F-A52DF4090677}"/>
-          </ac:cxnSpMkLst>
-        </pc:cxnChg>
-        <pc:cxnChg chg="mod">
-          <ac:chgData name="Joshua Reiss" userId="71f87c30-4769-4a42-a082-a6a82298c8cb" providerId="ADAL" clId="{D788B803-6CAF-456E-9D5B-399D0D7F1309}" dt="2025-03-14T21:32:13.138" v="384" actId="1035"/>
-          <ac:cxnSpMkLst>
-            <pc:docMk/>
-            <pc:sldMk cId="2016982695" sldId="364"/>
-            <ac:cxnSpMk id="30" creationId="{B9D234B3-E1DA-4495-6CB1-9E75AD3F0807}"/>
-          </ac:cxnSpMkLst>
-        </pc:cxnChg>
-        <pc:cxnChg chg="add mod">
-          <ac:chgData name="Joshua Reiss" userId="71f87c30-4769-4a42-a082-a6a82298c8cb" providerId="ADAL" clId="{D788B803-6CAF-456E-9D5B-399D0D7F1309}" dt="2025-03-14T21:34:41.822" v="428" actId="408"/>
-          <ac:cxnSpMkLst>
-            <pc:docMk/>
-            <pc:sldMk cId="2016982695" sldId="364"/>
-            <ac:cxnSpMk id="40" creationId="{AAAFEA93-D691-321D-94FD-4D00C1D9222A}"/>
-          </ac:cxnSpMkLst>
-        </pc:cxnChg>
-        <pc:cxnChg chg="add mod">
-          <ac:chgData name="Joshua Reiss" userId="71f87c30-4769-4a42-a082-a6a82298c8cb" providerId="ADAL" clId="{D788B803-6CAF-456E-9D5B-399D0D7F1309}" dt="2025-03-14T21:34:41.822" v="428" actId="408"/>
-          <ac:cxnSpMkLst>
-            <pc:docMk/>
-            <pc:sldMk cId="2016982695" sldId="364"/>
-            <ac:cxnSpMk id="42" creationId="{50506CAE-6940-8657-E864-A73A31BF327C}"/>
-          </ac:cxnSpMkLst>
-        </pc:cxnChg>
-        <pc:cxnChg chg="add mod">
-          <ac:chgData name="Joshua Reiss" userId="71f87c30-4769-4a42-a082-a6a82298c8cb" providerId="ADAL" clId="{D788B803-6CAF-456E-9D5B-399D0D7F1309}" dt="2025-03-14T21:34:41.822" v="428" actId="408"/>
-          <ac:cxnSpMkLst>
-            <pc:docMk/>
-            <pc:sldMk cId="2016982695" sldId="364"/>
-            <ac:cxnSpMk id="44" creationId="{9AFA8A33-0C12-A731-1F28-FCD4B42D5DEB}"/>
-          </ac:cxnSpMkLst>
-        </pc:cxnChg>
       </pc:sldChg>
       <pc:sldChg chg="addSp delSp modSp add mod">
         <pc:chgData name="Joshua Reiss" userId="71f87c30-4769-4a42-a082-a6a82298c8cb" providerId="ADAL" clId="{D788B803-6CAF-456E-9D5B-399D0D7F1309}" dt="2025-03-22T11:29:57.645" v="1202" actId="1076"/>
@@ -628,334 +332,6 @@
           <pc:docMk/>
           <pc:sldMk cId="201943988" sldId="365"/>
         </pc:sldMkLst>
-        <pc:spChg chg="mod">
-          <ac:chgData name="Joshua Reiss" userId="71f87c30-4769-4a42-a082-a6a82298c8cb" providerId="ADAL" clId="{D788B803-6CAF-456E-9D5B-399D0D7F1309}" dt="2025-03-21T21:07:22.256" v="1188" actId="20577"/>
-          <ac:spMkLst>
-            <pc:docMk/>
-            <pc:sldMk cId="201943988" sldId="365"/>
-            <ac:spMk id="2" creationId="{19464015-D8D5-2B77-0E1C-83BB11C93E83}"/>
-          </ac:spMkLst>
-        </pc:spChg>
-        <pc:spChg chg="add mod">
-          <ac:chgData name="Joshua Reiss" userId="71f87c30-4769-4a42-a082-a6a82298c8cb" providerId="ADAL" clId="{D788B803-6CAF-456E-9D5B-399D0D7F1309}" dt="2025-03-21T21:02:29.227" v="1069" actId="1036"/>
-          <ac:spMkLst>
-            <pc:docMk/>
-            <pc:sldMk cId="201943988" sldId="365"/>
-            <ac:spMk id="4" creationId="{C6D56569-100C-ADC2-A7E1-74243D125AE7}"/>
-          </ac:spMkLst>
-        </pc:spChg>
-        <pc:spChg chg="add mod">
-          <ac:chgData name="Joshua Reiss" userId="71f87c30-4769-4a42-a082-a6a82298c8cb" providerId="ADAL" clId="{D788B803-6CAF-456E-9D5B-399D0D7F1309}" dt="2025-03-21T21:02:29.227" v="1069" actId="1036"/>
-          <ac:spMkLst>
-            <pc:docMk/>
-            <pc:sldMk cId="201943988" sldId="365"/>
-            <ac:spMk id="5" creationId="{400CCFAF-EBFA-2557-E0BE-A3E5502796E4}"/>
-          </ac:spMkLst>
-        </pc:spChg>
-        <pc:spChg chg="add mod">
-          <ac:chgData name="Joshua Reiss" userId="71f87c30-4769-4a42-a082-a6a82298c8cb" providerId="ADAL" clId="{D788B803-6CAF-456E-9D5B-399D0D7F1309}" dt="2025-03-21T21:02:29.227" v="1069" actId="1036"/>
-          <ac:spMkLst>
-            <pc:docMk/>
-            <pc:sldMk cId="201943988" sldId="365"/>
-            <ac:spMk id="6" creationId="{17DE1F7F-476B-6DCE-3411-29C466DAF520}"/>
-          </ac:spMkLst>
-        </pc:spChg>
-        <pc:spChg chg="add mod">
-          <ac:chgData name="Joshua Reiss" userId="71f87c30-4769-4a42-a082-a6a82298c8cb" providerId="ADAL" clId="{D788B803-6CAF-456E-9D5B-399D0D7F1309}" dt="2025-03-21T21:02:41.048" v="1072" actId="1036"/>
-          <ac:spMkLst>
-            <pc:docMk/>
-            <pc:sldMk cId="201943988" sldId="365"/>
-            <ac:spMk id="7" creationId="{FF4EDAAE-AC03-3326-738D-1E538AC31EE0}"/>
-          </ac:spMkLst>
-        </pc:spChg>
-        <pc:spChg chg="add mod">
-          <ac:chgData name="Joshua Reiss" userId="71f87c30-4769-4a42-a082-a6a82298c8cb" providerId="ADAL" clId="{D788B803-6CAF-456E-9D5B-399D0D7F1309}" dt="2025-03-21T21:02:41.048" v="1072" actId="1036"/>
-          <ac:spMkLst>
-            <pc:docMk/>
-            <pc:sldMk cId="201943988" sldId="365"/>
-            <ac:spMk id="8" creationId="{B5E2F2D9-00C2-BB70-4D94-72643DB2ABFD}"/>
-          </ac:spMkLst>
-        </pc:spChg>
-        <pc:spChg chg="add mod">
-          <ac:chgData name="Joshua Reiss" userId="71f87c30-4769-4a42-a082-a6a82298c8cb" providerId="ADAL" clId="{D788B803-6CAF-456E-9D5B-399D0D7F1309}" dt="2025-03-22T11:29:41.355" v="1198" actId="1076"/>
-          <ac:spMkLst>
-            <pc:docMk/>
-            <pc:sldMk cId="201943988" sldId="365"/>
-            <ac:spMk id="9" creationId="{E4D47AB6-259E-8D65-9BFC-D765EE03241F}"/>
-          </ac:spMkLst>
-        </pc:spChg>
-        <pc:spChg chg="add mod">
-          <ac:chgData name="Joshua Reiss" userId="71f87c30-4769-4a42-a082-a6a82298c8cb" providerId="ADAL" clId="{D788B803-6CAF-456E-9D5B-399D0D7F1309}" dt="2025-03-21T21:02:15.527" v="1059" actId="1035"/>
-          <ac:spMkLst>
-            <pc:docMk/>
-            <pc:sldMk cId="201943988" sldId="365"/>
-            <ac:spMk id="10" creationId="{47419154-E448-BA90-CB04-D68AC863E075}"/>
-          </ac:spMkLst>
-        </pc:spChg>
-        <pc:spChg chg="add mod">
-          <ac:chgData name="Joshua Reiss" userId="71f87c30-4769-4a42-a082-a6a82298c8cb" providerId="ADAL" clId="{D788B803-6CAF-456E-9D5B-399D0D7F1309}" dt="2025-03-21T21:02:41.048" v="1072" actId="1036"/>
-          <ac:spMkLst>
-            <pc:docMk/>
-            <pc:sldMk cId="201943988" sldId="365"/>
-            <ac:spMk id="12" creationId="{EE31C4FA-303D-FCEB-C433-04C04CD91825}"/>
-          </ac:spMkLst>
-        </pc:spChg>
-        <pc:spChg chg="add mod">
-          <ac:chgData name="Joshua Reiss" userId="71f87c30-4769-4a42-a082-a6a82298c8cb" providerId="ADAL" clId="{D788B803-6CAF-456E-9D5B-399D0D7F1309}" dt="2025-03-21T21:02:41.048" v="1072" actId="1036"/>
-          <ac:spMkLst>
-            <pc:docMk/>
-            <pc:sldMk cId="201943988" sldId="365"/>
-            <ac:spMk id="13" creationId="{160FC9D7-9472-41A2-2684-C931138CF309}"/>
-          </ac:spMkLst>
-        </pc:spChg>
-        <pc:spChg chg="add mod">
-          <ac:chgData name="Joshua Reiss" userId="71f87c30-4769-4a42-a082-a6a82298c8cb" providerId="ADAL" clId="{D788B803-6CAF-456E-9D5B-399D0D7F1309}" dt="2025-03-21T21:04:32.996" v="1096" actId="554"/>
-          <ac:spMkLst>
-            <pc:docMk/>
-            <pc:sldMk cId="201943988" sldId="365"/>
-            <ac:spMk id="14" creationId="{520B10ED-9E92-A85D-8531-CF5C078C35FD}"/>
-          </ac:spMkLst>
-        </pc:spChg>
-        <pc:spChg chg="add mod">
-          <ac:chgData name="Joshua Reiss" userId="71f87c30-4769-4a42-a082-a6a82298c8cb" providerId="ADAL" clId="{D788B803-6CAF-456E-9D5B-399D0D7F1309}" dt="2025-03-21T21:02:15.527" v="1059" actId="1035"/>
-          <ac:spMkLst>
-            <pc:docMk/>
-            <pc:sldMk cId="201943988" sldId="365"/>
-            <ac:spMk id="15" creationId="{46556121-3091-A273-457A-785253DBCC89}"/>
-          </ac:spMkLst>
-        </pc:spChg>
-        <pc:spChg chg="add mod">
-          <ac:chgData name="Joshua Reiss" userId="71f87c30-4769-4a42-a082-a6a82298c8cb" providerId="ADAL" clId="{D788B803-6CAF-456E-9D5B-399D0D7F1309}" dt="2025-03-21T21:02:15.527" v="1059" actId="1035"/>
-          <ac:spMkLst>
-            <pc:docMk/>
-            <pc:sldMk cId="201943988" sldId="365"/>
-            <ac:spMk id="17" creationId="{BB30476A-8780-021F-8626-B58B0B54A128}"/>
-          </ac:spMkLst>
-        </pc:spChg>
-        <pc:spChg chg="add mod">
-          <ac:chgData name="Joshua Reiss" userId="71f87c30-4769-4a42-a082-a6a82298c8cb" providerId="ADAL" clId="{D788B803-6CAF-456E-9D5B-399D0D7F1309}" dt="2025-03-21T20:57:22.863" v="821" actId="1076"/>
-          <ac:spMkLst>
-            <pc:docMk/>
-            <pc:sldMk cId="201943988" sldId="365"/>
-            <ac:spMk id="20" creationId="{A620637D-3A95-9910-50D4-2236D9EBD0F5}"/>
-          </ac:spMkLst>
-        </pc:spChg>
-        <pc:spChg chg="add mod">
-          <ac:chgData name="Joshua Reiss" userId="71f87c30-4769-4a42-a082-a6a82298c8cb" providerId="ADAL" clId="{D788B803-6CAF-456E-9D5B-399D0D7F1309}" dt="2025-03-22T11:29:49.112" v="1200" actId="1076"/>
-          <ac:spMkLst>
-            <pc:docMk/>
-            <pc:sldMk cId="201943988" sldId="365"/>
-            <ac:spMk id="21" creationId="{E4EDA314-4236-CC58-E672-6DC3766323C1}"/>
-          </ac:spMkLst>
-        </pc:spChg>
-        <pc:spChg chg="add mod">
-          <ac:chgData name="Joshua Reiss" userId="71f87c30-4769-4a42-a082-a6a82298c8cb" providerId="ADAL" clId="{D788B803-6CAF-456E-9D5B-399D0D7F1309}" dt="2025-03-22T11:29:57.645" v="1202" actId="1076"/>
-          <ac:spMkLst>
-            <pc:docMk/>
-            <pc:sldMk cId="201943988" sldId="365"/>
-            <ac:spMk id="22" creationId="{FBC551BE-5FDE-B606-F70C-2207DD7FF17B}"/>
-          </ac:spMkLst>
-        </pc:spChg>
-        <pc:spChg chg="add mod">
-          <ac:chgData name="Joshua Reiss" userId="71f87c30-4769-4a42-a082-a6a82298c8cb" providerId="ADAL" clId="{D788B803-6CAF-456E-9D5B-399D0D7F1309}" dt="2025-03-22T11:29:57.645" v="1202" actId="1076"/>
-          <ac:spMkLst>
-            <pc:docMk/>
-            <pc:sldMk cId="201943988" sldId="365"/>
-            <ac:spMk id="23" creationId="{00131495-11D7-DD35-4D4E-7A6D710D2A17}"/>
-          </ac:spMkLst>
-        </pc:spChg>
-        <pc:spChg chg="add mod">
-          <ac:chgData name="Joshua Reiss" userId="71f87c30-4769-4a42-a082-a6a82298c8cb" providerId="ADAL" clId="{D788B803-6CAF-456E-9D5B-399D0D7F1309}" dt="2025-03-21T20:59:16.990" v="1034" actId="1035"/>
-          <ac:spMkLst>
-            <pc:docMk/>
-            <pc:sldMk cId="201943988" sldId="365"/>
-            <ac:spMk id="35" creationId="{D4523036-458F-0933-63F5-5F63DF797D7B}"/>
-          </ac:spMkLst>
-        </pc:spChg>
-        <pc:spChg chg="mod">
-          <ac:chgData name="Joshua Reiss" userId="71f87c30-4769-4a42-a082-a6a82298c8cb" providerId="ADAL" clId="{D788B803-6CAF-456E-9D5B-399D0D7F1309}" dt="2025-03-21T21:02:29.227" v="1069" actId="1036"/>
-          <ac:spMkLst>
-            <pc:docMk/>
-            <pc:sldMk cId="201943988" sldId="365"/>
-            <ac:spMk id="38" creationId="{CF82A6A8-CC31-16FC-8F5E-4C2A17B27027}"/>
-          </ac:spMkLst>
-        </pc:spChg>
-        <pc:spChg chg="mod">
-          <ac:chgData name="Joshua Reiss" userId="71f87c30-4769-4a42-a082-a6a82298c8cb" providerId="ADAL" clId="{D788B803-6CAF-456E-9D5B-399D0D7F1309}" dt="2025-03-21T21:02:29.227" v="1069" actId="1036"/>
-          <ac:spMkLst>
-            <pc:docMk/>
-            <pc:sldMk cId="201943988" sldId="365"/>
-            <ac:spMk id="41" creationId="{6D08A6AD-B29A-D9B0-8FF6-1CCDB9526AAE}"/>
-          </ac:spMkLst>
-        </pc:spChg>
-        <pc:spChg chg="mod">
-          <ac:chgData name="Joshua Reiss" userId="71f87c30-4769-4a42-a082-a6a82298c8cb" providerId="ADAL" clId="{D788B803-6CAF-456E-9D5B-399D0D7F1309}" dt="2025-03-21T21:02:29.227" v="1069" actId="1036"/>
-          <ac:spMkLst>
-            <pc:docMk/>
-            <pc:sldMk cId="201943988" sldId="365"/>
-            <ac:spMk id="43" creationId="{513C4D83-EC8C-63D7-3E9A-2A442FE6F124}"/>
-          </ac:spMkLst>
-        </pc:spChg>
-        <pc:spChg chg="mod">
-          <ac:chgData name="Joshua Reiss" userId="71f87c30-4769-4a42-a082-a6a82298c8cb" providerId="ADAL" clId="{D788B803-6CAF-456E-9D5B-399D0D7F1309}" dt="2025-03-21T21:02:29.227" v="1069" actId="1036"/>
-          <ac:spMkLst>
-            <pc:docMk/>
-            <pc:sldMk cId="201943988" sldId="365"/>
-            <ac:spMk id="48" creationId="{367825A7-9D17-D7D5-F44A-1BFC67EA98F0}"/>
-          </ac:spMkLst>
-        </pc:spChg>
-        <pc:spChg chg="add mod">
-          <ac:chgData name="Joshua Reiss" userId="71f87c30-4769-4a42-a082-a6a82298c8cb" providerId="ADAL" clId="{D788B803-6CAF-456E-9D5B-399D0D7F1309}" dt="2025-03-21T21:04:32.996" v="1096" actId="554"/>
-          <ac:spMkLst>
-            <pc:docMk/>
-            <pc:sldMk cId="201943988" sldId="365"/>
-            <ac:spMk id="56" creationId="{2FAB1604-B3B9-DFEC-1DA8-684A44624909}"/>
-          </ac:spMkLst>
-        </pc:spChg>
-        <pc:spChg chg="add mod">
-          <ac:chgData name="Joshua Reiss" userId="71f87c30-4769-4a42-a082-a6a82298c8cb" providerId="ADAL" clId="{D788B803-6CAF-456E-9D5B-399D0D7F1309}" dt="2025-03-21T21:04:32.996" v="1096" actId="554"/>
-          <ac:spMkLst>
-            <pc:docMk/>
-            <pc:sldMk cId="201943988" sldId="365"/>
-            <ac:spMk id="57" creationId="{6F432A82-91A7-10DA-3166-55A5E291CD06}"/>
-          </ac:spMkLst>
-        </pc:spChg>
-        <pc:spChg chg="add mod">
-          <ac:chgData name="Joshua Reiss" userId="71f87c30-4769-4a42-a082-a6a82298c8cb" providerId="ADAL" clId="{D788B803-6CAF-456E-9D5B-399D0D7F1309}" dt="2025-03-21T21:04:32.996" v="1096" actId="554"/>
-          <ac:spMkLst>
-            <pc:docMk/>
-            <pc:sldMk cId="201943988" sldId="365"/>
-            <ac:spMk id="58" creationId="{B2D66C22-AD20-DD07-0506-062DE1586D5F}"/>
-          </ac:spMkLst>
-        </pc:spChg>
-        <pc:spChg chg="add mod">
-          <ac:chgData name="Joshua Reiss" userId="71f87c30-4769-4a42-a082-a6a82298c8cb" providerId="ADAL" clId="{D788B803-6CAF-456E-9D5B-399D0D7F1309}" dt="2025-03-21T21:05:31.693" v="1108" actId="114"/>
-          <ac:spMkLst>
-            <pc:docMk/>
-            <pc:sldMk cId="201943988" sldId="365"/>
-            <ac:spMk id="62" creationId="{58BAD77D-3546-387E-C12A-14D6D110A45D}"/>
-          </ac:spMkLst>
-        </pc:spChg>
-        <pc:spChg chg="add mod">
-          <ac:chgData name="Joshua Reiss" userId="71f87c30-4769-4a42-a082-a6a82298c8cb" providerId="ADAL" clId="{D788B803-6CAF-456E-9D5B-399D0D7F1309}" dt="2025-03-21T21:05:46.512" v="1111" actId="20577"/>
-          <ac:spMkLst>
-            <pc:docMk/>
-            <pc:sldMk cId="201943988" sldId="365"/>
-            <ac:spMk id="63" creationId="{660B31A9-8498-EA45-B597-E8D8345ED73F}"/>
-          </ac:spMkLst>
-        </pc:spChg>
-        <pc:cxnChg chg="add mod">
-          <ac:chgData name="Joshua Reiss" userId="71f87c30-4769-4a42-a082-a6a82298c8cb" providerId="ADAL" clId="{D788B803-6CAF-456E-9D5B-399D0D7F1309}" dt="2025-03-21T20:58:07.463" v="867" actId="14100"/>
-          <ac:cxnSpMkLst>
-            <pc:docMk/>
-            <pc:sldMk cId="201943988" sldId="365"/>
-            <ac:cxnSpMk id="3" creationId="{98D88C32-F666-716B-471E-31B54B2934F8}"/>
-          </ac:cxnSpMkLst>
-        </pc:cxnChg>
-        <pc:cxnChg chg="add mod">
-          <ac:chgData name="Joshua Reiss" userId="71f87c30-4769-4a42-a082-a6a82298c8cb" providerId="ADAL" clId="{D788B803-6CAF-456E-9D5B-399D0D7F1309}" dt="2025-03-21T21:02:15.527" v="1059" actId="1035"/>
-          <ac:cxnSpMkLst>
-            <pc:docMk/>
-            <pc:sldMk cId="201943988" sldId="365"/>
-            <ac:cxnSpMk id="11" creationId="{3D922FBF-8951-0827-B503-72F28F0F8E48}"/>
-          </ac:cxnSpMkLst>
-        </pc:cxnChg>
-        <pc:cxnChg chg="add mod">
-          <ac:chgData name="Joshua Reiss" userId="71f87c30-4769-4a42-a082-a6a82298c8cb" providerId="ADAL" clId="{D788B803-6CAF-456E-9D5B-399D0D7F1309}" dt="2025-03-21T21:02:15.527" v="1059" actId="1035"/>
-          <ac:cxnSpMkLst>
-            <pc:docMk/>
-            <pc:sldMk cId="201943988" sldId="365"/>
-            <ac:cxnSpMk id="16" creationId="{10C5A189-FA6F-B83F-E0E9-0332C979F5DA}"/>
-          </ac:cxnSpMkLst>
-        </pc:cxnChg>
-        <pc:cxnChg chg="add mod">
-          <ac:chgData name="Joshua Reiss" userId="71f87c30-4769-4a42-a082-a6a82298c8cb" providerId="ADAL" clId="{D788B803-6CAF-456E-9D5B-399D0D7F1309}" dt="2025-03-21T21:02:15.527" v="1059" actId="1035"/>
-          <ac:cxnSpMkLst>
-            <pc:docMk/>
-            <pc:sldMk cId="201943988" sldId="365"/>
-            <ac:cxnSpMk id="18" creationId="{45CAD3D7-19C7-F53F-ED0B-1BAF8AC542F5}"/>
-          </ac:cxnSpMkLst>
-        </pc:cxnChg>
-        <pc:cxnChg chg="add mod">
-          <ac:chgData name="Joshua Reiss" userId="71f87c30-4769-4a42-a082-a6a82298c8cb" providerId="ADAL" clId="{D788B803-6CAF-456E-9D5B-399D0D7F1309}" dt="2025-03-21T21:02:15.527" v="1059" actId="1035"/>
-          <ac:cxnSpMkLst>
-            <pc:docMk/>
-            <pc:sldMk cId="201943988" sldId="365"/>
-            <ac:cxnSpMk id="19" creationId="{BBFF04E6-AEF2-138A-0F0A-7253A32DD8BE}"/>
-          </ac:cxnSpMkLst>
-        </pc:cxnChg>
-        <pc:cxnChg chg="add mod">
-          <ac:chgData name="Joshua Reiss" userId="71f87c30-4769-4a42-a082-a6a82298c8cb" providerId="ADAL" clId="{D788B803-6CAF-456E-9D5B-399D0D7F1309}" dt="2025-03-21T21:03:00.435" v="1075" actId="14100"/>
-          <ac:cxnSpMkLst>
-            <pc:docMk/>
-            <pc:sldMk cId="201943988" sldId="365"/>
-            <ac:cxnSpMk id="25" creationId="{BF6A71BE-FDC9-DB7A-C91F-8AD63813F2BA}"/>
-          </ac:cxnSpMkLst>
-        </pc:cxnChg>
-        <pc:cxnChg chg="add mod">
-          <ac:chgData name="Joshua Reiss" userId="71f87c30-4769-4a42-a082-a6a82298c8cb" providerId="ADAL" clId="{D788B803-6CAF-456E-9D5B-399D0D7F1309}" dt="2025-03-21T21:03:05.503" v="1076" actId="14100"/>
-          <ac:cxnSpMkLst>
-            <pc:docMk/>
-            <pc:sldMk cId="201943988" sldId="365"/>
-            <ac:cxnSpMk id="31" creationId="{B066A10E-39BE-50B2-20F3-FC3AF9DA8C55}"/>
-          </ac:cxnSpMkLst>
-        </pc:cxnChg>
-        <pc:cxnChg chg="add mod">
-          <ac:chgData name="Joshua Reiss" userId="71f87c30-4769-4a42-a082-a6a82298c8cb" providerId="ADAL" clId="{D788B803-6CAF-456E-9D5B-399D0D7F1309}" dt="2025-03-21T21:02:54.875" v="1074" actId="14100"/>
-          <ac:cxnSpMkLst>
-            <pc:docMk/>
-            <pc:sldMk cId="201943988" sldId="365"/>
-            <ac:cxnSpMk id="36" creationId="{36FFC753-C62B-08D6-C3ED-607CB8CD0ADD}"/>
-          </ac:cxnSpMkLst>
-        </pc:cxnChg>
-        <pc:cxnChg chg="add mod">
-          <ac:chgData name="Joshua Reiss" userId="71f87c30-4769-4a42-a082-a6a82298c8cb" providerId="ADAL" clId="{D788B803-6CAF-456E-9D5B-399D0D7F1309}" dt="2025-03-21T21:02:49.496" v="1073" actId="14100"/>
-          <ac:cxnSpMkLst>
-            <pc:docMk/>
-            <pc:sldMk cId="201943988" sldId="365"/>
-            <ac:cxnSpMk id="37" creationId="{6E17B073-41D7-0945-543B-567A6C7B8910}"/>
-          </ac:cxnSpMkLst>
-        </pc:cxnChg>
-        <pc:cxnChg chg="mod">
-          <ac:chgData name="Joshua Reiss" userId="71f87c30-4769-4a42-a082-a6a82298c8cb" providerId="ADAL" clId="{D788B803-6CAF-456E-9D5B-399D0D7F1309}" dt="2025-03-21T21:02:29.227" v="1069" actId="1036"/>
-          <ac:cxnSpMkLst>
-            <pc:docMk/>
-            <pc:sldMk cId="201943988" sldId="365"/>
-            <ac:cxnSpMk id="40" creationId="{FCF998DF-CA16-C422-0C17-47C9E342CDFE}"/>
-          </ac:cxnSpMkLst>
-        </pc:cxnChg>
-        <pc:cxnChg chg="mod">
-          <ac:chgData name="Joshua Reiss" userId="71f87c30-4769-4a42-a082-a6a82298c8cb" providerId="ADAL" clId="{D788B803-6CAF-456E-9D5B-399D0D7F1309}" dt="2025-03-21T21:02:29.227" v="1069" actId="1036"/>
-          <ac:cxnSpMkLst>
-            <pc:docMk/>
-            <pc:sldMk cId="201943988" sldId="365"/>
-            <ac:cxnSpMk id="42" creationId="{65E92D5E-2F16-05B8-EA6F-669DE5AA931C}"/>
-          </ac:cxnSpMkLst>
-        </pc:cxnChg>
-        <pc:cxnChg chg="add del mod">
-          <ac:chgData name="Joshua Reiss" userId="71f87c30-4769-4a42-a082-a6a82298c8cb" providerId="ADAL" clId="{D788B803-6CAF-456E-9D5B-399D0D7F1309}" dt="2025-03-21T21:02:29.227" v="1069" actId="1036"/>
-          <ac:cxnSpMkLst>
-            <pc:docMk/>
-            <pc:sldMk cId="201943988" sldId="365"/>
-            <ac:cxnSpMk id="44" creationId="{00BB03A3-F7D3-5BCA-0803-2962901C7F74}"/>
-          </ac:cxnSpMkLst>
-        </pc:cxnChg>
-        <pc:cxnChg chg="add mod">
-          <ac:chgData name="Joshua Reiss" userId="71f87c30-4769-4a42-a082-a6a82298c8cb" providerId="ADAL" clId="{D788B803-6CAF-456E-9D5B-399D0D7F1309}" dt="2025-03-21T21:05:59.867" v="1114" actId="14100"/>
-          <ac:cxnSpMkLst>
-            <pc:docMk/>
-            <pc:sldMk cId="201943988" sldId="365"/>
-            <ac:cxnSpMk id="64" creationId="{77651234-306B-D015-D269-34A4079FDE37}"/>
-          </ac:cxnSpMkLst>
-        </pc:cxnChg>
-        <pc:cxnChg chg="add mod">
-          <ac:chgData name="Joshua Reiss" userId="71f87c30-4769-4a42-a082-a6a82298c8cb" providerId="ADAL" clId="{D788B803-6CAF-456E-9D5B-399D0D7F1309}" dt="2025-03-21T21:06:14.654" v="1117" actId="14100"/>
-          <ac:cxnSpMkLst>
-            <pc:docMk/>
-            <pc:sldMk cId="201943988" sldId="365"/>
-            <ac:cxnSpMk id="66" creationId="{AEEAFDC6-38CB-C00C-2621-539AB556C55D}"/>
-          </ac:cxnSpMkLst>
-        </pc:cxnChg>
       </pc:sldChg>
       <pc:sldChg chg="addSp delSp modSp add mod">
         <pc:chgData name="Joshua Reiss" userId="71f87c30-4769-4a42-a082-a6a82298c8cb" providerId="ADAL" clId="{D788B803-6CAF-456E-9D5B-399D0D7F1309}" dt="2025-03-23T09:26:15.203" v="1445" actId="1076"/>
@@ -963,222 +339,6 @@
           <pc:docMk/>
           <pc:sldMk cId="1978429239" sldId="366"/>
         </pc:sldMkLst>
-        <pc:spChg chg="mod">
-          <ac:chgData name="Joshua Reiss" userId="71f87c30-4769-4a42-a082-a6a82298c8cb" providerId="ADAL" clId="{D788B803-6CAF-456E-9D5B-399D0D7F1309}" dt="2025-03-22T11:43:50.430" v="1303" actId="20577"/>
-          <ac:spMkLst>
-            <pc:docMk/>
-            <pc:sldMk cId="1978429239" sldId="366"/>
-            <ac:spMk id="2" creationId="{C9DDDF47-7180-4395-F14B-1DA91C4C5E4A}"/>
-          </ac:spMkLst>
-        </pc:spChg>
-        <pc:spChg chg="add mod">
-          <ac:chgData name="Joshua Reiss" userId="71f87c30-4769-4a42-a082-a6a82298c8cb" providerId="ADAL" clId="{D788B803-6CAF-456E-9D5B-399D0D7F1309}" dt="2025-03-23T09:25:33.375" v="1435" actId="20577"/>
-          <ac:spMkLst>
-            <pc:docMk/>
-            <pc:sldMk cId="1978429239" sldId="366"/>
-            <ac:spMk id="5" creationId="{A5432B07-8421-FBED-DFAD-3733B1D11243}"/>
-          </ac:spMkLst>
-        </pc:spChg>
-        <pc:spChg chg="mod">
-          <ac:chgData name="Joshua Reiss" userId="71f87c30-4769-4a42-a082-a6a82298c8cb" providerId="ADAL" clId="{D788B803-6CAF-456E-9D5B-399D0D7F1309}" dt="2025-03-23T09:24:40.770" v="1423" actId="1036"/>
-          <ac:spMkLst>
-            <pc:docMk/>
-            <pc:sldMk cId="1978429239" sldId="366"/>
-            <ac:spMk id="6" creationId="{8FE89B3F-9D5D-23C2-BA53-7C480857F63A}"/>
-          </ac:spMkLst>
-        </pc:spChg>
-        <pc:spChg chg="mod">
-          <ac:chgData name="Joshua Reiss" userId="71f87c30-4769-4a42-a082-a6a82298c8cb" providerId="ADAL" clId="{D788B803-6CAF-456E-9D5B-399D0D7F1309}" dt="2025-03-23T09:24:40.770" v="1423" actId="1036"/>
-          <ac:spMkLst>
-            <pc:docMk/>
-            <pc:sldMk cId="1978429239" sldId="366"/>
-            <ac:spMk id="7" creationId="{0BBE9DC3-E87E-E9F7-E40D-F74385BE9DBF}"/>
-          </ac:spMkLst>
-        </pc:spChg>
-        <pc:spChg chg="add mod">
-          <ac:chgData name="Joshua Reiss" userId="71f87c30-4769-4a42-a082-a6a82298c8cb" providerId="ADAL" clId="{D788B803-6CAF-456E-9D5B-399D0D7F1309}" dt="2025-03-23T09:24:40.770" v="1423" actId="1036"/>
-          <ac:spMkLst>
-            <pc:docMk/>
-            <pc:sldMk cId="1978429239" sldId="366"/>
-            <ac:spMk id="8" creationId="{F682EE87-2BB5-77F7-9B2C-B96B7FF5A030}"/>
-          </ac:spMkLst>
-        </pc:spChg>
-        <pc:spChg chg="mod">
-          <ac:chgData name="Joshua Reiss" userId="71f87c30-4769-4a42-a082-a6a82298c8cb" providerId="ADAL" clId="{D788B803-6CAF-456E-9D5B-399D0D7F1309}" dt="2025-03-23T09:24:40.770" v="1423" actId="1036"/>
-          <ac:spMkLst>
-            <pc:docMk/>
-            <pc:sldMk cId="1978429239" sldId="366"/>
-            <ac:spMk id="9" creationId="{6DA9F453-E6A0-1C7B-FD4A-3274CCE0FFD7}"/>
-          </ac:spMkLst>
-        </pc:spChg>
-        <pc:spChg chg="add mod">
-          <ac:chgData name="Joshua Reiss" userId="71f87c30-4769-4a42-a082-a6a82298c8cb" providerId="ADAL" clId="{D788B803-6CAF-456E-9D5B-399D0D7F1309}" dt="2025-03-23T09:25:53.099" v="1440" actId="1076"/>
-          <ac:spMkLst>
-            <pc:docMk/>
-            <pc:sldMk cId="1978429239" sldId="366"/>
-            <ac:spMk id="10" creationId="{8446CB5D-9B15-9448-359C-7471991974C7}"/>
-          </ac:spMkLst>
-        </pc:spChg>
-        <pc:spChg chg="add mod">
-          <ac:chgData name="Joshua Reiss" userId="71f87c30-4769-4a42-a082-a6a82298c8cb" providerId="ADAL" clId="{D788B803-6CAF-456E-9D5B-399D0D7F1309}" dt="2025-03-23T09:26:15.203" v="1445" actId="1076"/>
-          <ac:spMkLst>
-            <pc:docMk/>
-            <pc:sldMk cId="1978429239" sldId="366"/>
-            <ac:spMk id="12" creationId="{654AA8ED-BFBD-D87D-DD5B-BE143630DCBC}"/>
-          </ac:spMkLst>
-        </pc:spChg>
-        <pc:spChg chg="mod">
-          <ac:chgData name="Joshua Reiss" userId="71f87c30-4769-4a42-a082-a6a82298c8cb" providerId="ADAL" clId="{D788B803-6CAF-456E-9D5B-399D0D7F1309}" dt="2025-03-23T09:24:40.770" v="1423" actId="1036"/>
-          <ac:spMkLst>
-            <pc:docMk/>
-            <pc:sldMk cId="1978429239" sldId="366"/>
-            <ac:spMk id="13" creationId="{9F0703A4-D0A2-7152-36F0-9407FE01ABBE}"/>
-          </ac:spMkLst>
-        </pc:spChg>
-        <pc:spChg chg="mod">
-          <ac:chgData name="Joshua Reiss" userId="71f87c30-4769-4a42-a082-a6a82298c8cb" providerId="ADAL" clId="{D788B803-6CAF-456E-9D5B-399D0D7F1309}" dt="2025-03-23T09:24:40.770" v="1423" actId="1036"/>
-          <ac:spMkLst>
-            <pc:docMk/>
-            <pc:sldMk cId="1978429239" sldId="366"/>
-            <ac:spMk id="17" creationId="{8C0B4FDB-DED5-49BF-253A-C5FC9140832C}"/>
-          </ac:spMkLst>
-        </pc:spChg>
-        <pc:spChg chg="mod">
-          <ac:chgData name="Joshua Reiss" userId="71f87c30-4769-4a42-a082-a6a82298c8cb" providerId="ADAL" clId="{D788B803-6CAF-456E-9D5B-399D0D7F1309}" dt="2025-03-23T09:24:40.770" v="1423" actId="1036"/>
-          <ac:spMkLst>
-            <pc:docMk/>
-            <pc:sldMk cId="1978429239" sldId="366"/>
-            <ac:spMk id="21" creationId="{95A1F923-60D0-6F7F-3BE8-9F77F5E22D9E}"/>
-          </ac:spMkLst>
-        </pc:spChg>
-        <pc:spChg chg="mod">
-          <ac:chgData name="Joshua Reiss" userId="71f87c30-4769-4a42-a082-a6a82298c8cb" providerId="ADAL" clId="{D788B803-6CAF-456E-9D5B-399D0D7F1309}" dt="2025-03-23T09:24:40.770" v="1423" actId="1036"/>
-          <ac:spMkLst>
-            <pc:docMk/>
-            <pc:sldMk cId="1978429239" sldId="366"/>
-            <ac:spMk id="22" creationId="{0BBD79A9-C9E8-AE09-3E78-F4FCF62DACD9}"/>
-          </ac:spMkLst>
-        </pc:spChg>
-        <pc:spChg chg="mod">
-          <ac:chgData name="Joshua Reiss" userId="71f87c30-4769-4a42-a082-a6a82298c8cb" providerId="ADAL" clId="{D788B803-6CAF-456E-9D5B-399D0D7F1309}" dt="2025-03-23T09:24:40.770" v="1423" actId="1036"/>
-          <ac:spMkLst>
-            <pc:docMk/>
-            <pc:sldMk cId="1978429239" sldId="366"/>
-            <ac:spMk id="23" creationId="{9B3B002D-E4AD-890D-67E1-676BD08636D0}"/>
-          </ac:spMkLst>
-        </pc:spChg>
-        <pc:spChg chg="mod">
-          <ac:chgData name="Joshua Reiss" userId="71f87c30-4769-4a42-a082-a6a82298c8cb" providerId="ADAL" clId="{D788B803-6CAF-456E-9D5B-399D0D7F1309}" dt="2025-03-22T14:29:31.801" v="1381" actId="1038"/>
-          <ac:spMkLst>
-            <pc:docMk/>
-            <pc:sldMk cId="1978429239" sldId="366"/>
-            <ac:spMk id="35" creationId="{0F5EA9BC-2A02-C216-0F4C-1268811AF68C}"/>
-          </ac:spMkLst>
-        </pc:spChg>
-        <pc:spChg chg="mod">
-          <ac:chgData name="Joshua Reiss" userId="71f87c30-4769-4a42-a082-a6a82298c8cb" providerId="ADAL" clId="{D788B803-6CAF-456E-9D5B-399D0D7F1309}" dt="2025-03-22T14:29:19.933" v="1312" actId="1076"/>
-          <ac:spMkLst>
-            <pc:docMk/>
-            <pc:sldMk cId="1978429239" sldId="366"/>
-            <ac:spMk id="43" creationId="{539F9B8A-C2D8-03CE-C44E-ADF9CF139F8E}"/>
-          </ac:spMkLst>
-        </pc:spChg>
-        <pc:spChg chg="mod">
-          <ac:chgData name="Joshua Reiss" userId="71f87c30-4769-4a42-a082-a6a82298c8cb" providerId="ADAL" clId="{D788B803-6CAF-456E-9D5B-399D0D7F1309}" dt="2025-03-23T09:24:40.770" v="1423" actId="1036"/>
-          <ac:spMkLst>
-            <pc:docMk/>
-            <pc:sldMk cId="1978429239" sldId="366"/>
-            <ac:spMk id="48" creationId="{1113F177-676E-7AA8-1040-4CA9FDAB5D17}"/>
-          </ac:spMkLst>
-        </pc:spChg>
-        <pc:spChg chg="mod">
-          <ac:chgData name="Joshua Reiss" userId="71f87c30-4769-4a42-a082-a6a82298c8cb" providerId="ADAL" clId="{D788B803-6CAF-456E-9D5B-399D0D7F1309}" dt="2025-03-22T14:29:31.801" v="1381" actId="1038"/>
-          <ac:spMkLst>
-            <pc:docMk/>
-            <pc:sldMk cId="1978429239" sldId="366"/>
-            <ac:spMk id="58" creationId="{1076C81A-23AE-94FC-5688-D976643E6854}"/>
-          </ac:spMkLst>
-        </pc:spChg>
-        <pc:spChg chg="mod">
-          <ac:chgData name="Joshua Reiss" userId="71f87c30-4769-4a42-a082-a6a82298c8cb" providerId="ADAL" clId="{D788B803-6CAF-456E-9D5B-399D0D7F1309}" dt="2025-03-22T14:30:06.446" v="1384" actId="1076"/>
-          <ac:spMkLst>
-            <pc:docMk/>
-            <pc:sldMk cId="1978429239" sldId="366"/>
-            <ac:spMk id="62" creationId="{DA6599FB-C465-B37A-18E2-AFCB6D982D72}"/>
-          </ac:spMkLst>
-        </pc:spChg>
-        <pc:cxnChg chg="mod">
-          <ac:chgData name="Joshua Reiss" userId="71f87c30-4769-4a42-a082-a6a82298c8cb" providerId="ADAL" clId="{D788B803-6CAF-456E-9D5B-399D0D7F1309}" dt="2025-03-22T14:29:19.933" v="1312" actId="1076"/>
-          <ac:cxnSpMkLst>
-            <pc:docMk/>
-            <pc:sldMk cId="1978429239" sldId="366"/>
-            <ac:cxnSpMk id="3" creationId="{8822B14B-ABC2-A7C1-B2E2-62947AB4E8C0}"/>
-          </ac:cxnSpMkLst>
-        </pc:cxnChg>
-        <pc:cxnChg chg="add mod">
-          <ac:chgData name="Joshua Reiss" userId="71f87c30-4769-4a42-a082-a6a82298c8cb" providerId="ADAL" clId="{D788B803-6CAF-456E-9D5B-399D0D7F1309}" dt="2025-03-23T09:24:35.273" v="1407" actId="1076"/>
-          <ac:cxnSpMkLst>
-            <pc:docMk/>
-            <pc:sldMk cId="1978429239" sldId="366"/>
-            <ac:cxnSpMk id="4" creationId="{C4BA1D0F-B360-D8C9-724F-A6A99DEDE996}"/>
-          </ac:cxnSpMkLst>
-        </pc:cxnChg>
-        <pc:cxnChg chg="mod">
-          <ac:chgData name="Joshua Reiss" userId="71f87c30-4769-4a42-a082-a6a82298c8cb" providerId="ADAL" clId="{D788B803-6CAF-456E-9D5B-399D0D7F1309}" dt="2025-03-22T11:39:20.888" v="1221" actId="1038"/>
-          <ac:cxnSpMkLst>
-            <pc:docMk/>
-            <pc:sldMk cId="1978429239" sldId="366"/>
-            <ac:cxnSpMk id="11" creationId="{07F3DAB7-7441-6D84-2C9C-B8D2386AA51E}"/>
-          </ac:cxnSpMkLst>
-        </pc:cxnChg>
-        <pc:cxnChg chg="add mod">
-          <ac:chgData name="Joshua Reiss" userId="71f87c30-4769-4a42-a082-a6a82298c8cb" providerId="ADAL" clId="{D788B803-6CAF-456E-9D5B-399D0D7F1309}" dt="2025-03-23T09:24:35.273" v="1407" actId="1076"/>
-          <ac:cxnSpMkLst>
-            <pc:docMk/>
-            <pc:sldMk cId="1978429239" sldId="366"/>
-            <ac:cxnSpMk id="15" creationId="{82442B66-32C3-0842-0AEA-E61A5A63BD52}"/>
-          </ac:cxnSpMkLst>
-        </pc:cxnChg>
-        <pc:cxnChg chg="mod">
-          <ac:chgData name="Joshua Reiss" userId="71f87c30-4769-4a42-a082-a6a82298c8cb" providerId="ADAL" clId="{D788B803-6CAF-456E-9D5B-399D0D7F1309}" dt="2025-03-22T11:39:20.888" v="1221" actId="1038"/>
-          <ac:cxnSpMkLst>
-            <pc:docMk/>
-            <pc:sldMk cId="1978429239" sldId="366"/>
-            <ac:cxnSpMk id="19" creationId="{535C8D5E-0003-947E-4D80-6F404A830860}"/>
-          </ac:cxnSpMkLst>
-        </pc:cxnChg>
-        <pc:cxnChg chg="mod">
-          <ac:chgData name="Joshua Reiss" userId="71f87c30-4769-4a42-a082-a6a82298c8cb" providerId="ADAL" clId="{D788B803-6CAF-456E-9D5B-399D0D7F1309}" dt="2025-03-22T14:29:47.555" v="1383" actId="14100"/>
-          <ac:cxnSpMkLst>
-            <pc:docMk/>
-            <pc:sldMk cId="1978429239" sldId="366"/>
-            <ac:cxnSpMk id="36" creationId="{0453826F-0286-1179-F325-A8E54373DDE0}"/>
-          </ac:cxnSpMkLst>
-        </pc:cxnChg>
-        <pc:cxnChg chg="mod">
-          <ac:chgData name="Joshua Reiss" userId="71f87c30-4769-4a42-a082-a6a82298c8cb" providerId="ADAL" clId="{D788B803-6CAF-456E-9D5B-399D0D7F1309}" dt="2025-03-22T14:29:40.133" v="1382" actId="14100"/>
-          <ac:cxnSpMkLst>
-            <pc:docMk/>
-            <pc:sldMk cId="1978429239" sldId="366"/>
-            <ac:cxnSpMk id="37" creationId="{5ECE7EE9-AA27-52E7-FD42-5D2AC3EA472B}"/>
-          </ac:cxnSpMkLst>
-        </pc:cxnChg>
-        <pc:cxnChg chg="mod">
-          <ac:chgData name="Joshua Reiss" userId="71f87c30-4769-4a42-a082-a6a82298c8cb" providerId="ADAL" clId="{D788B803-6CAF-456E-9D5B-399D0D7F1309}" dt="2025-03-22T14:29:19.933" v="1312" actId="1076"/>
-          <ac:cxnSpMkLst>
-            <pc:docMk/>
-            <pc:sldMk cId="1978429239" sldId="366"/>
-            <ac:cxnSpMk id="40" creationId="{A2F25FD9-998D-870B-EF06-214A8F7D0713}"/>
-          </ac:cxnSpMkLst>
-        </pc:cxnChg>
-        <pc:cxnChg chg="mod">
-          <ac:chgData name="Joshua Reiss" userId="71f87c30-4769-4a42-a082-a6a82298c8cb" providerId="ADAL" clId="{D788B803-6CAF-456E-9D5B-399D0D7F1309}" dt="2025-03-22T14:29:31.801" v="1381" actId="1038"/>
-          <ac:cxnSpMkLst>
-            <pc:docMk/>
-            <pc:sldMk cId="1978429239" sldId="366"/>
-            <ac:cxnSpMk id="64" creationId="{A717C41E-E2DE-DA1E-78F3-8F0B57A7016E}"/>
-          </ac:cxnSpMkLst>
-        </pc:cxnChg>
       </pc:sldChg>
       <pc:sldChg chg="addSp delSp modSp add mod">
         <pc:chgData name="Joshua Reiss" userId="71f87c30-4769-4a42-a082-a6a82298c8cb" providerId="ADAL" clId="{D788B803-6CAF-456E-9D5B-399D0D7F1309}" dt="2025-04-02T15:03:00.425" v="2167" actId="692"/>
@@ -1186,350 +346,6 @@
           <pc:docMk/>
           <pc:sldMk cId="361188305" sldId="367"/>
         </pc:sldMkLst>
-        <pc:spChg chg="mod">
-          <ac:chgData name="Joshua Reiss" userId="71f87c30-4769-4a42-a082-a6a82298c8cb" providerId="ADAL" clId="{D788B803-6CAF-456E-9D5B-399D0D7F1309}" dt="2025-04-02T14:52:36.631" v="1968" actId="1037"/>
-          <ac:spMkLst>
-            <pc:docMk/>
-            <pc:sldMk cId="361188305" sldId="367"/>
-            <ac:spMk id="2" creationId="{2BDF3B9B-2CD2-FF66-619B-71A70248F83B}"/>
-          </ac:spMkLst>
-        </pc:spChg>
-        <pc:spChg chg="mod">
-          <ac:chgData name="Joshua Reiss" userId="71f87c30-4769-4a42-a082-a6a82298c8cb" providerId="ADAL" clId="{D788B803-6CAF-456E-9D5B-399D0D7F1309}" dt="2025-04-02T14:52:50.622" v="1970" actId="20577"/>
-          <ac:spMkLst>
-            <pc:docMk/>
-            <pc:sldMk cId="361188305" sldId="367"/>
-            <ac:spMk id="3" creationId="{537C1518-FC9C-A674-2370-630D06D5E019}"/>
-          </ac:spMkLst>
-        </pc:spChg>
-        <pc:spChg chg="mod">
-          <ac:chgData name="Joshua Reiss" userId="71f87c30-4769-4a42-a082-a6a82298c8cb" providerId="ADAL" clId="{D788B803-6CAF-456E-9D5B-399D0D7F1309}" dt="2025-04-02T15:02:00.301" v="2157" actId="1076"/>
-          <ac:spMkLst>
-            <pc:docMk/>
-            <pc:sldMk cId="361188305" sldId="367"/>
-            <ac:spMk id="4" creationId="{D0D676E3-23D6-12B3-1754-0EBED5F45961}"/>
-          </ac:spMkLst>
-        </pc:spChg>
-        <pc:spChg chg="add mod">
-          <ac:chgData name="Joshua Reiss" userId="71f87c30-4769-4a42-a082-a6a82298c8cb" providerId="ADAL" clId="{D788B803-6CAF-456E-9D5B-399D0D7F1309}" dt="2025-04-02T15:02:00.301" v="2157" actId="1076"/>
-          <ac:spMkLst>
-            <pc:docMk/>
-            <pc:sldMk cId="361188305" sldId="367"/>
-            <ac:spMk id="5" creationId="{696CECA3-B8C5-D9F8-BE52-A9385EC84C10}"/>
-          </ac:spMkLst>
-        </pc:spChg>
-        <pc:spChg chg="del mod">
-          <ac:chgData name="Joshua Reiss" userId="71f87c30-4769-4a42-a082-a6a82298c8cb" providerId="ADAL" clId="{D788B803-6CAF-456E-9D5B-399D0D7F1309}" dt="2025-04-02T15:01:38.136" v="2156" actId="478"/>
-          <ac:spMkLst>
-            <pc:docMk/>
-            <pc:sldMk cId="361188305" sldId="367"/>
-            <ac:spMk id="6" creationId="{87F93E69-6096-65B3-D588-ABBB33D8DDA9}"/>
-          </ac:spMkLst>
-        </pc:spChg>
-        <pc:spChg chg="del mod">
-          <ac:chgData name="Joshua Reiss" userId="71f87c30-4769-4a42-a082-a6a82298c8cb" providerId="ADAL" clId="{D788B803-6CAF-456E-9D5B-399D0D7F1309}" dt="2025-04-02T15:01:38.136" v="2156" actId="478"/>
-          <ac:spMkLst>
-            <pc:docMk/>
-            <pc:sldMk cId="361188305" sldId="367"/>
-            <ac:spMk id="7" creationId="{2357D5EA-7B8F-8E7A-970F-8C39EFCAD83B}"/>
-          </ac:spMkLst>
-        </pc:spChg>
-        <pc:spChg chg="del mod">
-          <ac:chgData name="Joshua Reiss" userId="71f87c30-4769-4a42-a082-a6a82298c8cb" providerId="ADAL" clId="{D788B803-6CAF-456E-9D5B-399D0D7F1309}" dt="2025-04-02T15:01:38.136" v="2156" actId="478"/>
-          <ac:spMkLst>
-            <pc:docMk/>
-            <pc:sldMk cId="361188305" sldId="367"/>
-            <ac:spMk id="12" creationId="{CD32628B-42A3-DB15-6B54-B0BFA3204AD7}"/>
-          </ac:spMkLst>
-        </pc:spChg>
-        <pc:spChg chg="mod">
-          <ac:chgData name="Joshua Reiss" userId="71f87c30-4769-4a42-a082-a6a82298c8cb" providerId="ADAL" clId="{D788B803-6CAF-456E-9D5B-399D0D7F1309}" dt="2025-04-02T15:00:23.280" v="2150" actId="1036"/>
-          <ac:spMkLst>
-            <pc:docMk/>
-            <pc:sldMk cId="361188305" sldId="367"/>
-            <ac:spMk id="14" creationId="{57497EBD-5EC8-B396-CBF7-54028041AB63}"/>
-          </ac:spMkLst>
-        </pc:spChg>
-        <pc:spChg chg="del mod">
-          <ac:chgData name="Joshua Reiss" userId="71f87c30-4769-4a42-a082-a6a82298c8cb" providerId="ADAL" clId="{D788B803-6CAF-456E-9D5B-399D0D7F1309}" dt="2025-04-02T15:01:38.136" v="2156" actId="478"/>
-          <ac:spMkLst>
-            <pc:docMk/>
-            <pc:sldMk cId="361188305" sldId="367"/>
-            <ac:spMk id="16" creationId="{3831961C-D695-D27E-9EA0-D046E5AD5BD4}"/>
-          </ac:spMkLst>
-        </pc:spChg>
-        <pc:spChg chg="add mod">
-          <ac:chgData name="Joshua Reiss" userId="71f87c30-4769-4a42-a082-a6a82298c8cb" providerId="ADAL" clId="{D788B803-6CAF-456E-9D5B-399D0D7F1309}" dt="2025-04-02T15:02:00.301" v="2157" actId="1076"/>
-          <ac:spMkLst>
-            <pc:docMk/>
-            <pc:sldMk cId="361188305" sldId="367"/>
-            <ac:spMk id="17" creationId="{1302B20C-E462-54A0-30BD-18A1F2B56E05}"/>
-          </ac:spMkLst>
-        </pc:spChg>
-        <pc:spChg chg="add mod">
-          <ac:chgData name="Joshua Reiss" userId="71f87c30-4769-4a42-a082-a6a82298c8cb" providerId="ADAL" clId="{D788B803-6CAF-456E-9D5B-399D0D7F1309}" dt="2025-04-02T15:02:00.301" v="2157" actId="1076"/>
-          <ac:spMkLst>
-            <pc:docMk/>
-            <pc:sldMk cId="361188305" sldId="367"/>
-            <ac:spMk id="19" creationId="{2F78DF86-838D-F903-9F64-B470FBCB7563}"/>
-          </ac:spMkLst>
-        </pc:spChg>
-        <pc:spChg chg="del mod">
-          <ac:chgData name="Joshua Reiss" userId="71f87c30-4769-4a42-a082-a6a82298c8cb" providerId="ADAL" clId="{D788B803-6CAF-456E-9D5B-399D0D7F1309}" dt="2025-04-02T15:01:38.136" v="2156" actId="478"/>
-          <ac:spMkLst>
-            <pc:docMk/>
-            <pc:sldMk cId="361188305" sldId="367"/>
-            <ac:spMk id="20" creationId="{CB201BFB-1144-B05F-E479-12644E50CA4C}"/>
-          </ac:spMkLst>
-        </pc:spChg>
-        <pc:spChg chg="del mod">
-          <ac:chgData name="Joshua Reiss" userId="71f87c30-4769-4a42-a082-a6a82298c8cb" providerId="ADAL" clId="{D788B803-6CAF-456E-9D5B-399D0D7F1309}" dt="2025-04-02T15:01:38.136" v="2156" actId="478"/>
-          <ac:spMkLst>
-            <pc:docMk/>
-            <pc:sldMk cId="361188305" sldId="367"/>
-            <ac:spMk id="21" creationId="{F056F45D-45CA-DD06-E1D0-6768BB5CA925}"/>
-          </ac:spMkLst>
-        </pc:spChg>
-        <pc:spChg chg="del mod">
-          <ac:chgData name="Joshua Reiss" userId="71f87c30-4769-4a42-a082-a6a82298c8cb" providerId="ADAL" clId="{D788B803-6CAF-456E-9D5B-399D0D7F1309}" dt="2025-04-02T15:01:38.136" v="2156" actId="478"/>
-          <ac:spMkLst>
-            <pc:docMk/>
-            <pc:sldMk cId="361188305" sldId="367"/>
-            <ac:spMk id="22" creationId="{F1FC6F69-8F64-8160-FF9D-201EA79918A8}"/>
-          </ac:spMkLst>
-        </pc:spChg>
-        <pc:spChg chg="add mod">
-          <ac:chgData name="Joshua Reiss" userId="71f87c30-4769-4a42-a082-a6a82298c8cb" providerId="ADAL" clId="{D788B803-6CAF-456E-9D5B-399D0D7F1309}" dt="2025-04-02T15:02:16.221" v="2160" actId="1076"/>
-          <ac:spMkLst>
-            <pc:docMk/>
-            <pc:sldMk cId="361188305" sldId="367"/>
-            <ac:spMk id="24" creationId="{F1BA3A6E-8860-6EFF-F748-38FCEFF84765}"/>
-          </ac:spMkLst>
-        </pc:spChg>
-        <pc:spChg chg="add mod">
-          <ac:chgData name="Joshua Reiss" userId="71f87c30-4769-4a42-a082-a6a82298c8cb" providerId="ADAL" clId="{D788B803-6CAF-456E-9D5B-399D0D7F1309}" dt="2025-04-02T15:02:00.301" v="2157" actId="1076"/>
-          <ac:spMkLst>
-            <pc:docMk/>
-            <pc:sldMk cId="361188305" sldId="367"/>
-            <ac:spMk id="25" creationId="{9967E91F-4608-2900-A2C4-260BA09FD82B}"/>
-          </ac:spMkLst>
-        </pc:spChg>
-        <pc:spChg chg="add mod">
-          <ac:chgData name="Joshua Reiss" userId="71f87c30-4769-4a42-a082-a6a82298c8cb" providerId="ADAL" clId="{D788B803-6CAF-456E-9D5B-399D0D7F1309}" dt="2025-04-02T15:02:00.301" v="2157" actId="1076"/>
-          <ac:spMkLst>
-            <pc:docMk/>
-            <pc:sldMk cId="361188305" sldId="367"/>
-            <ac:spMk id="26" creationId="{4433AE59-D929-F5BA-081B-70215EAC3357}"/>
-          </ac:spMkLst>
-        </pc:spChg>
-        <pc:spChg chg="add mod">
-          <ac:chgData name="Joshua Reiss" userId="71f87c30-4769-4a42-a082-a6a82298c8cb" providerId="ADAL" clId="{D788B803-6CAF-456E-9D5B-399D0D7F1309}" dt="2025-04-02T15:02:00.301" v="2157" actId="1076"/>
-          <ac:spMkLst>
-            <pc:docMk/>
-            <pc:sldMk cId="361188305" sldId="367"/>
-            <ac:spMk id="27" creationId="{1B930658-1835-4F9A-139B-F70C7B0BF41E}"/>
-          </ac:spMkLst>
-        </pc:spChg>
-        <pc:spChg chg="del mod">
-          <ac:chgData name="Joshua Reiss" userId="71f87c30-4769-4a42-a082-a6a82298c8cb" providerId="ADAL" clId="{D788B803-6CAF-456E-9D5B-399D0D7F1309}" dt="2025-04-02T15:01:38.136" v="2156" actId="478"/>
-          <ac:spMkLst>
-            <pc:docMk/>
-            <pc:sldMk cId="361188305" sldId="367"/>
-            <ac:spMk id="29" creationId="{AA810A07-B6EA-1058-7947-3ECA04449490}"/>
-          </ac:spMkLst>
-        </pc:spChg>
-        <pc:spChg chg="add del mod">
-          <ac:chgData name="Joshua Reiss" userId="71f87c30-4769-4a42-a082-a6a82298c8cb" providerId="ADAL" clId="{D788B803-6CAF-456E-9D5B-399D0D7F1309}" dt="2025-04-02T14:51:41.926" v="1916" actId="21"/>
-          <ac:spMkLst>
-            <pc:docMk/>
-            <pc:sldMk cId="361188305" sldId="367"/>
-            <ac:spMk id="40" creationId="{D943C749-2EF5-A269-5F9A-6583B37E17E5}"/>
-          </ac:spMkLst>
-        </pc:spChg>
-        <pc:spChg chg="add mod">
-          <ac:chgData name="Joshua Reiss" userId="71f87c30-4769-4a42-a082-a6a82298c8cb" providerId="ADAL" clId="{D788B803-6CAF-456E-9D5B-399D0D7F1309}" dt="2025-04-02T15:02:00.301" v="2157" actId="1076"/>
-          <ac:spMkLst>
-            <pc:docMk/>
-            <pc:sldMk cId="361188305" sldId="367"/>
-            <ac:spMk id="43" creationId="{F30A3EEF-3D0E-D9B5-9807-66C573F9731E}"/>
-          </ac:spMkLst>
-        </pc:spChg>
-        <pc:spChg chg="add mod">
-          <ac:chgData name="Joshua Reiss" userId="71f87c30-4769-4a42-a082-a6a82298c8cb" providerId="ADAL" clId="{D788B803-6CAF-456E-9D5B-399D0D7F1309}" dt="2025-04-02T15:02:00.301" v="2157" actId="1076"/>
-          <ac:spMkLst>
-            <pc:docMk/>
-            <pc:sldMk cId="361188305" sldId="367"/>
-            <ac:spMk id="47" creationId="{F299329D-C46A-2D46-C7FE-7EAB7E4B01B8}"/>
-          </ac:spMkLst>
-        </pc:spChg>
-        <pc:spChg chg="add del">
-          <ac:chgData name="Joshua Reiss" userId="71f87c30-4769-4a42-a082-a6a82298c8cb" providerId="ADAL" clId="{D788B803-6CAF-456E-9D5B-399D0D7F1309}" dt="2025-04-02T14:48:22.688" v="1895" actId="478"/>
-          <ac:spMkLst>
-            <pc:docMk/>
-            <pc:sldMk cId="361188305" sldId="367"/>
-            <ac:spMk id="48" creationId="{499B072D-6D07-3AF4-9BE5-98B50AC38F76}"/>
-          </ac:spMkLst>
-        </pc:spChg>
-        <pc:spChg chg="add mod">
-          <ac:chgData name="Joshua Reiss" userId="71f87c30-4769-4a42-a082-a6a82298c8cb" providerId="ADAL" clId="{D788B803-6CAF-456E-9D5B-399D0D7F1309}" dt="2025-04-02T15:00:23.280" v="2150" actId="1036"/>
-          <ac:spMkLst>
-            <pc:docMk/>
-            <pc:sldMk cId="361188305" sldId="367"/>
-            <ac:spMk id="52" creationId="{D943C749-2EF5-A269-5F9A-6583B37E17E5}"/>
-          </ac:spMkLst>
-        </pc:spChg>
-        <pc:cxnChg chg="mod">
-          <ac:chgData name="Joshua Reiss" userId="71f87c30-4769-4a42-a082-a6a82298c8cb" providerId="ADAL" clId="{D788B803-6CAF-456E-9D5B-399D0D7F1309}" dt="2025-04-02T14:55:40.409" v="2071" actId="1037"/>
-          <ac:cxnSpMkLst>
-            <pc:docMk/>
-            <pc:sldMk cId="361188305" sldId="367"/>
-            <ac:cxnSpMk id="8" creationId="{8AC7A20B-39A5-5389-F67D-80A1D5A4C9EF}"/>
-          </ac:cxnSpMkLst>
-        </pc:cxnChg>
-        <pc:cxnChg chg="mod">
-          <ac:chgData name="Joshua Reiss" userId="71f87c30-4769-4a42-a082-a6a82298c8cb" providerId="ADAL" clId="{D788B803-6CAF-456E-9D5B-399D0D7F1309}" dt="2025-04-02T15:03:00.425" v="2167" actId="692"/>
-          <ac:cxnSpMkLst>
-            <pc:docMk/>
-            <pc:sldMk cId="361188305" sldId="367"/>
-            <ac:cxnSpMk id="9" creationId="{F931C0E5-D2E8-F9BB-994D-6048E2C23EAC}"/>
-          </ac:cxnSpMkLst>
-        </pc:cxnChg>
-        <pc:cxnChg chg="mod">
-          <ac:chgData name="Joshua Reiss" userId="71f87c30-4769-4a42-a082-a6a82298c8cb" providerId="ADAL" clId="{D788B803-6CAF-456E-9D5B-399D0D7F1309}" dt="2025-04-02T14:57:24.629" v="2121" actId="1076"/>
-          <ac:cxnSpMkLst>
-            <pc:docMk/>
-            <pc:sldMk cId="361188305" sldId="367"/>
-            <ac:cxnSpMk id="10" creationId="{64D1CBA7-3297-EE40-1CE5-78FAD9E776F2}"/>
-          </ac:cxnSpMkLst>
-        </pc:cxnChg>
-        <pc:cxnChg chg="del mod">
-          <ac:chgData name="Joshua Reiss" userId="71f87c30-4769-4a42-a082-a6a82298c8cb" providerId="ADAL" clId="{D788B803-6CAF-456E-9D5B-399D0D7F1309}" dt="2025-04-02T15:02:21.014" v="2161" actId="478"/>
-          <ac:cxnSpMkLst>
-            <pc:docMk/>
-            <pc:sldMk cId="361188305" sldId="367"/>
-            <ac:cxnSpMk id="11" creationId="{D2809EB5-2CFA-ED0C-DA50-6E9DD3D793DB}"/>
-          </ac:cxnSpMkLst>
-        </pc:cxnChg>
-        <pc:cxnChg chg="del mod">
-          <ac:chgData name="Joshua Reiss" userId="71f87c30-4769-4a42-a082-a6a82298c8cb" providerId="ADAL" clId="{D788B803-6CAF-456E-9D5B-399D0D7F1309}" dt="2025-04-02T15:01:38.136" v="2156" actId="478"/>
-          <ac:cxnSpMkLst>
-            <pc:docMk/>
-            <pc:sldMk cId="361188305" sldId="367"/>
-            <ac:cxnSpMk id="13" creationId="{3E628E1C-3B51-16EF-1F9A-C8C6DE316106}"/>
-          </ac:cxnSpMkLst>
-        </pc:cxnChg>
-        <pc:cxnChg chg="mod">
-          <ac:chgData name="Joshua Reiss" userId="71f87c30-4769-4a42-a082-a6a82298c8cb" providerId="ADAL" clId="{D788B803-6CAF-456E-9D5B-399D0D7F1309}" dt="2025-04-02T14:55:51.636" v="2079" actId="1037"/>
-          <ac:cxnSpMkLst>
-            <pc:docMk/>
-            <pc:sldMk cId="361188305" sldId="367"/>
-            <ac:cxnSpMk id="15" creationId="{01A81E16-A3CB-11F2-F1B1-C93C2BACA4DE}"/>
-          </ac:cxnSpMkLst>
-        </pc:cxnChg>
-        <pc:cxnChg chg="add mod">
-          <ac:chgData name="Joshua Reiss" userId="71f87c30-4769-4a42-a082-a6a82298c8cb" providerId="ADAL" clId="{D788B803-6CAF-456E-9D5B-399D0D7F1309}" dt="2025-04-02T14:57:12.599" v="2120" actId="1076"/>
-          <ac:cxnSpMkLst>
-            <pc:docMk/>
-            <pc:sldMk cId="361188305" sldId="367"/>
-            <ac:cxnSpMk id="18" creationId="{8188CBD4-5175-E103-6A23-E77B1843DB88}"/>
-          </ac:cxnSpMkLst>
-        </pc:cxnChg>
-        <pc:cxnChg chg="mod">
-          <ac:chgData name="Joshua Reiss" userId="71f87c30-4769-4a42-a082-a6a82298c8cb" providerId="ADAL" clId="{D788B803-6CAF-456E-9D5B-399D0D7F1309}" dt="2025-04-02T14:28:05.521" v="1608" actId="1036"/>
-          <ac:cxnSpMkLst>
-            <pc:docMk/>
-            <pc:sldMk cId="361188305" sldId="367"/>
-            <ac:cxnSpMk id="23" creationId="{23C37E99-6C2B-52C6-ECE0-6DB507E1AC4C}"/>
-          </ac:cxnSpMkLst>
-        </pc:cxnChg>
-        <pc:cxnChg chg="del mod">
-          <ac:chgData name="Joshua Reiss" userId="71f87c30-4769-4a42-a082-a6a82298c8cb" providerId="ADAL" clId="{D788B803-6CAF-456E-9D5B-399D0D7F1309}" dt="2025-04-02T15:01:38.136" v="2156" actId="478"/>
-          <ac:cxnSpMkLst>
-            <pc:docMk/>
-            <pc:sldMk cId="361188305" sldId="367"/>
-            <ac:cxnSpMk id="28" creationId="{DB9F9A6B-0A87-B78A-736C-AB7A1B398082}"/>
-          </ac:cxnSpMkLst>
-        </pc:cxnChg>
-        <pc:cxnChg chg="mod">
-          <ac:chgData name="Joshua Reiss" userId="71f87c30-4769-4a42-a082-a6a82298c8cb" providerId="ADAL" clId="{D788B803-6CAF-456E-9D5B-399D0D7F1309}" dt="2025-04-02T14:28:05.521" v="1608" actId="1036"/>
-          <ac:cxnSpMkLst>
-            <pc:docMk/>
-            <pc:sldMk cId="361188305" sldId="367"/>
-            <ac:cxnSpMk id="30" creationId="{D4F1248D-199E-F13E-203A-70B16A2AFC1D}"/>
-          </ac:cxnSpMkLst>
-        </pc:cxnChg>
-        <pc:cxnChg chg="add mod">
-          <ac:chgData name="Joshua Reiss" userId="71f87c30-4769-4a42-a082-a6a82298c8cb" providerId="ADAL" clId="{D788B803-6CAF-456E-9D5B-399D0D7F1309}" dt="2025-04-02T14:55:40.409" v="2071" actId="1037"/>
-          <ac:cxnSpMkLst>
-            <pc:docMk/>
-            <pc:sldMk cId="361188305" sldId="367"/>
-            <ac:cxnSpMk id="31" creationId="{F0D86319-757D-C7EB-3DA4-27F961BF2C7E}"/>
-          </ac:cxnSpMkLst>
-        </pc:cxnChg>
-        <pc:cxnChg chg="add mod">
-          <ac:chgData name="Joshua Reiss" userId="71f87c30-4769-4a42-a082-a6a82298c8cb" providerId="ADAL" clId="{D788B803-6CAF-456E-9D5B-399D0D7F1309}" dt="2025-04-02T14:57:24.629" v="2121" actId="1076"/>
-          <ac:cxnSpMkLst>
-            <pc:docMk/>
-            <pc:sldMk cId="361188305" sldId="367"/>
-            <ac:cxnSpMk id="35" creationId="{58B383E1-1670-4B7D-3018-BC2DDE9AC4DC}"/>
-          </ac:cxnSpMkLst>
-        </pc:cxnChg>
-        <pc:cxnChg chg="add mod">
-          <ac:chgData name="Joshua Reiss" userId="71f87c30-4769-4a42-a082-a6a82298c8cb" providerId="ADAL" clId="{D788B803-6CAF-456E-9D5B-399D0D7F1309}" dt="2025-04-02T14:59:57.574" v="2139" actId="1076"/>
-          <ac:cxnSpMkLst>
-            <pc:docMk/>
-            <pc:sldMk cId="361188305" sldId="367"/>
-            <ac:cxnSpMk id="41" creationId="{88742755-497A-3B34-48CF-385E33746C8F}"/>
-          </ac:cxnSpMkLst>
-        </pc:cxnChg>
-        <pc:cxnChg chg="add del mod">
-          <ac:chgData name="Joshua Reiss" userId="71f87c30-4769-4a42-a082-a6a82298c8cb" providerId="ADAL" clId="{D788B803-6CAF-456E-9D5B-399D0D7F1309}" dt="2025-04-02T14:51:41.926" v="1916" actId="21"/>
-          <ac:cxnSpMkLst>
-            <pc:docMk/>
-            <pc:sldMk cId="361188305" sldId="367"/>
-            <ac:cxnSpMk id="44" creationId="{8DC0A924-F747-D85E-3E49-82A1832F2461}"/>
-          </ac:cxnSpMkLst>
-        </pc:cxnChg>
-        <pc:cxnChg chg="add mod">
-          <ac:chgData name="Joshua Reiss" userId="71f87c30-4769-4a42-a082-a6a82298c8cb" providerId="ADAL" clId="{D788B803-6CAF-456E-9D5B-399D0D7F1309}" dt="2025-04-02T15:02:16.221" v="2160" actId="1076"/>
-          <ac:cxnSpMkLst>
-            <pc:docMk/>
-            <pc:sldMk cId="361188305" sldId="367"/>
-            <ac:cxnSpMk id="49" creationId="{F8523D93-187C-B86A-7695-3BAC3E8AB0B5}"/>
-          </ac:cxnSpMkLst>
-        </pc:cxnChg>
-        <pc:cxnChg chg="add mod">
-          <ac:chgData name="Joshua Reiss" userId="71f87c30-4769-4a42-a082-a6a82298c8cb" providerId="ADAL" clId="{D788B803-6CAF-456E-9D5B-399D0D7F1309}" dt="2025-04-02T15:02:16.221" v="2160" actId="1076"/>
-          <ac:cxnSpMkLst>
-            <pc:docMk/>
-            <pc:sldMk cId="361188305" sldId="367"/>
-            <ac:cxnSpMk id="53" creationId="{8DC0A924-F747-D85E-3E49-82A1832F2461}"/>
-          </ac:cxnSpMkLst>
-        </pc:cxnChg>
-        <pc:cxnChg chg="add mod">
-          <ac:chgData name="Joshua Reiss" userId="71f87c30-4769-4a42-a082-a6a82298c8cb" providerId="ADAL" clId="{D788B803-6CAF-456E-9D5B-399D0D7F1309}" dt="2025-04-02T15:00:10.497" v="2141" actId="14100"/>
-          <ac:cxnSpMkLst>
-            <pc:docMk/>
-            <pc:sldMk cId="361188305" sldId="367"/>
-            <ac:cxnSpMk id="56" creationId="{D0DE5017-A1DB-FA3D-FA36-81FD14ABD33B}"/>
-          </ac:cxnSpMkLst>
-        </pc:cxnChg>
-        <pc:cxnChg chg="add mod">
-          <ac:chgData name="Joshua Reiss" userId="71f87c30-4769-4a42-a082-a6a82298c8cb" providerId="ADAL" clId="{D788B803-6CAF-456E-9D5B-399D0D7F1309}" dt="2025-04-02T14:59:57.574" v="2139" actId="1076"/>
-          <ac:cxnSpMkLst>
-            <pc:docMk/>
-            <pc:sldMk cId="361188305" sldId="367"/>
-            <ac:cxnSpMk id="59" creationId="{7E3B8840-31C2-6E09-B448-448D29C88F7C}"/>
-          </ac:cxnSpMkLst>
-        </pc:cxnChg>
-        <pc:cxnChg chg="add mod">
-          <ac:chgData name="Joshua Reiss" userId="71f87c30-4769-4a42-a082-a6a82298c8cb" providerId="ADAL" clId="{D788B803-6CAF-456E-9D5B-399D0D7F1309}" dt="2025-04-02T15:02:34.826" v="2165" actId="14100"/>
-          <ac:cxnSpMkLst>
-            <pc:docMk/>
-            <pc:sldMk cId="361188305" sldId="367"/>
-            <ac:cxnSpMk id="76" creationId="{715D4242-96F4-19FF-4283-E8397F1B75B3}"/>
-          </ac:cxnSpMkLst>
-        </pc:cxnChg>
       </pc:sldChg>
     </pc:docChg>
   </pc:docChgLst>
@@ -5523,7 +4339,7 @@
           <a:p>
             <a:fld id="{D8E06A3B-885D-47A2-BBBF-3C17C577BFA5}" type="datetimeFigureOut">
               <a:rPr lang="en-GB" smtClean="0"/>
-              <a:t>02/04/2025</a:t>
+              <a:t>23/07/2025</a:t>
             </a:fld>
             <a:endParaRPr lang="en-GB"/>
           </a:p>
@@ -6024,7 +4840,7 @@
           <a:p>
             <a:fld id="{53F5E260-054C-4638-8D97-401FEF531A6C}" type="datetimeFigureOut">
               <a:rPr lang="en-GB" smtClean="0"/>
-              <a:t>02/04/2025</a:t>
+              <a:t>23/07/2025</a:t>
             </a:fld>
             <a:endParaRPr lang="en-GB"/>
           </a:p>
@@ -6224,7 +5040,7 @@
           <a:p>
             <a:fld id="{53F5E260-054C-4638-8D97-401FEF531A6C}" type="datetimeFigureOut">
               <a:rPr lang="en-GB" smtClean="0"/>
-              <a:t>02/04/2025</a:t>
+              <a:t>23/07/2025</a:t>
             </a:fld>
             <a:endParaRPr lang="en-GB"/>
           </a:p>
@@ -6434,7 +5250,7 @@
           <a:p>
             <a:fld id="{53F5E260-054C-4638-8D97-401FEF531A6C}" type="datetimeFigureOut">
               <a:rPr lang="en-GB" smtClean="0"/>
-              <a:t>02/04/2025</a:t>
+              <a:t>23/07/2025</a:t>
             </a:fld>
             <a:endParaRPr lang="en-GB"/>
           </a:p>
@@ -6634,7 +5450,7 @@
           <a:p>
             <a:fld id="{53F5E260-054C-4638-8D97-401FEF531A6C}" type="datetimeFigureOut">
               <a:rPr lang="en-GB" smtClean="0"/>
-              <a:t>02/04/2025</a:t>
+              <a:t>23/07/2025</a:t>
             </a:fld>
             <a:endParaRPr lang="en-GB"/>
           </a:p>
@@ -6910,7 +5726,7 @@
           <a:p>
             <a:fld id="{53F5E260-054C-4638-8D97-401FEF531A6C}" type="datetimeFigureOut">
               <a:rPr lang="en-GB" smtClean="0"/>
-              <a:t>02/04/2025</a:t>
+              <a:t>23/07/2025</a:t>
             </a:fld>
             <a:endParaRPr lang="en-GB"/>
           </a:p>
@@ -7178,7 +5994,7 @@
           <a:p>
             <a:fld id="{53F5E260-054C-4638-8D97-401FEF531A6C}" type="datetimeFigureOut">
               <a:rPr lang="en-GB" smtClean="0"/>
-              <a:t>02/04/2025</a:t>
+              <a:t>23/07/2025</a:t>
             </a:fld>
             <a:endParaRPr lang="en-GB"/>
           </a:p>
@@ -7593,7 +6409,7 @@
           <a:p>
             <a:fld id="{53F5E260-054C-4638-8D97-401FEF531A6C}" type="datetimeFigureOut">
               <a:rPr lang="en-GB" smtClean="0"/>
-              <a:t>02/04/2025</a:t>
+              <a:t>23/07/2025</a:t>
             </a:fld>
             <a:endParaRPr lang="en-GB"/>
           </a:p>
@@ -7735,7 +6551,7 @@
           <a:p>
             <a:fld id="{53F5E260-054C-4638-8D97-401FEF531A6C}" type="datetimeFigureOut">
               <a:rPr lang="en-GB" smtClean="0"/>
-              <a:t>02/04/2025</a:t>
+              <a:t>23/07/2025</a:t>
             </a:fld>
             <a:endParaRPr lang="en-GB"/>
           </a:p>
@@ -7848,7 +6664,7 @@
           <a:p>
             <a:fld id="{53F5E260-054C-4638-8D97-401FEF531A6C}" type="datetimeFigureOut">
               <a:rPr lang="en-GB" smtClean="0"/>
-              <a:t>02/04/2025</a:t>
+              <a:t>23/07/2025</a:t>
             </a:fld>
             <a:endParaRPr lang="en-GB"/>
           </a:p>
@@ -8161,7 +6977,7 @@
           <a:p>
             <a:fld id="{53F5E260-054C-4638-8D97-401FEF531A6C}" type="datetimeFigureOut">
               <a:rPr lang="en-GB" smtClean="0"/>
-              <a:t>02/04/2025</a:t>
+              <a:t>23/07/2025</a:t>
             </a:fld>
             <a:endParaRPr lang="en-GB"/>
           </a:p>
@@ -8450,7 +7266,7 @@
           <a:p>
             <a:fld id="{53F5E260-054C-4638-8D97-401FEF531A6C}" type="datetimeFigureOut">
               <a:rPr lang="en-GB" smtClean="0"/>
-              <a:t>02/04/2025</a:t>
+              <a:t>23/07/2025</a:t>
             </a:fld>
             <a:endParaRPr lang="en-GB"/>
           </a:p>
@@ -8693,7 +7509,7 @@
           <a:p>
             <a:fld id="{53F5E260-054C-4638-8D97-401FEF531A6C}" type="datetimeFigureOut">
               <a:rPr lang="en-GB" smtClean="0"/>
-              <a:t>02/04/2025</a:t>
+              <a:t>23/07/2025</a:t>
             </a:fld>
             <a:endParaRPr lang="en-GB"/>
           </a:p>
@@ -42009,708 +40825,729 @@
           </a:graphicData>
         </a:graphic>
       </p:graphicFrame>
-      <p:sp>
-        <p:nvSpPr>
-          <p:cNvPr id="8" name="Rectangle 7">
-            <a:extLst>
-              <a:ext uri="{FF2B5EF4-FFF2-40B4-BE49-F238E27FC236}">
-                <a16:creationId xmlns:a16="http://schemas.microsoft.com/office/drawing/2014/main" id="{1A76E437-7554-4B56-C4E2-BB3C0E4AEA31}"/>
-              </a:ext>
-            </a:extLst>
-          </p:cNvPr>
-          <p:cNvSpPr/>
+      <p:grpSp>
+        <p:nvGrpSpPr>
+          <p:cNvPr id="3" name="Group 2">
+            <a:extLst>
+              <a:ext uri="{FF2B5EF4-FFF2-40B4-BE49-F238E27FC236}">
+                <a16:creationId xmlns:a16="http://schemas.microsoft.com/office/drawing/2014/main" id="{8D9C7F2E-0DEE-BB09-7413-0E917DC97552}"/>
+              </a:ext>
+            </a:extLst>
+          </p:cNvPr>
+          <p:cNvGrpSpPr/>
           <p:nvPr/>
-        </p:nvSpPr>
-        <p:spPr>
+        </p:nvGrpSpPr>
+        <p:grpSpPr>
           <a:xfrm>
-            <a:off x="2979413" y="3622521"/>
-            <a:ext cx="1122740" cy="648000"/>
+            <a:off x="1215350" y="2393600"/>
+            <a:ext cx="8479645" cy="1876921"/>
+            <a:chOff x="1215350" y="2393600"/>
+            <a:chExt cx="8479645" cy="1876921"/>
           </a:xfrm>
-          <a:prstGeom prst="rect">
-            <a:avLst/>
-          </a:prstGeom>
-          <a:solidFill>
-            <a:srgbClr val="7030A0"/>
-          </a:solidFill>
-        </p:spPr>
-        <p:style>
-          <a:lnRef idx="2">
-            <a:schemeClr val="accent1">
-              <a:shade val="50000"/>
-            </a:schemeClr>
-          </a:lnRef>
-          <a:fillRef idx="1">
-            <a:schemeClr val="accent1"/>
-          </a:fillRef>
-          <a:effectRef idx="0">
-            <a:schemeClr val="accent1"/>
-          </a:effectRef>
-          <a:fontRef idx="minor">
-            <a:schemeClr val="lt1"/>
-          </a:fontRef>
-        </p:style>
-        <p:txBody>
-          <a:bodyPr rtlCol="0" anchor="ctr"/>
-          <a:lstStyle/>
-          <a:p>
-            <a:pPr algn="ctr"/>
-            <a:r>
-              <a:rPr lang="en-GB" dirty="0"/>
-              <a:t>Filter</a:t>
-            </a:r>
-          </a:p>
-        </p:txBody>
-      </p:sp>
-      <p:sp>
-        <p:nvSpPr>
-          <p:cNvPr id="9" name="Rectangle 8">
-            <a:extLst>
-              <a:ext uri="{FF2B5EF4-FFF2-40B4-BE49-F238E27FC236}">
-                <a16:creationId xmlns:a16="http://schemas.microsoft.com/office/drawing/2014/main" id="{7D6EC9BA-C03E-26D1-FAD2-EAF6500A119B}"/>
-              </a:ext>
-            </a:extLst>
-          </p:cNvPr>
-          <p:cNvSpPr/>
-          <p:nvPr/>
-        </p:nvSpPr>
-        <p:spPr>
-          <a:xfrm>
-            <a:off x="5973332" y="2393600"/>
-            <a:ext cx="1007975" cy="648000"/>
-          </a:xfrm>
-          <a:prstGeom prst="rect">
-            <a:avLst/>
-          </a:prstGeom>
-          <a:solidFill>
-            <a:srgbClr val="7030A0"/>
-          </a:solidFill>
-        </p:spPr>
-        <p:style>
-          <a:lnRef idx="2">
-            <a:schemeClr val="accent1">
-              <a:shade val="50000"/>
-            </a:schemeClr>
-          </a:lnRef>
-          <a:fillRef idx="1">
-            <a:schemeClr val="accent1"/>
-          </a:fillRef>
-          <a:effectRef idx="0">
-            <a:schemeClr val="accent1"/>
-          </a:effectRef>
-          <a:fontRef idx="minor">
-            <a:schemeClr val="lt1"/>
-          </a:fontRef>
-        </p:style>
-        <p:txBody>
-          <a:bodyPr rtlCol="0" anchor="ctr"/>
-          <a:lstStyle/>
-          <a:p>
-            <a:pPr algn="ctr"/>
-            <a:r>
-              <a:rPr lang="en-US" dirty="0"/>
-              <a:t>F</a:t>
-            </a:r>
-            <a:r>
-              <a:rPr lang="en-GB" dirty="0" err="1"/>
-              <a:t>ilter</a:t>
-            </a:r>
-            <a:endParaRPr lang="en-GB" dirty="0"/>
-          </a:p>
-        </p:txBody>
-      </p:sp>
-      <p:sp>
-        <p:nvSpPr>
-          <p:cNvPr id="10" name="Rectangle 9">
-            <a:extLst>
-              <a:ext uri="{FF2B5EF4-FFF2-40B4-BE49-F238E27FC236}">
-                <a16:creationId xmlns:a16="http://schemas.microsoft.com/office/drawing/2014/main" id="{B5081D72-5F55-AF7E-6F70-312422E679C4}"/>
-              </a:ext>
-            </a:extLst>
-          </p:cNvPr>
-          <p:cNvSpPr/>
-          <p:nvPr/>
-        </p:nvSpPr>
-        <p:spPr>
-          <a:xfrm>
-            <a:off x="4417208" y="2393600"/>
-            <a:ext cx="1080000" cy="648000"/>
-          </a:xfrm>
-          <a:prstGeom prst="rect">
-            <a:avLst/>
-          </a:prstGeom>
-          <a:solidFill>
-            <a:srgbClr val="7030A0"/>
-          </a:solidFill>
-        </p:spPr>
-        <p:style>
-          <a:lnRef idx="2">
-            <a:schemeClr val="accent1">
-              <a:shade val="50000"/>
-            </a:schemeClr>
-          </a:lnRef>
-          <a:fillRef idx="1">
-            <a:schemeClr val="accent1"/>
-          </a:fillRef>
-          <a:effectRef idx="0">
-            <a:schemeClr val="accent1"/>
-          </a:effectRef>
-          <a:fontRef idx="minor">
-            <a:schemeClr val="lt1"/>
-          </a:fontRef>
-        </p:style>
-        <p:txBody>
-          <a:bodyPr rtlCol="0" anchor="ctr"/>
-          <a:lstStyle/>
-          <a:p>
-            <a:pPr algn="ctr"/>
-            <a:r>
-              <a:rPr lang="en-GB" dirty="0" err="1"/>
-              <a:t>Feedbackgain</a:t>
-            </a:r>
-            <a:endParaRPr lang="en-GB" dirty="0"/>
-          </a:p>
-        </p:txBody>
-      </p:sp>
-      <p:sp>
-        <p:nvSpPr>
-          <p:cNvPr id="11" name="Rectangle 10">
-            <a:extLst>
-              <a:ext uri="{FF2B5EF4-FFF2-40B4-BE49-F238E27FC236}">
-                <a16:creationId xmlns:a16="http://schemas.microsoft.com/office/drawing/2014/main" id="{02F4F030-6317-C08E-2981-31F49999B6D7}"/>
-              </a:ext>
-            </a:extLst>
-          </p:cNvPr>
-          <p:cNvSpPr/>
-          <p:nvPr/>
-        </p:nvSpPr>
-        <p:spPr>
-          <a:xfrm>
-            <a:off x="8398995" y="3622521"/>
-            <a:ext cx="1296000" cy="648000"/>
-          </a:xfrm>
-          <a:prstGeom prst="rect">
-            <a:avLst/>
-          </a:prstGeom>
-          <a:solidFill>
-            <a:srgbClr val="7030A0"/>
-          </a:solidFill>
-        </p:spPr>
-        <p:style>
-          <a:lnRef idx="2">
-            <a:schemeClr val="accent1">
-              <a:shade val="50000"/>
-            </a:schemeClr>
-          </a:lnRef>
-          <a:fillRef idx="1">
-            <a:schemeClr val="accent1"/>
-          </a:fillRef>
-          <a:effectRef idx="0">
-            <a:schemeClr val="accent1"/>
-          </a:effectRef>
-          <a:fontRef idx="minor">
-            <a:schemeClr val="lt1"/>
-          </a:fontRef>
-        </p:style>
-        <p:txBody>
-          <a:bodyPr rtlCol="0" anchor="ctr"/>
-          <a:lstStyle/>
-          <a:p>
-            <a:pPr algn="ctr"/>
-            <a:r>
-              <a:rPr lang="en-GB" dirty="0"/>
-              <a:t>Output</a:t>
-            </a:r>
-          </a:p>
-        </p:txBody>
-      </p:sp>
-      <p:cxnSp>
-        <p:nvCxnSpPr>
-          <p:cNvPr id="12" name="Straight Arrow Connector 11">
-            <a:extLst>
-              <a:ext uri="{FF2B5EF4-FFF2-40B4-BE49-F238E27FC236}">
-                <a16:creationId xmlns:a16="http://schemas.microsoft.com/office/drawing/2014/main" id="{B54E2B69-FC3F-1E40-A021-6B54743DBF43}"/>
-              </a:ext>
-            </a:extLst>
-          </p:cNvPr>
-          <p:cNvCxnSpPr>
-            <a:cxnSpLocks/>
-            <a:stCxn id="8" idx="3"/>
-            <a:endCxn id="16" idx="2"/>
-          </p:cNvCxnSpPr>
-          <p:nvPr/>
-        </p:nvCxnSpPr>
-        <p:spPr>
-          <a:xfrm>
-            <a:off x="4102153" y="3946521"/>
-            <a:ext cx="576203" cy="0"/>
-          </a:xfrm>
-          <a:prstGeom prst="straightConnector1">
-            <a:avLst/>
-          </a:prstGeom>
-          <a:ln w="31750">
+        </p:grpSpPr>
+        <p:sp>
+          <p:nvSpPr>
+            <p:cNvPr id="8" name="Rectangle 7">
+              <a:extLst>
+                <a:ext uri="{FF2B5EF4-FFF2-40B4-BE49-F238E27FC236}">
+                  <a16:creationId xmlns:a16="http://schemas.microsoft.com/office/drawing/2014/main" id="{1A76E437-7554-4B56-C4E2-BB3C0E4AEA31}"/>
+                </a:ext>
+              </a:extLst>
+            </p:cNvPr>
+            <p:cNvSpPr/>
+            <p:nvPr/>
+          </p:nvSpPr>
+          <p:spPr>
+            <a:xfrm>
+              <a:off x="2979413" y="3622521"/>
+              <a:ext cx="1122740" cy="648000"/>
+            </a:xfrm>
+            <a:prstGeom prst="rect">
+              <a:avLst/>
+            </a:prstGeom>
             <a:solidFill>
+              <a:srgbClr val="7030A0"/>
+            </a:solidFill>
+          </p:spPr>
+          <p:style>
+            <a:lnRef idx="2">
+              <a:schemeClr val="accent1">
+                <a:shade val="50000"/>
+              </a:schemeClr>
+            </a:lnRef>
+            <a:fillRef idx="1">
+              <a:schemeClr val="accent1"/>
+            </a:fillRef>
+            <a:effectRef idx="0">
+              <a:schemeClr val="accent1"/>
+            </a:effectRef>
+            <a:fontRef idx="minor">
+              <a:schemeClr val="lt1"/>
+            </a:fontRef>
+          </p:style>
+          <p:txBody>
+            <a:bodyPr rtlCol="0" anchor="ctr"/>
+            <a:lstStyle/>
+            <a:p>
+              <a:pPr algn="ctr"/>
+              <a:r>
+                <a:rPr lang="en-GB" dirty="0"/>
+                <a:t>Filter</a:t>
+              </a:r>
+            </a:p>
+          </p:txBody>
+        </p:sp>
+        <p:sp>
+          <p:nvSpPr>
+            <p:cNvPr id="9" name="Rectangle 8">
+              <a:extLst>
+                <a:ext uri="{FF2B5EF4-FFF2-40B4-BE49-F238E27FC236}">
+                  <a16:creationId xmlns:a16="http://schemas.microsoft.com/office/drawing/2014/main" id="{7D6EC9BA-C03E-26D1-FAD2-EAF6500A119B}"/>
+                </a:ext>
+              </a:extLst>
+            </p:cNvPr>
+            <p:cNvSpPr/>
+            <p:nvPr/>
+          </p:nvSpPr>
+          <p:spPr>
+            <a:xfrm>
+              <a:off x="5973332" y="2393600"/>
+              <a:ext cx="1007975" cy="648000"/>
+            </a:xfrm>
+            <a:prstGeom prst="rect">
+              <a:avLst/>
+            </a:prstGeom>
+            <a:solidFill>
+              <a:srgbClr val="7030A0"/>
+            </a:solidFill>
+          </p:spPr>
+          <p:style>
+            <a:lnRef idx="2">
+              <a:schemeClr val="accent1">
+                <a:shade val="50000"/>
+              </a:schemeClr>
+            </a:lnRef>
+            <a:fillRef idx="1">
+              <a:schemeClr val="accent1"/>
+            </a:fillRef>
+            <a:effectRef idx="0">
+              <a:schemeClr val="accent1"/>
+            </a:effectRef>
+            <a:fontRef idx="minor">
+              <a:schemeClr val="lt1"/>
+            </a:fontRef>
+          </p:style>
+          <p:txBody>
+            <a:bodyPr rtlCol="0" anchor="ctr"/>
+            <a:lstStyle/>
+            <a:p>
+              <a:pPr algn="ctr"/>
+              <a:r>
+                <a:rPr lang="en-US" dirty="0"/>
+                <a:t>F</a:t>
+              </a:r>
+              <a:r>
+                <a:rPr lang="en-GB" dirty="0" err="1"/>
+                <a:t>ilter</a:t>
+              </a:r>
+              <a:endParaRPr lang="en-GB" dirty="0"/>
+            </a:p>
+          </p:txBody>
+        </p:sp>
+        <p:sp>
+          <p:nvSpPr>
+            <p:cNvPr id="10" name="Rectangle 9">
+              <a:extLst>
+                <a:ext uri="{FF2B5EF4-FFF2-40B4-BE49-F238E27FC236}">
+                  <a16:creationId xmlns:a16="http://schemas.microsoft.com/office/drawing/2014/main" id="{B5081D72-5F55-AF7E-6F70-312422E679C4}"/>
+                </a:ext>
+              </a:extLst>
+            </p:cNvPr>
+            <p:cNvSpPr/>
+            <p:nvPr/>
+          </p:nvSpPr>
+          <p:spPr>
+            <a:xfrm>
+              <a:off x="4417208" y="2393600"/>
+              <a:ext cx="1080000" cy="648000"/>
+            </a:xfrm>
+            <a:prstGeom prst="rect">
+              <a:avLst/>
+            </a:prstGeom>
+            <a:solidFill>
+              <a:srgbClr val="7030A0"/>
+            </a:solidFill>
+          </p:spPr>
+          <p:style>
+            <a:lnRef idx="2">
+              <a:schemeClr val="accent1">
+                <a:shade val="50000"/>
+              </a:schemeClr>
+            </a:lnRef>
+            <a:fillRef idx="1">
+              <a:schemeClr val="accent1"/>
+            </a:fillRef>
+            <a:effectRef idx="0">
+              <a:schemeClr val="accent1"/>
+            </a:effectRef>
+            <a:fontRef idx="minor">
+              <a:schemeClr val="lt1"/>
+            </a:fontRef>
+          </p:style>
+          <p:txBody>
+            <a:bodyPr rtlCol="0" anchor="ctr"/>
+            <a:lstStyle/>
+            <a:p>
+              <a:pPr algn="ctr"/>
+              <a:r>
+                <a:rPr lang="en-GB" dirty="0" err="1"/>
+                <a:t>Feedbackgain</a:t>
+              </a:r>
+              <a:endParaRPr lang="en-GB" dirty="0"/>
+            </a:p>
+          </p:txBody>
+        </p:sp>
+        <p:sp>
+          <p:nvSpPr>
+            <p:cNvPr id="11" name="Rectangle 10">
+              <a:extLst>
+                <a:ext uri="{FF2B5EF4-FFF2-40B4-BE49-F238E27FC236}">
+                  <a16:creationId xmlns:a16="http://schemas.microsoft.com/office/drawing/2014/main" id="{02F4F030-6317-C08E-2981-31F49999B6D7}"/>
+                </a:ext>
+              </a:extLst>
+            </p:cNvPr>
+            <p:cNvSpPr/>
+            <p:nvPr/>
+          </p:nvSpPr>
+          <p:spPr>
+            <a:xfrm>
+              <a:off x="8398995" y="3622521"/>
+              <a:ext cx="1296000" cy="648000"/>
+            </a:xfrm>
+            <a:prstGeom prst="rect">
+              <a:avLst/>
+            </a:prstGeom>
+            <a:solidFill>
+              <a:srgbClr val="7030A0"/>
+            </a:solidFill>
+          </p:spPr>
+          <p:style>
+            <a:lnRef idx="2">
+              <a:schemeClr val="accent1">
+                <a:shade val="50000"/>
+              </a:schemeClr>
+            </a:lnRef>
+            <a:fillRef idx="1">
+              <a:schemeClr val="accent1"/>
+            </a:fillRef>
+            <a:effectRef idx="0">
+              <a:schemeClr val="accent1"/>
+            </a:effectRef>
+            <a:fontRef idx="minor">
+              <a:schemeClr val="lt1"/>
+            </a:fontRef>
+          </p:style>
+          <p:txBody>
+            <a:bodyPr rtlCol="0" anchor="ctr"/>
+            <a:lstStyle/>
+            <a:p>
+              <a:pPr algn="ctr"/>
+              <a:r>
+                <a:rPr lang="en-GB" dirty="0"/>
+                <a:t>Output</a:t>
+              </a:r>
+            </a:p>
+          </p:txBody>
+        </p:sp>
+        <p:cxnSp>
+          <p:nvCxnSpPr>
+            <p:cNvPr id="12" name="Straight Arrow Connector 11">
+              <a:extLst>
+                <a:ext uri="{FF2B5EF4-FFF2-40B4-BE49-F238E27FC236}">
+                  <a16:creationId xmlns:a16="http://schemas.microsoft.com/office/drawing/2014/main" id="{B54E2B69-FC3F-1E40-A021-6B54743DBF43}"/>
+                </a:ext>
+              </a:extLst>
+            </p:cNvPr>
+            <p:cNvCxnSpPr>
+              <a:cxnSpLocks/>
+              <a:stCxn id="8" idx="3"/>
+              <a:endCxn id="16" idx="2"/>
+            </p:cNvCxnSpPr>
+            <p:nvPr/>
+          </p:nvCxnSpPr>
+          <p:spPr>
+            <a:xfrm>
+              <a:off x="4102153" y="3946521"/>
+              <a:ext cx="576203" cy="0"/>
+            </a:xfrm>
+            <a:prstGeom prst="straightConnector1">
+              <a:avLst/>
+            </a:prstGeom>
+            <a:ln w="31750">
+              <a:solidFill>
+                <a:schemeClr val="tx1"/>
+              </a:solidFill>
+              <a:tailEnd type="arrow" w="lg" len="lg"/>
+            </a:ln>
+          </p:spPr>
+          <p:style>
+            <a:lnRef idx="1">
+              <a:schemeClr val="accent1"/>
+            </a:lnRef>
+            <a:fillRef idx="0">
+              <a:schemeClr val="accent1"/>
+            </a:fillRef>
+            <a:effectRef idx="0">
+              <a:schemeClr val="accent1"/>
+            </a:effectRef>
+            <a:fontRef idx="minor">
               <a:schemeClr val="tx1"/>
+            </a:fontRef>
+          </p:style>
+        </p:cxnSp>
+        <p:cxnSp>
+          <p:nvCxnSpPr>
+            <p:cNvPr id="13" name="Straight Arrow Connector 12">
+              <a:extLst>
+                <a:ext uri="{FF2B5EF4-FFF2-40B4-BE49-F238E27FC236}">
+                  <a16:creationId xmlns:a16="http://schemas.microsoft.com/office/drawing/2014/main" id="{8EB431E2-A2AD-7D85-0ADB-335D39FEC41A}"/>
+                </a:ext>
+              </a:extLst>
+            </p:cNvPr>
+            <p:cNvCxnSpPr>
+              <a:cxnSpLocks/>
+              <a:stCxn id="9" idx="1"/>
+              <a:endCxn id="10" idx="3"/>
+            </p:cNvCxnSpPr>
+            <p:nvPr/>
+          </p:nvCxnSpPr>
+          <p:spPr>
+            <a:xfrm flipH="1">
+              <a:off x="5497208" y="2717600"/>
+              <a:ext cx="476124" cy="0"/>
+            </a:xfrm>
+            <a:prstGeom prst="straightConnector1">
+              <a:avLst/>
+            </a:prstGeom>
+            <a:ln w="31750">
+              <a:solidFill>
+                <a:schemeClr val="tx1"/>
+              </a:solidFill>
+              <a:tailEnd type="arrow" w="lg" len="lg"/>
+            </a:ln>
+          </p:spPr>
+          <p:style>
+            <a:lnRef idx="1">
+              <a:schemeClr val="accent1"/>
+            </a:lnRef>
+            <a:fillRef idx="0">
+              <a:schemeClr val="accent1"/>
+            </a:fillRef>
+            <a:effectRef idx="0">
+              <a:schemeClr val="accent1"/>
+            </a:effectRef>
+            <a:fontRef idx="minor">
+              <a:schemeClr val="tx1"/>
+            </a:fontRef>
+          </p:style>
+        </p:cxnSp>
+        <p:cxnSp>
+          <p:nvCxnSpPr>
+            <p:cNvPr id="14" name="Straight Arrow Connector 13">
+              <a:extLst>
+                <a:ext uri="{FF2B5EF4-FFF2-40B4-BE49-F238E27FC236}">
+                  <a16:creationId xmlns:a16="http://schemas.microsoft.com/office/drawing/2014/main" id="{6CA2D6D4-8101-C31B-E123-3862103EBF6E}"/>
+                </a:ext>
+              </a:extLst>
+            </p:cNvPr>
+            <p:cNvCxnSpPr>
+              <a:cxnSpLocks/>
+              <a:endCxn id="22" idx="2"/>
+            </p:cNvCxnSpPr>
+            <p:nvPr/>
+          </p:nvCxnSpPr>
+          <p:spPr>
+            <a:xfrm flipV="1">
+              <a:off x="7894113" y="3041600"/>
+              <a:ext cx="0" cy="904919"/>
+            </a:xfrm>
+            <a:prstGeom prst="straightConnector1">
+              <a:avLst/>
+            </a:prstGeom>
+            <a:ln w="31750">
+              <a:solidFill>
+                <a:schemeClr val="tx1"/>
+              </a:solidFill>
+              <a:tailEnd type="arrow" w="lg" len="lg"/>
+            </a:ln>
+          </p:spPr>
+          <p:style>
+            <a:lnRef idx="1">
+              <a:schemeClr val="accent1"/>
+            </a:lnRef>
+            <a:fillRef idx="0">
+              <a:schemeClr val="accent1"/>
+            </a:fillRef>
+            <a:effectRef idx="0">
+              <a:schemeClr val="accent1"/>
+            </a:effectRef>
+            <a:fontRef idx="minor">
+              <a:schemeClr val="tx1"/>
+            </a:fontRef>
+          </p:style>
+        </p:cxnSp>
+        <p:cxnSp>
+          <p:nvCxnSpPr>
+            <p:cNvPr id="15" name="Straight Arrow Connector 14">
+              <a:extLst>
+                <a:ext uri="{FF2B5EF4-FFF2-40B4-BE49-F238E27FC236}">
+                  <a16:creationId xmlns:a16="http://schemas.microsoft.com/office/drawing/2014/main" id="{53D14D3D-1A10-DEA6-230D-5D42A8C50CD6}"/>
+                </a:ext>
+              </a:extLst>
+            </p:cNvPr>
+            <p:cNvCxnSpPr>
+              <a:cxnSpLocks/>
+              <a:stCxn id="10" idx="2"/>
+              <a:endCxn id="16" idx="0"/>
+            </p:cNvCxnSpPr>
+            <p:nvPr/>
+          </p:nvCxnSpPr>
+          <p:spPr>
+            <a:xfrm flipH="1">
+              <a:off x="4948356" y="3041600"/>
+              <a:ext cx="8852" cy="634921"/>
+            </a:xfrm>
+            <a:prstGeom prst="straightConnector1">
+              <a:avLst/>
+            </a:prstGeom>
+            <a:ln w="31750">
+              <a:solidFill>
+                <a:schemeClr val="tx1"/>
+              </a:solidFill>
+              <a:tailEnd type="arrow" w="lg" len="lg"/>
+            </a:ln>
+          </p:spPr>
+          <p:style>
+            <a:lnRef idx="1">
+              <a:schemeClr val="accent1"/>
+            </a:lnRef>
+            <a:fillRef idx="0">
+              <a:schemeClr val="accent1"/>
+            </a:fillRef>
+            <a:effectRef idx="0">
+              <a:schemeClr val="accent1"/>
+            </a:effectRef>
+            <a:fontRef idx="minor">
+              <a:schemeClr val="tx1"/>
+            </a:fontRef>
+          </p:style>
+        </p:cxnSp>
+        <p:sp>
+          <p:nvSpPr>
+            <p:cNvPr id="16" name="Oval 15">
+              <a:extLst>
+                <a:ext uri="{FF2B5EF4-FFF2-40B4-BE49-F238E27FC236}">
+                  <a16:creationId xmlns:a16="http://schemas.microsoft.com/office/drawing/2014/main" id="{FEA53039-A3DB-31C0-15B9-B21868D43CCD}"/>
+                </a:ext>
+              </a:extLst>
+            </p:cNvPr>
+            <p:cNvSpPr/>
+            <p:nvPr/>
+          </p:nvSpPr>
+          <p:spPr>
+            <a:xfrm>
+              <a:off x="4678356" y="3676521"/>
+              <a:ext cx="540000" cy="540000"/>
+            </a:xfrm>
+            <a:prstGeom prst="ellipse">
+              <a:avLst/>
+            </a:prstGeom>
+            <a:solidFill>
+              <a:srgbClr val="7030A0"/>
             </a:solidFill>
-            <a:tailEnd type="arrow" w="lg" len="lg"/>
-          </a:ln>
-        </p:spPr>
-        <p:style>
-          <a:lnRef idx="1">
-            <a:schemeClr val="accent1"/>
-          </a:lnRef>
-          <a:fillRef idx="0">
-            <a:schemeClr val="accent1"/>
-          </a:fillRef>
-          <a:effectRef idx="0">
-            <a:schemeClr val="accent1"/>
-          </a:effectRef>
-          <a:fontRef idx="minor">
-            <a:schemeClr val="tx1"/>
-          </a:fontRef>
-        </p:style>
-      </p:cxnSp>
-      <p:cxnSp>
-        <p:nvCxnSpPr>
-          <p:cNvPr id="13" name="Straight Arrow Connector 12">
-            <a:extLst>
-              <a:ext uri="{FF2B5EF4-FFF2-40B4-BE49-F238E27FC236}">
-                <a16:creationId xmlns:a16="http://schemas.microsoft.com/office/drawing/2014/main" id="{8EB431E2-A2AD-7D85-0ADB-335D39FEC41A}"/>
-              </a:ext>
-            </a:extLst>
-          </p:cNvPr>
-          <p:cNvCxnSpPr>
-            <a:cxnSpLocks/>
-            <a:stCxn id="9" idx="1"/>
-            <a:endCxn id="10" idx="3"/>
-          </p:cNvCxnSpPr>
-          <p:nvPr/>
-        </p:nvCxnSpPr>
-        <p:spPr>
-          <a:xfrm flipH="1">
-            <a:off x="5497208" y="2717600"/>
-            <a:ext cx="476124" cy="0"/>
-          </a:xfrm>
-          <a:prstGeom prst="straightConnector1">
-            <a:avLst/>
-          </a:prstGeom>
-          <a:ln w="31750">
+            <a:ln w="31750"/>
+          </p:spPr>
+          <p:style>
+            <a:lnRef idx="2">
+              <a:schemeClr val="accent1">
+                <a:shade val="50000"/>
+              </a:schemeClr>
+            </a:lnRef>
+            <a:fillRef idx="1">
+              <a:schemeClr val="accent1"/>
+            </a:fillRef>
+            <a:effectRef idx="0">
+              <a:schemeClr val="accent1"/>
+            </a:effectRef>
+            <a:fontRef idx="minor">
+              <a:schemeClr val="lt1"/>
+            </a:fontRef>
+          </p:style>
+          <p:txBody>
+            <a:bodyPr rtlCol="0" anchor="ctr"/>
+            <a:lstStyle/>
+            <a:p>
+              <a:pPr algn="ctr"/>
+              <a:r>
+                <a:rPr lang="en-GB" sz="3600" dirty="0">
+                  <a:solidFill>
+                    <a:schemeClr val="bg1"/>
+                  </a:solidFill>
+                </a:rPr>
+                <a:t>+</a:t>
+              </a:r>
+            </a:p>
+          </p:txBody>
+        </p:sp>
+        <p:cxnSp>
+          <p:nvCxnSpPr>
+            <p:cNvPr id="17" name="Straight Arrow Connector 16">
+              <a:extLst>
+                <a:ext uri="{FF2B5EF4-FFF2-40B4-BE49-F238E27FC236}">
+                  <a16:creationId xmlns:a16="http://schemas.microsoft.com/office/drawing/2014/main" id="{99376B45-7658-8D09-309B-FEDF0F1BBF33}"/>
+                </a:ext>
+              </a:extLst>
+            </p:cNvPr>
+            <p:cNvCxnSpPr>
+              <a:cxnSpLocks/>
+              <a:stCxn id="16" idx="6"/>
+              <a:endCxn id="11" idx="1"/>
+            </p:cNvCxnSpPr>
+            <p:nvPr/>
+          </p:nvCxnSpPr>
+          <p:spPr>
+            <a:xfrm>
+              <a:off x="5218356" y="3946521"/>
+              <a:ext cx="3180639" cy="0"/>
+            </a:xfrm>
+            <a:prstGeom prst="straightConnector1">
+              <a:avLst/>
+            </a:prstGeom>
+            <a:ln w="31750">
+              <a:solidFill>
+                <a:schemeClr val="tx1"/>
+              </a:solidFill>
+              <a:tailEnd type="arrow" w="lg" len="lg"/>
+            </a:ln>
+          </p:spPr>
+          <p:style>
+            <a:lnRef idx="1">
+              <a:schemeClr val="accent1"/>
+            </a:lnRef>
+            <a:fillRef idx="0">
+              <a:schemeClr val="accent1"/>
+            </a:fillRef>
+            <a:effectRef idx="0">
+              <a:schemeClr val="accent1"/>
+            </a:effectRef>
+            <a:fontRef idx="minor">
+              <a:schemeClr val="tx1"/>
+            </a:fontRef>
+          </p:style>
+        </p:cxnSp>
+        <p:sp>
+          <p:nvSpPr>
+            <p:cNvPr id="19" name="Rectangle 18">
+              <a:extLst>
+                <a:ext uri="{FF2B5EF4-FFF2-40B4-BE49-F238E27FC236}">
+                  <a16:creationId xmlns:a16="http://schemas.microsoft.com/office/drawing/2014/main" id="{875DE4CB-A6E6-1D25-07A1-06577C926098}"/>
+                </a:ext>
+              </a:extLst>
+            </p:cNvPr>
+            <p:cNvSpPr/>
+            <p:nvPr/>
+          </p:nvSpPr>
+          <p:spPr>
+            <a:xfrm>
+              <a:off x="1215350" y="3622521"/>
+              <a:ext cx="1122740" cy="648000"/>
+            </a:xfrm>
+            <a:prstGeom prst="rect">
+              <a:avLst/>
+            </a:prstGeom>
             <a:solidFill>
+              <a:srgbClr val="7030A0"/>
+            </a:solidFill>
+          </p:spPr>
+          <p:style>
+            <a:lnRef idx="2">
+              <a:schemeClr val="accent1">
+                <a:shade val="50000"/>
+              </a:schemeClr>
+            </a:lnRef>
+            <a:fillRef idx="1">
+              <a:schemeClr val="accent1"/>
+            </a:fillRef>
+            <a:effectRef idx="0">
+              <a:schemeClr val="accent1"/>
+            </a:effectRef>
+            <a:fontRef idx="minor">
+              <a:schemeClr val="lt1"/>
+            </a:fontRef>
+          </p:style>
+          <p:txBody>
+            <a:bodyPr rtlCol="0" anchor="ctr"/>
+            <a:lstStyle/>
+            <a:p>
+              <a:pPr algn="ctr"/>
+              <a:r>
+                <a:rPr lang="en-GB" dirty="0"/>
+                <a:t>Noise</a:t>
+              </a:r>
+            </a:p>
+            <a:p>
+              <a:pPr algn="ctr"/>
+              <a:r>
+                <a:rPr lang="en-GB" dirty="0"/>
+                <a:t>burst</a:t>
+              </a:r>
+            </a:p>
+          </p:txBody>
+        </p:sp>
+        <p:cxnSp>
+          <p:nvCxnSpPr>
+            <p:cNvPr id="20" name="Straight Arrow Connector 19">
+              <a:extLst>
+                <a:ext uri="{FF2B5EF4-FFF2-40B4-BE49-F238E27FC236}">
+                  <a16:creationId xmlns:a16="http://schemas.microsoft.com/office/drawing/2014/main" id="{2393166B-F984-CEAD-89AD-7F4C406D5236}"/>
+                </a:ext>
+              </a:extLst>
+            </p:cNvPr>
+            <p:cNvCxnSpPr>
+              <a:cxnSpLocks/>
+              <a:stCxn id="19" idx="3"/>
+              <a:endCxn id="8" idx="1"/>
+            </p:cNvCxnSpPr>
+            <p:nvPr/>
+          </p:nvCxnSpPr>
+          <p:spPr>
+            <a:xfrm>
+              <a:off x="2338090" y="3946521"/>
+              <a:ext cx="641323" cy="0"/>
+            </a:xfrm>
+            <a:prstGeom prst="straightConnector1">
+              <a:avLst/>
+            </a:prstGeom>
+            <a:ln w="31750">
+              <a:solidFill>
+                <a:schemeClr val="tx1"/>
+              </a:solidFill>
+              <a:tailEnd type="arrow" w="lg" len="lg"/>
+            </a:ln>
+          </p:spPr>
+          <p:style>
+            <a:lnRef idx="1">
+              <a:schemeClr val="accent1"/>
+            </a:lnRef>
+            <a:fillRef idx="0">
+              <a:schemeClr val="accent1"/>
+            </a:fillRef>
+            <a:effectRef idx="0">
+              <a:schemeClr val="accent1"/>
+            </a:effectRef>
+            <a:fontRef idx="minor">
               <a:schemeClr val="tx1"/>
+            </a:fontRef>
+          </p:style>
+        </p:cxnSp>
+        <p:sp>
+          <p:nvSpPr>
+            <p:cNvPr id="22" name="Rectangle 21">
+              <a:extLst>
+                <a:ext uri="{FF2B5EF4-FFF2-40B4-BE49-F238E27FC236}">
+                  <a16:creationId xmlns:a16="http://schemas.microsoft.com/office/drawing/2014/main" id="{F0258842-9D83-3B98-6325-83CFFD82DFFC}"/>
+                </a:ext>
+              </a:extLst>
+            </p:cNvPr>
+            <p:cNvSpPr/>
+            <p:nvPr/>
+          </p:nvSpPr>
+          <p:spPr>
+            <a:xfrm>
+              <a:off x="7446661" y="2393600"/>
+              <a:ext cx="894904" cy="648000"/>
+            </a:xfrm>
+            <a:prstGeom prst="rect">
+              <a:avLst/>
+            </a:prstGeom>
+            <a:solidFill>
+              <a:srgbClr val="7030A0"/>
             </a:solidFill>
-            <a:tailEnd type="arrow" w="lg" len="lg"/>
-          </a:ln>
-        </p:spPr>
-        <p:style>
-          <a:lnRef idx="1">
-            <a:schemeClr val="accent1"/>
-          </a:lnRef>
-          <a:fillRef idx="0">
-            <a:schemeClr val="accent1"/>
-          </a:fillRef>
-          <a:effectRef idx="0">
-            <a:schemeClr val="accent1"/>
-          </a:effectRef>
-          <a:fontRef idx="minor">
-            <a:schemeClr val="tx1"/>
-          </a:fontRef>
-        </p:style>
-      </p:cxnSp>
-      <p:cxnSp>
-        <p:nvCxnSpPr>
-          <p:cNvPr id="14" name="Straight Arrow Connector 13">
-            <a:extLst>
-              <a:ext uri="{FF2B5EF4-FFF2-40B4-BE49-F238E27FC236}">
-                <a16:creationId xmlns:a16="http://schemas.microsoft.com/office/drawing/2014/main" id="{6CA2D6D4-8101-C31B-E123-3862103EBF6E}"/>
-              </a:ext>
-            </a:extLst>
-          </p:cNvPr>
-          <p:cNvCxnSpPr>
-            <a:cxnSpLocks/>
-            <a:endCxn id="22" idx="2"/>
-          </p:cNvCxnSpPr>
-          <p:nvPr/>
-        </p:nvCxnSpPr>
-        <p:spPr>
-          <a:xfrm flipV="1">
-            <a:off x="7894113" y="3041600"/>
-            <a:ext cx="0" cy="904919"/>
-          </a:xfrm>
-          <a:prstGeom prst="straightConnector1">
-            <a:avLst/>
-          </a:prstGeom>
-          <a:ln w="31750">
-            <a:solidFill>
+          </p:spPr>
+          <p:style>
+            <a:lnRef idx="2">
+              <a:schemeClr val="accent1">
+                <a:shade val="50000"/>
+              </a:schemeClr>
+            </a:lnRef>
+            <a:fillRef idx="1">
+              <a:schemeClr val="accent1"/>
+            </a:fillRef>
+            <a:effectRef idx="0">
+              <a:schemeClr val="accent1"/>
+            </a:effectRef>
+            <a:fontRef idx="minor">
+              <a:schemeClr val="lt1"/>
+            </a:fontRef>
+          </p:style>
+          <p:txBody>
+            <a:bodyPr rtlCol="0" anchor="ctr"/>
+            <a:lstStyle/>
+            <a:p>
+              <a:pPr algn="ctr"/>
+              <a:r>
+                <a:rPr lang="en-GB" dirty="0"/>
+                <a:t>Delay</a:t>
+              </a:r>
+            </a:p>
+          </p:txBody>
+        </p:sp>
+        <p:cxnSp>
+          <p:nvCxnSpPr>
+            <p:cNvPr id="23" name="Straight Arrow Connector 22">
+              <a:extLst>
+                <a:ext uri="{FF2B5EF4-FFF2-40B4-BE49-F238E27FC236}">
+                  <a16:creationId xmlns:a16="http://schemas.microsoft.com/office/drawing/2014/main" id="{106AF0D4-0CD4-4EBB-E52E-C99FEA52B677}"/>
+                </a:ext>
+              </a:extLst>
+            </p:cNvPr>
+            <p:cNvCxnSpPr>
+              <a:cxnSpLocks/>
+              <a:stCxn id="22" idx="1"/>
+            </p:cNvCxnSpPr>
+            <p:nvPr/>
+          </p:nvCxnSpPr>
+          <p:spPr>
+            <a:xfrm flipH="1">
+              <a:off x="6978686" y="2717600"/>
+              <a:ext cx="467975" cy="0"/>
+            </a:xfrm>
+            <a:prstGeom prst="straightConnector1">
+              <a:avLst/>
+            </a:prstGeom>
+            <a:ln w="31750">
+              <a:solidFill>
+                <a:schemeClr val="tx1"/>
+              </a:solidFill>
+              <a:tailEnd type="arrow" w="lg" len="lg"/>
+            </a:ln>
+          </p:spPr>
+          <p:style>
+            <a:lnRef idx="1">
+              <a:schemeClr val="accent1"/>
+            </a:lnRef>
+            <a:fillRef idx="0">
+              <a:schemeClr val="accent1"/>
+            </a:fillRef>
+            <a:effectRef idx="0">
+              <a:schemeClr val="accent1"/>
+            </a:effectRef>
+            <a:fontRef idx="minor">
               <a:schemeClr val="tx1"/>
-            </a:solidFill>
-            <a:tailEnd type="arrow" w="lg" len="lg"/>
-          </a:ln>
-        </p:spPr>
-        <p:style>
-          <a:lnRef idx="1">
-            <a:schemeClr val="accent1"/>
-          </a:lnRef>
-          <a:fillRef idx="0">
-            <a:schemeClr val="accent1"/>
-          </a:fillRef>
-          <a:effectRef idx="0">
-            <a:schemeClr val="accent1"/>
-          </a:effectRef>
-          <a:fontRef idx="minor">
-            <a:schemeClr val="tx1"/>
-          </a:fontRef>
-        </p:style>
-      </p:cxnSp>
-      <p:cxnSp>
-        <p:nvCxnSpPr>
-          <p:cNvPr id="15" name="Straight Arrow Connector 14">
-            <a:extLst>
-              <a:ext uri="{FF2B5EF4-FFF2-40B4-BE49-F238E27FC236}">
-                <a16:creationId xmlns:a16="http://schemas.microsoft.com/office/drawing/2014/main" id="{53D14D3D-1A10-DEA6-230D-5D42A8C50CD6}"/>
-              </a:ext>
-            </a:extLst>
-          </p:cNvPr>
-          <p:cNvCxnSpPr>
-            <a:cxnSpLocks/>
-            <a:stCxn id="10" idx="2"/>
-            <a:endCxn id="16" idx="0"/>
-          </p:cNvCxnSpPr>
-          <p:nvPr/>
-        </p:nvCxnSpPr>
-        <p:spPr>
-          <a:xfrm flipH="1">
-            <a:off x="4948356" y="3041600"/>
-            <a:ext cx="8852" cy="634921"/>
-          </a:xfrm>
-          <a:prstGeom prst="straightConnector1">
-            <a:avLst/>
-          </a:prstGeom>
-          <a:ln w="31750">
-            <a:solidFill>
-              <a:schemeClr val="tx1"/>
-            </a:solidFill>
-            <a:tailEnd type="arrow" w="lg" len="lg"/>
-          </a:ln>
-        </p:spPr>
-        <p:style>
-          <a:lnRef idx="1">
-            <a:schemeClr val="accent1"/>
-          </a:lnRef>
-          <a:fillRef idx="0">
-            <a:schemeClr val="accent1"/>
-          </a:fillRef>
-          <a:effectRef idx="0">
-            <a:schemeClr val="accent1"/>
-          </a:effectRef>
-          <a:fontRef idx="minor">
-            <a:schemeClr val="tx1"/>
-          </a:fontRef>
-        </p:style>
-      </p:cxnSp>
-      <p:sp>
-        <p:nvSpPr>
-          <p:cNvPr id="16" name="Oval 15">
-            <a:extLst>
-              <a:ext uri="{FF2B5EF4-FFF2-40B4-BE49-F238E27FC236}">
-                <a16:creationId xmlns:a16="http://schemas.microsoft.com/office/drawing/2014/main" id="{FEA53039-A3DB-31C0-15B9-B21868D43CCD}"/>
-              </a:ext>
-            </a:extLst>
-          </p:cNvPr>
-          <p:cNvSpPr/>
-          <p:nvPr/>
-        </p:nvSpPr>
-        <p:spPr>
-          <a:xfrm>
-            <a:off x="4678356" y="3676521"/>
-            <a:ext cx="540000" cy="540000"/>
-          </a:xfrm>
-          <a:prstGeom prst="ellipse">
-            <a:avLst/>
-          </a:prstGeom>
-          <a:solidFill>
-            <a:srgbClr val="7030A0"/>
-          </a:solidFill>
-          <a:ln w="31750"/>
-        </p:spPr>
-        <p:style>
-          <a:lnRef idx="2">
-            <a:schemeClr val="accent1">
-              <a:shade val="50000"/>
-            </a:schemeClr>
-          </a:lnRef>
-          <a:fillRef idx="1">
-            <a:schemeClr val="accent1"/>
-          </a:fillRef>
-          <a:effectRef idx="0">
-            <a:schemeClr val="accent1"/>
-          </a:effectRef>
-          <a:fontRef idx="minor">
-            <a:schemeClr val="lt1"/>
-          </a:fontRef>
-        </p:style>
-        <p:txBody>
-          <a:bodyPr rtlCol="0" anchor="ctr"/>
-          <a:lstStyle/>
-          <a:p>
-            <a:pPr algn="ctr"/>
-            <a:r>
-              <a:rPr lang="en-GB" sz="3600" dirty="0">
-                <a:solidFill>
-                  <a:schemeClr val="bg1"/>
-                </a:solidFill>
-              </a:rPr>
-              <a:t>+</a:t>
-            </a:r>
-          </a:p>
-        </p:txBody>
-      </p:sp>
-      <p:cxnSp>
-        <p:nvCxnSpPr>
-          <p:cNvPr id="17" name="Straight Arrow Connector 16">
-            <a:extLst>
-              <a:ext uri="{FF2B5EF4-FFF2-40B4-BE49-F238E27FC236}">
-                <a16:creationId xmlns:a16="http://schemas.microsoft.com/office/drawing/2014/main" id="{99376B45-7658-8D09-309B-FEDF0F1BBF33}"/>
-              </a:ext>
-            </a:extLst>
-          </p:cNvPr>
-          <p:cNvCxnSpPr>
-            <a:cxnSpLocks/>
-            <a:stCxn id="16" idx="6"/>
-            <a:endCxn id="11" idx="1"/>
-          </p:cNvCxnSpPr>
-          <p:nvPr/>
-        </p:nvCxnSpPr>
-        <p:spPr>
-          <a:xfrm>
-            <a:off x="5218356" y="3946521"/>
-            <a:ext cx="3180639" cy="0"/>
-          </a:xfrm>
-          <a:prstGeom prst="straightConnector1">
-            <a:avLst/>
-          </a:prstGeom>
-          <a:ln w="31750">
-            <a:solidFill>
-              <a:schemeClr val="tx1"/>
-            </a:solidFill>
-            <a:tailEnd type="arrow" w="lg" len="lg"/>
-          </a:ln>
-        </p:spPr>
-        <p:style>
-          <a:lnRef idx="1">
-            <a:schemeClr val="accent1"/>
-          </a:lnRef>
-          <a:fillRef idx="0">
-            <a:schemeClr val="accent1"/>
-          </a:fillRef>
-          <a:effectRef idx="0">
-            <a:schemeClr val="accent1"/>
-          </a:effectRef>
-          <a:fontRef idx="minor">
-            <a:schemeClr val="tx1"/>
-          </a:fontRef>
-        </p:style>
-      </p:cxnSp>
-      <p:sp>
-        <p:nvSpPr>
-          <p:cNvPr id="19" name="Rectangle 18">
-            <a:extLst>
-              <a:ext uri="{FF2B5EF4-FFF2-40B4-BE49-F238E27FC236}">
-                <a16:creationId xmlns:a16="http://schemas.microsoft.com/office/drawing/2014/main" id="{875DE4CB-A6E6-1D25-07A1-06577C926098}"/>
-              </a:ext>
-            </a:extLst>
-          </p:cNvPr>
-          <p:cNvSpPr/>
-          <p:nvPr/>
-        </p:nvSpPr>
-        <p:spPr>
-          <a:xfrm>
-            <a:off x="1215350" y="3622521"/>
-            <a:ext cx="1122740" cy="648000"/>
-          </a:xfrm>
-          <a:prstGeom prst="rect">
-            <a:avLst/>
-          </a:prstGeom>
-          <a:solidFill>
-            <a:srgbClr val="7030A0"/>
-          </a:solidFill>
-        </p:spPr>
-        <p:style>
-          <a:lnRef idx="2">
-            <a:schemeClr val="accent1">
-              <a:shade val="50000"/>
-            </a:schemeClr>
-          </a:lnRef>
-          <a:fillRef idx="1">
-            <a:schemeClr val="accent1"/>
-          </a:fillRef>
-          <a:effectRef idx="0">
-            <a:schemeClr val="accent1"/>
-          </a:effectRef>
-          <a:fontRef idx="minor">
-            <a:schemeClr val="lt1"/>
-          </a:fontRef>
-        </p:style>
-        <p:txBody>
-          <a:bodyPr rtlCol="0" anchor="ctr"/>
-          <a:lstStyle/>
-          <a:p>
-            <a:pPr algn="ctr"/>
-            <a:r>
-              <a:rPr lang="en-GB" dirty="0"/>
-              <a:t>Noise</a:t>
-            </a:r>
-          </a:p>
-          <a:p>
-            <a:pPr algn="ctr"/>
-            <a:r>
-              <a:rPr lang="en-GB" dirty="0"/>
-              <a:t>burst</a:t>
-            </a:r>
-          </a:p>
-        </p:txBody>
-      </p:sp>
-      <p:cxnSp>
-        <p:nvCxnSpPr>
-          <p:cNvPr id="20" name="Straight Arrow Connector 19">
-            <a:extLst>
-              <a:ext uri="{FF2B5EF4-FFF2-40B4-BE49-F238E27FC236}">
-                <a16:creationId xmlns:a16="http://schemas.microsoft.com/office/drawing/2014/main" id="{2393166B-F984-CEAD-89AD-7F4C406D5236}"/>
-              </a:ext>
-            </a:extLst>
-          </p:cNvPr>
-          <p:cNvCxnSpPr>
-            <a:cxnSpLocks/>
-            <a:stCxn id="19" idx="3"/>
-            <a:endCxn id="8" idx="1"/>
-          </p:cNvCxnSpPr>
-          <p:nvPr/>
-        </p:nvCxnSpPr>
-        <p:spPr>
-          <a:xfrm>
-            <a:off x="2338090" y="3946521"/>
-            <a:ext cx="641323" cy="0"/>
-          </a:xfrm>
-          <a:prstGeom prst="straightConnector1">
-            <a:avLst/>
-          </a:prstGeom>
-          <a:ln w="31750">
-            <a:solidFill>
-              <a:schemeClr val="tx1"/>
-            </a:solidFill>
-            <a:tailEnd type="arrow" w="lg" len="lg"/>
-          </a:ln>
-        </p:spPr>
-        <p:style>
-          <a:lnRef idx="1">
-            <a:schemeClr val="accent1"/>
-          </a:lnRef>
-          <a:fillRef idx="0">
-            <a:schemeClr val="accent1"/>
-          </a:fillRef>
-          <a:effectRef idx="0">
-            <a:schemeClr val="accent1"/>
-          </a:effectRef>
-          <a:fontRef idx="minor">
-            <a:schemeClr val="tx1"/>
-          </a:fontRef>
-        </p:style>
-      </p:cxnSp>
-      <p:sp>
-        <p:nvSpPr>
-          <p:cNvPr id="22" name="Rectangle 21">
-            <a:extLst>
-              <a:ext uri="{FF2B5EF4-FFF2-40B4-BE49-F238E27FC236}">
-                <a16:creationId xmlns:a16="http://schemas.microsoft.com/office/drawing/2014/main" id="{F0258842-9D83-3B98-6325-83CFFD82DFFC}"/>
-              </a:ext>
-            </a:extLst>
-          </p:cNvPr>
-          <p:cNvSpPr/>
-          <p:nvPr/>
-        </p:nvSpPr>
-        <p:spPr>
-          <a:xfrm>
-            <a:off x="7446661" y="2393600"/>
-            <a:ext cx="894904" cy="648000"/>
-          </a:xfrm>
-          <a:prstGeom prst="rect">
-            <a:avLst/>
-          </a:prstGeom>
-          <a:solidFill>
-            <a:srgbClr val="7030A0"/>
-          </a:solidFill>
-        </p:spPr>
-        <p:style>
-          <a:lnRef idx="2">
-            <a:schemeClr val="accent1">
-              <a:shade val="50000"/>
-            </a:schemeClr>
-          </a:lnRef>
-          <a:fillRef idx="1">
-            <a:schemeClr val="accent1"/>
-          </a:fillRef>
-          <a:effectRef idx="0">
-            <a:schemeClr val="accent1"/>
-          </a:effectRef>
-          <a:fontRef idx="minor">
-            <a:schemeClr val="lt1"/>
-          </a:fontRef>
-        </p:style>
-        <p:txBody>
-          <a:bodyPr rtlCol="0" anchor="ctr"/>
-          <a:lstStyle/>
-          <a:p>
-            <a:pPr algn="ctr"/>
-            <a:r>
-              <a:rPr lang="en-GB" dirty="0"/>
-              <a:t>Delay</a:t>
-            </a:r>
-          </a:p>
-        </p:txBody>
-      </p:sp>
-      <p:cxnSp>
-        <p:nvCxnSpPr>
-          <p:cNvPr id="23" name="Straight Arrow Connector 22">
-            <a:extLst>
-              <a:ext uri="{FF2B5EF4-FFF2-40B4-BE49-F238E27FC236}">
-                <a16:creationId xmlns:a16="http://schemas.microsoft.com/office/drawing/2014/main" id="{106AF0D4-0CD4-4EBB-E52E-C99FEA52B677}"/>
-              </a:ext>
-            </a:extLst>
-          </p:cNvPr>
-          <p:cNvCxnSpPr>
-            <a:cxnSpLocks/>
-            <a:stCxn id="22" idx="1"/>
-          </p:cNvCxnSpPr>
-          <p:nvPr/>
-        </p:nvCxnSpPr>
-        <p:spPr>
-          <a:xfrm flipH="1">
-            <a:off x="6978686" y="2717600"/>
-            <a:ext cx="467975" cy="0"/>
-          </a:xfrm>
-          <a:prstGeom prst="straightConnector1">
-            <a:avLst/>
-          </a:prstGeom>
-          <a:ln w="31750">
-            <a:solidFill>
-              <a:schemeClr val="tx1"/>
-            </a:solidFill>
-            <a:tailEnd type="arrow" w="lg" len="lg"/>
-          </a:ln>
-        </p:spPr>
-        <p:style>
-          <a:lnRef idx="1">
-            <a:schemeClr val="accent1"/>
-          </a:lnRef>
-          <a:fillRef idx="0">
-            <a:schemeClr val="accent1"/>
-          </a:fillRef>
-          <a:effectRef idx="0">
-            <a:schemeClr val="accent1"/>
-          </a:effectRef>
-          <a:fontRef idx="minor">
-            <a:schemeClr val="tx1"/>
-          </a:fontRef>
-        </p:style>
-      </p:cxnSp>
+            </a:fontRef>
+          </p:style>
+        </p:cxnSp>
+      </p:grpSp>
     </p:spTree>
     <p:extLst>
       <p:ext uri="{BB962C8B-B14F-4D97-AF65-F5344CB8AC3E}">
